--- a/1005進捗.pptx
+++ b/1005進捗.pptx
@@ -5,10 +5,18 @@
     <p:sldMasterId id="2147483648" r:id="rId1"/>
   </p:sldMasterIdLst>
   <p:notesMasterIdLst>
-    <p:notesMasterId r:id="rId3"/>
+    <p:notesMasterId r:id="rId11"/>
   </p:notesMasterIdLst>
   <p:sldIdLst>
     <p:sldId id="256" r:id="rId2"/>
+    <p:sldId id="257" r:id="rId3"/>
+    <p:sldId id="258" r:id="rId4"/>
+    <p:sldId id="259" r:id="rId5"/>
+    <p:sldId id="260" r:id="rId6"/>
+    <p:sldId id="261" r:id="rId7"/>
+    <p:sldId id="263" r:id="rId8"/>
+    <p:sldId id="264" r:id="rId9"/>
+    <p:sldId id="265" r:id="rId10"/>
   </p:sldIdLst>
   <p:sldSz cx="9144000" cy="6858000" type="screen4x3"/>
   <p:notesSz cx="6858000" cy="9144000"/>
@@ -113,6 +121,14 @@
         <p14:section name="既定のセクション" id="{F16C0970-AE49-C14F-B39C-514FC6A8B575}">
           <p14:sldIdLst>
             <p14:sldId id="256"/>
+            <p14:sldId id="257"/>
+            <p14:sldId id="258"/>
+            <p14:sldId id="259"/>
+            <p14:sldId id="260"/>
+            <p14:sldId id="261"/>
+            <p14:sldId id="263"/>
+            <p14:sldId id="264"/>
+            <p14:sldId id="265"/>
           </p14:sldIdLst>
         </p14:section>
       </p14:sectionLst>
@@ -3920,6 +3936,1162 @@
     <p:extLst>
       <p:ext uri="{BB962C8B-B14F-4D97-AF65-F5344CB8AC3E}">
         <p14:creationId xmlns:p14="http://schemas.microsoft.com/office/powerpoint/2010/main" val="920729019"/>
+      </p:ext>
+    </p:extLst>
+  </p:cSld>
+  <p:clrMapOvr>
+    <a:masterClrMapping/>
+  </p:clrMapOvr>
+</p:sld>
+</file>
+
+<file path=ppt/slides/slide2.xml><?xml version="1.0" encoding="utf-8"?>
+<p:sld xmlns:a="http://schemas.openxmlformats.org/drawingml/2006/main" xmlns:r="http://schemas.openxmlformats.org/officeDocument/2006/relationships" xmlns:p="http://schemas.openxmlformats.org/presentationml/2006/main">
+  <p:cSld>
+    <p:spTree>
+      <p:nvGrpSpPr>
+        <p:cNvPr id="1" name=""/>
+        <p:cNvGrpSpPr/>
+        <p:nvPr/>
+      </p:nvGrpSpPr>
+      <p:grpSpPr>
+        <a:xfrm>
+          <a:off x="0" y="0"/>
+          <a:ext cx="0" cy="0"/>
+          <a:chOff x="0" y="0"/>
+          <a:chExt cx="0" cy="0"/>
+        </a:xfrm>
+      </p:grpSpPr>
+      <p:sp>
+        <p:nvSpPr>
+          <p:cNvPr id="2" name="タイトル 1">
+            <a:extLst>
+              <a:ext uri="{FF2B5EF4-FFF2-40B4-BE49-F238E27FC236}">
+                <a16:creationId xmlns:a16="http://schemas.microsoft.com/office/drawing/2014/main" id="{94677CCF-8595-364F-9FF5-E15210A40D25}"/>
+              </a:ext>
+            </a:extLst>
+          </p:cNvPr>
+          <p:cNvSpPr>
+            <a:spLocks noGrp="1"/>
+          </p:cNvSpPr>
+          <p:nvPr>
+            <p:ph type="title"/>
+          </p:nvPr>
+        </p:nvSpPr>
+        <p:spPr/>
+        <p:txBody>
+          <a:bodyPr/>
+          <a:lstStyle/>
+          <a:p>
+            <a:r>
+              <a:rPr kumimoji="1" lang="ja-JP" altLang="en-US"/>
+              <a:t>発表の流れ</a:t>
+            </a:r>
+          </a:p>
+        </p:txBody>
+      </p:sp>
+      <p:sp>
+        <p:nvSpPr>
+          <p:cNvPr id="3" name="コンテンツ プレースホルダー 2">
+            <a:extLst>
+              <a:ext uri="{FF2B5EF4-FFF2-40B4-BE49-F238E27FC236}">
+                <a16:creationId xmlns:a16="http://schemas.microsoft.com/office/drawing/2014/main" id="{9EACF3DD-5B1F-9946-8C6F-71198FB63AA4}"/>
+              </a:ext>
+            </a:extLst>
+          </p:cNvPr>
+          <p:cNvSpPr>
+            <a:spLocks noGrp="1"/>
+          </p:cNvSpPr>
+          <p:nvPr>
+            <p:ph idx="1"/>
+          </p:nvPr>
+        </p:nvSpPr>
+        <p:spPr/>
+        <p:txBody>
+          <a:bodyPr/>
+          <a:lstStyle/>
+          <a:p>
+            <a:pPr marL="0" indent="0">
+              <a:buNone/>
+            </a:pPr>
+            <a:r>
+              <a:rPr kumimoji="1" lang="en-US" altLang="ja-JP" dirty="0"/>
+              <a:t>1. Ruby on Rails</a:t>
+            </a:r>
+            <a:r>
+              <a:rPr kumimoji="1" lang="ja-JP" altLang="en-US"/>
+              <a:t>のプラグインについて</a:t>
+            </a:r>
+            <a:endParaRPr kumimoji="1" lang="en-US" altLang="ja-JP" dirty="0"/>
+          </a:p>
+          <a:p>
+            <a:pPr marL="0" indent="0">
+              <a:buNone/>
+            </a:pPr>
+            <a:endParaRPr lang="en-US" altLang="ja-JP" dirty="0"/>
+          </a:p>
+          <a:p>
+            <a:pPr marL="0" indent="0">
+              <a:buNone/>
+            </a:pPr>
+            <a:r>
+              <a:rPr kumimoji="1" lang="en-US" altLang="ja-JP" dirty="0"/>
+              <a:t>2. </a:t>
+            </a:r>
+            <a:r>
+              <a:rPr kumimoji="1" lang="ja-JP" altLang="en-US"/>
+              <a:t>シミュレータの進捗</a:t>
+            </a:r>
+            <a:endParaRPr kumimoji="1" lang="en-US" altLang="ja-JP" dirty="0"/>
+          </a:p>
+          <a:p>
+            <a:pPr marL="514350" indent="-514350">
+              <a:buAutoNum type="arabicPeriod"/>
+            </a:pPr>
+            <a:endParaRPr lang="en-US" altLang="ja-JP" dirty="0"/>
+          </a:p>
+          <a:p>
+            <a:pPr marL="0" indent="0">
+              <a:buNone/>
+            </a:pPr>
+            <a:endParaRPr lang="en-US" altLang="ja-JP" dirty="0"/>
+          </a:p>
+          <a:p>
+            <a:pPr marL="0" indent="0">
+              <a:buNone/>
+            </a:pPr>
+            <a:r>
+              <a:rPr lang="en-US" altLang="ja-JP" dirty="0"/>
+              <a:t>3. </a:t>
+            </a:r>
+            <a:r>
+              <a:rPr lang="ja-JP" altLang="en-US"/>
+              <a:t>課題</a:t>
+            </a:r>
+            <a:endParaRPr lang="en-US" altLang="ja-JP" dirty="0"/>
+          </a:p>
+        </p:txBody>
+      </p:sp>
+      <p:sp>
+        <p:nvSpPr>
+          <p:cNvPr id="4" name="スライド番号プレースホルダー 3">
+            <a:extLst>
+              <a:ext uri="{FF2B5EF4-FFF2-40B4-BE49-F238E27FC236}">
+                <a16:creationId xmlns:a16="http://schemas.microsoft.com/office/drawing/2014/main" id="{17B46BE4-1AA0-3548-853E-2C80289F18DE}"/>
+              </a:ext>
+            </a:extLst>
+          </p:cNvPr>
+          <p:cNvSpPr>
+            <a:spLocks noGrp="1"/>
+          </p:cNvSpPr>
+          <p:nvPr>
+            <p:ph type="sldNum" sz="quarter" idx="12"/>
+          </p:nvPr>
+        </p:nvSpPr>
+        <p:spPr/>
+        <p:txBody>
+          <a:bodyPr/>
+          <a:lstStyle/>
+          <a:p>
+            <a:pPr algn="ctr"/>
+            <a:fld id="{CA23F248-F353-4F36-A746-B1953A38AE2D}" type="slidenum">
+              <a:rPr lang="ja-JP" altLang="en-US" smtClean="0"/>
+              <a:pPr algn="ctr"/>
+              <a:t>2</a:t>
+            </a:fld>
+            <a:endParaRPr lang="ja-JP" altLang="en-US" dirty="0"/>
+          </a:p>
+        </p:txBody>
+      </p:sp>
+    </p:spTree>
+    <p:extLst>
+      <p:ext uri="{BB962C8B-B14F-4D97-AF65-F5344CB8AC3E}">
+        <p14:creationId xmlns:p14="http://schemas.microsoft.com/office/powerpoint/2010/main" val="3770993822"/>
+      </p:ext>
+    </p:extLst>
+  </p:cSld>
+  <p:clrMapOvr>
+    <a:masterClrMapping/>
+  </p:clrMapOvr>
+</p:sld>
+</file>
+
+<file path=ppt/slides/slide3.xml><?xml version="1.0" encoding="utf-8"?>
+<p:sld xmlns:a="http://schemas.openxmlformats.org/drawingml/2006/main" xmlns:r="http://schemas.openxmlformats.org/officeDocument/2006/relationships" xmlns:p="http://schemas.openxmlformats.org/presentationml/2006/main">
+  <p:cSld>
+    <p:spTree>
+      <p:nvGrpSpPr>
+        <p:cNvPr id="1" name=""/>
+        <p:cNvGrpSpPr/>
+        <p:nvPr/>
+      </p:nvGrpSpPr>
+      <p:grpSpPr>
+        <a:xfrm>
+          <a:off x="0" y="0"/>
+          <a:ext cx="0" cy="0"/>
+          <a:chOff x="0" y="0"/>
+          <a:chExt cx="0" cy="0"/>
+        </a:xfrm>
+      </p:grpSpPr>
+      <p:sp>
+        <p:nvSpPr>
+          <p:cNvPr id="2" name="タイトル 1">
+            <a:extLst>
+              <a:ext uri="{FF2B5EF4-FFF2-40B4-BE49-F238E27FC236}">
+                <a16:creationId xmlns:a16="http://schemas.microsoft.com/office/drawing/2014/main" id="{63F6A28C-FA55-774A-9470-7D9F40E9C8BD}"/>
+              </a:ext>
+            </a:extLst>
+          </p:cNvPr>
+          <p:cNvSpPr>
+            <a:spLocks noGrp="1"/>
+          </p:cNvSpPr>
+          <p:nvPr>
+            <p:ph type="title"/>
+          </p:nvPr>
+        </p:nvSpPr>
+        <p:spPr/>
+        <p:txBody>
+          <a:bodyPr/>
+          <a:lstStyle/>
+          <a:p>
+            <a:r>
+              <a:rPr kumimoji="1" lang="ja-JP" altLang="en-US"/>
+              <a:t>プラグインについて</a:t>
+            </a:r>
+          </a:p>
+        </p:txBody>
+      </p:sp>
+      <p:sp>
+        <p:nvSpPr>
+          <p:cNvPr id="3" name="コンテンツ プレースホルダー 2">
+            <a:extLst>
+              <a:ext uri="{FF2B5EF4-FFF2-40B4-BE49-F238E27FC236}">
+                <a16:creationId xmlns:a16="http://schemas.microsoft.com/office/drawing/2014/main" id="{AD7B3838-E620-2D4B-ABB5-D9E1D19E924F}"/>
+              </a:ext>
+            </a:extLst>
+          </p:cNvPr>
+          <p:cNvSpPr>
+            <a:spLocks noGrp="1"/>
+          </p:cNvSpPr>
+          <p:nvPr>
+            <p:ph idx="1"/>
+          </p:nvPr>
+        </p:nvSpPr>
+        <p:spPr/>
+        <p:txBody>
+          <a:bodyPr/>
+          <a:lstStyle/>
+          <a:p>
+            <a:endParaRPr kumimoji="1" lang="en-US" altLang="ja-JP" dirty="0"/>
+          </a:p>
+          <a:p>
+            <a:r>
+              <a:rPr kumimoji="1" lang="en-US" altLang="ja-JP" dirty="0"/>
+              <a:t>Gem</a:t>
+            </a:r>
+            <a:r>
+              <a:rPr kumimoji="1" lang="ja-JP" altLang="en-US"/>
+              <a:t>を用いての導入</a:t>
+            </a:r>
+            <a:endParaRPr kumimoji="1" lang="en-US" altLang="ja-JP" dirty="0"/>
+          </a:p>
+          <a:p>
+            <a:endParaRPr lang="en-US" altLang="ja-JP" dirty="0"/>
+          </a:p>
+          <a:p>
+            <a:r>
+              <a:rPr kumimoji="1" lang="ja-JP" altLang="en-US"/>
+              <a:t>マニフェストを用いての導入</a:t>
+            </a:r>
+          </a:p>
+        </p:txBody>
+      </p:sp>
+      <p:sp>
+        <p:nvSpPr>
+          <p:cNvPr id="4" name="スライド番号プレースホルダー 3">
+            <a:extLst>
+              <a:ext uri="{FF2B5EF4-FFF2-40B4-BE49-F238E27FC236}">
+                <a16:creationId xmlns:a16="http://schemas.microsoft.com/office/drawing/2014/main" id="{9DB22194-DC14-344B-AE03-8C8D14659554}"/>
+              </a:ext>
+            </a:extLst>
+          </p:cNvPr>
+          <p:cNvSpPr>
+            <a:spLocks noGrp="1"/>
+          </p:cNvSpPr>
+          <p:nvPr>
+            <p:ph type="sldNum" sz="quarter" idx="12"/>
+          </p:nvPr>
+        </p:nvSpPr>
+        <p:spPr/>
+        <p:txBody>
+          <a:bodyPr/>
+          <a:lstStyle/>
+          <a:p>
+            <a:pPr algn="ctr"/>
+            <a:fld id="{CA23F248-F353-4F36-A746-B1953A38AE2D}" type="slidenum">
+              <a:rPr lang="ja-JP" altLang="en-US" smtClean="0"/>
+              <a:pPr algn="ctr"/>
+              <a:t>3</a:t>
+            </a:fld>
+            <a:endParaRPr lang="ja-JP" altLang="en-US" dirty="0"/>
+          </a:p>
+        </p:txBody>
+      </p:sp>
+    </p:spTree>
+    <p:extLst>
+      <p:ext uri="{BB962C8B-B14F-4D97-AF65-F5344CB8AC3E}">
+        <p14:creationId xmlns:p14="http://schemas.microsoft.com/office/powerpoint/2010/main" val="4294558350"/>
+      </p:ext>
+    </p:extLst>
+  </p:cSld>
+  <p:clrMapOvr>
+    <a:masterClrMapping/>
+  </p:clrMapOvr>
+</p:sld>
+</file>
+
+<file path=ppt/slides/slide4.xml><?xml version="1.0" encoding="utf-8"?>
+<p:sld xmlns:a="http://schemas.openxmlformats.org/drawingml/2006/main" xmlns:r="http://schemas.openxmlformats.org/officeDocument/2006/relationships" xmlns:p="http://schemas.openxmlformats.org/presentationml/2006/main">
+  <p:cSld>
+    <p:spTree>
+      <p:nvGrpSpPr>
+        <p:cNvPr id="1" name=""/>
+        <p:cNvGrpSpPr/>
+        <p:nvPr/>
+      </p:nvGrpSpPr>
+      <p:grpSpPr>
+        <a:xfrm>
+          <a:off x="0" y="0"/>
+          <a:ext cx="0" cy="0"/>
+          <a:chOff x="0" y="0"/>
+          <a:chExt cx="0" cy="0"/>
+        </a:xfrm>
+      </p:grpSpPr>
+      <p:sp>
+        <p:nvSpPr>
+          <p:cNvPr id="2" name="タイトル 1">
+            <a:extLst>
+              <a:ext uri="{FF2B5EF4-FFF2-40B4-BE49-F238E27FC236}">
+                <a16:creationId xmlns:a16="http://schemas.microsoft.com/office/drawing/2014/main" id="{977C6D6D-4E6F-954B-BA93-991259A8192F}"/>
+              </a:ext>
+            </a:extLst>
+          </p:cNvPr>
+          <p:cNvSpPr>
+            <a:spLocks noGrp="1"/>
+          </p:cNvSpPr>
+          <p:nvPr>
+            <p:ph type="title"/>
+          </p:nvPr>
+        </p:nvSpPr>
+        <p:spPr/>
+        <p:txBody>
+          <a:bodyPr/>
+          <a:lstStyle/>
+          <a:p>
+            <a:r>
+              <a:rPr kumimoji="1" lang="en-US" altLang="ja-JP" dirty="0"/>
+              <a:t>Gem</a:t>
+            </a:r>
+            <a:r>
+              <a:rPr kumimoji="1" lang="ja-JP" altLang="en-US"/>
+              <a:t>を用いての導入</a:t>
+            </a:r>
+          </a:p>
+        </p:txBody>
+      </p:sp>
+      <p:sp>
+        <p:nvSpPr>
+          <p:cNvPr id="3" name="コンテンツ プレースホルダー 2">
+            <a:extLst>
+              <a:ext uri="{FF2B5EF4-FFF2-40B4-BE49-F238E27FC236}">
+                <a16:creationId xmlns:a16="http://schemas.microsoft.com/office/drawing/2014/main" id="{D99A729D-BE13-9949-A35C-1B6FBCDBFF5D}"/>
+              </a:ext>
+            </a:extLst>
+          </p:cNvPr>
+          <p:cNvSpPr>
+            <a:spLocks noGrp="1"/>
+          </p:cNvSpPr>
+          <p:nvPr>
+            <p:ph idx="1"/>
+          </p:nvPr>
+        </p:nvSpPr>
+        <p:spPr/>
+        <p:txBody>
+          <a:bodyPr/>
+          <a:lstStyle/>
+          <a:p>
+            <a:endParaRPr kumimoji="1" lang="ja-JP" altLang="en-US"/>
+          </a:p>
+        </p:txBody>
+      </p:sp>
+      <p:sp>
+        <p:nvSpPr>
+          <p:cNvPr id="4" name="スライド番号プレースホルダー 3">
+            <a:extLst>
+              <a:ext uri="{FF2B5EF4-FFF2-40B4-BE49-F238E27FC236}">
+                <a16:creationId xmlns:a16="http://schemas.microsoft.com/office/drawing/2014/main" id="{3DB6481F-9C4E-E940-9E71-B1551FC9E3BB}"/>
+              </a:ext>
+            </a:extLst>
+          </p:cNvPr>
+          <p:cNvSpPr>
+            <a:spLocks noGrp="1"/>
+          </p:cNvSpPr>
+          <p:nvPr>
+            <p:ph type="sldNum" sz="quarter" idx="12"/>
+          </p:nvPr>
+        </p:nvSpPr>
+        <p:spPr/>
+        <p:txBody>
+          <a:bodyPr/>
+          <a:lstStyle/>
+          <a:p>
+            <a:pPr algn="ctr"/>
+            <a:fld id="{CA23F248-F353-4F36-A746-B1953A38AE2D}" type="slidenum">
+              <a:rPr lang="ja-JP" altLang="en-US" smtClean="0"/>
+              <a:pPr algn="ctr"/>
+              <a:t>4</a:t>
+            </a:fld>
+            <a:endParaRPr lang="ja-JP" altLang="en-US" dirty="0"/>
+          </a:p>
+        </p:txBody>
+      </p:sp>
+    </p:spTree>
+    <p:extLst>
+      <p:ext uri="{BB962C8B-B14F-4D97-AF65-F5344CB8AC3E}">
+        <p14:creationId xmlns:p14="http://schemas.microsoft.com/office/powerpoint/2010/main" val="435800991"/>
+      </p:ext>
+    </p:extLst>
+  </p:cSld>
+  <p:clrMapOvr>
+    <a:masterClrMapping/>
+  </p:clrMapOvr>
+</p:sld>
+</file>
+
+<file path=ppt/slides/slide5.xml><?xml version="1.0" encoding="utf-8"?>
+<p:sld xmlns:a="http://schemas.openxmlformats.org/drawingml/2006/main" xmlns:r="http://schemas.openxmlformats.org/officeDocument/2006/relationships" xmlns:p="http://schemas.openxmlformats.org/presentationml/2006/main">
+  <p:cSld>
+    <p:spTree>
+      <p:nvGrpSpPr>
+        <p:cNvPr id="1" name=""/>
+        <p:cNvGrpSpPr/>
+        <p:nvPr/>
+      </p:nvGrpSpPr>
+      <p:grpSpPr>
+        <a:xfrm>
+          <a:off x="0" y="0"/>
+          <a:ext cx="0" cy="0"/>
+          <a:chOff x="0" y="0"/>
+          <a:chExt cx="0" cy="0"/>
+        </a:xfrm>
+      </p:grpSpPr>
+      <p:sp>
+        <p:nvSpPr>
+          <p:cNvPr id="2" name="タイトル 1">
+            <a:extLst>
+              <a:ext uri="{FF2B5EF4-FFF2-40B4-BE49-F238E27FC236}">
+                <a16:creationId xmlns:a16="http://schemas.microsoft.com/office/drawing/2014/main" id="{B68E727D-968A-6E48-A56A-9E0942D9230A}"/>
+              </a:ext>
+            </a:extLst>
+          </p:cNvPr>
+          <p:cNvSpPr>
+            <a:spLocks noGrp="1"/>
+          </p:cNvSpPr>
+          <p:nvPr>
+            <p:ph type="title"/>
+          </p:nvPr>
+        </p:nvSpPr>
+        <p:spPr/>
+        <p:txBody>
+          <a:bodyPr/>
+          <a:lstStyle/>
+          <a:p>
+            <a:r>
+              <a:rPr kumimoji="1" lang="ja-JP" altLang="en-US"/>
+              <a:t>マニフェストを用いての導入</a:t>
+            </a:r>
+          </a:p>
+        </p:txBody>
+      </p:sp>
+      <p:sp>
+        <p:nvSpPr>
+          <p:cNvPr id="3" name="コンテンツ プレースホルダー 2">
+            <a:extLst>
+              <a:ext uri="{FF2B5EF4-FFF2-40B4-BE49-F238E27FC236}">
+                <a16:creationId xmlns:a16="http://schemas.microsoft.com/office/drawing/2014/main" id="{5E65078E-0137-6C4E-ADC7-7D9AC555334C}"/>
+              </a:ext>
+            </a:extLst>
+          </p:cNvPr>
+          <p:cNvSpPr>
+            <a:spLocks noGrp="1"/>
+          </p:cNvSpPr>
+          <p:nvPr>
+            <p:ph idx="1"/>
+          </p:nvPr>
+        </p:nvSpPr>
+        <p:spPr/>
+        <p:txBody>
+          <a:bodyPr/>
+          <a:lstStyle/>
+          <a:p>
+            <a:endParaRPr kumimoji="1" lang="ja-JP" altLang="en-US"/>
+          </a:p>
+        </p:txBody>
+      </p:sp>
+      <p:sp>
+        <p:nvSpPr>
+          <p:cNvPr id="4" name="スライド番号プレースホルダー 3">
+            <a:extLst>
+              <a:ext uri="{FF2B5EF4-FFF2-40B4-BE49-F238E27FC236}">
+                <a16:creationId xmlns:a16="http://schemas.microsoft.com/office/drawing/2014/main" id="{73D7005A-24B4-214C-BF60-7EF9F69FC2F4}"/>
+              </a:ext>
+            </a:extLst>
+          </p:cNvPr>
+          <p:cNvSpPr>
+            <a:spLocks noGrp="1"/>
+          </p:cNvSpPr>
+          <p:nvPr>
+            <p:ph type="sldNum" sz="quarter" idx="12"/>
+          </p:nvPr>
+        </p:nvSpPr>
+        <p:spPr/>
+        <p:txBody>
+          <a:bodyPr/>
+          <a:lstStyle/>
+          <a:p>
+            <a:pPr algn="ctr"/>
+            <a:fld id="{CA23F248-F353-4F36-A746-B1953A38AE2D}" type="slidenum">
+              <a:rPr lang="ja-JP" altLang="en-US" smtClean="0"/>
+              <a:pPr algn="ctr"/>
+              <a:t>5</a:t>
+            </a:fld>
+            <a:endParaRPr lang="ja-JP" altLang="en-US" dirty="0"/>
+          </a:p>
+        </p:txBody>
+      </p:sp>
+    </p:spTree>
+    <p:extLst>
+      <p:ext uri="{BB962C8B-B14F-4D97-AF65-F5344CB8AC3E}">
+        <p14:creationId xmlns:p14="http://schemas.microsoft.com/office/powerpoint/2010/main" val="1001331230"/>
+      </p:ext>
+    </p:extLst>
+  </p:cSld>
+  <p:clrMapOvr>
+    <a:masterClrMapping/>
+  </p:clrMapOvr>
+</p:sld>
+</file>
+
+<file path=ppt/slides/slide6.xml><?xml version="1.0" encoding="utf-8"?>
+<p:sld xmlns:a="http://schemas.openxmlformats.org/drawingml/2006/main" xmlns:r="http://schemas.openxmlformats.org/officeDocument/2006/relationships" xmlns:p="http://schemas.openxmlformats.org/presentationml/2006/main">
+  <p:cSld>
+    <p:spTree>
+      <p:nvGrpSpPr>
+        <p:cNvPr id="1" name=""/>
+        <p:cNvGrpSpPr/>
+        <p:nvPr/>
+      </p:nvGrpSpPr>
+      <p:grpSpPr>
+        <a:xfrm>
+          <a:off x="0" y="0"/>
+          <a:ext cx="0" cy="0"/>
+          <a:chOff x="0" y="0"/>
+          <a:chExt cx="0" cy="0"/>
+        </a:xfrm>
+      </p:grpSpPr>
+      <p:sp>
+        <p:nvSpPr>
+          <p:cNvPr id="2" name="タイトル 1">
+            <a:extLst>
+              <a:ext uri="{FF2B5EF4-FFF2-40B4-BE49-F238E27FC236}">
+                <a16:creationId xmlns:a16="http://schemas.microsoft.com/office/drawing/2014/main" id="{95BDE7BF-3EB5-CF44-93A0-6CE85CB505E3}"/>
+              </a:ext>
+            </a:extLst>
+          </p:cNvPr>
+          <p:cNvSpPr>
+            <a:spLocks noGrp="1"/>
+          </p:cNvSpPr>
+          <p:nvPr>
+            <p:ph type="title"/>
+          </p:nvPr>
+        </p:nvSpPr>
+        <p:spPr/>
+        <p:txBody>
+          <a:bodyPr/>
+          <a:lstStyle/>
+          <a:p>
+            <a:r>
+              <a:rPr kumimoji="1" lang="ja-JP" altLang="en-US"/>
+              <a:t>シミュレータの進捗</a:t>
+            </a:r>
+          </a:p>
+        </p:txBody>
+      </p:sp>
+      <p:sp>
+        <p:nvSpPr>
+          <p:cNvPr id="3" name="コンテンツ プレースホルダー 2">
+            <a:extLst>
+              <a:ext uri="{FF2B5EF4-FFF2-40B4-BE49-F238E27FC236}">
+                <a16:creationId xmlns:a16="http://schemas.microsoft.com/office/drawing/2014/main" id="{C933D26E-6FA2-EF4C-B95B-2893E9ABA497}"/>
+              </a:ext>
+            </a:extLst>
+          </p:cNvPr>
+          <p:cNvSpPr>
+            <a:spLocks noGrp="1"/>
+          </p:cNvSpPr>
+          <p:nvPr>
+            <p:ph idx="1"/>
+          </p:nvPr>
+        </p:nvSpPr>
+        <p:spPr/>
+        <p:txBody>
+          <a:bodyPr/>
+          <a:lstStyle/>
+          <a:p>
+            <a:endParaRPr kumimoji="1" lang="en-US" altLang="ja-JP" dirty="0"/>
+          </a:p>
+          <a:p>
+            <a:r>
+              <a:rPr kumimoji="1" lang="ja-JP" altLang="en-US"/>
+              <a:t>シミュレータのプラグイン環境を整えた</a:t>
+            </a:r>
+            <a:endParaRPr kumimoji="1" lang="en-US" altLang="ja-JP" dirty="0"/>
+          </a:p>
+          <a:p>
+            <a:endParaRPr lang="en-US" altLang="ja-JP" dirty="0"/>
+          </a:p>
+          <a:p>
+            <a:r>
+              <a:rPr kumimoji="1" lang="ja-JP" altLang="en-US"/>
+              <a:t>見た目とそれに伴う機能の実装</a:t>
+            </a:r>
+          </a:p>
+        </p:txBody>
+      </p:sp>
+      <p:sp>
+        <p:nvSpPr>
+          <p:cNvPr id="4" name="スライド番号プレースホルダー 3">
+            <a:extLst>
+              <a:ext uri="{FF2B5EF4-FFF2-40B4-BE49-F238E27FC236}">
+                <a16:creationId xmlns:a16="http://schemas.microsoft.com/office/drawing/2014/main" id="{5690E311-AD55-C347-85E5-CBA3D8026668}"/>
+              </a:ext>
+            </a:extLst>
+          </p:cNvPr>
+          <p:cNvSpPr>
+            <a:spLocks noGrp="1"/>
+          </p:cNvSpPr>
+          <p:nvPr>
+            <p:ph type="sldNum" sz="quarter" idx="12"/>
+          </p:nvPr>
+        </p:nvSpPr>
+        <p:spPr/>
+        <p:txBody>
+          <a:bodyPr/>
+          <a:lstStyle/>
+          <a:p>
+            <a:pPr algn="ctr"/>
+            <a:fld id="{CA23F248-F353-4F36-A746-B1953A38AE2D}" type="slidenum">
+              <a:rPr lang="ja-JP" altLang="en-US" smtClean="0"/>
+              <a:pPr algn="ctr"/>
+              <a:t>6</a:t>
+            </a:fld>
+            <a:endParaRPr lang="ja-JP" altLang="en-US" dirty="0"/>
+          </a:p>
+        </p:txBody>
+      </p:sp>
+    </p:spTree>
+    <p:extLst>
+      <p:ext uri="{BB962C8B-B14F-4D97-AF65-F5344CB8AC3E}">
+        <p14:creationId xmlns:p14="http://schemas.microsoft.com/office/powerpoint/2010/main" val="4020632044"/>
+      </p:ext>
+    </p:extLst>
+  </p:cSld>
+  <p:clrMapOvr>
+    <a:masterClrMapping/>
+  </p:clrMapOvr>
+</p:sld>
+</file>
+
+<file path=ppt/slides/slide7.xml><?xml version="1.0" encoding="utf-8"?>
+<p:sld xmlns:a="http://schemas.openxmlformats.org/drawingml/2006/main" xmlns:r="http://schemas.openxmlformats.org/officeDocument/2006/relationships" xmlns:p="http://schemas.openxmlformats.org/presentationml/2006/main">
+  <p:cSld>
+    <p:spTree>
+      <p:nvGrpSpPr>
+        <p:cNvPr id="1" name=""/>
+        <p:cNvGrpSpPr/>
+        <p:nvPr/>
+      </p:nvGrpSpPr>
+      <p:grpSpPr>
+        <a:xfrm>
+          <a:off x="0" y="0"/>
+          <a:ext cx="0" cy="0"/>
+          <a:chOff x="0" y="0"/>
+          <a:chExt cx="0" cy="0"/>
+        </a:xfrm>
+      </p:grpSpPr>
+      <p:sp>
+        <p:nvSpPr>
+          <p:cNvPr id="2" name="タイトル 1">
+            <a:extLst>
+              <a:ext uri="{FF2B5EF4-FFF2-40B4-BE49-F238E27FC236}">
+                <a16:creationId xmlns:a16="http://schemas.microsoft.com/office/drawing/2014/main" id="{1A04E5EE-1FD1-5D4B-9694-3F28446FC325}"/>
+              </a:ext>
+            </a:extLst>
+          </p:cNvPr>
+          <p:cNvSpPr>
+            <a:spLocks noGrp="1"/>
+          </p:cNvSpPr>
+          <p:nvPr>
+            <p:ph type="title"/>
+          </p:nvPr>
+        </p:nvSpPr>
+        <p:spPr/>
+        <p:txBody>
+          <a:bodyPr/>
+          <a:lstStyle/>
+          <a:p>
+            <a:r>
+              <a:rPr kumimoji="1" lang="ja-JP" altLang="en-US"/>
+              <a:t>プラグイン環境</a:t>
+            </a:r>
+          </a:p>
+        </p:txBody>
+      </p:sp>
+      <p:sp>
+        <p:nvSpPr>
+          <p:cNvPr id="3" name="コンテンツ プレースホルダー 2">
+            <a:extLst>
+              <a:ext uri="{FF2B5EF4-FFF2-40B4-BE49-F238E27FC236}">
+                <a16:creationId xmlns:a16="http://schemas.microsoft.com/office/drawing/2014/main" id="{EA0DF991-2031-4040-BEE0-3536F0024678}"/>
+              </a:ext>
+            </a:extLst>
+          </p:cNvPr>
+          <p:cNvSpPr>
+            <a:spLocks noGrp="1"/>
+          </p:cNvSpPr>
+          <p:nvPr>
+            <p:ph idx="1"/>
+          </p:nvPr>
+        </p:nvSpPr>
+        <p:spPr/>
+        <p:txBody>
+          <a:bodyPr/>
+          <a:lstStyle/>
+          <a:p>
+            <a:endParaRPr lang="en-US" altLang="ja-JP" dirty="0"/>
+          </a:p>
+          <a:p>
+            <a:r>
+              <a:rPr lang="ja-JP" altLang="en-US"/>
+              <a:t>魚本、大須賀、中村</a:t>
+            </a:r>
+            <a:r>
+              <a:rPr lang="en-US" altLang="ja-JP" dirty="0"/>
+              <a:t>(2018)</a:t>
+            </a:r>
+            <a:r>
+              <a:rPr lang="ja-JP" altLang="en-US"/>
+              <a:t>らと同じ環境を再現</a:t>
+            </a:r>
+            <a:endParaRPr lang="en-US" altLang="ja-JP" dirty="0"/>
+          </a:p>
+          <a:p>
+            <a:pPr lvl="1"/>
+            <a:endParaRPr lang="en-US" altLang="ja-JP" sz="2400" dirty="0"/>
+          </a:p>
+          <a:p>
+            <a:pPr lvl="1"/>
+            <a:endParaRPr lang="en-US" altLang="ja-JP" dirty="0"/>
+          </a:p>
+          <a:p>
+            <a:pPr marL="0" indent="0">
+              <a:buNone/>
+            </a:pPr>
+            <a:endParaRPr lang="en-US" altLang="ja-JP" dirty="0"/>
+          </a:p>
+          <a:p>
+            <a:pPr marL="0" indent="0">
+              <a:buNone/>
+            </a:pPr>
+            <a:r>
+              <a:rPr lang="en-US" altLang="ja-JP" dirty="0"/>
+              <a:t>	</a:t>
+            </a:r>
+            <a:r>
+              <a:rPr kumimoji="1" lang="ja-JP" altLang="en-US"/>
+              <a:t>使用できないプラグインが多数存在</a:t>
+            </a:r>
+          </a:p>
+        </p:txBody>
+      </p:sp>
+      <p:sp>
+        <p:nvSpPr>
+          <p:cNvPr id="4" name="スライド番号プレースホルダー 3">
+            <a:extLst>
+              <a:ext uri="{FF2B5EF4-FFF2-40B4-BE49-F238E27FC236}">
+                <a16:creationId xmlns:a16="http://schemas.microsoft.com/office/drawing/2014/main" id="{CAC64973-2262-C94A-AB0E-F1EC3D548D08}"/>
+              </a:ext>
+            </a:extLst>
+          </p:cNvPr>
+          <p:cNvSpPr>
+            <a:spLocks noGrp="1"/>
+          </p:cNvSpPr>
+          <p:nvPr>
+            <p:ph type="sldNum" sz="quarter" idx="12"/>
+          </p:nvPr>
+        </p:nvSpPr>
+        <p:spPr/>
+        <p:txBody>
+          <a:bodyPr/>
+          <a:lstStyle/>
+          <a:p>
+            <a:pPr algn="ctr"/>
+            <a:fld id="{CA23F248-F353-4F36-A746-B1953A38AE2D}" type="slidenum">
+              <a:rPr lang="ja-JP" altLang="en-US" smtClean="0"/>
+              <a:pPr algn="ctr"/>
+              <a:t>7</a:t>
+            </a:fld>
+            <a:endParaRPr lang="ja-JP" altLang="en-US" dirty="0"/>
+          </a:p>
+        </p:txBody>
+      </p:sp>
+      <p:sp>
+        <p:nvSpPr>
+          <p:cNvPr id="5" name="下矢印 4">
+            <a:extLst>
+              <a:ext uri="{FF2B5EF4-FFF2-40B4-BE49-F238E27FC236}">
+                <a16:creationId xmlns:a16="http://schemas.microsoft.com/office/drawing/2014/main" id="{53A1B1BA-4D4E-684F-A351-ED8C1472F298}"/>
+              </a:ext>
+            </a:extLst>
+          </p:cNvPr>
+          <p:cNvSpPr/>
+          <p:nvPr/>
+        </p:nvSpPr>
+        <p:spPr>
+          <a:xfrm>
+            <a:off x="3933998" y="3359125"/>
+            <a:ext cx="638002" cy="1008112"/>
+          </a:xfrm>
+          <a:prstGeom prst="downArrow">
+            <a:avLst/>
+          </a:prstGeom>
+          <a:solidFill>
+            <a:srgbClr val="FF0000"/>
+          </a:solidFill>
+        </p:spPr>
+        <p:style>
+          <a:lnRef idx="2">
+            <a:schemeClr val="accent1">
+              <a:shade val="50000"/>
+            </a:schemeClr>
+          </a:lnRef>
+          <a:fillRef idx="1">
+            <a:schemeClr val="accent1"/>
+          </a:fillRef>
+          <a:effectRef idx="0">
+            <a:schemeClr val="accent1"/>
+          </a:effectRef>
+          <a:fontRef idx="minor">
+            <a:schemeClr val="lt1"/>
+          </a:fontRef>
+        </p:style>
+        <p:txBody>
+          <a:bodyPr rtlCol="0" anchor="ctr"/>
+          <a:lstStyle/>
+          <a:p>
+            <a:pPr algn="ctr"/>
+            <a:endParaRPr kumimoji="1" lang="ja-JP" altLang="en-US">
+              <a:ln>
+                <a:solidFill>
+                  <a:srgbClr val="FF0000"/>
+                </a:solidFill>
+              </a:ln>
+              <a:solidFill>
+                <a:schemeClr val="tx1"/>
+              </a:solidFill>
+            </a:endParaRPr>
+          </a:p>
+        </p:txBody>
+      </p:sp>
+      <p:sp>
+        <p:nvSpPr>
+          <p:cNvPr id="6" name="テキスト ボックス 5">
+            <a:extLst>
+              <a:ext uri="{FF2B5EF4-FFF2-40B4-BE49-F238E27FC236}">
+                <a16:creationId xmlns:a16="http://schemas.microsoft.com/office/drawing/2014/main" id="{BB908864-2385-1F4B-B82F-7A85C276D6FE}"/>
+              </a:ext>
+            </a:extLst>
+          </p:cNvPr>
+          <p:cNvSpPr txBox="1"/>
+          <p:nvPr/>
+        </p:nvSpPr>
+        <p:spPr>
+          <a:xfrm>
+            <a:off x="1514475" y="4629150"/>
+            <a:ext cx="184731" cy="461665"/>
+          </a:xfrm>
+          <a:prstGeom prst="rect">
+            <a:avLst/>
+          </a:prstGeom>
+          <a:noFill/>
+        </p:spPr>
+        <p:txBody>
+          <a:bodyPr wrap="none" rtlCol="0">
+            <a:spAutoFit/>
+          </a:bodyPr>
+          <a:lstStyle/>
+          <a:p>
+            <a:endParaRPr kumimoji="1" lang="ja-JP" altLang="en-US" sz="2400"/>
+          </a:p>
+        </p:txBody>
+      </p:sp>
+    </p:spTree>
+    <p:extLst>
+      <p:ext uri="{BB962C8B-B14F-4D97-AF65-F5344CB8AC3E}">
+        <p14:creationId xmlns:p14="http://schemas.microsoft.com/office/powerpoint/2010/main" val="3498571064"/>
+      </p:ext>
+    </p:extLst>
+  </p:cSld>
+  <p:clrMapOvr>
+    <a:masterClrMapping/>
+  </p:clrMapOvr>
+</p:sld>
+</file>
+
+<file path=ppt/slides/slide8.xml><?xml version="1.0" encoding="utf-8"?>
+<p:sld xmlns:a="http://schemas.openxmlformats.org/drawingml/2006/main" xmlns:r="http://schemas.openxmlformats.org/officeDocument/2006/relationships" xmlns:p="http://schemas.openxmlformats.org/presentationml/2006/main">
+  <p:cSld>
+    <p:spTree>
+      <p:nvGrpSpPr>
+        <p:cNvPr id="1" name=""/>
+        <p:cNvGrpSpPr/>
+        <p:nvPr/>
+      </p:nvGrpSpPr>
+      <p:grpSpPr>
+        <a:xfrm>
+          <a:off x="0" y="0"/>
+          <a:ext cx="0" cy="0"/>
+          <a:chOff x="0" y="0"/>
+          <a:chExt cx="0" cy="0"/>
+        </a:xfrm>
+      </p:grpSpPr>
+      <p:sp>
+        <p:nvSpPr>
+          <p:cNvPr id="2" name="タイトル 1">
+            <a:extLst>
+              <a:ext uri="{FF2B5EF4-FFF2-40B4-BE49-F238E27FC236}">
+                <a16:creationId xmlns:a16="http://schemas.microsoft.com/office/drawing/2014/main" id="{921422F4-0A7B-744C-9584-7B9A45839829}"/>
+              </a:ext>
+            </a:extLst>
+          </p:cNvPr>
+          <p:cNvSpPr>
+            <a:spLocks noGrp="1"/>
+          </p:cNvSpPr>
+          <p:nvPr>
+            <p:ph type="title"/>
+          </p:nvPr>
+        </p:nvSpPr>
+        <p:spPr/>
+        <p:txBody>
+          <a:bodyPr/>
+          <a:lstStyle/>
+          <a:p>
+            <a:r>
+              <a:rPr kumimoji="1" lang="ja-JP" altLang="en-US"/>
+              <a:t>見た目進捗</a:t>
+            </a:r>
+          </a:p>
+        </p:txBody>
+      </p:sp>
+      <p:sp>
+        <p:nvSpPr>
+          <p:cNvPr id="3" name="コンテンツ プレースホルダー 2">
+            <a:extLst>
+              <a:ext uri="{FF2B5EF4-FFF2-40B4-BE49-F238E27FC236}">
+                <a16:creationId xmlns:a16="http://schemas.microsoft.com/office/drawing/2014/main" id="{8B32A6FC-7186-E642-958F-95F33A0B9EB9}"/>
+              </a:ext>
+            </a:extLst>
+          </p:cNvPr>
+          <p:cNvSpPr>
+            <a:spLocks noGrp="1"/>
+          </p:cNvSpPr>
+          <p:nvPr>
+            <p:ph idx="1"/>
+          </p:nvPr>
+        </p:nvSpPr>
+        <p:spPr/>
+        <p:txBody>
+          <a:bodyPr/>
+          <a:lstStyle/>
+          <a:p>
+            <a:endParaRPr kumimoji="1" lang="ja-JP" altLang="en-US"/>
+          </a:p>
+        </p:txBody>
+      </p:sp>
+      <p:sp>
+        <p:nvSpPr>
+          <p:cNvPr id="4" name="スライド番号プレースホルダー 3">
+            <a:extLst>
+              <a:ext uri="{FF2B5EF4-FFF2-40B4-BE49-F238E27FC236}">
+                <a16:creationId xmlns:a16="http://schemas.microsoft.com/office/drawing/2014/main" id="{907EB63C-716A-2E4D-B6DD-7B81C8994CD5}"/>
+              </a:ext>
+            </a:extLst>
+          </p:cNvPr>
+          <p:cNvSpPr>
+            <a:spLocks noGrp="1"/>
+          </p:cNvSpPr>
+          <p:nvPr>
+            <p:ph type="sldNum" sz="quarter" idx="12"/>
+          </p:nvPr>
+        </p:nvSpPr>
+        <p:spPr/>
+        <p:txBody>
+          <a:bodyPr/>
+          <a:lstStyle/>
+          <a:p>
+            <a:pPr algn="ctr"/>
+            <a:fld id="{CA23F248-F353-4F36-A746-B1953A38AE2D}" type="slidenum">
+              <a:rPr lang="ja-JP" altLang="en-US" smtClean="0"/>
+              <a:pPr algn="ctr"/>
+              <a:t>8</a:t>
+            </a:fld>
+            <a:endParaRPr lang="ja-JP" altLang="en-US" dirty="0"/>
+          </a:p>
+        </p:txBody>
+      </p:sp>
+    </p:spTree>
+    <p:extLst>
+      <p:ext uri="{BB962C8B-B14F-4D97-AF65-F5344CB8AC3E}">
+        <p14:creationId xmlns:p14="http://schemas.microsoft.com/office/powerpoint/2010/main" val="1512292705"/>
+      </p:ext>
+    </p:extLst>
+  </p:cSld>
+  <p:clrMapOvr>
+    <a:masterClrMapping/>
+  </p:clrMapOvr>
+</p:sld>
+</file>
+
+<file path=ppt/slides/slide9.xml><?xml version="1.0" encoding="utf-8"?>
+<p:sld xmlns:a="http://schemas.openxmlformats.org/drawingml/2006/main" xmlns:r="http://schemas.openxmlformats.org/officeDocument/2006/relationships" xmlns:p="http://schemas.openxmlformats.org/presentationml/2006/main">
+  <p:cSld>
+    <p:spTree>
+      <p:nvGrpSpPr>
+        <p:cNvPr id="1" name=""/>
+        <p:cNvGrpSpPr/>
+        <p:nvPr/>
+      </p:nvGrpSpPr>
+      <p:grpSpPr>
+        <a:xfrm>
+          <a:off x="0" y="0"/>
+          <a:ext cx="0" cy="0"/>
+          <a:chOff x="0" y="0"/>
+          <a:chExt cx="0" cy="0"/>
+        </a:xfrm>
+      </p:grpSpPr>
+      <p:sp>
+        <p:nvSpPr>
+          <p:cNvPr id="2" name="タイトル 1">
+            <a:extLst>
+              <a:ext uri="{FF2B5EF4-FFF2-40B4-BE49-F238E27FC236}">
+                <a16:creationId xmlns:a16="http://schemas.microsoft.com/office/drawing/2014/main" id="{B3FE859B-9E96-FF48-B6D0-9882C0799FE0}"/>
+              </a:ext>
+            </a:extLst>
+          </p:cNvPr>
+          <p:cNvSpPr>
+            <a:spLocks noGrp="1"/>
+          </p:cNvSpPr>
+          <p:nvPr>
+            <p:ph type="title"/>
+          </p:nvPr>
+        </p:nvSpPr>
+        <p:spPr/>
+        <p:txBody>
+          <a:bodyPr/>
+          <a:lstStyle/>
+          <a:p>
+            <a:r>
+              <a:rPr kumimoji="1" lang="ja-JP" altLang="en-US"/>
+              <a:t>課題</a:t>
+            </a:r>
+          </a:p>
+        </p:txBody>
+      </p:sp>
+      <p:sp>
+        <p:nvSpPr>
+          <p:cNvPr id="3" name="コンテンツ プレースホルダー 2">
+            <a:extLst>
+              <a:ext uri="{FF2B5EF4-FFF2-40B4-BE49-F238E27FC236}">
+                <a16:creationId xmlns:a16="http://schemas.microsoft.com/office/drawing/2014/main" id="{C9426B92-B841-EC41-AE66-266865D101CA}"/>
+              </a:ext>
+            </a:extLst>
+          </p:cNvPr>
+          <p:cNvSpPr>
+            <a:spLocks noGrp="1"/>
+          </p:cNvSpPr>
+          <p:nvPr>
+            <p:ph idx="1"/>
+          </p:nvPr>
+        </p:nvSpPr>
+        <p:spPr/>
+        <p:txBody>
+          <a:bodyPr/>
+          <a:lstStyle/>
+          <a:p>
+            <a:r>
+              <a:rPr kumimoji="1" lang="ja-JP" altLang="en-US"/>
+              <a:t>シミュレータの中身を実装</a:t>
+            </a:r>
+            <a:endParaRPr kumimoji="1" lang="en-US" altLang="ja-JP" dirty="0"/>
+          </a:p>
+          <a:p>
+            <a:r>
+              <a:rPr lang="en-US" altLang="ja-JP" dirty="0" err="1"/>
+              <a:t>netJson</a:t>
+            </a:r>
+            <a:r>
+              <a:rPr lang="ja-JP" altLang="en-US"/>
+              <a:t>を実装</a:t>
+            </a:r>
+            <a:endParaRPr kumimoji="1" lang="ja-JP" altLang="en-US"/>
+          </a:p>
+        </p:txBody>
+      </p:sp>
+      <p:sp>
+        <p:nvSpPr>
+          <p:cNvPr id="4" name="スライド番号プレースホルダー 3">
+            <a:extLst>
+              <a:ext uri="{FF2B5EF4-FFF2-40B4-BE49-F238E27FC236}">
+                <a16:creationId xmlns:a16="http://schemas.microsoft.com/office/drawing/2014/main" id="{DDC9D877-92B1-0E45-A7B3-DB4A59418945}"/>
+              </a:ext>
+            </a:extLst>
+          </p:cNvPr>
+          <p:cNvSpPr>
+            <a:spLocks noGrp="1"/>
+          </p:cNvSpPr>
+          <p:nvPr>
+            <p:ph type="sldNum" sz="quarter" idx="12"/>
+          </p:nvPr>
+        </p:nvSpPr>
+        <p:spPr/>
+        <p:txBody>
+          <a:bodyPr/>
+          <a:lstStyle/>
+          <a:p>
+            <a:pPr algn="ctr"/>
+            <a:fld id="{CA23F248-F353-4F36-A746-B1953A38AE2D}" type="slidenum">
+              <a:rPr lang="ja-JP" altLang="en-US" smtClean="0"/>
+              <a:pPr algn="ctr"/>
+              <a:t>9</a:t>
+            </a:fld>
+            <a:endParaRPr lang="ja-JP" altLang="en-US" dirty="0"/>
+          </a:p>
+        </p:txBody>
+      </p:sp>
+    </p:spTree>
+    <p:extLst>
+      <p:ext uri="{BB962C8B-B14F-4D97-AF65-F5344CB8AC3E}">
+        <p14:creationId xmlns:p14="http://schemas.microsoft.com/office/powerpoint/2010/main" val="1226044011"/>
       </p:ext>
     </p:extLst>
   </p:cSld>

--- a/1005進捗.pptx
+++ b/1005進捗.pptx
@@ -5,7 +5,7 @@
     <p:sldMasterId id="2147483648" r:id="rId1"/>
   </p:sldMasterIdLst>
   <p:notesMasterIdLst>
-    <p:notesMasterId r:id="rId11"/>
+    <p:notesMasterId r:id="rId13"/>
   </p:notesMasterIdLst>
   <p:sldIdLst>
     <p:sldId id="256" r:id="rId2"/>
@@ -13,10 +13,12 @@
     <p:sldId id="258" r:id="rId4"/>
     <p:sldId id="259" r:id="rId5"/>
     <p:sldId id="260" r:id="rId6"/>
-    <p:sldId id="261" r:id="rId7"/>
-    <p:sldId id="263" r:id="rId8"/>
-    <p:sldId id="264" r:id="rId9"/>
-    <p:sldId id="265" r:id="rId10"/>
+    <p:sldId id="266" r:id="rId7"/>
+    <p:sldId id="267" r:id="rId8"/>
+    <p:sldId id="261" r:id="rId9"/>
+    <p:sldId id="263" r:id="rId10"/>
+    <p:sldId id="264" r:id="rId11"/>
+    <p:sldId id="265" r:id="rId12"/>
   </p:sldIdLst>
   <p:sldSz cx="9144000" cy="6858000" type="screen4x3"/>
   <p:notesSz cx="6858000" cy="9144000"/>
@@ -125,6 +127,8 @@
             <p14:sldId id="258"/>
             <p14:sldId id="259"/>
             <p14:sldId id="260"/>
+            <p14:sldId id="266"/>
+            <p14:sldId id="267"/>
             <p14:sldId id="261"/>
             <p14:sldId id="263"/>
             <p14:sldId id="264"/>
@@ -530,6 +534,507 @@
     </a:lvl9pPr>
   </p:notesStyle>
 </p:notesMaster>
+</file>
+
+<file path=ppt/notesSlides/notesSlide1.xml><?xml version="1.0" encoding="utf-8"?>
+<p:notes xmlns:a="http://schemas.openxmlformats.org/drawingml/2006/main" xmlns:r="http://schemas.openxmlformats.org/officeDocument/2006/relationships" xmlns:p="http://schemas.openxmlformats.org/presentationml/2006/main">
+  <p:cSld>
+    <p:spTree>
+      <p:nvGrpSpPr>
+        <p:cNvPr id="1" name=""/>
+        <p:cNvGrpSpPr/>
+        <p:nvPr/>
+      </p:nvGrpSpPr>
+      <p:grpSpPr>
+        <a:xfrm>
+          <a:off x="0" y="0"/>
+          <a:ext cx="0" cy="0"/>
+          <a:chOff x="0" y="0"/>
+          <a:chExt cx="0" cy="0"/>
+        </a:xfrm>
+      </p:grpSpPr>
+      <p:sp>
+        <p:nvSpPr>
+          <p:cNvPr id="2" name="スライド イメージ プレースホルダー 1"/>
+          <p:cNvSpPr>
+            <a:spLocks noGrp="1" noRot="1" noChangeAspect="1"/>
+          </p:cNvSpPr>
+          <p:nvPr>
+            <p:ph type="sldImg"/>
+          </p:nvPr>
+        </p:nvSpPr>
+        <p:spPr/>
+      </p:sp>
+      <p:sp>
+        <p:nvSpPr>
+          <p:cNvPr id="3" name="ノート プレースホルダー 2"/>
+          <p:cNvSpPr>
+            <a:spLocks noGrp="1"/>
+          </p:cNvSpPr>
+          <p:nvPr>
+            <p:ph type="body" idx="1"/>
+          </p:nvPr>
+        </p:nvSpPr>
+        <p:spPr/>
+        <p:txBody>
+          <a:bodyPr/>
+          <a:lstStyle/>
+          <a:p>
+            <a:r>
+              <a:rPr kumimoji="1" lang="en-US" altLang="ja-JP" dirty="0"/>
+              <a:t>Rails-jQuery, rails-</a:t>
+            </a:r>
+            <a:r>
+              <a:rPr kumimoji="1" lang="en-US" altLang="ja-JP" dirty="0" err="1"/>
+              <a:t>contextmenu</a:t>
+            </a:r>
+            <a:r>
+              <a:rPr kumimoji="1" lang="ja-JP" altLang="en-US"/>
+              <a:t>ｌなどバージョンどころかそもそも別物だった</a:t>
+            </a:r>
+          </a:p>
+        </p:txBody>
+      </p:sp>
+      <p:sp>
+        <p:nvSpPr>
+          <p:cNvPr id="4" name="スライド番号プレースホルダー 3"/>
+          <p:cNvSpPr>
+            <a:spLocks noGrp="1"/>
+          </p:cNvSpPr>
+          <p:nvPr>
+            <p:ph type="sldNum" sz="quarter" idx="5"/>
+          </p:nvPr>
+        </p:nvSpPr>
+        <p:spPr/>
+        <p:txBody>
+          <a:bodyPr/>
+          <a:lstStyle/>
+          <a:p>
+            <a:fld id="{11C3B0B9-599D-43DE-835D-2976AC58AA40}" type="slidenum">
+              <a:rPr kumimoji="1" lang="ja-JP" altLang="en-US" smtClean="0"/>
+              <a:t>4</a:t>
+            </a:fld>
+            <a:endParaRPr kumimoji="1" lang="ja-JP" altLang="en-US"/>
+          </a:p>
+        </p:txBody>
+      </p:sp>
+    </p:spTree>
+    <p:extLst>
+      <p:ext uri="{BB962C8B-B14F-4D97-AF65-F5344CB8AC3E}">
+        <p14:creationId xmlns:p14="http://schemas.microsoft.com/office/powerpoint/2010/main" val="2340489680"/>
+      </p:ext>
+    </p:extLst>
+  </p:cSld>
+  <p:clrMapOvr>
+    <a:masterClrMapping/>
+  </p:clrMapOvr>
+</p:notes>
+</file>
+
+<file path=ppt/notesSlides/notesSlide2.xml><?xml version="1.0" encoding="utf-8"?>
+<p:notes xmlns:a="http://schemas.openxmlformats.org/drawingml/2006/main" xmlns:r="http://schemas.openxmlformats.org/officeDocument/2006/relationships" xmlns:p="http://schemas.openxmlformats.org/presentationml/2006/main">
+  <p:cSld>
+    <p:spTree>
+      <p:nvGrpSpPr>
+        <p:cNvPr id="1" name=""/>
+        <p:cNvGrpSpPr/>
+        <p:nvPr/>
+      </p:nvGrpSpPr>
+      <p:grpSpPr>
+        <a:xfrm>
+          <a:off x="0" y="0"/>
+          <a:ext cx="0" cy="0"/>
+          <a:chOff x="0" y="0"/>
+          <a:chExt cx="0" cy="0"/>
+        </a:xfrm>
+      </p:grpSpPr>
+      <p:sp>
+        <p:nvSpPr>
+          <p:cNvPr id="2" name="スライド イメージ プレースホルダー 1"/>
+          <p:cNvSpPr>
+            <a:spLocks noGrp="1" noRot="1" noChangeAspect="1"/>
+          </p:cNvSpPr>
+          <p:nvPr>
+            <p:ph type="sldImg"/>
+          </p:nvPr>
+        </p:nvSpPr>
+        <p:spPr/>
+      </p:sp>
+      <p:sp>
+        <p:nvSpPr>
+          <p:cNvPr id="3" name="ノート プレースホルダー 2"/>
+          <p:cNvSpPr>
+            <a:spLocks noGrp="1"/>
+          </p:cNvSpPr>
+          <p:nvPr>
+            <p:ph type="body" idx="1"/>
+          </p:nvPr>
+        </p:nvSpPr>
+        <p:spPr/>
+        <p:txBody>
+          <a:bodyPr/>
+          <a:lstStyle/>
+          <a:p>
+            <a:endParaRPr kumimoji="1" lang="ja-JP" altLang="en-US"/>
+          </a:p>
+        </p:txBody>
+      </p:sp>
+      <p:sp>
+        <p:nvSpPr>
+          <p:cNvPr id="4" name="スライド番号プレースホルダー 3"/>
+          <p:cNvSpPr>
+            <a:spLocks noGrp="1"/>
+          </p:cNvSpPr>
+          <p:nvPr>
+            <p:ph type="sldNum" sz="quarter" idx="5"/>
+          </p:nvPr>
+        </p:nvSpPr>
+        <p:spPr/>
+        <p:txBody>
+          <a:bodyPr/>
+          <a:lstStyle/>
+          <a:p>
+            <a:fld id="{11C3B0B9-599D-43DE-835D-2976AC58AA40}" type="slidenum">
+              <a:rPr kumimoji="1" lang="ja-JP" altLang="en-US" smtClean="0"/>
+              <a:t>6</a:t>
+            </a:fld>
+            <a:endParaRPr kumimoji="1" lang="ja-JP" altLang="en-US"/>
+          </a:p>
+        </p:txBody>
+      </p:sp>
+    </p:spTree>
+    <p:extLst>
+      <p:ext uri="{BB962C8B-B14F-4D97-AF65-F5344CB8AC3E}">
+        <p14:creationId xmlns:p14="http://schemas.microsoft.com/office/powerpoint/2010/main" val="2992347208"/>
+      </p:ext>
+    </p:extLst>
+  </p:cSld>
+  <p:clrMapOvr>
+    <a:masterClrMapping/>
+  </p:clrMapOvr>
+</p:notes>
+</file>
+
+<file path=ppt/notesSlides/notesSlide3.xml><?xml version="1.0" encoding="utf-8"?>
+<p:notes xmlns:a="http://schemas.openxmlformats.org/drawingml/2006/main" xmlns:r="http://schemas.openxmlformats.org/officeDocument/2006/relationships" xmlns:p="http://schemas.openxmlformats.org/presentationml/2006/main">
+  <p:cSld>
+    <p:spTree>
+      <p:nvGrpSpPr>
+        <p:cNvPr id="1" name=""/>
+        <p:cNvGrpSpPr/>
+        <p:nvPr/>
+      </p:nvGrpSpPr>
+      <p:grpSpPr>
+        <a:xfrm>
+          <a:off x="0" y="0"/>
+          <a:ext cx="0" cy="0"/>
+          <a:chOff x="0" y="0"/>
+          <a:chExt cx="0" cy="0"/>
+        </a:xfrm>
+      </p:grpSpPr>
+      <p:sp>
+        <p:nvSpPr>
+          <p:cNvPr id="2" name="スライド イメージ プレースホルダー 1"/>
+          <p:cNvSpPr>
+            <a:spLocks noGrp="1" noRot="1" noChangeAspect="1"/>
+          </p:cNvSpPr>
+          <p:nvPr>
+            <p:ph type="sldImg"/>
+          </p:nvPr>
+        </p:nvSpPr>
+        <p:spPr/>
+      </p:sp>
+      <p:sp>
+        <p:nvSpPr>
+          <p:cNvPr id="3" name="ノート プレースホルダー 2"/>
+          <p:cNvSpPr>
+            <a:spLocks noGrp="1"/>
+          </p:cNvSpPr>
+          <p:nvPr>
+            <p:ph type="body" idx="1"/>
+          </p:nvPr>
+        </p:nvSpPr>
+        <p:spPr/>
+        <p:txBody>
+          <a:bodyPr/>
+          <a:lstStyle/>
+          <a:p>
+            <a:r>
+              <a:rPr kumimoji="1" lang="en-US" altLang="ja-JP" dirty="0"/>
+              <a:t>App/assets……</a:t>
+            </a:r>
+            <a:r>
+              <a:rPr kumimoji="1" lang="ja-JP" altLang="en-US"/>
+              <a:t>独自のファイル、　</a:t>
+            </a:r>
+            <a:r>
+              <a:rPr kumimoji="1" lang="en-US" altLang="ja-JP" dirty="0"/>
+              <a:t>lib/assets……</a:t>
+            </a:r>
+            <a:r>
+              <a:rPr kumimoji="1" lang="ja-JP" altLang="en-US"/>
+              <a:t>アプリケーション外で共通のもの、　</a:t>
+            </a:r>
+            <a:r>
+              <a:rPr kumimoji="1" lang="en-US" altLang="ja-JP" dirty="0"/>
+              <a:t>vendor/</a:t>
+            </a:r>
+            <a:r>
+              <a:rPr kumimoji="1" lang="en-US" altLang="ja-JP" dirty="0" err="1"/>
+              <a:t>asssets</a:t>
+            </a:r>
+            <a:r>
+              <a:rPr kumimoji="1" lang="en-US" altLang="ja-JP" dirty="0"/>
+              <a:t>……</a:t>
+            </a:r>
+            <a:r>
+              <a:rPr kumimoji="1" lang="ja-JP" altLang="en-US"/>
+              <a:t>自作プラグイン</a:t>
+            </a:r>
+            <a:endParaRPr kumimoji="1" lang="en-US" altLang="ja-JP" dirty="0"/>
+          </a:p>
+        </p:txBody>
+      </p:sp>
+      <p:sp>
+        <p:nvSpPr>
+          <p:cNvPr id="4" name="スライド番号プレースホルダー 3"/>
+          <p:cNvSpPr>
+            <a:spLocks noGrp="1"/>
+          </p:cNvSpPr>
+          <p:nvPr>
+            <p:ph type="sldNum" sz="quarter" idx="5"/>
+          </p:nvPr>
+        </p:nvSpPr>
+        <p:spPr/>
+        <p:txBody>
+          <a:bodyPr/>
+          <a:lstStyle/>
+          <a:p>
+            <a:fld id="{11C3B0B9-599D-43DE-835D-2976AC58AA40}" type="slidenum">
+              <a:rPr kumimoji="1" lang="ja-JP" altLang="en-US" smtClean="0"/>
+              <a:t>7</a:t>
+            </a:fld>
+            <a:endParaRPr kumimoji="1" lang="ja-JP" altLang="en-US"/>
+          </a:p>
+        </p:txBody>
+      </p:sp>
+    </p:spTree>
+    <p:extLst>
+      <p:ext uri="{BB962C8B-B14F-4D97-AF65-F5344CB8AC3E}">
+        <p14:creationId xmlns:p14="http://schemas.microsoft.com/office/powerpoint/2010/main" val="849361797"/>
+      </p:ext>
+    </p:extLst>
+  </p:cSld>
+  <p:clrMapOvr>
+    <a:masterClrMapping/>
+  </p:clrMapOvr>
+</p:notes>
+</file>
+
+<file path=ppt/notesSlides/notesSlide4.xml><?xml version="1.0" encoding="utf-8"?>
+<p:notes xmlns:a="http://schemas.openxmlformats.org/drawingml/2006/main" xmlns:r="http://schemas.openxmlformats.org/officeDocument/2006/relationships" xmlns:p="http://schemas.openxmlformats.org/presentationml/2006/main">
+  <p:cSld>
+    <p:spTree>
+      <p:nvGrpSpPr>
+        <p:cNvPr id="1" name=""/>
+        <p:cNvGrpSpPr/>
+        <p:nvPr/>
+      </p:nvGrpSpPr>
+      <p:grpSpPr>
+        <a:xfrm>
+          <a:off x="0" y="0"/>
+          <a:ext cx="0" cy="0"/>
+          <a:chOff x="0" y="0"/>
+          <a:chExt cx="0" cy="0"/>
+        </a:xfrm>
+      </p:grpSpPr>
+      <p:sp>
+        <p:nvSpPr>
+          <p:cNvPr id="2" name="スライド イメージ プレースホルダー 1"/>
+          <p:cNvSpPr>
+            <a:spLocks noGrp="1" noRot="1" noChangeAspect="1"/>
+          </p:cNvSpPr>
+          <p:nvPr>
+            <p:ph type="sldImg"/>
+          </p:nvPr>
+        </p:nvSpPr>
+        <p:spPr/>
+      </p:sp>
+      <p:sp>
+        <p:nvSpPr>
+          <p:cNvPr id="3" name="ノート プレースホルダー 2"/>
+          <p:cNvSpPr>
+            <a:spLocks noGrp="1"/>
+          </p:cNvSpPr>
+          <p:nvPr>
+            <p:ph type="body" idx="1"/>
+          </p:nvPr>
+        </p:nvSpPr>
+        <p:spPr/>
+        <p:txBody>
+          <a:bodyPr/>
+          <a:lstStyle/>
+          <a:p>
+            <a:r>
+              <a:rPr kumimoji="1" lang="ja-JP" altLang="en-US"/>
+              <a:t>先代は必要そうなものを片っ端からプラグインとして導入して、使えなかったものもそのまま入れっぱなしだったのでは</a:t>
+            </a:r>
+          </a:p>
+        </p:txBody>
+      </p:sp>
+      <p:sp>
+        <p:nvSpPr>
+          <p:cNvPr id="4" name="スライド番号プレースホルダー 3"/>
+          <p:cNvSpPr>
+            <a:spLocks noGrp="1"/>
+          </p:cNvSpPr>
+          <p:nvPr>
+            <p:ph type="sldNum" sz="quarter" idx="5"/>
+          </p:nvPr>
+        </p:nvSpPr>
+        <p:spPr/>
+        <p:txBody>
+          <a:bodyPr/>
+          <a:lstStyle/>
+          <a:p>
+            <a:fld id="{11C3B0B9-599D-43DE-835D-2976AC58AA40}" type="slidenum">
+              <a:rPr kumimoji="1" lang="ja-JP" altLang="en-US" smtClean="0"/>
+              <a:t>9</a:t>
+            </a:fld>
+            <a:endParaRPr kumimoji="1" lang="ja-JP" altLang="en-US"/>
+          </a:p>
+        </p:txBody>
+      </p:sp>
+    </p:spTree>
+    <p:extLst>
+      <p:ext uri="{BB962C8B-B14F-4D97-AF65-F5344CB8AC3E}">
+        <p14:creationId xmlns:p14="http://schemas.microsoft.com/office/powerpoint/2010/main" val="1180610428"/>
+      </p:ext>
+    </p:extLst>
+  </p:cSld>
+  <p:clrMapOvr>
+    <a:masterClrMapping/>
+  </p:clrMapOvr>
+</p:notes>
+</file>
+
+<file path=ppt/notesSlides/notesSlide5.xml><?xml version="1.0" encoding="utf-8"?>
+<p:notes xmlns:a="http://schemas.openxmlformats.org/drawingml/2006/main" xmlns:r="http://schemas.openxmlformats.org/officeDocument/2006/relationships" xmlns:p="http://schemas.openxmlformats.org/presentationml/2006/main">
+  <p:cSld>
+    <p:spTree>
+      <p:nvGrpSpPr>
+        <p:cNvPr id="1" name=""/>
+        <p:cNvGrpSpPr/>
+        <p:nvPr/>
+      </p:nvGrpSpPr>
+      <p:grpSpPr>
+        <a:xfrm>
+          <a:off x="0" y="0"/>
+          <a:ext cx="0" cy="0"/>
+          <a:chOff x="0" y="0"/>
+          <a:chExt cx="0" cy="0"/>
+        </a:xfrm>
+      </p:grpSpPr>
+      <p:sp>
+        <p:nvSpPr>
+          <p:cNvPr id="2" name="スライド イメージ プレースホルダー 1"/>
+          <p:cNvSpPr>
+            <a:spLocks noGrp="1" noRot="1" noChangeAspect="1"/>
+          </p:cNvSpPr>
+          <p:nvPr>
+            <p:ph type="sldImg"/>
+          </p:nvPr>
+        </p:nvSpPr>
+        <p:spPr/>
+      </p:sp>
+      <p:sp>
+        <p:nvSpPr>
+          <p:cNvPr id="3" name="ノート プレースホルダー 2"/>
+          <p:cNvSpPr>
+            <a:spLocks noGrp="1"/>
+          </p:cNvSpPr>
+          <p:nvPr>
+            <p:ph type="body" idx="1"/>
+          </p:nvPr>
+        </p:nvSpPr>
+        <p:spPr/>
+        <p:txBody>
+          <a:bodyPr/>
+          <a:lstStyle/>
+          <a:p>
+            <a:r>
+              <a:rPr kumimoji="1" lang="ja-JP" altLang="en-US"/>
+              <a:t>場所の仮設定、上のツールチップのマウスオーバ実装、モード切替のラジオボタン実装、左の</a:t>
+            </a:r>
+            <a:r>
+              <a:rPr kumimoji="1" lang="en-US" altLang="ja-JP" dirty="0"/>
+              <a:t>pc</a:t>
+            </a:r>
+            <a:r>
+              <a:rPr kumimoji="1" lang="ja-JP" altLang="en-US"/>
+              <a:t>やルータのドラッグアンドドロップ</a:t>
+            </a:r>
+            <a:r>
+              <a:rPr kumimoji="1" lang="en-US" altLang="ja-JP" dirty="0"/>
+              <a:t>(</a:t>
+            </a:r>
+            <a:r>
+              <a:rPr kumimoji="1" lang="ja-JP" altLang="en-US"/>
+              <a:t>未完成</a:t>
+            </a:r>
+            <a:r>
+              <a:rPr kumimoji="1" lang="en-US" altLang="ja-JP" dirty="0"/>
+              <a:t>)</a:t>
+            </a:r>
+            <a:r>
+              <a:rPr kumimoji="1" lang="ja-JP" altLang="en-US"/>
+              <a:t>、それぞれのクラスや</a:t>
+            </a:r>
+            <a:r>
+              <a:rPr kumimoji="1" lang="en-US" altLang="ja-JP" dirty="0"/>
+              <a:t>id</a:t>
+            </a:r>
+            <a:r>
+              <a:rPr kumimoji="1" lang="ja-JP" altLang="en-US"/>
+              <a:t>の設定</a:t>
+            </a:r>
+          </a:p>
+        </p:txBody>
+      </p:sp>
+      <p:sp>
+        <p:nvSpPr>
+          <p:cNvPr id="4" name="スライド番号プレースホルダー 3"/>
+          <p:cNvSpPr>
+            <a:spLocks noGrp="1"/>
+          </p:cNvSpPr>
+          <p:nvPr>
+            <p:ph type="sldNum" sz="quarter" idx="5"/>
+          </p:nvPr>
+        </p:nvSpPr>
+        <p:spPr/>
+        <p:txBody>
+          <a:bodyPr/>
+          <a:lstStyle/>
+          <a:p>
+            <a:fld id="{11C3B0B9-599D-43DE-835D-2976AC58AA40}" type="slidenum">
+              <a:rPr kumimoji="1" lang="ja-JP" altLang="en-US" smtClean="0"/>
+              <a:t>10</a:t>
+            </a:fld>
+            <a:endParaRPr kumimoji="1" lang="ja-JP" altLang="en-US"/>
+          </a:p>
+        </p:txBody>
+      </p:sp>
+    </p:spTree>
+    <p:extLst>
+      <p:ext uri="{BB962C8B-B14F-4D97-AF65-F5344CB8AC3E}">
+        <p14:creationId xmlns:p14="http://schemas.microsoft.com/office/powerpoint/2010/main" val="2031133632"/>
+      </p:ext>
+    </p:extLst>
+  </p:cSld>
+  <p:clrMapOvr>
+    <a:masterClrMapping/>
+  </p:clrMapOvr>
+</p:notes>
 </file>
 
 <file path=ppt/slideLayouts/slideLayout1.xml><?xml version="1.0" encoding="utf-8"?>
@@ -3945,6 +4450,259 @@
 </p:sld>
 </file>
 
+<file path=ppt/slides/slide10.xml><?xml version="1.0" encoding="utf-8"?>
+<p:sld xmlns:a="http://schemas.openxmlformats.org/drawingml/2006/main" xmlns:r="http://schemas.openxmlformats.org/officeDocument/2006/relationships" xmlns:p="http://schemas.openxmlformats.org/presentationml/2006/main">
+  <p:cSld>
+    <p:spTree>
+      <p:nvGrpSpPr>
+        <p:cNvPr id="1" name=""/>
+        <p:cNvGrpSpPr/>
+        <p:nvPr/>
+      </p:nvGrpSpPr>
+      <p:grpSpPr>
+        <a:xfrm>
+          <a:off x="0" y="0"/>
+          <a:ext cx="0" cy="0"/>
+          <a:chOff x="0" y="0"/>
+          <a:chExt cx="0" cy="0"/>
+        </a:xfrm>
+      </p:grpSpPr>
+      <p:sp>
+        <p:nvSpPr>
+          <p:cNvPr id="2" name="タイトル 1">
+            <a:extLst>
+              <a:ext uri="{FF2B5EF4-FFF2-40B4-BE49-F238E27FC236}">
+                <a16:creationId xmlns:a16="http://schemas.microsoft.com/office/drawing/2014/main" id="{921422F4-0A7B-744C-9584-7B9A45839829}"/>
+              </a:ext>
+            </a:extLst>
+          </p:cNvPr>
+          <p:cNvSpPr>
+            <a:spLocks noGrp="1"/>
+          </p:cNvSpPr>
+          <p:nvPr>
+            <p:ph type="title"/>
+          </p:nvPr>
+        </p:nvSpPr>
+        <p:spPr/>
+        <p:txBody>
+          <a:bodyPr/>
+          <a:lstStyle/>
+          <a:p>
+            <a:r>
+              <a:rPr kumimoji="1" lang="ja-JP" altLang="en-US"/>
+              <a:t>見た目進捗</a:t>
+            </a:r>
+          </a:p>
+        </p:txBody>
+      </p:sp>
+      <p:pic>
+        <p:nvPicPr>
+          <p:cNvPr id="6" name="コンテンツ プレースホルダー 5">
+            <a:extLst>
+              <a:ext uri="{FF2B5EF4-FFF2-40B4-BE49-F238E27FC236}">
+                <a16:creationId xmlns:a16="http://schemas.microsoft.com/office/drawing/2014/main" id="{7C331143-22B9-0447-8DEF-BDE09A602B8E}"/>
+              </a:ext>
+            </a:extLst>
+          </p:cNvPr>
+          <p:cNvPicPr>
+            <a:picLocks noGrp="1" noChangeAspect="1"/>
+          </p:cNvPicPr>
+          <p:nvPr>
+            <p:ph idx="1"/>
+          </p:nvPr>
+        </p:nvPicPr>
+        <p:blipFill>
+          <a:blip r:embed="rId3">
+            <a:extLst>
+              <a:ext uri="{28A0092B-C50C-407E-A947-70E740481C1C}">
+                <a14:useLocalDpi xmlns:a14="http://schemas.microsoft.com/office/drawing/2010/main" val="0"/>
+              </a:ext>
+            </a:extLst>
+          </a:blip>
+          <a:stretch>
+            <a:fillRect/>
+          </a:stretch>
+        </p:blipFill>
+        <p:spPr>
+          <a:xfrm>
+            <a:off x="876908" y="1417638"/>
+            <a:ext cx="7416824" cy="4708525"/>
+          </a:xfrm>
+        </p:spPr>
+      </p:pic>
+      <p:sp>
+        <p:nvSpPr>
+          <p:cNvPr id="4" name="スライド番号プレースホルダー 3">
+            <a:extLst>
+              <a:ext uri="{FF2B5EF4-FFF2-40B4-BE49-F238E27FC236}">
+                <a16:creationId xmlns:a16="http://schemas.microsoft.com/office/drawing/2014/main" id="{907EB63C-716A-2E4D-B6DD-7B81C8994CD5}"/>
+              </a:ext>
+            </a:extLst>
+          </p:cNvPr>
+          <p:cNvSpPr>
+            <a:spLocks noGrp="1"/>
+          </p:cNvSpPr>
+          <p:nvPr>
+            <p:ph type="sldNum" sz="quarter" idx="12"/>
+          </p:nvPr>
+        </p:nvSpPr>
+        <p:spPr/>
+        <p:txBody>
+          <a:bodyPr/>
+          <a:lstStyle/>
+          <a:p>
+            <a:pPr algn="ctr"/>
+            <a:fld id="{CA23F248-F353-4F36-A746-B1953A38AE2D}" type="slidenum">
+              <a:rPr lang="ja-JP" altLang="en-US" smtClean="0"/>
+              <a:pPr algn="ctr"/>
+              <a:t>10</a:t>
+            </a:fld>
+            <a:endParaRPr lang="ja-JP" altLang="en-US" dirty="0"/>
+          </a:p>
+        </p:txBody>
+      </p:sp>
+    </p:spTree>
+    <p:extLst>
+      <p:ext uri="{BB962C8B-B14F-4D97-AF65-F5344CB8AC3E}">
+        <p14:creationId xmlns:p14="http://schemas.microsoft.com/office/powerpoint/2010/main" val="1512292705"/>
+      </p:ext>
+    </p:extLst>
+  </p:cSld>
+  <p:clrMapOvr>
+    <a:masterClrMapping/>
+  </p:clrMapOvr>
+</p:sld>
+</file>
+
+<file path=ppt/slides/slide11.xml><?xml version="1.0" encoding="utf-8"?>
+<p:sld xmlns:a="http://schemas.openxmlformats.org/drawingml/2006/main" xmlns:r="http://schemas.openxmlformats.org/officeDocument/2006/relationships" xmlns:p="http://schemas.openxmlformats.org/presentationml/2006/main">
+  <p:cSld>
+    <p:spTree>
+      <p:nvGrpSpPr>
+        <p:cNvPr id="1" name=""/>
+        <p:cNvGrpSpPr/>
+        <p:nvPr/>
+      </p:nvGrpSpPr>
+      <p:grpSpPr>
+        <a:xfrm>
+          <a:off x="0" y="0"/>
+          <a:ext cx="0" cy="0"/>
+          <a:chOff x="0" y="0"/>
+          <a:chExt cx="0" cy="0"/>
+        </a:xfrm>
+      </p:grpSpPr>
+      <p:sp>
+        <p:nvSpPr>
+          <p:cNvPr id="2" name="タイトル 1">
+            <a:extLst>
+              <a:ext uri="{FF2B5EF4-FFF2-40B4-BE49-F238E27FC236}">
+                <a16:creationId xmlns:a16="http://schemas.microsoft.com/office/drawing/2014/main" id="{B3FE859B-9E96-FF48-B6D0-9882C0799FE0}"/>
+              </a:ext>
+            </a:extLst>
+          </p:cNvPr>
+          <p:cNvSpPr>
+            <a:spLocks noGrp="1"/>
+          </p:cNvSpPr>
+          <p:nvPr>
+            <p:ph type="title"/>
+          </p:nvPr>
+        </p:nvSpPr>
+        <p:spPr/>
+        <p:txBody>
+          <a:bodyPr/>
+          <a:lstStyle/>
+          <a:p>
+            <a:r>
+              <a:rPr kumimoji="1" lang="ja-JP" altLang="en-US"/>
+              <a:t>課題</a:t>
+            </a:r>
+          </a:p>
+        </p:txBody>
+      </p:sp>
+      <p:sp>
+        <p:nvSpPr>
+          <p:cNvPr id="3" name="コンテンツ プレースホルダー 2">
+            <a:extLst>
+              <a:ext uri="{FF2B5EF4-FFF2-40B4-BE49-F238E27FC236}">
+                <a16:creationId xmlns:a16="http://schemas.microsoft.com/office/drawing/2014/main" id="{C9426B92-B841-EC41-AE66-266865D101CA}"/>
+              </a:ext>
+            </a:extLst>
+          </p:cNvPr>
+          <p:cNvSpPr>
+            <a:spLocks noGrp="1"/>
+          </p:cNvSpPr>
+          <p:nvPr>
+            <p:ph idx="1"/>
+          </p:nvPr>
+        </p:nvSpPr>
+        <p:spPr/>
+        <p:txBody>
+          <a:bodyPr/>
+          <a:lstStyle/>
+          <a:p>
+            <a:r>
+              <a:rPr kumimoji="1" lang="ja-JP" altLang="en-US"/>
+              <a:t>シミュレータの中身を実装</a:t>
+            </a:r>
+            <a:endParaRPr kumimoji="1" lang="en-US" altLang="ja-JP" dirty="0"/>
+          </a:p>
+          <a:p>
+            <a:r>
+              <a:rPr lang="en-US" altLang="ja-JP" dirty="0" err="1"/>
+              <a:t>netJson</a:t>
+            </a:r>
+            <a:r>
+              <a:rPr lang="ja-JP" altLang="en-US"/>
+              <a:t>を実装</a:t>
+            </a:r>
+            <a:endParaRPr kumimoji="1" lang="ja-JP" altLang="en-US"/>
+          </a:p>
+        </p:txBody>
+      </p:sp>
+      <p:sp>
+        <p:nvSpPr>
+          <p:cNvPr id="4" name="スライド番号プレースホルダー 3">
+            <a:extLst>
+              <a:ext uri="{FF2B5EF4-FFF2-40B4-BE49-F238E27FC236}">
+                <a16:creationId xmlns:a16="http://schemas.microsoft.com/office/drawing/2014/main" id="{DDC9D877-92B1-0E45-A7B3-DB4A59418945}"/>
+              </a:ext>
+            </a:extLst>
+          </p:cNvPr>
+          <p:cNvSpPr>
+            <a:spLocks noGrp="1"/>
+          </p:cNvSpPr>
+          <p:nvPr>
+            <p:ph type="sldNum" sz="quarter" idx="12"/>
+          </p:nvPr>
+        </p:nvSpPr>
+        <p:spPr/>
+        <p:txBody>
+          <a:bodyPr/>
+          <a:lstStyle/>
+          <a:p>
+            <a:pPr algn="ctr"/>
+            <a:fld id="{CA23F248-F353-4F36-A746-B1953A38AE2D}" type="slidenum">
+              <a:rPr lang="ja-JP" altLang="en-US" smtClean="0"/>
+              <a:pPr algn="ctr"/>
+              <a:t>11</a:t>
+            </a:fld>
+            <a:endParaRPr lang="ja-JP" altLang="en-US" dirty="0"/>
+          </a:p>
+        </p:txBody>
+      </p:sp>
+    </p:spTree>
+    <p:extLst>
+      <p:ext uri="{BB962C8B-B14F-4D97-AF65-F5344CB8AC3E}">
+        <p14:creationId xmlns:p14="http://schemas.microsoft.com/office/powerpoint/2010/main" val="1226044011"/>
+      </p:ext>
+    </p:extLst>
+  </p:cSld>
+  <p:clrMapOvr>
+    <a:masterClrMapping/>
+  </p:clrMapOvr>
+</p:sld>
+</file>
+
 <file path=ppt/slides/slide2.xml><?xml version="1.0" encoding="utf-8"?>
 <p:sld xmlns:a="http://schemas.openxmlformats.org/drawingml/2006/main" xmlns:r="http://schemas.openxmlformats.org/officeDocument/2006/relationships" xmlns:p="http://schemas.openxmlformats.org/presentationml/2006/main">
   <p:cSld>
@@ -4199,6 +4957,9 @@
             <a:endParaRPr lang="en-US" altLang="ja-JP" dirty="0"/>
           </a:p>
           <a:p>
+            <a:endParaRPr lang="en-US" altLang="ja-JP" dirty="0"/>
+          </a:p>
+          <a:p>
             <a:r>
               <a:rPr kumimoji="1" lang="ja-JP" altLang="en-US"/>
               <a:t>マニフェストを用いての導入</a:t>
@@ -4320,6 +5081,51 @@
           <a:bodyPr/>
           <a:lstStyle/>
           <a:p>
+            <a:endParaRPr kumimoji="1" lang="en-US" altLang="ja-JP" dirty="0"/>
+          </a:p>
+          <a:p>
+            <a:r>
+              <a:rPr lang="en-US" altLang="ja-JP" dirty="0" err="1"/>
+              <a:t>Gemfile</a:t>
+            </a:r>
+            <a:r>
+              <a:rPr lang="ja-JP" altLang="en-US"/>
+              <a:t>に必要な</a:t>
+            </a:r>
+            <a:r>
+              <a:rPr lang="en-US" altLang="ja-JP" dirty="0"/>
+              <a:t>gem</a:t>
+            </a:r>
+            <a:r>
+              <a:rPr lang="ja-JP" altLang="en-US"/>
+              <a:t>を記述</a:t>
+            </a:r>
+            <a:endParaRPr lang="en-US" altLang="ja-JP" dirty="0"/>
+          </a:p>
+          <a:p>
+            <a:endParaRPr kumimoji="1" lang="en-US" altLang="ja-JP" dirty="0"/>
+          </a:p>
+          <a:p>
+            <a:r>
+              <a:rPr lang="ja-JP" altLang="en-US"/>
+              <a:t>コマンドラインから「</a:t>
+            </a:r>
+            <a:r>
+              <a:rPr lang="en-US" altLang="ja-JP" dirty="0"/>
+              <a:t>bundle update</a:t>
+            </a:r>
+            <a:r>
+              <a:rPr lang="ja-JP" altLang="en-US"/>
+              <a:t>」などで</a:t>
+            </a:r>
+            <a:r>
+              <a:rPr lang="en-US" altLang="ja-JP" dirty="0" err="1"/>
+              <a:t>Gemfile</a:t>
+            </a:r>
+            <a:r>
+              <a:rPr lang="ja-JP" altLang="en-US"/>
+              <a:t>を更新</a:t>
+            </a:r>
             <a:endParaRPr kumimoji="1" lang="ja-JP" altLang="en-US"/>
           </a:p>
         </p:txBody>
@@ -4415,31 +5221,6 @@
       </p:sp>
       <p:sp>
         <p:nvSpPr>
-          <p:cNvPr id="3" name="コンテンツ プレースホルダー 2">
-            <a:extLst>
-              <a:ext uri="{FF2B5EF4-FFF2-40B4-BE49-F238E27FC236}">
-                <a16:creationId xmlns:a16="http://schemas.microsoft.com/office/drawing/2014/main" id="{5E65078E-0137-6C4E-ADC7-7D9AC555334C}"/>
-              </a:ext>
-            </a:extLst>
-          </p:cNvPr>
-          <p:cNvSpPr>
-            <a:spLocks noGrp="1"/>
-          </p:cNvSpPr>
-          <p:nvPr>
-            <p:ph idx="1"/>
-          </p:nvPr>
-        </p:nvSpPr>
-        <p:spPr/>
-        <p:txBody>
-          <a:bodyPr/>
-          <a:lstStyle/>
-          <a:p>
-            <a:endParaRPr kumimoji="1" lang="ja-JP" altLang="en-US"/>
-          </a:p>
-        </p:txBody>
-      </p:sp>
-      <p:sp>
-        <p:nvSpPr>
           <p:cNvPr id="4" name="スライド番号プレースホルダー 3">
             <a:extLst>
               <a:ext uri="{FF2B5EF4-FFF2-40B4-BE49-F238E27FC236}">
@@ -4454,7 +5235,12 @@
             <p:ph type="sldNum" sz="quarter" idx="12"/>
           </p:nvPr>
         </p:nvSpPr>
-        <p:spPr/>
+        <p:spPr>
+          <a:xfrm>
+            <a:off x="3452142" y="6217196"/>
+            <a:ext cx="2133600" cy="365125"/>
+          </a:xfrm>
+        </p:spPr>
         <p:txBody>
           <a:bodyPr/>
           <a:lstStyle/>
@@ -4469,6 +5255,38 @@
           </a:p>
         </p:txBody>
       </p:sp>
+      <p:pic>
+        <p:nvPicPr>
+          <p:cNvPr id="5" name="コンテンツ プレースホルダー 3">
+            <a:extLst>
+              <a:ext uri="{FF2B5EF4-FFF2-40B4-BE49-F238E27FC236}">
+                <a16:creationId xmlns:a16="http://schemas.microsoft.com/office/drawing/2014/main" id="{78DD0AE1-E8E1-AA43-8F96-2298D01B80B7}"/>
+              </a:ext>
+            </a:extLst>
+          </p:cNvPr>
+          <p:cNvPicPr>
+            <a:picLocks noGrp="1" noChangeAspect="1"/>
+          </p:cNvPicPr>
+          <p:nvPr>
+            <p:ph idx="1"/>
+          </p:nvPr>
+        </p:nvPicPr>
+        <p:blipFill>
+          <a:blip r:embed="rId2"/>
+          <a:stretch>
+            <a:fillRect/>
+          </a:stretch>
+        </p:blipFill>
+        <p:spPr>
+          <a:xfrm>
+            <a:off x="457200" y="1405149"/>
+            <a:ext cx="5663638" cy="3746714"/>
+          </a:xfrm>
+          <a:prstGeom prst="rect">
+            <a:avLst/>
+          </a:prstGeom>
+        </p:spPr>
+      </p:pic>
     </p:spTree>
     <p:extLst>
       <p:ext uri="{BB962C8B-B14F-4D97-AF65-F5344CB8AC3E}">
@@ -4504,7 +5322,7 @@
           <p:cNvPr id="2" name="タイトル 1">
             <a:extLst>
               <a:ext uri="{FF2B5EF4-FFF2-40B4-BE49-F238E27FC236}">
-                <a16:creationId xmlns:a16="http://schemas.microsoft.com/office/drawing/2014/main" id="{95BDE7BF-3EB5-CF44-93A0-6CE85CB505E3}"/>
+                <a16:creationId xmlns:a16="http://schemas.microsoft.com/office/drawing/2014/main" id="{B68E727D-968A-6E48-A56A-9E0942D9230A}"/>
               </a:ext>
             </a:extLst>
           </p:cNvPr>
@@ -4522,17 +5340,17 @@
           <a:p>
             <a:r>
               <a:rPr kumimoji="1" lang="ja-JP" altLang="en-US"/>
-              <a:t>シミュレータの進捗</a:t>
-            </a:r>
-          </a:p>
-        </p:txBody>
-      </p:sp>
-      <p:sp>
-        <p:nvSpPr>
-          <p:cNvPr id="3" name="コンテンツ プレースホルダー 2">
+              <a:t>マニフェストを用いての導入</a:t>
+            </a:r>
+          </a:p>
+        </p:txBody>
+      </p:sp>
+      <p:sp>
+        <p:nvSpPr>
+          <p:cNvPr id="4" name="スライド番号プレースホルダー 3">
             <a:extLst>
               <a:ext uri="{FF2B5EF4-FFF2-40B4-BE49-F238E27FC236}">
-                <a16:creationId xmlns:a16="http://schemas.microsoft.com/office/drawing/2014/main" id="{C933D26E-6FA2-EF4C-B95B-2893E9ABA497}"/>
+                <a16:creationId xmlns:a16="http://schemas.microsoft.com/office/drawing/2014/main" id="{73D7005A-24B4-214C-BF60-7EF9F69FC2F4}"/>
               </a:ext>
             </a:extLst>
           </p:cNvPr>
@@ -4540,51 +5358,15 @@
             <a:spLocks noGrp="1"/>
           </p:cNvSpPr>
           <p:nvPr>
-            <p:ph idx="1"/>
-          </p:nvPr>
-        </p:nvSpPr>
-        <p:spPr/>
-        <p:txBody>
-          <a:bodyPr/>
-          <a:lstStyle/>
-          <a:p>
-            <a:endParaRPr kumimoji="1" lang="en-US" altLang="ja-JP" dirty="0"/>
-          </a:p>
-          <a:p>
-            <a:r>
-              <a:rPr kumimoji="1" lang="ja-JP" altLang="en-US"/>
-              <a:t>シミュレータのプラグイン環境を整えた</a:t>
-            </a:r>
-            <a:endParaRPr kumimoji="1" lang="en-US" altLang="ja-JP" dirty="0"/>
-          </a:p>
-          <a:p>
-            <a:endParaRPr lang="en-US" altLang="ja-JP" dirty="0"/>
-          </a:p>
-          <a:p>
-            <a:r>
-              <a:rPr kumimoji="1" lang="ja-JP" altLang="en-US"/>
-              <a:t>見た目とそれに伴う機能の実装</a:t>
-            </a:r>
-          </a:p>
-        </p:txBody>
-      </p:sp>
-      <p:sp>
-        <p:nvSpPr>
-          <p:cNvPr id="4" name="スライド番号プレースホルダー 3">
-            <a:extLst>
-              <a:ext uri="{FF2B5EF4-FFF2-40B4-BE49-F238E27FC236}">
-                <a16:creationId xmlns:a16="http://schemas.microsoft.com/office/drawing/2014/main" id="{5690E311-AD55-C347-85E5-CBA3D8026668}"/>
-              </a:ext>
-            </a:extLst>
-          </p:cNvPr>
-          <p:cNvSpPr>
-            <a:spLocks noGrp="1"/>
-          </p:cNvSpPr>
-          <p:nvPr>
             <p:ph type="sldNum" sz="quarter" idx="12"/>
           </p:nvPr>
         </p:nvSpPr>
-        <p:spPr/>
+        <p:spPr>
+          <a:xfrm>
+            <a:off x="3452142" y="6217196"/>
+            <a:ext cx="2133600" cy="365125"/>
+          </a:xfrm>
+        </p:spPr>
         <p:txBody>
           <a:bodyPr/>
           <a:lstStyle/>
@@ -4599,10 +5381,263 @@
           </a:p>
         </p:txBody>
       </p:sp>
+      <p:pic>
+        <p:nvPicPr>
+          <p:cNvPr id="5" name="コンテンツ プレースホルダー 3">
+            <a:extLst>
+              <a:ext uri="{FF2B5EF4-FFF2-40B4-BE49-F238E27FC236}">
+                <a16:creationId xmlns:a16="http://schemas.microsoft.com/office/drawing/2014/main" id="{78DD0AE1-E8E1-AA43-8F96-2298D01B80B7}"/>
+              </a:ext>
+            </a:extLst>
+          </p:cNvPr>
+          <p:cNvPicPr>
+            <a:picLocks noGrp="1" noChangeAspect="1"/>
+          </p:cNvPicPr>
+          <p:nvPr>
+            <p:ph idx="1"/>
+          </p:nvPr>
+        </p:nvPicPr>
+        <p:blipFill>
+          <a:blip r:embed="rId3"/>
+          <a:stretch>
+            <a:fillRect/>
+          </a:stretch>
+        </p:blipFill>
+        <p:spPr>
+          <a:xfrm>
+            <a:off x="457200" y="1405149"/>
+            <a:ext cx="5663638" cy="3746714"/>
+          </a:xfrm>
+          <a:prstGeom prst="rect">
+            <a:avLst/>
+          </a:prstGeom>
+        </p:spPr>
+      </p:pic>
+      <p:sp>
+        <p:nvSpPr>
+          <p:cNvPr id="6" name="ドーナツ 5">
+            <a:extLst>
+              <a:ext uri="{FF2B5EF4-FFF2-40B4-BE49-F238E27FC236}">
+                <a16:creationId xmlns:a16="http://schemas.microsoft.com/office/drawing/2014/main" id="{C20A56B9-1DA9-774D-8F5D-6CBE81BE1FD1}"/>
+              </a:ext>
+            </a:extLst>
+          </p:cNvPr>
+          <p:cNvSpPr/>
+          <p:nvPr/>
+        </p:nvSpPr>
+        <p:spPr>
+          <a:xfrm>
+            <a:off x="4649637" y="3289846"/>
+            <a:ext cx="1502057" cy="360040"/>
+          </a:xfrm>
+          <a:prstGeom prst="donut">
+            <a:avLst>
+              <a:gd name="adj" fmla="val 7553"/>
+            </a:avLst>
+          </a:prstGeom>
+          <a:solidFill>
+            <a:schemeClr val="accent2"/>
+          </a:solidFill>
+          <a:ln>
+            <a:solidFill>
+              <a:srgbClr val="FF0000"/>
+            </a:solidFill>
+          </a:ln>
+        </p:spPr>
+        <p:style>
+          <a:lnRef idx="2">
+            <a:schemeClr val="accent1">
+              <a:shade val="50000"/>
+            </a:schemeClr>
+          </a:lnRef>
+          <a:fillRef idx="1">
+            <a:schemeClr val="accent1"/>
+          </a:fillRef>
+          <a:effectRef idx="0">
+            <a:schemeClr val="accent1"/>
+          </a:effectRef>
+          <a:fontRef idx="minor">
+            <a:schemeClr val="lt1"/>
+          </a:fontRef>
+        </p:style>
+        <p:txBody>
+          <a:bodyPr rtlCol="0" anchor="ctr"/>
+          <a:lstStyle/>
+          <a:p>
+            <a:pPr algn="ctr"/>
+            <a:endParaRPr kumimoji="1" lang="ja-JP" altLang="en-US">
+              <a:solidFill>
+                <a:schemeClr val="tx1"/>
+              </a:solidFill>
+            </a:endParaRPr>
+          </a:p>
+        </p:txBody>
+      </p:sp>
+      <p:sp>
+        <p:nvSpPr>
+          <p:cNvPr id="7" name="ドーナツ 6">
+            <a:extLst>
+              <a:ext uri="{FF2B5EF4-FFF2-40B4-BE49-F238E27FC236}">
+                <a16:creationId xmlns:a16="http://schemas.microsoft.com/office/drawing/2014/main" id="{D6976C1D-CC14-0A41-BADE-A9492D2C8040}"/>
+              </a:ext>
+            </a:extLst>
+          </p:cNvPr>
+          <p:cNvSpPr/>
+          <p:nvPr/>
+        </p:nvSpPr>
+        <p:spPr>
+          <a:xfrm>
+            <a:off x="4631331" y="3996288"/>
+            <a:ext cx="1502057" cy="360040"/>
+          </a:xfrm>
+          <a:prstGeom prst="donut">
+            <a:avLst>
+              <a:gd name="adj" fmla="val 7553"/>
+            </a:avLst>
+          </a:prstGeom>
+          <a:solidFill>
+            <a:schemeClr val="accent2"/>
+          </a:solidFill>
+          <a:ln>
+            <a:solidFill>
+              <a:srgbClr val="FF0000"/>
+            </a:solidFill>
+          </a:ln>
+        </p:spPr>
+        <p:style>
+          <a:lnRef idx="2">
+            <a:schemeClr val="accent1">
+              <a:shade val="50000"/>
+            </a:schemeClr>
+          </a:lnRef>
+          <a:fillRef idx="1">
+            <a:schemeClr val="accent1"/>
+          </a:fillRef>
+          <a:effectRef idx="0">
+            <a:schemeClr val="accent1"/>
+          </a:effectRef>
+          <a:fontRef idx="minor">
+            <a:schemeClr val="lt1"/>
+          </a:fontRef>
+        </p:style>
+        <p:txBody>
+          <a:bodyPr rtlCol="0" anchor="ctr"/>
+          <a:lstStyle/>
+          <a:p>
+            <a:pPr algn="ctr"/>
+            <a:endParaRPr kumimoji="1" lang="ja-JP" altLang="en-US">
+              <a:solidFill>
+                <a:schemeClr val="tx1"/>
+              </a:solidFill>
+            </a:endParaRPr>
+          </a:p>
+        </p:txBody>
+      </p:sp>
+      <p:sp>
+        <p:nvSpPr>
+          <p:cNvPr id="3" name="右矢印 2">
+            <a:extLst>
+              <a:ext uri="{FF2B5EF4-FFF2-40B4-BE49-F238E27FC236}">
+                <a16:creationId xmlns:a16="http://schemas.microsoft.com/office/drawing/2014/main" id="{E7C54621-DAE7-B04B-9534-99F5636B0C55}"/>
+              </a:ext>
+            </a:extLst>
+          </p:cNvPr>
+          <p:cNvSpPr/>
+          <p:nvPr/>
+        </p:nvSpPr>
+        <p:spPr>
+          <a:xfrm>
+            <a:off x="6120838" y="3632036"/>
+            <a:ext cx="580546" cy="360040"/>
+          </a:xfrm>
+          <a:prstGeom prst="rightArrow">
+            <a:avLst/>
+          </a:prstGeom>
+          <a:solidFill>
+            <a:srgbClr val="FF0000"/>
+          </a:solidFill>
+          <a:ln>
+            <a:solidFill>
+              <a:srgbClr val="FF0000"/>
+            </a:solidFill>
+          </a:ln>
+        </p:spPr>
+        <p:style>
+          <a:lnRef idx="2">
+            <a:schemeClr val="accent1">
+              <a:shade val="50000"/>
+            </a:schemeClr>
+          </a:lnRef>
+          <a:fillRef idx="1">
+            <a:schemeClr val="accent1"/>
+          </a:fillRef>
+          <a:effectRef idx="0">
+            <a:schemeClr val="accent1"/>
+          </a:effectRef>
+          <a:fontRef idx="minor">
+            <a:schemeClr val="lt1"/>
+          </a:fontRef>
+        </p:style>
+        <p:txBody>
+          <a:bodyPr rtlCol="0" anchor="ctr"/>
+          <a:lstStyle/>
+          <a:p>
+            <a:pPr algn="ctr"/>
+            <a:endParaRPr kumimoji="1" lang="ja-JP" altLang="en-US"/>
+          </a:p>
+        </p:txBody>
+      </p:sp>
+      <p:sp>
+        <p:nvSpPr>
+          <p:cNvPr id="8" name="テキスト ボックス 7">
+            <a:extLst>
+              <a:ext uri="{FF2B5EF4-FFF2-40B4-BE49-F238E27FC236}">
+                <a16:creationId xmlns:a16="http://schemas.microsoft.com/office/drawing/2014/main" id="{563A59D8-5216-144F-887B-9DA9EAFAA6F4}"/>
+              </a:ext>
+            </a:extLst>
+          </p:cNvPr>
+          <p:cNvSpPr txBox="1"/>
+          <p:nvPr/>
+        </p:nvSpPr>
+        <p:spPr>
+          <a:xfrm>
+            <a:off x="6691040" y="3469866"/>
+            <a:ext cx="1985416" cy="707886"/>
+          </a:xfrm>
+          <a:prstGeom prst="rect">
+            <a:avLst/>
+          </a:prstGeom>
+          <a:noFill/>
+        </p:spPr>
+        <p:txBody>
+          <a:bodyPr wrap="square" rtlCol="0">
+            <a:spAutoFit/>
+          </a:bodyPr>
+          <a:lstStyle/>
+          <a:p>
+            <a:r>
+              <a:rPr lang="en-US" altLang="ja-JP" sz="2000" dirty="0" err="1"/>
+              <a:t>a</a:t>
+            </a:r>
+            <a:r>
+              <a:rPr kumimoji="1" lang="en-US" altLang="ja-JP" sz="2000" dirty="0" err="1"/>
+              <a:t>pplication.js</a:t>
+            </a:r>
+            <a:endParaRPr kumimoji="1" lang="en-US" altLang="ja-JP" sz="2000" dirty="0"/>
+          </a:p>
+          <a:p>
+            <a:r>
+              <a:rPr lang="en-US" altLang="ja-JP" sz="2000" dirty="0" err="1"/>
+              <a:t>application.css</a:t>
+            </a:r>
+            <a:endParaRPr kumimoji="1" lang="ja-JP" altLang="en-US" sz="2000"/>
+          </a:p>
+        </p:txBody>
+      </p:sp>
     </p:spTree>
     <p:extLst>
       <p:ext uri="{BB962C8B-B14F-4D97-AF65-F5344CB8AC3E}">
-        <p14:creationId xmlns:p14="http://schemas.microsoft.com/office/powerpoint/2010/main" val="4020632044"/>
+        <p14:creationId xmlns:p14="http://schemas.microsoft.com/office/powerpoint/2010/main" val="2448015073"/>
       </p:ext>
     </p:extLst>
   </p:cSld>
@@ -4634,7 +5669,7 @@
           <p:cNvPr id="2" name="タイトル 1">
             <a:extLst>
               <a:ext uri="{FF2B5EF4-FFF2-40B4-BE49-F238E27FC236}">
-                <a16:creationId xmlns:a16="http://schemas.microsoft.com/office/drawing/2014/main" id="{1A04E5EE-1FD1-5D4B-9694-3F28446FC325}"/>
+                <a16:creationId xmlns:a16="http://schemas.microsoft.com/office/drawing/2014/main" id="{B68E727D-968A-6E48-A56A-9E0942D9230A}"/>
               </a:ext>
             </a:extLst>
           </p:cNvPr>
@@ -4652,17 +5687,17 @@
           <a:p>
             <a:r>
               <a:rPr kumimoji="1" lang="ja-JP" altLang="en-US"/>
-              <a:t>プラグイン環境</a:t>
-            </a:r>
-          </a:p>
-        </p:txBody>
-      </p:sp>
-      <p:sp>
-        <p:nvSpPr>
-          <p:cNvPr id="3" name="コンテンツ プレースホルダー 2">
+              <a:t>マニフェストを用いての導入</a:t>
+            </a:r>
+          </a:p>
+        </p:txBody>
+      </p:sp>
+      <p:sp>
+        <p:nvSpPr>
+          <p:cNvPr id="4" name="スライド番号プレースホルダー 3">
             <a:extLst>
               <a:ext uri="{FF2B5EF4-FFF2-40B4-BE49-F238E27FC236}">
-                <a16:creationId xmlns:a16="http://schemas.microsoft.com/office/drawing/2014/main" id="{EA0DF991-2031-4040-BEE0-3536F0024678}"/>
+                <a16:creationId xmlns:a16="http://schemas.microsoft.com/office/drawing/2014/main" id="{73D7005A-24B4-214C-BF60-7EF9F69FC2F4}"/>
               </a:ext>
             </a:extLst>
           </p:cNvPr>
@@ -4670,77 +5705,15 @@
             <a:spLocks noGrp="1"/>
           </p:cNvSpPr>
           <p:nvPr>
-            <p:ph idx="1"/>
-          </p:nvPr>
-        </p:nvSpPr>
-        <p:spPr/>
-        <p:txBody>
-          <a:bodyPr/>
-          <a:lstStyle/>
-          <a:p>
-            <a:endParaRPr lang="en-US" altLang="ja-JP" dirty="0"/>
-          </a:p>
-          <a:p>
-            <a:r>
-              <a:rPr lang="ja-JP" altLang="en-US"/>
-              <a:t>魚本、大須賀、中村</a:t>
-            </a:r>
-            <a:r>
-              <a:rPr lang="en-US" altLang="ja-JP" dirty="0"/>
-              <a:t>(2018)</a:t>
-            </a:r>
-            <a:r>
-              <a:rPr lang="ja-JP" altLang="en-US"/>
-              <a:t>らと同じ環境を再現</a:t>
-            </a:r>
-            <a:endParaRPr lang="en-US" altLang="ja-JP" dirty="0"/>
-          </a:p>
-          <a:p>
-            <a:pPr lvl="1"/>
-            <a:endParaRPr lang="en-US" altLang="ja-JP" sz="2400" dirty="0"/>
-          </a:p>
-          <a:p>
-            <a:pPr lvl="1"/>
-            <a:endParaRPr lang="en-US" altLang="ja-JP" dirty="0"/>
-          </a:p>
-          <a:p>
-            <a:pPr marL="0" indent="0">
-              <a:buNone/>
-            </a:pPr>
-            <a:endParaRPr lang="en-US" altLang="ja-JP" dirty="0"/>
-          </a:p>
-          <a:p>
-            <a:pPr marL="0" indent="0">
-              <a:buNone/>
-            </a:pPr>
-            <a:r>
-              <a:rPr lang="en-US" altLang="ja-JP" dirty="0"/>
-              <a:t>	</a:t>
-            </a:r>
-            <a:r>
-              <a:rPr kumimoji="1" lang="ja-JP" altLang="en-US"/>
-              <a:t>使用できないプラグインが多数存在</a:t>
-            </a:r>
-          </a:p>
-        </p:txBody>
-      </p:sp>
-      <p:sp>
-        <p:nvSpPr>
-          <p:cNvPr id="4" name="スライド番号プレースホルダー 3">
-            <a:extLst>
-              <a:ext uri="{FF2B5EF4-FFF2-40B4-BE49-F238E27FC236}">
-                <a16:creationId xmlns:a16="http://schemas.microsoft.com/office/drawing/2014/main" id="{CAC64973-2262-C94A-AB0E-F1EC3D548D08}"/>
-              </a:ext>
-            </a:extLst>
-          </p:cNvPr>
-          <p:cNvSpPr>
-            <a:spLocks noGrp="1"/>
-          </p:cNvSpPr>
-          <p:nvPr>
             <p:ph type="sldNum" sz="quarter" idx="12"/>
           </p:nvPr>
         </p:nvSpPr>
-        <p:spPr/>
+        <p:spPr>
+          <a:xfrm>
+            <a:off x="3452142" y="6217196"/>
+            <a:ext cx="2133600" cy="365125"/>
+          </a:xfrm>
+        </p:spPr>
         <p:txBody>
           <a:bodyPr/>
           <a:lstStyle/>
@@ -4755,12 +5728,44 @@
           </a:p>
         </p:txBody>
       </p:sp>
-      <p:sp>
-        <p:nvSpPr>
-          <p:cNvPr id="5" name="下矢印 4">
+      <p:pic>
+        <p:nvPicPr>
+          <p:cNvPr id="5" name="コンテンツ プレースホルダー 3">
             <a:extLst>
               <a:ext uri="{FF2B5EF4-FFF2-40B4-BE49-F238E27FC236}">
-                <a16:creationId xmlns:a16="http://schemas.microsoft.com/office/drawing/2014/main" id="{53A1B1BA-4D4E-684F-A351-ED8C1472F298}"/>
+                <a16:creationId xmlns:a16="http://schemas.microsoft.com/office/drawing/2014/main" id="{78DD0AE1-E8E1-AA43-8F96-2298D01B80B7}"/>
+              </a:ext>
+            </a:extLst>
+          </p:cNvPr>
+          <p:cNvPicPr>
+            <a:picLocks noGrp="1" noChangeAspect="1"/>
+          </p:cNvPicPr>
+          <p:nvPr>
+            <p:ph idx="1"/>
+          </p:nvPr>
+        </p:nvPicPr>
+        <p:blipFill>
+          <a:blip r:embed="rId3"/>
+          <a:stretch>
+            <a:fillRect/>
+          </a:stretch>
+        </p:blipFill>
+        <p:spPr>
+          <a:xfrm>
+            <a:off x="457200" y="1405149"/>
+            <a:ext cx="5663638" cy="3746714"/>
+          </a:xfrm>
+          <a:prstGeom prst="rect">
+            <a:avLst/>
+          </a:prstGeom>
+        </p:spPr>
+      </p:pic>
+      <p:sp>
+        <p:nvSpPr>
+          <p:cNvPr id="6" name="ドーナツ 5">
+            <a:extLst>
+              <a:ext uri="{FF2B5EF4-FFF2-40B4-BE49-F238E27FC236}">
+                <a16:creationId xmlns:a16="http://schemas.microsoft.com/office/drawing/2014/main" id="{0D905F45-77B1-7C49-AD52-A24F665458AA}"/>
               </a:ext>
             </a:extLst>
           </p:cNvPr>
@@ -4769,15 +5774,22 @@
         </p:nvSpPr>
         <p:spPr>
           <a:xfrm>
-            <a:off x="3933998" y="3359125"/>
-            <a:ext cx="638002" cy="1008112"/>
+            <a:off x="3059832" y="2122931"/>
+            <a:ext cx="1008112" cy="360040"/>
           </a:xfrm>
-          <a:prstGeom prst="downArrow">
-            <a:avLst/>
+          <a:prstGeom prst="donut">
+            <a:avLst>
+              <a:gd name="adj" fmla="val 7553"/>
+            </a:avLst>
           </a:prstGeom>
           <a:solidFill>
-            <a:srgbClr val="FF0000"/>
+            <a:schemeClr val="accent2"/>
           </a:solidFill>
+          <a:ln>
+            <a:solidFill>
+              <a:srgbClr val="FF0000"/>
+            </a:solidFill>
+          </a:ln>
         </p:spPr>
         <p:style>
           <a:lnRef idx="2">
@@ -4801,11 +5813,6 @@
           <a:p>
             <a:pPr algn="ctr"/>
             <a:endParaRPr kumimoji="1" lang="ja-JP" altLang="en-US">
-              <a:ln>
-                <a:solidFill>
-                  <a:srgbClr val="FF0000"/>
-                </a:solidFill>
-              </a:ln>
               <a:solidFill>
                 <a:schemeClr val="tx1"/>
               </a:solidFill>
@@ -4815,40 +5822,128 @@
       </p:sp>
       <p:sp>
         <p:nvSpPr>
-          <p:cNvPr id="6" name="テキスト ボックス 5">
+          <p:cNvPr id="7" name="ドーナツ 6">
             <a:extLst>
               <a:ext uri="{FF2B5EF4-FFF2-40B4-BE49-F238E27FC236}">
-                <a16:creationId xmlns:a16="http://schemas.microsoft.com/office/drawing/2014/main" id="{BB908864-2385-1F4B-B82F-7A85C276D6FE}"/>
+                <a16:creationId xmlns:a16="http://schemas.microsoft.com/office/drawing/2014/main" id="{A8AE5DFC-CA78-0C45-BA5D-FEAC81071A87}"/>
               </a:ext>
             </a:extLst>
           </p:cNvPr>
-          <p:cNvSpPr txBox="1"/>
+          <p:cNvSpPr/>
           <p:nvPr/>
         </p:nvSpPr>
         <p:spPr>
           <a:xfrm>
-            <a:off x="1514475" y="4629150"/>
-            <a:ext cx="184731" cy="461665"/>
+            <a:off x="2267744" y="4725144"/>
+            <a:ext cx="1008112" cy="360040"/>
           </a:xfrm>
-          <a:prstGeom prst="rect">
-            <a:avLst/>
+          <a:prstGeom prst="donut">
+            <a:avLst>
+              <a:gd name="adj" fmla="val 7553"/>
+            </a:avLst>
           </a:prstGeom>
-          <a:noFill/>
+          <a:solidFill>
+            <a:schemeClr val="accent2"/>
+          </a:solidFill>
+          <a:ln>
+            <a:solidFill>
+              <a:srgbClr val="FF0000"/>
+            </a:solidFill>
+          </a:ln>
         </p:spPr>
-        <p:txBody>
-          <a:bodyPr wrap="none" rtlCol="0">
-            <a:spAutoFit/>
-          </a:bodyPr>
-          <a:lstStyle/>
-          <a:p>
-            <a:endParaRPr kumimoji="1" lang="ja-JP" altLang="en-US" sz="2400"/>
+        <p:style>
+          <a:lnRef idx="2">
+            <a:schemeClr val="accent1">
+              <a:shade val="50000"/>
+            </a:schemeClr>
+          </a:lnRef>
+          <a:fillRef idx="1">
+            <a:schemeClr val="accent1"/>
+          </a:fillRef>
+          <a:effectRef idx="0">
+            <a:schemeClr val="accent1"/>
+          </a:effectRef>
+          <a:fontRef idx="minor">
+            <a:schemeClr val="lt1"/>
+          </a:fontRef>
+        </p:style>
+        <p:txBody>
+          <a:bodyPr rtlCol="0" anchor="ctr"/>
+          <a:lstStyle/>
+          <a:p>
+            <a:pPr algn="ctr"/>
+            <a:endParaRPr kumimoji="1" lang="ja-JP" altLang="en-US">
+              <a:solidFill>
+                <a:schemeClr val="tx1"/>
+              </a:solidFill>
+            </a:endParaRPr>
+          </a:p>
+        </p:txBody>
+      </p:sp>
+      <p:sp>
+        <p:nvSpPr>
+          <p:cNvPr id="9" name="ドーナツ 8">
+            <a:extLst>
+              <a:ext uri="{FF2B5EF4-FFF2-40B4-BE49-F238E27FC236}">
+                <a16:creationId xmlns:a16="http://schemas.microsoft.com/office/drawing/2014/main" id="{77C8BFD5-D173-BB4C-9D7B-C8141F0C4131}"/>
+              </a:ext>
+            </a:extLst>
+          </p:cNvPr>
+          <p:cNvSpPr/>
+          <p:nvPr/>
+        </p:nvSpPr>
+        <p:spPr>
+          <a:xfrm>
+            <a:off x="1734170" y="3789040"/>
+            <a:ext cx="1008112" cy="360040"/>
+          </a:xfrm>
+          <a:prstGeom prst="donut">
+            <a:avLst>
+              <a:gd name="adj" fmla="val 7553"/>
+            </a:avLst>
+          </a:prstGeom>
+          <a:solidFill>
+            <a:schemeClr val="accent2"/>
+          </a:solidFill>
+          <a:ln>
+            <a:solidFill>
+              <a:srgbClr val="FF0000"/>
+            </a:solidFill>
+          </a:ln>
+        </p:spPr>
+        <p:style>
+          <a:lnRef idx="2">
+            <a:schemeClr val="accent1">
+              <a:shade val="50000"/>
+            </a:schemeClr>
+          </a:lnRef>
+          <a:fillRef idx="1">
+            <a:schemeClr val="accent1"/>
+          </a:fillRef>
+          <a:effectRef idx="0">
+            <a:schemeClr val="accent1"/>
+          </a:effectRef>
+          <a:fontRef idx="minor">
+            <a:schemeClr val="lt1"/>
+          </a:fontRef>
+        </p:style>
+        <p:txBody>
+          <a:bodyPr rtlCol="0" anchor="ctr"/>
+          <a:lstStyle/>
+          <a:p>
+            <a:pPr algn="ctr"/>
+            <a:endParaRPr kumimoji="1" lang="ja-JP" altLang="en-US">
+              <a:solidFill>
+                <a:schemeClr val="tx1"/>
+              </a:solidFill>
+            </a:endParaRPr>
           </a:p>
         </p:txBody>
       </p:sp>
     </p:spTree>
     <p:extLst>
       <p:ext uri="{BB962C8B-B14F-4D97-AF65-F5344CB8AC3E}">
-        <p14:creationId xmlns:p14="http://schemas.microsoft.com/office/powerpoint/2010/main" val="3498571064"/>
+        <p14:creationId xmlns:p14="http://schemas.microsoft.com/office/powerpoint/2010/main" val="3310604809"/>
       </p:ext>
     </p:extLst>
   </p:cSld>
@@ -4880,7 +5975,7 @@
           <p:cNvPr id="2" name="タイトル 1">
             <a:extLst>
               <a:ext uri="{FF2B5EF4-FFF2-40B4-BE49-F238E27FC236}">
-                <a16:creationId xmlns:a16="http://schemas.microsoft.com/office/drawing/2014/main" id="{921422F4-0A7B-744C-9584-7B9A45839829}"/>
+                <a16:creationId xmlns:a16="http://schemas.microsoft.com/office/drawing/2014/main" id="{95BDE7BF-3EB5-CF44-93A0-6CE85CB505E3}"/>
               </a:ext>
             </a:extLst>
           </p:cNvPr>
@@ -4898,7 +5993,7 @@
           <a:p>
             <a:r>
               <a:rPr kumimoji="1" lang="ja-JP" altLang="en-US"/>
-              <a:t>見た目進捗</a:t>
+              <a:t>シミュレータの進捗</a:t>
             </a:r>
           </a:p>
         </p:txBody>
@@ -4908,7 +6003,7 @@
           <p:cNvPr id="3" name="コンテンツ プレースホルダー 2">
             <a:extLst>
               <a:ext uri="{FF2B5EF4-FFF2-40B4-BE49-F238E27FC236}">
-                <a16:creationId xmlns:a16="http://schemas.microsoft.com/office/drawing/2014/main" id="{8B32A6FC-7186-E642-958F-95F33A0B9EB9}"/>
+                <a16:creationId xmlns:a16="http://schemas.microsoft.com/office/drawing/2014/main" id="{C933D26E-6FA2-EF4C-B95B-2893E9ABA497}"/>
               </a:ext>
             </a:extLst>
           </p:cNvPr>
@@ -4924,7 +6019,23 @@
           <a:bodyPr/>
           <a:lstStyle/>
           <a:p>
-            <a:endParaRPr kumimoji="1" lang="ja-JP" altLang="en-US"/>
+            <a:endParaRPr kumimoji="1" lang="en-US" altLang="ja-JP" dirty="0"/>
+          </a:p>
+          <a:p>
+            <a:r>
+              <a:rPr kumimoji="1" lang="ja-JP" altLang="en-US"/>
+              <a:t>シミュレータのプラグイン環境を整えた</a:t>
+            </a:r>
+            <a:endParaRPr kumimoji="1" lang="en-US" altLang="ja-JP" dirty="0"/>
+          </a:p>
+          <a:p>
+            <a:endParaRPr lang="en-US" altLang="ja-JP" dirty="0"/>
+          </a:p>
+          <a:p>
+            <a:r>
+              <a:rPr kumimoji="1" lang="ja-JP" altLang="en-US"/>
+              <a:t>見た目とそれに伴う機能の実装</a:t>
+            </a:r>
           </a:p>
         </p:txBody>
       </p:sp>
@@ -4933,7 +6044,7 @@
           <p:cNvPr id="4" name="スライド番号プレースホルダー 3">
             <a:extLst>
               <a:ext uri="{FF2B5EF4-FFF2-40B4-BE49-F238E27FC236}">
-                <a16:creationId xmlns:a16="http://schemas.microsoft.com/office/drawing/2014/main" id="{907EB63C-716A-2E4D-B6DD-7B81C8994CD5}"/>
+                <a16:creationId xmlns:a16="http://schemas.microsoft.com/office/drawing/2014/main" id="{5690E311-AD55-C347-85E5-CBA3D8026668}"/>
               </a:ext>
             </a:extLst>
           </p:cNvPr>
@@ -4962,7 +6073,7 @@
     </p:spTree>
     <p:extLst>
       <p:ext uri="{BB962C8B-B14F-4D97-AF65-F5344CB8AC3E}">
-        <p14:creationId xmlns:p14="http://schemas.microsoft.com/office/powerpoint/2010/main" val="1512292705"/>
+        <p14:creationId xmlns:p14="http://schemas.microsoft.com/office/powerpoint/2010/main" val="4020632044"/>
       </p:ext>
     </p:extLst>
   </p:cSld>
@@ -4994,7 +6105,7 @@
           <p:cNvPr id="2" name="タイトル 1">
             <a:extLst>
               <a:ext uri="{FF2B5EF4-FFF2-40B4-BE49-F238E27FC236}">
-                <a16:creationId xmlns:a16="http://schemas.microsoft.com/office/drawing/2014/main" id="{B3FE859B-9E96-FF48-B6D0-9882C0799FE0}"/>
+                <a16:creationId xmlns:a16="http://schemas.microsoft.com/office/drawing/2014/main" id="{1A04E5EE-1FD1-5D4B-9694-3F28446FC325}"/>
               </a:ext>
             </a:extLst>
           </p:cNvPr>
@@ -5012,7 +6123,7 @@
           <a:p>
             <a:r>
               <a:rPr kumimoji="1" lang="ja-JP" altLang="en-US"/>
-              <a:t>課題</a:t>
+              <a:t>プラグイン環境</a:t>
             </a:r>
           </a:p>
         </p:txBody>
@@ -5022,7 +6133,7 @@
           <p:cNvPr id="3" name="コンテンツ プレースホルダー 2">
             <a:extLst>
               <a:ext uri="{FF2B5EF4-FFF2-40B4-BE49-F238E27FC236}">
-                <a16:creationId xmlns:a16="http://schemas.microsoft.com/office/drawing/2014/main" id="{C9426B92-B841-EC41-AE66-266865D101CA}"/>
+                <a16:creationId xmlns:a16="http://schemas.microsoft.com/office/drawing/2014/main" id="{EA0DF991-2031-4040-BEE0-3536F0024678}"/>
               </a:ext>
             </a:extLst>
           </p:cNvPr>
@@ -5038,22 +6149,53 @@
           <a:bodyPr/>
           <a:lstStyle/>
           <a:p>
-            <a:r>
-              <a:rPr kumimoji="1" lang="ja-JP" altLang="en-US"/>
-              <a:t>シミュレータの中身を実装</a:t>
-            </a:r>
-            <a:endParaRPr kumimoji="1" lang="en-US" altLang="ja-JP" dirty="0"/>
-          </a:p>
-          <a:p>
-            <a:r>
-              <a:rPr lang="en-US" altLang="ja-JP" dirty="0" err="1"/>
-              <a:t>netJson</a:t>
-            </a:r>
+            <a:endParaRPr lang="en-US" altLang="ja-JP" dirty="0">
+              <a:solidFill>
+                <a:srgbClr val="FF0000"/>
+              </a:solidFill>
+            </a:endParaRPr>
+          </a:p>
+          <a:p>
             <a:r>
               <a:rPr lang="ja-JP" altLang="en-US"/>
-              <a:t>を実装</a:t>
-            </a:r>
-            <a:endParaRPr kumimoji="1" lang="ja-JP" altLang="en-US"/>
+              <a:t>魚本、大須賀、中村</a:t>
+            </a:r>
+            <a:r>
+              <a:rPr lang="en-US" altLang="ja-JP" dirty="0"/>
+              <a:t>(2018)</a:t>
+            </a:r>
+            <a:r>
+              <a:rPr lang="ja-JP" altLang="en-US"/>
+              <a:t>らと同じ環境を再現</a:t>
+            </a:r>
+            <a:endParaRPr lang="en-US" altLang="ja-JP" dirty="0"/>
+          </a:p>
+          <a:p>
+            <a:pPr lvl="1"/>
+            <a:endParaRPr lang="en-US" altLang="ja-JP" sz="2400" dirty="0"/>
+          </a:p>
+          <a:p>
+            <a:pPr lvl="1"/>
+            <a:endParaRPr lang="en-US" altLang="ja-JP" dirty="0"/>
+          </a:p>
+          <a:p>
+            <a:pPr marL="0" indent="0">
+              <a:buNone/>
+            </a:pPr>
+            <a:endParaRPr lang="en-US" altLang="ja-JP" dirty="0"/>
+          </a:p>
+          <a:p>
+            <a:pPr marL="0" indent="0">
+              <a:buNone/>
+            </a:pPr>
+            <a:r>
+              <a:rPr lang="en-US" altLang="ja-JP" dirty="0"/>
+              <a:t>	</a:t>
+            </a:r>
+            <a:r>
+              <a:rPr kumimoji="1" lang="ja-JP" altLang="en-US"/>
+              <a:t>使用できないプラグインが多数存在</a:t>
+            </a:r>
           </a:p>
         </p:txBody>
       </p:sp>
@@ -5062,7 +6204,7 @@
           <p:cNvPr id="4" name="スライド番号プレースホルダー 3">
             <a:extLst>
               <a:ext uri="{FF2B5EF4-FFF2-40B4-BE49-F238E27FC236}">
-                <a16:creationId xmlns:a16="http://schemas.microsoft.com/office/drawing/2014/main" id="{DDC9D877-92B1-0E45-A7B3-DB4A59418945}"/>
+                <a16:creationId xmlns:a16="http://schemas.microsoft.com/office/drawing/2014/main" id="{CAC64973-2262-C94A-AB0E-F1EC3D548D08}"/>
               </a:ext>
             </a:extLst>
           </p:cNvPr>
@@ -5088,10 +6230,73 @@
           </a:p>
         </p:txBody>
       </p:sp>
+      <p:sp>
+        <p:nvSpPr>
+          <p:cNvPr id="5" name="下矢印 4">
+            <a:extLst>
+              <a:ext uri="{FF2B5EF4-FFF2-40B4-BE49-F238E27FC236}">
+                <a16:creationId xmlns:a16="http://schemas.microsoft.com/office/drawing/2014/main" id="{53A1B1BA-4D4E-684F-A351-ED8C1472F298}"/>
+              </a:ext>
+            </a:extLst>
+          </p:cNvPr>
+          <p:cNvSpPr/>
+          <p:nvPr/>
+        </p:nvSpPr>
+        <p:spPr>
+          <a:xfrm>
+            <a:off x="3933998" y="3359125"/>
+            <a:ext cx="638002" cy="1008112"/>
+          </a:xfrm>
+          <a:prstGeom prst="downArrow">
+            <a:avLst/>
+          </a:prstGeom>
+          <a:solidFill>
+            <a:srgbClr val="FF0000"/>
+          </a:solidFill>
+          <a:ln>
+            <a:solidFill>
+              <a:srgbClr val="FF0000"/>
+            </a:solidFill>
+          </a:ln>
+        </p:spPr>
+        <p:style>
+          <a:lnRef idx="2">
+            <a:schemeClr val="accent1">
+              <a:shade val="50000"/>
+            </a:schemeClr>
+          </a:lnRef>
+          <a:fillRef idx="1">
+            <a:schemeClr val="accent1"/>
+          </a:fillRef>
+          <a:effectRef idx="0">
+            <a:schemeClr val="accent1"/>
+          </a:effectRef>
+          <a:fontRef idx="minor">
+            <a:schemeClr val="lt1"/>
+          </a:fontRef>
+        </p:style>
+        <p:txBody>
+          <a:bodyPr rtlCol="0" anchor="ctr"/>
+          <a:lstStyle/>
+          <a:p>
+            <a:pPr algn="ctr"/>
+            <a:endParaRPr kumimoji="1" lang="ja-JP" altLang="en-US">
+              <a:ln>
+                <a:solidFill>
+                  <a:srgbClr val="FF0000"/>
+                </a:solidFill>
+              </a:ln>
+              <a:solidFill>
+                <a:schemeClr val="tx1"/>
+              </a:solidFill>
+            </a:endParaRPr>
+          </a:p>
+        </p:txBody>
+      </p:sp>
     </p:spTree>
     <p:extLst>
       <p:ext uri="{BB962C8B-B14F-4D97-AF65-F5344CB8AC3E}">
-        <p14:creationId xmlns:p14="http://schemas.microsoft.com/office/powerpoint/2010/main" val="1226044011"/>
+        <p14:creationId xmlns:p14="http://schemas.microsoft.com/office/powerpoint/2010/main" val="3498571064"/>
       </p:ext>
     </p:extLst>
   </p:cSld>

--- a/1005進捗.pptx
+++ b/1005進捗.pptx
@@ -590,7 +590,7 @@
             </a:r>
             <a:r>
               <a:rPr kumimoji="1" lang="ja-JP" altLang="en-US"/>
-              <a:t>ｌなどバージョンどころかそもそも別物だった</a:t>
+              <a:t>ｌなどバージョンどころかそもそも別物だった。先代の再現、先代の使用したプラグインの導入という目的には不適合だったので不採用</a:t>
             </a:r>
           </a:p>
         </p:txBody>

--- a/1005進捗.pptx
+++ b/1005進捗.pptx
@@ -5,7 +5,7 @@
     <p:sldMasterId id="2147483648" r:id="rId1"/>
   </p:sldMasterIdLst>
   <p:notesMasterIdLst>
-    <p:notesMasterId r:id="rId13"/>
+    <p:notesMasterId r:id="rId29"/>
   </p:notesMasterIdLst>
   <p:sldIdLst>
     <p:sldId id="256" r:id="rId2"/>
@@ -18,7 +18,23 @@
     <p:sldId id="261" r:id="rId9"/>
     <p:sldId id="263" r:id="rId10"/>
     <p:sldId id="264" r:id="rId11"/>
-    <p:sldId id="265" r:id="rId12"/>
+    <p:sldId id="268" r:id="rId12"/>
+    <p:sldId id="269" r:id="rId13"/>
+    <p:sldId id="270" r:id="rId14"/>
+    <p:sldId id="271" r:id="rId15"/>
+    <p:sldId id="272" r:id="rId16"/>
+    <p:sldId id="273" r:id="rId17"/>
+    <p:sldId id="274" r:id="rId18"/>
+    <p:sldId id="275" r:id="rId19"/>
+    <p:sldId id="276" r:id="rId20"/>
+    <p:sldId id="278" r:id="rId21"/>
+    <p:sldId id="277" r:id="rId22"/>
+    <p:sldId id="279" r:id="rId23"/>
+    <p:sldId id="280" r:id="rId24"/>
+    <p:sldId id="281" r:id="rId25"/>
+    <p:sldId id="282" r:id="rId26"/>
+    <p:sldId id="283" r:id="rId27"/>
+    <p:sldId id="265" r:id="rId28"/>
   </p:sldIdLst>
   <p:sldSz cx="9144000" cy="6858000" type="screen4x3"/>
   <p:notesSz cx="6858000" cy="9144000"/>
@@ -132,6 +148,22 @@
             <p14:sldId id="261"/>
             <p14:sldId id="263"/>
             <p14:sldId id="264"/>
+            <p14:sldId id="268"/>
+            <p14:sldId id="269"/>
+            <p14:sldId id="270"/>
+            <p14:sldId id="271"/>
+            <p14:sldId id="272"/>
+            <p14:sldId id="273"/>
+            <p14:sldId id="274"/>
+            <p14:sldId id="275"/>
+            <p14:sldId id="276"/>
+            <p14:sldId id="278"/>
+            <p14:sldId id="277"/>
+            <p14:sldId id="279"/>
+            <p14:sldId id="280"/>
+            <p14:sldId id="281"/>
+            <p14:sldId id="282"/>
+            <p14:sldId id="283"/>
             <p14:sldId id="265"/>
           </p14:sldIdLst>
         </p14:section>
@@ -153,6 +185,39 @@
     </p:ext>
   </p:extLst>
 </p:presentation>
+</file>
+
+<file path=ppt/commentAuthors.xml><?xml version="1.0" encoding="utf-8"?>
+<p:cmAuthorLst xmlns:a="http://schemas.openxmlformats.org/drawingml/2006/main" xmlns:r="http://schemas.openxmlformats.org/officeDocument/2006/relationships" xmlns:p="http://schemas.openxmlformats.org/presentationml/2006/main">
+  <p:cmAuthor id="1" name="菅原良太" initials="菅原良太" lastIdx="1" clrIdx="0">
+    <p:extLst>
+      <p:ext uri="{19B8F6BF-5375-455C-9EA6-DF929625EA0E}">
+        <p15:presenceInfo xmlns:p15="http://schemas.microsoft.com/office/powerpoint/2012/main" userId="" providerId=""/>
+      </p:ext>
+    </p:extLst>
+  </p:cmAuthor>
+  <p:cmAuthor id="2" name="菅原良太" initials="菅原良太 [2]" lastIdx="1" clrIdx="1">
+    <p:extLst>
+      <p:ext uri="{19B8F6BF-5375-455C-9EA6-DF929625EA0E}">
+        <p15:presenceInfo xmlns:p15="http://schemas.microsoft.com/office/powerpoint/2012/main" userId="" providerId=""/>
+      </p:ext>
+    </p:extLst>
+  </p:cmAuthor>
+  <p:cmAuthor id="3" name="菅原良太" initials="菅原良太 [3]" lastIdx="1" clrIdx="2">
+    <p:extLst>
+      <p:ext uri="{19B8F6BF-5375-455C-9EA6-DF929625EA0E}">
+        <p15:presenceInfo xmlns:p15="http://schemas.microsoft.com/office/powerpoint/2012/main" userId="" providerId=""/>
+      </p:ext>
+    </p:extLst>
+  </p:cmAuthor>
+  <p:cmAuthor id="4" name="菅原良太" initials="菅原良太 [4]" lastIdx="1" clrIdx="3">
+    <p:extLst>
+      <p:ext uri="{19B8F6BF-5375-455C-9EA6-DF929625EA0E}">
+        <p15:presenceInfo xmlns:p15="http://schemas.microsoft.com/office/powerpoint/2012/main" userId="" providerId=""/>
+      </p:ext>
+    </p:extLst>
+  </p:cmAuthor>
+</p:cmAuthorLst>
 </file>
 
 <file path=ppt/notesMasters/notesMaster1.xml><?xml version="1.0" encoding="utf-8"?>
@@ -237,7 +302,7 @@
           <a:p>
             <a:fld id="{803DD6A6-FCD2-4EE7-8E6E-99C1A1F687BC}" type="datetimeFigureOut">
               <a:rPr kumimoji="1" lang="ja-JP" altLang="en-US" smtClean="0"/>
-              <a:t>2018/10/4</a:t>
+              <a:t>2018/10/5</a:t>
             </a:fld>
             <a:endParaRPr kumimoji="1" lang="ja-JP" altLang="en-US"/>
           </a:p>
@@ -1281,6 +1346,13 @@
   <p:clrMapOvr>
     <a:masterClrMapping/>
   </p:clrMapOvr>
+  <p:timing>
+    <p:tnLst>
+      <p:par>
+        <p:cTn id="1" dur="indefinite" restart="never" nodeType="tmRoot"/>
+      </p:par>
+    </p:tnLst>
+  </p:timing>
 </p:sldLayout>
 </file>
 
@@ -1423,7 +1495,7 @@
           <a:p>
             <a:fld id="{0C2D592E-2292-4305-9592-EC97400E21B7}" type="datetime1">
               <a:rPr kumimoji="1" lang="ja-JP" altLang="en-US" smtClean="0"/>
-              <a:t>2018/10/4</a:t>
+              <a:t>2018/10/5</a:t>
             </a:fld>
             <a:endParaRPr kumimoji="1" lang="ja-JP" altLang="en-US"/>
           </a:p>
@@ -1481,6 +1553,13 @@
   <p:clrMapOvr>
     <a:masterClrMapping/>
   </p:clrMapOvr>
+  <p:timing>
+    <p:tnLst>
+      <p:par>
+        <p:cTn id="1" dur="indefinite" restart="never" nodeType="tmRoot"/>
+      </p:par>
+    </p:tnLst>
+  </p:timing>
 </p:sldLayout>
 </file>
 
@@ -1633,7 +1712,7 @@
           <a:p>
             <a:fld id="{E508CA83-B01D-4BAB-B4E2-CF9244F45EF5}" type="datetime1">
               <a:rPr kumimoji="1" lang="ja-JP" altLang="en-US" smtClean="0"/>
-              <a:t>2018/10/4</a:t>
+              <a:t>2018/10/5</a:t>
             </a:fld>
             <a:endParaRPr kumimoji="1" lang="ja-JP" altLang="en-US"/>
           </a:p>
@@ -1691,6 +1770,13 @@
   <p:clrMapOvr>
     <a:masterClrMapping/>
   </p:clrMapOvr>
+  <p:timing>
+    <p:tnLst>
+      <p:par>
+        <p:cTn id="1" dur="indefinite" restart="never" nodeType="tmRoot"/>
+      </p:par>
+    </p:tnLst>
+  </p:timing>
 </p:sldLayout>
 </file>
 
@@ -1838,7 +1924,7 @@
           <a:p>
             <a:fld id="{01E93D1F-BE2F-43FF-9803-5758F1FF87BE}" type="datetime1">
               <a:rPr kumimoji="1" lang="ja-JP" altLang="en-US" smtClean="0"/>
-              <a:t>2018/10/4</a:t>
+              <a:t>2018/10/5</a:t>
             </a:fld>
             <a:endParaRPr kumimoji="1" lang="ja-JP" altLang="en-US"/>
           </a:p>
@@ -1968,6 +2054,13 @@
   <p:clrMapOvr>
     <a:masterClrMapping/>
   </p:clrMapOvr>
+  <p:timing>
+    <p:tnLst>
+      <p:par>
+        <p:cTn id="1" dur="indefinite" restart="never" nodeType="tmRoot"/>
+      </p:par>
+    </p:tnLst>
+  </p:timing>
 </p:sldLayout>
 </file>
 
@@ -2155,7 +2248,7 @@
           <a:p>
             <a:fld id="{EFA39CE0-7535-4E0E-AFE3-F465E7C7C0FF}" type="datetime1">
               <a:rPr kumimoji="1" lang="ja-JP" altLang="en-US" smtClean="0"/>
-              <a:t>2018/10/4</a:t>
+              <a:t>2018/10/5</a:t>
             </a:fld>
             <a:endParaRPr kumimoji="1" lang="ja-JP" altLang="en-US"/>
           </a:p>
@@ -2213,6 +2306,13 @@
   <p:clrMapOvr>
     <a:masterClrMapping/>
   </p:clrMapOvr>
+  <p:timing>
+    <p:tnLst>
+      <p:par>
+        <p:cTn id="1" dur="indefinite" restart="never" nodeType="tmRoot"/>
+      </p:par>
+    </p:tnLst>
+  </p:timing>
 </p:sldLayout>
 </file>
 
@@ -2504,7 +2604,7 @@
           <a:p>
             <a:fld id="{D45C9DD0-C75C-4A45-9030-13826D815CA0}" type="datetime1">
               <a:rPr kumimoji="1" lang="ja-JP" altLang="en-US" smtClean="0"/>
-              <a:t>2018/10/4</a:t>
+              <a:t>2018/10/5</a:t>
             </a:fld>
             <a:endParaRPr kumimoji="1" lang="ja-JP" altLang="en-US"/>
           </a:p>
@@ -2987,7 +3087,7 @@
           <a:p>
             <a:fld id="{CCA1C7AD-18BB-4F25-AC23-F39BF79F4D77}" type="datetime1">
               <a:rPr kumimoji="1" lang="ja-JP" altLang="en-US" smtClean="0"/>
-              <a:t>2018/10/4</a:t>
+              <a:t>2018/10/5</a:t>
             </a:fld>
             <a:endParaRPr kumimoji="1" lang="ja-JP" altLang="en-US"/>
           </a:p>
@@ -3104,7 +3204,7 @@
           <a:p>
             <a:fld id="{AF8EE08C-AC9E-42E7-9719-2A54CCDFBD7D}" type="datetime1">
               <a:rPr kumimoji="1" lang="ja-JP" altLang="en-US" smtClean="0"/>
-              <a:t>2018/10/4</a:t>
+              <a:t>2018/10/5</a:t>
             </a:fld>
             <a:endParaRPr kumimoji="1" lang="ja-JP" altLang="en-US"/>
           </a:p>
@@ -3199,7 +3299,7 @@
           <a:p>
             <a:fld id="{B8073CA2-C66C-41D1-B499-CAA6DB7D7D3A}" type="datetime1">
               <a:rPr kumimoji="1" lang="ja-JP" altLang="en-US" smtClean="0"/>
-              <a:t>2018/10/4</a:t>
+              <a:t>2018/10/5</a:t>
             </a:fld>
             <a:endParaRPr kumimoji="1" lang="ja-JP" altLang="en-US"/>
           </a:p>
@@ -3506,7 +3606,7 @@
           <a:p>
             <a:fld id="{DFBD8235-0C14-4155-9991-B1E146E33912}" type="datetime1">
               <a:rPr kumimoji="1" lang="ja-JP" altLang="en-US" smtClean="0"/>
-              <a:t>2018/10/4</a:t>
+              <a:t>2018/10/5</a:t>
             </a:fld>
             <a:endParaRPr kumimoji="1" lang="ja-JP" altLang="en-US"/>
           </a:p>
@@ -3761,7 +3861,7 @@
           <a:p>
             <a:fld id="{2A91B658-7182-4FD9-A82F-002C38D9BA43}" type="datetime1">
               <a:rPr kumimoji="1" lang="ja-JP" altLang="en-US" smtClean="0"/>
-              <a:t>2018/10/4</a:t>
+              <a:t>2018/10/5</a:t>
             </a:fld>
             <a:endParaRPr kumimoji="1" lang="ja-JP" altLang="en-US"/>
           </a:p>
@@ -3819,6 +3919,13 @@
   <p:clrMapOvr>
     <a:masterClrMapping/>
   </p:clrMapOvr>
+  <p:timing>
+    <p:tnLst>
+      <p:par>
+        <p:cTn id="1" dur="indefinite" restart="never" nodeType="tmRoot"/>
+      </p:par>
+    </p:tnLst>
+  </p:timing>
 </p:sldLayout>
 </file>
 
@@ -3870,7 +3977,7 @@
           <a:lstStyle/>
           <a:p>
             <a:r>
-              <a:rPr kumimoji="1" lang="ja-JP" altLang="en-US"/>
+              <a:rPr kumimoji="1" lang="ja-JP" altLang="en-US" dirty="0"/>
               <a:t>マスター タイトルの書式設定</a:t>
             </a:r>
           </a:p>
@@ -3903,67 +4010,67 @@
           <a:p>
             <a:pPr lvl="0"/>
             <a:r>
-              <a:rPr kumimoji="1" lang="ja-JP" altLang="en-US"/>
+              <a:rPr kumimoji="1" lang="ja-JP" altLang="en-US" dirty="0"/>
               <a:t>マスター テキストの書式設定</a:t>
             </a:r>
           </a:p>
           <a:p>
             <a:pPr lvl="1"/>
             <a:r>
-              <a:rPr kumimoji="1" lang="ja-JP" altLang="en-US"/>
+              <a:rPr kumimoji="1" lang="ja-JP" altLang="en-US" dirty="0"/>
               <a:t>第 </a:t>
             </a:r>
             <a:r>
-              <a:rPr kumimoji="1" lang="en-US" altLang="ja-JP"/>
+              <a:rPr kumimoji="1" lang="en-US" altLang="ja-JP" dirty="0"/>
               <a:t>2 </a:t>
             </a:r>
             <a:r>
-              <a:rPr kumimoji="1" lang="ja-JP" altLang="en-US"/>
+              <a:rPr kumimoji="1" lang="ja-JP" altLang="en-US" dirty="0"/>
               <a:t>レベル</a:t>
             </a:r>
           </a:p>
           <a:p>
             <a:pPr lvl="2"/>
             <a:r>
-              <a:rPr kumimoji="1" lang="ja-JP" altLang="en-US"/>
+              <a:rPr kumimoji="1" lang="ja-JP" altLang="en-US" dirty="0"/>
               <a:t>第 </a:t>
             </a:r>
             <a:r>
-              <a:rPr kumimoji="1" lang="en-US" altLang="ja-JP"/>
+              <a:rPr kumimoji="1" lang="en-US" altLang="ja-JP" dirty="0"/>
               <a:t>3 </a:t>
             </a:r>
             <a:r>
-              <a:rPr kumimoji="1" lang="ja-JP" altLang="en-US"/>
+              <a:rPr kumimoji="1" lang="ja-JP" altLang="en-US" dirty="0"/>
               <a:t>レベル</a:t>
             </a:r>
           </a:p>
           <a:p>
             <a:pPr lvl="3"/>
             <a:r>
-              <a:rPr kumimoji="1" lang="ja-JP" altLang="en-US"/>
+              <a:rPr kumimoji="1" lang="ja-JP" altLang="en-US" dirty="0"/>
               <a:t>第 </a:t>
             </a:r>
             <a:r>
-              <a:rPr kumimoji="1" lang="en-US" altLang="ja-JP"/>
+              <a:rPr kumimoji="1" lang="en-US" altLang="ja-JP" dirty="0"/>
               <a:t>4 </a:t>
             </a:r>
             <a:r>
-              <a:rPr kumimoji="1" lang="ja-JP" altLang="en-US"/>
+              <a:rPr kumimoji="1" lang="ja-JP" altLang="en-US" dirty="0"/>
               <a:t>レベル</a:t>
             </a:r>
           </a:p>
           <a:p>
             <a:pPr lvl="4"/>
             <a:r>
-              <a:rPr kumimoji="1" lang="ja-JP" altLang="en-US"/>
+              <a:rPr kumimoji="1" lang="ja-JP" altLang="en-US" dirty="0"/>
               <a:t>第 </a:t>
             </a:r>
             <a:r>
-              <a:rPr kumimoji="1" lang="en-US" altLang="ja-JP"/>
+              <a:rPr kumimoji="1" lang="en-US" altLang="ja-JP" dirty="0"/>
               <a:t>5 </a:t>
             </a:r>
             <a:r>
-              <a:rPr kumimoji="1" lang="ja-JP" altLang="en-US"/>
+              <a:rPr kumimoji="1" lang="ja-JP" altLang="en-US" dirty="0"/>
               <a:t>レベル</a:t>
             </a:r>
           </a:p>
@@ -4004,7 +4111,7 @@
           <a:p>
             <a:fld id="{5EABF07F-C525-453C-82CD-1DECD51CCA53}" type="datetime1">
               <a:rPr kumimoji="1" lang="ja-JP" altLang="en-US" smtClean="0"/>
-              <a:t>2018/10/4</a:t>
+              <a:t>2018/10/5</a:t>
             </a:fld>
             <a:endParaRPr kumimoji="1" lang="ja-JP" altLang="en-US"/>
           </a:p>
@@ -4109,6 +4216,13 @@
     <p:sldLayoutId id="2147483658" r:id="rId10"/>
     <p:sldLayoutId id="2147483659" r:id="rId11"/>
   </p:sldLayoutIdLst>
+  <p:timing>
+    <p:tnLst>
+      <p:par>
+        <p:cTn id="1" dur="indefinite" restart="never" nodeType="tmRoot"/>
+      </p:par>
+    </p:tnLst>
+  </p:timing>
   <p:hf hdr="0" ftr="0" dt="0"/>
   <p:txStyles>
     <p:titleStyle>
@@ -4447,6 +4561,13 @@
   <p:clrMapOvr>
     <a:masterClrMapping/>
   </p:clrMapOvr>
+  <p:timing>
+    <p:tnLst>
+      <p:par>
+        <p:cTn id="1" dur="indefinite" restart="never" nodeType="tmRoot"/>
+      </p:par>
+    </p:tnLst>
+  </p:timing>
 </p:sld>
 </file>
 
@@ -4472,7 +4593,7 @@
           <p:cNvPr id="2" name="タイトル 1">
             <a:extLst>
               <a:ext uri="{FF2B5EF4-FFF2-40B4-BE49-F238E27FC236}">
-                <a16:creationId xmlns:a16="http://schemas.microsoft.com/office/drawing/2014/main" id="{921422F4-0A7B-744C-9584-7B9A45839829}"/>
+                <a16:creationId xmlns:a16="http://schemas.microsoft.com/office/drawing/2014/main" xmlns="" id="{921422F4-0A7B-744C-9584-7B9A45839829}"/>
               </a:ext>
             </a:extLst>
           </p:cNvPr>
@@ -4500,7 +4621,7 @@
           <p:cNvPr id="6" name="コンテンツ プレースホルダー 5">
             <a:extLst>
               <a:ext uri="{FF2B5EF4-FFF2-40B4-BE49-F238E27FC236}">
-                <a16:creationId xmlns:a16="http://schemas.microsoft.com/office/drawing/2014/main" id="{7C331143-22B9-0447-8DEF-BDE09A602B8E}"/>
+                <a16:creationId xmlns:a16="http://schemas.microsoft.com/office/drawing/2014/main" xmlns="" id="{7C331143-22B9-0447-8DEF-BDE09A602B8E}"/>
               </a:ext>
             </a:extLst>
           </p:cNvPr>
@@ -4535,7 +4656,7 @@
           <p:cNvPr id="4" name="スライド番号プレースホルダー 3">
             <a:extLst>
               <a:ext uri="{FF2B5EF4-FFF2-40B4-BE49-F238E27FC236}">
-                <a16:creationId xmlns:a16="http://schemas.microsoft.com/office/drawing/2014/main" id="{907EB63C-716A-2E4D-B6DD-7B81C8994CD5}"/>
+                <a16:creationId xmlns:a16="http://schemas.microsoft.com/office/drawing/2014/main" xmlns="" id="{907EB63C-716A-2E4D-B6DD-7B81C8994CD5}"/>
               </a:ext>
             </a:extLst>
           </p:cNvPr>
@@ -4593,13 +4714,7 @@
       </p:grpSpPr>
       <p:sp>
         <p:nvSpPr>
-          <p:cNvPr id="2" name="タイトル 1">
-            <a:extLst>
-              <a:ext uri="{FF2B5EF4-FFF2-40B4-BE49-F238E27FC236}">
-                <a16:creationId xmlns:a16="http://schemas.microsoft.com/office/drawing/2014/main" id="{B3FE859B-9E96-FF48-B6D0-9882C0799FE0}"/>
-              </a:ext>
-            </a:extLst>
-          </p:cNvPr>
+          <p:cNvPr id="2" name="タイトル 1"/>
           <p:cNvSpPr>
             <a:spLocks noGrp="1"/>
           </p:cNvSpPr>
@@ -4613,21 +4728,41 @@
           <a:lstStyle/>
           <a:p>
             <a:r>
-              <a:rPr kumimoji="1" lang="ja-JP" altLang="en-US"/>
-              <a:t>課題</a:t>
-            </a:r>
-          </a:p>
-        </p:txBody>
-      </p:sp>
-      <p:sp>
-        <p:nvSpPr>
-          <p:cNvPr id="3" name="コンテンツ プレースホルダー 2">
-            <a:extLst>
-              <a:ext uri="{FF2B5EF4-FFF2-40B4-BE49-F238E27FC236}">
-                <a16:creationId xmlns:a16="http://schemas.microsoft.com/office/drawing/2014/main" id="{C9426B92-B841-EC41-AE66-266865D101CA}"/>
-              </a:ext>
-            </a:extLst>
-          </p:cNvPr>
+              <a:rPr kumimoji="1" lang="en-US" altLang="ja-JP" dirty="0" smtClean="0">
+                <a:solidFill>
+                  <a:schemeClr val="tx1">
+                    <a:lumMod val="75000"/>
+                    <a:lumOff val="25000"/>
+                  </a:schemeClr>
+                </a:solidFill>
+              </a:rPr>
+              <a:t>LTI</a:t>
+            </a:r>
+            <a:r>
+              <a:rPr kumimoji="1" lang="ja-JP" altLang="en-US" dirty="0" smtClean="0">
+                <a:solidFill>
+                  <a:schemeClr val="tx1">
+                    <a:lumMod val="75000"/>
+                    <a:lumOff val="25000"/>
+                  </a:schemeClr>
+                </a:solidFill>
+              </a:rPr>
+              <a:t>準拠させる</a:t>
+            </a:r>
+            <a:endParaRPr kumimoji="1" lang="ja-JP" altLang="en-US" dirty="0">
+              <a:solidFill>
+                <a:schemeClr val="tx1">
+                  <a:lumMod val="75000"/>
+                  <a:lumOff val="25000"/>
+                </a:schemeClr>
+              </a:solidFill>
+            </a:endParaRPr>
+          </a:p>
+        </p:txBody>
+      </p:sp>
+      <p:sp>
+        <p:nvSpPr>
+          <p:cNvPr id="3" name="コンテンツ プレースホルダー 2"/>
           <p:cNvSpPr>
             <a:spLocks noGrp="1"/>
           </p:cNvSpPr>
@@ -4641,33 +4776,117 @@
           <a:lstStyle/>
           <a:p>
             <a:r>
-              <a:rPr kumimoji="1" lang="ja-JP" altLang="en-US"/>
-              <a:t>シミュレータの中身を実装</a:t>
-            </a:r>
-            <a:endParaRPr kumimoji="1" lang="en-US" altLang="ja-JP" dirty="0"/>
-          </a:p>
-          <a:p>
-            <a:r>
-              <a:rPr lang="en-US" altLang="ja-JP" dirty="0" err="1"/>
-              <a:t>netJson</a:t>
-            </a:r>
-            <a:r>
-              <a:rPr lang="ja-JP" altLang="en-US"/>
-              <a:t>を実装</a:t>
-            </a:r>
-            <a:endParaRPr kumimoji="1" lang="ja-JP" altLang="en-US"/>
-          </a:p>
-        </p:txBody>
-      </p:sp>
-      <p:sp>
-        <p:nvSpPr>
-          <p:cNvPr id="4" name="スライド番号プレースホルダー 3">
-            <a:extLst>
-              <a:ext uri="{FF2B5EF4-FFF2-40B4-BE49-F238E27FC236}">
-                <a16:creationId xmlns:a16="http://schemas.microsoft.com/office/drawing/2014/main" id="{DDC9D877-92B1-0E45-A7B3-DB4A59418945}"/>
-              </a:ext>
-            </a:extLst>
-          </p:cNvPr>
+              <a:rPr lang="en-US" altLang="ja-JP" dirty="0" smtClean="0">
+                <a:solidFill>
+                  <a:schemeClr val="tx1">
+                    <a:lumMod val="75000"/>
+                    <a:lumOff val="25000"/>
+                  </a:schemeClr>
+                </a:solidFill>
+              </a:rPr>
+              <a:t>OA</a:t>
+            </a:r>
+            <a:r>
+              <a:rPr kumimoji="1" lang="en-US" altLang="ja-JP" dirty="0" smtClean="0">
+                <a:solidFill>
+                  <a:schemeClr val="tx1">
+                    <a:lumMod val="75000"/>
+                    <a:lumOff val="25000"/>
+                  </a:schemeClr>
+                </a:solidFill>
+              </a:rPr>
+              <a:t>uth</a:t>
+            </a:r>
+            <a:r>
+              <a:rPr lang="en-US" altLang="ja-JP" dirty="0" smtClean="0">
+                <a:solidFill>
+                  <a:schemeClr val="tx1">
+                    <a:lumMod val="75000"/>
+                    <a:lumOff val="25000"/>
+                  </a:schemeClr>
+                </a:solidFill>
+              </a:rPr>
+              <a:t>1.0</a:t>
+            </a:r>
+            <a:r>
+              <a:rPr kumimoji="1" lang="ja-JP" altLang="en-US" dirty="0" smtClean="0">
+                <a:solidFill>
+                  <a:schemeClr val="tx1">
+                    <a:lumMod val="75000"/>
+                    <a:lumOff val="25000"/>
+                  </a:schemeClr>
+                </a:solidFill>
+              </a:rPr>
+              <a:t>の実装</a:t>
+            </a:r>
+            <a:r>
+              <a:rPr lang="en-US" altLang="ja-JP" dirty="0">
+                <a:solidFill>
+                  <a:schemeClr val="tx1">
+                    <a:lumMod val="75000"/>
+                    <a:lumOff val="25000"/>
+                  </a:schemeClr>
+                </a:solidFill>
+              </a:rPr>
+              <a:t/>
+            </a:r>
+            <a:br>
+              <a:rPr lang="en-US" altLang="ja-JP" dirty="0">
+                <a:solidFill>
+                  <a:schemeClr val="tx1">
+                    <a:lumMod val="75000"/>
+                    <a:lumOff val="25000"/>
+                  </a:schemeClr>
+                </a:solidFill>
+              </a:rPr>
+            </a:br>
+            <a:r>
+              <a:rPr lang="ja-JP" altLang="en-US" dirty="0" smtClean="0">
+                <a:solidFill>
+                  <a:schemeClr val="tx1">
+                    <a:lumMod val="75000"/>
+                    <a:lumOff val="25000"/>
+                  </a:schemeClr>
+                </a:solidFill>
+              </a:rPr>
+              <a:t>・</a:t>
+            </a:r>
+            <a:r>
+              <a:rPr lang="en-US" altLang="ja-JP" dirty="0">
+                <a:solidFill>
+                  <a:schemeClr val="tx1">
+                    <a:lumMod val="75000"/>
+                    <a:lumOff val="25000"/>
+                  </a:schemeClr>
+                </a:solidFill>
+              </a:rPr>
+              <a:t>OAuth1.0</a:t>
+            </a:r>
+            <a:r>
+              <a:rPr lang="ja-JP" altLang="en-US" dirty="0">
+                <a:solidFill>
+                  <a:schemeClr val="tx1">
+                    <a:lumMod val="75000"/>
+                    <a:lumOff val="25000"/>
+                  </a:schemeClr>
+                </a:solidFill>
+              </a:rPr>
+              <a:t>認証における署名を作成</a:t>
+            </a:r>
+            <a:endParaRPr lang="en-US" altLang="ja-JP" dirty="0" smtClean="0">
+              <a:solidFill>
+                <a:schemeClr val="tx1">
+                  <a:lumMod val="75000"/>
+                  <a:lumOff val="25000"/>
+                </a:schemeClr>
+              </a:solidFill>
+            </a:endParaRPr>
+          </a:p>
+        </p:txBody>
+      </p:sp>
+      <p:sp>
+        <p:nvSpPr>
+          <p:cNvPr id="4" name="スライド番号プレースホルダー 3"/>
           <p:cNvSpPr>
             <a:spLocks noGrp="1"/>
           </p:cNvSpPr>
@@ -4693,13 +4912,2524 @@
     </p:spTree>
     <p:extLst>
       <p:ext uri="{BB962C8B-B14F-4D97-AF65-F5344CB8AC3E}">
-        <p14:creationId xmlns:p14="http://schemas.microsoft.com/office/powerpoint/2010/main" val="1226044011"/>
+        <p14:creationId xmlns:p14="http://schemas.microsoft.com/office/powerpoint/2010/main" val="523499692"/>
       </p:ext>
     </p:extLst>
   </p:cSld>
   <p:clrMapOvr>
     <a:masterClrMapping/>
   </p:clrMapOvr>
+  <p:timing>
+    <p:tnLst>
+      <p:par>
+        <p:cTn id="1" dur="indefinite" restart="never" nodeType="tmRoot"/>
+      </p:par>
+    </p:tnLst>
+  </p:timing>
+</p:sld>
+</file>
+
+<file path=ppt/slides/slide12.xml><?xml version="1.0" encoding="utf-8"?>
+<p:sld xmlns:a="http://schemas.openxmlformats.org/drawingml/2006/main" xmlns:r="http://schemas.openxmlformats.org/officeDocument/2006/relationships" xmlns:p="http://schemas.openxmlformats.org/presentationml/2006/main">
+  <p:cSld>
+    <p:spTree>
+      <p:nvGrpSpPr>
+        <p:cNvPr id="1" name=""/>
+        <p:cNvGrpSpPr/>
+        <p:nvPr/>
+      </p:nvGrpSpPr>
+      <p:grpSpPr>
+        <a:xfrm>
+          <a:off x="0" y="0"/>
+          <a:ext cx="0" cy="0"/>
+          <a:chOff x="0" y="0"/>
+          <a:chExt cx="0" cy="0"/>
+        </a:xfrm>
+      </p:grpSpPr>
+      <p:sp>
+        <p:nvSpPr>
+          <p:cNvPr id="2" name="タイトル 1"/>
+          <p:cNvSpPr>
+            <a:spLocks noGrp="1"/>
+          </p:cNvSpPr>
+          <p:nvPr>
+            <p:ph type="title"/>
+          </p:nvPr>
+        </p:nvSpPr>
+        <p:spPr/>
+        <p:txBody>
+          <a:bodyPr/>
+          <a:lstStyle/>
+          <a:p>
+            <a:r>
+              <a:rPr kumimoji="1" lang="ja-JP" altLang="en-US" dirty="0" smtClean="0">
+                <a:solidFill>
+                  <a:schemeClr val="tx1">
+                    <a:lumMod val="75000"/>
+                    <a:lumOff val="25000"/>
+                  </a:schemeClr>
+                </a:solidFill>
+              </a:rPr>
+              <a:t>署名の作成手順</a:t>
+            </a:r>
+            <a:endParaRPr kumimoji="1" lang="ja-JP" altLang="en-US" dirty="0">
+              <a:solidFill>
+                <a:schemeClr val="tx1">
+                  <a:lumMod val="75000"/>
+                  <a:lumOff val="25000"/>
+                </a:schemeClr>
+              </a:solidFill>
+            </a:endParaRPr>
+          </a:p>
+        </p:txBody>
+      </p:sp>
+      <p:sp>
+        <p:nvSpPr>
+          <p:cNvPr id="3" name="コンテンツ プレースホルダー 2"/>
+          <p:cNvSpPr>
+            <a:spLocks noGrp="1"/>
+          </p:cNvSpPr>
+          <p:nvPr>
+            <p:ph idx="1"/>
+          </p:nvPr>
+        </p:nvSpPr>
+        <p:spPr/>
+        <p:txBody>
+          <a:bodyPr/>
+          <a:lstStyle/>
+          <a:p>
+            <a:pPr marL="514350" indent="-514350">
+              <a:buFont typeface="+mj-lt"/>
+              <a:buAutoNum type="arabicPeriod"/>
+            </a:pPr>
+            <a:r>
+              <a:rPr kumimoji="1" lang="ja-JP" altLang="en-US" dirty="0" smtClean="0">
+                <a:solidFill>
+                  <a:schemeClr val="tx1">
+                    <a:lumMod val="75000"/>
+                    <a:lumOff val="25000"/>
+                  </a:schemeClr>
+                </a:solidFill>
+              </a:rPr>
+              <a:t>キーの作成</a:t>
+            </a:r>
+            <a:endParaRPr kumimoji="1" lang="en-US" altLang="ja-JP" dirty="0" smtClean="0">
+              <a:solidFill>
+                <a:schemeClr val="tx1">
+                  <a:lumMod val="75000"/>
+                  <a:lumOff val="25000"/>
+                </a:schemeClr>
+              </a:solidFill>
+            </a:endParaRPr>
+          </a:p>
+          <a:p>
+            <a:pPr marL="514350" indent="-514350">
+              <a:buFont typeface="+mj-lt"/>
+              <a:buAutoNum type="arabicPeriod"/>
+            </a:pPr>
+            <a:r>
+              <a:rPr lang="ja-JP" altLang="en-US" dirty="0" smtClean="0">
+                <a:solidFill>
+                  <a:schemeClr val="tx1">
+                    <a:lumMod val="75000"/>
+                    <a:lumOff val="25000"/>
+                  </a:schemeClr>
+                </a:solidFill>
+              </a:rPr>
+              <a:t>データの作成</a:t>
+            </a:r>
+            <a:endParaRPr lang="en-US" altLang="ja-JP" dirty="0" smtClean="0">
+              <a:solidFill>
+                <a:schemeClr val="tx1">
+                  <a:lumMod val="75000"/>
+                  <a:lumOff val="25000"/>
+                </a:schemeClr>
+              </a:solidFill>
+            </a:endParaRPr>
+          </a:p>
+          <a:p>
+            <a:pPr marL="514350" indent="-514350">
+              <a:buFont typeface="+mj-lt"/>
+              <a:buAutoNum type="arabicPeriod"/>
+            </a:pPr>
+            <a:r>
+              <a:rPr kumimoji="1" lang="ja-JP" altLang="en-US" dirty="0" smtClean="0">
+                <a:solidFill>
+                  <a:schemeClr val="tx1">
+                    <a:lumMod val="75000"/>
+                    <a:lumOff val="25000"/>
+                  </a:schemeClr>
+                </a:solidFill>
+              </a:rPr>
+              <a:t>キーとデータを署名に変換</a:t>
+            </a:r>
+            <a:endParaRPr kumimoji="1" lang="ja-JP" altLang="en-US" dirty="0">
+              <a:solidFill>
+                <a:schemeClr val="tx1">
+                  <a:lumMod val="75000"/>
+                  <a:lumOff val="25000"/>
+                </a:schemeClr>
+              </a:solidFill>
+            </a:endParaRPr>
+          </a:p>
+        </p:txBody>
+      </p:sp>
+      <p:sp>
+        <p:nvSpPr>
+          <p:cNvPr id="4" name="スライド番号プレースホルダー 3"/>
+          <p:cNvSpPr>
+            <a:spLocks noGrp="1"/>
+          </p:cNvSpPr>
+          <p:nvPr>
+            <p:ph type="sldNum" sz="quarter" idx="12"/>
+          </p:nvPr>
+        </p:nvSpPr>
+        <p:spPr/>
+        <p:txBody>
+          <a:bodyPr/>
+          <a:lstStyle/>
+          <a:p>
+            <a:pPr algn="ctr"/>
+            <a:fld id="{CA23F248-F353-4F36-A746-B1953A38AE2D}" type="slidenum">
+              <a:rPr lang="ja-JP" altLang="en-US" smtClean="0"/>
+              <a:pPr algn="ctr"/>
+              <a:t>12</a:t>
+            </a:fld>
+            <a:endParaRPr lang="ja-JP" altLang="en-US" dirty="0"/>
+          </a:p>
+        </p:txBody>
+      </p:sp>
+    </p:spTree>
+    <p:extLst>
+      <p:ext uri="{BB962C8B-B14F-4D97-AF65-F5344CB8AC3E}">
+        <p14:creationId xmlns:p14="http://schemas.microsoft.com/office/powerpoint/2010/main" val="372728340"/>
+      </p:ext>
+    </p:extLst>
+  </p:cSld>
+  <p:clrMapOvr>
+    <a:masterClrMapping/>
+  </p:clrMapOvr>
+  <p:timing>
+    <p:tnLst>
+      <p:par>
+        <p:cTn id="1" dur="indefinite" restart="never" nodeType="tmRoot"/>
+      </p:par>
+    </p:tnLst>
+  </p:timing>
+</p:sld>
+</file>
+
+<file path=ppt/slides/slide13.xml><?xml version="1.0" encoding="utf-8"?>
+<p:sld xmlns:a="http://schemas.openxmlformats.org/drawingml/2006/main" xmlns:r="http://schemas.openxmlformats.org/officeDocument/2006/relationships" xmlns:p="http://schemas.openxmlformats.org/presentationml/2006/main">
+  <p:cSld>
+    <p:spTree>
+      <p:nvGrpSpPr>
+        <p:cNvPr id="1" name=""/>
+        <p:cNvGrpSpPr/>
+        <p:nvPr/>
+      </p:nvGrpSpPr>
+      <p:grpSpPr>
+        <a:xfrm>
+          <a:off x="0" y="0"/>
+          <a:ext cx="0" cy="0"/>
+          <a:chOff x="0" y="0"/>
+          <a:chExt cx="0" cy="0"/>
+        </a:xfrm>
+      </p:grpSpPr>
+      <p:sp>
+        <p:nvSpPr>
+          <p:cNvPr id="2" name="タイトル 1"/>
+          <p:cNvSpPr>
+            <a:spLocks noGrp="1"/>
+          </p:cNvSpPr>
+          <p:nvPr>
+            <p:ph type="title"/>
+          </p:nvPr>
+        </p:nvSpPr>
+        <p:spPr/>
+        <p:txBody>
+          <a:bodyPr/>
+          <a:lstStyle/>
+          <a:p>
+            <a:r>
+              <a:rPr kumimoji="1" lang="ja-JP" altLang="en-US" dirty="0" smtClean="0">
+                <a:solidFill>
+                  <a:schemeClr val="tx1">
+                    <a:lumMod val="75000"/>
+                    <a:lumOff val="25000"/>
+                  </a:schemeClr>
+                </a:solidFill>
+              </a:rPr>
+              <a:t>キーの作成</a:t>
+            </a:r>
+            <a:endParaRPr kumimoji="1" lang="ja-JP" altLang="en-US" dirty="0">
+              <a:solidFill>
+                <a:schemeClr val="tx1">
+                  <a:lumMod val="75000"/>
+                  <a:lumOff val="25000"/>
+                </a:schemeClr>
+              </a:solidFill>
+            </a:endParaRPr>
+          </a:p>
+        </p:txBody>
+      </p:sp>
+      <p:sp>
+        <p:nvSpPr>
+          <p:cNvPr id="3" name="コンテンツ プレースホルダー 2"/>
+          <p:cNvSpPr>
+            <a:spLocks noGrp="1"/>
+          </p:cNvSpPr>
+          <p:nvPr>
+            <p:ph idx="1"/>
+          </p:nvPr>
+        </p:nvSpPr>
+        <p:spPr/>
+        <p:txBody>
+          <a:bodyPr/>
+          <a:lstStyle/>
+          <a:p>
+            <a:pPr>
+              <a:spcBef>
+                <a:spcPts val="0"/>
+              </a:spcBef>
+            </a:pPr>
+            <a:r>
+              <a:rPr lang="ja-JP" altLang="en-US" dirty="0" smtClean="0">
+                <a:solidFill>
+                  <a:schemeClr val="tx1">
+                    <a:lumMod val="75000"/>
+                    <a:lumOff val="25000"/>
+                  </a:schemeClr>
+                </a:solidFill>
+              </a:rPr>
+              <a:t>「</a:t>
+            </a:r>
+            <a:r>
+              <a:rPr lang="en-US" altLang="ja-JP" dirty="0" err="1" smtClean="0">
+                <a:solidFill>
+                  <a:schemeClr val="tx1">
+                    <a:lumMod val="75000"/>
+                    <a:lumOff val="25000"/>
+                  </a:schemeClr>
+                </a:solidFill>
+              </a:rPr>
+              <a:t>oauth_consumer_secret</a:t>
+            </a:r>
+            <a:r>
+              <a:rPr lang="ja-JP" altLang="en-US" dirty="0" smtClean="0">
+                <a:solidFill>
+                  <a:schemeClr val="tx1">
+                    <a:lumMod val="75000"/>
+                    <a:lumOff val="25000"/>
+                  </a:schemeClr>
+                </a:solidFill>
+              </a:rPr>
+              <a:t>」、「</a:t>
+            </a:r>
+            <a:r>
+              <a:rPr lang="en-US" altLang="ja-JP" dirty="0" err="1" smtClean="0">
+                <a:solidFill>
+                  <a:schemeClr val="tx1">
+                    <a:lumMod val="75000"/>
+                    <a:lumOff val="25000"/>
+                  </a:schemeClr>
+                </a:solidFill>
+              </a:rPr>
+              <a:t>oauth_token_secret</a:t>
+            </a:r>
+            <a:r>
+              <a:rPr lang="ja-JP" altLang="en-US" dirty="0" smtClean="0">
+                <a:solidFill>
+                  <a:schemeClr val="tx1">
+                    <a:lumMod val="75000"/>
+                    <a:lumOff val="25000"/>
+                  </a:schemeClr>
+                </a:solidFill>
+              </a:rPr>
+              <a:t>」を</a:t>
+            </a:r>
+            <a:r>
+              <a:rPr lang="en-US" altLang="ja-JP" dirty="0">
+                <a:solidFill>
+                  <a:schemeClr val="tx1">
+                    <a:lumMod val="75000"/>
+                    <a:lumOff val="25000"/>
+                  </a:schemeClr>
+                </a:solidFill>
+              </a:rPr>
+              <a:t>URL</a:t>
+            </a:r>
+            <a:r>
+              <a:rPr lang="ja-JP" altLang="en-US" dirty="0" smtClean="0">
+                <a:solidFill>
+                  <a:schemeClr val="tx1">
+                    <a:lumMod val="75000"/>
+                    <a:lumOff val="25000"/>
+                  </a:schemeClr>
+                </a:solidFill>
+              </a:rPr>
+              <a:t>エンコードし、</a:t>
+            </a:r>
+            <a:r>
+              <a:rPr lang="en-US" altLang="ja-JP" dirty="0">
+                <a:solidFill>
+                  <a:schemeClr val="tx1">
+                    <a:lumMod val="75000"/>
+                    <a:lumOff val="25000"/>
+                  </a:schemeClr>
+                </a:solidFill>
+              </a:rPr>
+              <a:t>&amp;</a:t>
+            </a:r>
+            <a:r>
+              <a:rPr lang="ja-JP" altLang="en-US" dirty="0" smtClean="0">
+                <a:solidFill>
+                  <a:schemeClr val="tx1">
+                    <a:lumMod val="75000"/>
+                    <a:lumOff val="25000"/>
+                  </a:schemeClr>
+                </a:solidFill>
+              </a:rPr>
+              <a:t>で繋げれば完成。</a:t>
+            </a:r>
+            <a:endParaRPr lang="en-US" altLang="ja-JP" dirty="0" smtClean="0">
+              <a:solidFill>
+                <a:schemeClr val="tx1">
+                  <a:lumMod val="75000"/>
+                  <a:lumOff val="25000"/>
+                </a:schemeClr>
+              </a:solidFill>
+            </a:endParaRPr>
+          </a:p>
+          <a:p>
+            <a:pPr>
+              <a:spcBef>
+                <a:spcPts val="0"/>
+              </a:spcBef>
+            </a:pPr>
+            <a:endParaRPr lang="en-US" altLang="ja-JP" dirty="0" smtClean="0">
+              <a:solidFill>
+                <a:schemeClr val="tx1">
+                  <a:lumMod val="75000"/>
+                  <a:lumOff val="25000"/>
+                </a:schemeClr>
+              </a:solidFill>
+            </a:endParaRPr>
+          </a:p>
+          <a:p>
+            <a:pPr>
+              <a:spcBef>
+                <a:spcPts val="0"/>
+              </a:spcBef>
+            </a:pPr>
+            <a:r>
+              <a:rPr lang="ja-JP" altLang="en-US" dirty="0">
+                <a:solidFill>
+                  <a:schemeClr val="tx1">
+                    <a:lumMod val="75000"/>
+                    <a:lumOff val="25000"/>
+                  </a:schemeClr>
+                </a:solidFill>
+              </a:rPr>
+              <a:t>「</a:t>
+            </a:r>
+            <a:r>
+              <a:rPr lang="en-US" altLang="ja-JP" dirty="0" err="1">
+                <a:solidFill>
+                  <a:schemeClr val="tx1">
+                    <a:lumMod val="75000"/>
+                    <a:lumOff val="25000"/>
+                  </a:schemeClr>
+                </a:solidFill>
+              </a:rPr>
+              <a:t>oauth_token_secret</a:t>
+            </a:r>
+            <a:r>
+              <a:rPr lang="ja-JP" altLang="en-US" dirty="0" smtClean="0">
+                <a:solidFill>
+                  <a:schemeClr val="tx1">
+                    <a:lumMod val="75000"/>
+                    <a:lumOff val="25000"/>
+                  </a:schemeClr>
+                </a:solidFill>
+              </a:rPr>
+              <a:t>」が存在しない場合は、空の文字列として扱う</a:t>
+            </a:r>
+            <a:endParaRPr kumimoji="1" lang="ja-JP" altLang="en-US" dirty="0">
+              <a:solidFill>
+                <a:schemeClr val="tx1">
+                  <a:lumMod val="75000"/>
+                  <a:lumOff val="25000"/>
+                </a:schemeClr>
+              </a:solidFill>
+            </a:endParaRPr>
+          </a:p>
+        </p:txBody>
+      </p:sp>
+      <p:sp>
+        <p:nvSpPr>
+          <p:cNvPr id="4" name="スライド番号プレースホルダー 3"/>
+          <p:cNvSpPr>
+            <a:spLocks noGrp="1"/>
+          </p:cNvSpPr>
+          <p:nvPr>
+            <p:ph type="sldNum" sz="quarter" idx="12"/>
+          </p:nvPr>
+        </p:nvSpPr>
+        <p:spPr/>
+        <p:txBody>
+          <a:bodyPr/>
+          <a:lstStyle/>
+          <a:p>
+            <a:pPr algn="ctr"/>
+            <a:fld id="{CA23F248-F353-4F36-A746-B1953A38AE2D}" type="slidenum">
+              <a:rPr lang="ja-JP" altLang="en-US" smtClean="0"/>
+              <a:pPr algn="ctr"/>
+              <a:t>13</a:t>
+            </a:fld>
+            <a:endParaRPr lang="ja-JP" altLang="en-US" dirty="0"/>
+          </a:p>
+        </p:txBody>
+      </p:sp>
+    </p:spTree>
+    <p:extLst>
+      <p:ext uri="{BB962C8B-B14F-4D97-AF65-F5344CB8AC3E}">
+        <p14:creationId xmlns:p14="http://schemas.microsoft.com/office/powerpoint/2010/main" val="1014173462"/>
+      </p:ext>
+    </p:extLst>
+  </p:cSld>
+  <p:clrMapOvr>
+    <a:masterClrMapping/>
+  </p:clrMapOvr>
+  <p:timing>
+    <p:tnLst>
+      <p:par>
+        <p:cTn id="1" dur="indefinite" restart="never" nodeType="tmRoot"/>
+      </p:par>
+    </p:tnLst>
+  </p:timing>
+</p:sld>
+</file>
+
+<file path=ppt/slides/slide14.xml><?xml version="1.0" encoding="utf-8"?>
+<p:sld xmlns:a="http://schemas.openxmlformats.org/drawingml/2006/main" xmlns:r="http://schemas.openxmlformats.org/officeDocument/2006/relationships" xmlns:p="http://schemas.openxmlformats.org/presentationml/2006/main">
+  <p:cSld>
+    <p:spTree>
+      <p:nvGrpSpPr>
+        <p:cNvPr id="1" name=""/>
+        <p:cNvGrpSpPr/>
+        <p:nvPr/>
+      </p:nvGrpSpPr>
+      <p:grpSpPr>
+        <a:xfrm>
+          <a:off x="0" y="0"/>
+          <a:ext cx="0" cy="0"/>
+          <a:chOff x="0" y="0"/>
+          <a:chExt cx="0" cy="0"/>
+        </a:xfrm>
+      </p:grpSpPr>
+      <p:sp>
+        <p:nvSpPr>
+          <p:cNvPr id="2" name="タイトル 1"/>
+          <p:cNvSpPr>
+            <a:spLocks noGrp="1"/>
+          </p:cNvSpPr>
+          <p:nvPr>
+            <p:ph type="title"/>
+          </p:nvPr>
+        </p:nvSpPr>
+        <p:spPr/>
+        <p:txBody>
+          <a:bodyPr/>
+          <a:lstStyle/>
+          <a:p>
+            <a:endParaRPr kumimoji="1" lang="ja-JP" altLang="en-US" dirty="0"/>
+          </a:p>
+        </p:txBody>
+      </p:sp>
+      <p:pic>
+        <p:nvPicPr>
+          <p:cNvPr id="5" name="コンテンツ プレースホルダー 4"/>
+          <p:cNvPicPr>
+            <a:picLocks noGrp="1" noChangeAspect="1"/>
+          </p:cNvPicPr>
+          <p:nvPr>
+            <p:ph idx="1"/>
+          </p:nvPr>
+        </p:nvPicPr>
+        <p:blipFill>
+          <a:blip r:embed="rId2">
+            <a:extLst>
+              <a:ext uri="{28A0092B-C50C-407E-A947-70E740481C1C}">
+                <a14:useLocalDpi xmlns:a14="http://schemas.microsoft.com/office/drawing/2010/main" val="0"/>
+              </a:ext>
+            </a:extLst>
+          </a:blip>
+          <a:stretch>
+            <a:fillRect/>
+          </a:stretch>
+        </p:blipFill>
+        <p:spPr>
+          <a:xfrm>
+            <a:off x="457201" y="1844824"/>
+            <a:ext cx="6707088" cy="4511526"/>
+          </a:xfrm>
+        </p:spPr>
+      </p:pic>
+      <p:sp>
+        <p:nvSpPr>
+          <p:cNvPr id="4" name="スライド番号プレースホルダー 3"/>
+          <p:cNvSpPr>
+            <a:spLocks noGrp="1"/>
+          </p:cNvSpPr>
+          <p:nvPr>
+            <p:ph type="sldNum" sz="quarter" idx="12"/>
+          </p:nvPr>
+        </p:nvSpPr>
+        <p:spPr/>
+        <p:txBody>
+          <a:bodyPr/>
+          <a:lstStyle/>
+          <a:p>
+            <a:pPr algn="ctr"/>
+            <a:fld id="{CA23F248-F353-4F36-A746-B1953A38AE2D}" type="slidenum">
+              <a:rPr lang="ja-JP" altLang="en-US" smtClean="0"/>
+              <a:pPr algn="ctr"/>
+              <a:t>14</a:t>
+            </a:fld>
+            <a:endParaRPr lang="ja-JP" altLang="en-US" dirty="0"/>
+          </a:p>
+        </p:txBody>
+      </p:sp>
+      <p:cxnSp>
+        <p:nvCxnSpPr>
+          <p:cNvPr id="8" name="直線コネクタ 7"/>
+          <p:cNvCxnSpPr/>
+          <p:nvPr/>
+        </p:nvCxnSpPr>
+        <p:spPr>
+          <a:xfrm>
+            <a:off x="1706924" y="3486572"/>
+            <a:ext cx="2664296" cy="0"/>
+          </a:xfrm>
+          <a:prstGeom prst="line">
+            <a:avLst/>
+          </a:prstGeom>
+          <a:ln>
+            <a:solidFill>
+              <a:srgbClr val="FF0000"/>
+            </a:solidFill>
+          </a:ln>
+        </p:spPr>
+        <p:style>
+          <a:lnRef idx="1">
+            <a:schemeClr val="accent1"/>
+          </a:lnRef>
+          <a:fillRef idx="0">
+            <a:schemeClr val="accent1"/>
+          </a:fillRef>
+          <a:effectRef idx="0">
+            <a:schemeClr val="accent1"/>
+          </a:effectRef>
+          <a:fontRef idx="minor">
+            <a:schemeClr val="tx1"/>
+          </a:fontRef>
+        </p:style>
+      </p:cxnSp>
+      <p:sp>
+        <p:nvSpPr>
+          <p:cNvPr id="13" name="上矢印 12"/>
+          <p:cNvSpPr/>
+          <p:nvPr/>
+        </p:nvSpPr>
+        <p:spPr>
+          <a:xfrm flipH="1">
+            <a:off x="3225552" y="3486572"/>
+            <a:ext cx="288032" cy="513705"/>
+          </a:xfrm>
+          <a:prstGeom prst="upArrow">
+            <a:avLst/>
+          </a:prstGeom>
+          <a:solidFill>
+            <a:srgbClr val="FF0000"/>
+          </a:solidFill>
+          <a:ln>
+            <a:solidFill>
+              <a:srgbClr val="FF0000"/>
+            </a:solidFill>
+          </a:ln>
+        </p:spPr>
+        <p:style>
+          <a:lnRef idx="2">
+            <a:schemeClr val="accent1">
+              <a:shade val="50000"/>
+            </a:schemeClr>
+          </a:lnRef>
+          <a:fillRef idx="1">
+            <a:schemeClr val="accent1"/>
+          </a:fillRef>
+          <a:effectRef idx="0">
+            <a:schemeClr val="accent1"/>
+          </a:effectRef>
+          <a:fontRef idx="minor">
+            <a:schemeClr val="lt1"/>
+          </a:fontRef>
+        </p:style>
+        <p:txBody>
+          <a:bodyPr rtlCol="0" anchor="ctr"/>
+          <a:lstStyle/>
+          <a:p>
+            <a:pPr algn="ctr"/>
+            <a:endParaRPr kumimoji="1" lang="ja-JP" altLang="en-US"/>
+          </a:p>
+        </p:txBody>
+      </p:sp>
+      <p:sp>
+        <p:nvSpPr>
+          <p:cNvPr id="15" name="テキスト ボックス 14"/>
+          <p:cNvSpPr txBox="1"/>
+          <p:nvPr/>
+        </p:nvSpPr>
+        <p:spPr>
+          <a:xfrm>
+            <a:off x="7164288" y="5733256"/>
+            <a:ext cx="1522511" cy="369332"/>
+          </a:xfrm>
+          <a:prstGeom prst="rect">
+            <a:avLst/>
+          </a:prstGeom>
+          <a:noFill/>
+        </p:spPr>
+        <p:txBody>
+          <a:bodyPr wrap="square" rtlCol="0">
+            <a:spAutoFit/>
+          </a:bodyPr>
+          <a:lstStyle/>
+          <a:p>
+            <a:r>
+              <a:rPr lang="ja-JP" altLang="en-US" smtClean="0"/>
+              <a:t>図１</a:t>
+            </a:r>
+            <a:endParaRPr kumimoji="1" lang="ja-JP" altLang="en-US"/>
+          </a:p>
+        </p:txBody>
+      </p:sp>
+    </p:spTree>
+    <p:extLst>
+      <p:ext uri="{BB962C8B-B14F-4D97-AF65-F5344CB8AC3E}">
+        <p14:creationId xmlns:p14="http://schemas.microsoft.com/office/powerpoint/2010/main" val="791858146"/>
+      </p:ext>
+    </p:extLst>
+  </p:cSld>
+  <p:clrMapOvr>
+    <a:masterClrMapping/>
+  </p:clrMapOvr>
+  <p:timing>
+    <p:tnLst>
+      <p:par>
+        <p:cTn id="1" dur="indefinite" restart="never" nodeType="tmRoot"/>
+      </p:par>
+    </p:tnLst>
+  </p:timing>
+</p:sld>
+</file>
+
+<file path=ppt/slides/slide15.xml><?xml version="1.0" encoding="utf-8"?>
+<p:sld xmlns:a="http://schemas.openxmlformats.org/drawingml/2006/main" xmlns:r="http://schemas.openxmlformats.org/officeDocument/2006/relationships" xmlns:p="http://schemas.openxmlformats.org/presentationml/2006/main">
+  <p:cSld>
+    <p:spTree>
+      <p:nvGrpSpPr>
+        <p:cNvPr id="1" name=""/>
+        <p:cNvGrpSpPr/>
+        <p:nvPr/>
+      </p:nvGrpSpPr>
+      <p:grpSpPr>
+        <a:xfrm>
+          <a:off x="0" y="0"/>
+          <a:ext cx="0" cy="0"/>
+          <a:chOff x="0" y="0"/>
+          <a:chExt cx="0" cy="0"/>
+        </a:xfrm>
+      </p:grpSpPr>
+      <p:sp>
+        <p:nvSpPr>
+          <p:cNvPr id="2" name="タイトル 1"/>
+          <p:cNvSpPr>
+            <a:spLocks noGrp="1"/>
+          </p:cNvSpPr>
+          <p:nvPr>
+            <p:ph type="title"/>
+          </p:nvPr>
+        </p:nvSpPr>
+        <p:spPr/>
+        <p:txBody>
+          <a:bodyPr/>
+          <a:lstStyle/>
+          <a:p>
+            <a:r>
+              <a:rPr kumimoji="1" lang="ja-JP" altLang="en-US" dirty="0" smtClean="0">
+                <a:solidFill>
+                  <a:schemeClr val="tx1">
+                    <a:lumMod val="75000"/>
+                    <a:lumOff val="25000"/>
+                  </a:schemeClr>
+                </a:solidFill>
+              </a:rPr>
+              <a:t>キーの作成</a:t>
+            </a:r>
+            <a:endParaRPr kumimoji="1" lang="ja-JP" altLang="en-US" dirty="0">
+              <a:solidFill>
+                <a:schemeClr val="tx1">
+                  <a:lumMod val="75000"/>
+                  <a:lumOff val="25000"/>
+                </a:schemeClr>
+              </a:solidFill>
+            </a:endParaRPr>
+          </a:p>
+        </p:txBody>
+      </p:sp>
+      <p:sp>
+        <p:nvSpPr>
+          <p:cNvPr id="3" name="コンテンツ プレースホルダー 2"/>
+          <p:cNvSpPr>
+            <a:spLocks noGrp="1"/>
+          </p:cNvSpPr>
+          <p:nvPr>
+            <p:ph idx="1"/>
+          </p:nvPr>
+        </p:nvSpPr>
+        <p:spPr/>
+        <p:txBody>
+          <a:bodyPr/>
+          <a:lstStyle/>
+          <a:p>
+            <a:r>
+              <a:rPr lang="ja-JP" altLang="en-US" sz="2400" dirty="0">
+                <a:solidFill>
+                  <a:schemeClr val="tx1">
+                    <a:lumMod val="75000"/>
+                    <a:lumOff val="25000"/>
+                  </a:schemeClr>
+                </a:solidFill>
+              </a:rPr>
+              <a:t>「</a:t>
+            </a:r>
+            <a:r>
+              <a:rPr lang="en-US" altLang="ja-JP" sz="2400" dirty="0" err="1">
+                <a:solidFill>
+                  <a:schemeClr val="tx1">
+                    <a:lumMod val="75000"/>
+                    <a:lumOff val="25000"/>
+                  </a:schemeClr>
+                </a:solidFill>
+              </a:rPr>
+              <a:t>oauth_consumer_secret</a:t>
+            </a:r>
+            <a:r>
+              <a:rPr lang="ja-JP" altLang="en-US" sz="2400" dirty="0" smtClean="0">
+                <a:solidFill>
+                  <a:schemeClr val="tx1">
+                    <a:lumMod val="75000"/>
+                    <a:lumOff val="25000"/>
+                  </a:schemeClr>
+                </a:solidFill>
+              </a:rPr>
+              <a:t>」</a:t>
+            </a:r>
+            <a:r>
+              <a:rPr lang="en-US" altLang="ja-JP" sz="2400" dirty="0" smtClean="0">
+                <a:solidFill>
+                  <a:schemeClr val="tx1">
+                    <a:lumMod val="75000"/>
+                    <a:lumOff val="25000"/>
+                  </a:schemeClr>
+                </a:solidFill>
+              </a:rPr>
+              <a:t/>
+            </a:r>
+            <a:br>
+              <a:rPr lang="en-US" altLang="ja-JP" sz="2400" dirty="0" smtClean="0">
+                <a:solidFill>
+                  <a:schemeClr val="tx1">
+                    <a:lumMod val="75000"/>
+                    <a:lumOff val="25000"/>
+                  </a:schemeClr>
+                </a:solidFill>
+              </a:rPr>
+            </a:br>
+            <a:r>
+              <a:rPr lang="en-US" altLang="ja-JP" sz="2400" dirty="0" smtClean="0">
+                <a:solidFill>
+                  <a:schemeClr val="tx1">
+                    <a:lumMod val="75000"/>
+                    <a:lumOff val="25000"/>
+                  </a:schemeClr>
+                </a:solidFill>
+              </a:rPr>
+              <a:t/>
+            </a:r>
+            <a:br>
+              <a:rPr lang="en-US" altLang="ja-JP" sz="2400" dirty="0" smtClean="0">
+                <a:solidFill>
+                  <a:schemeClr val="tx1">
+                    <a:lumMod val="75000"/>
+                    <a:lumOff val="25000"/>
+                  </a:schemeClr>
+                </a:solidFill>
+              </a:rPr>
+            </a:br>
+            <a:r>
+              <a:rPr lang="en-US" altLang="ja-JP" sz="2400" dirty="0" smtClean="0">
+                <a:solidFill>
+                  <a:schemeClr val="tx1">
+                    <a:lumMod val="75000"/>
+                    <a:lumOff val="25000"/>
+                  </a:schemeClr>
+                </a:solidFill>
+              </a:rPr>
+              <a:t/>
+            </a:r>
+            <a:br>
+              <a:rPr lang="en-US" altLang="ja-JP" sz="2400" dirty="0" smtClean="0">
+                <a:solidFill>
+                  <a:schemeClr val="tx1">
+                    <a:lumMod val="75000"/>
+                    <a:lumOff val="25000"/>
+                  </a:schemeClr>
+                </a:solidFill>
+              </a:rPr>
+            </a:br>
+            <a:r>
+              <a:rPr lang="it-IT" altLang="ja-JP" sz="2400" dirty="0" smtClean="0">
+                <a:solidFill>
+                  <a:schemeClr val="tx1">
+                    <a:lumMod val="75000"/>
+                    <a:lumOff val="25000"/>
+                  </a:schemeClr>
+                </a:solidFill>
+              </a:rPr>
+              <a:t> </a:t>
+            </a:r>
+            <a:r>
+              <a:rPr lang="is-IS" altLang="ja-JP" sz="2400" b="1" dirty="0"/>
+              <a:t>23667a83701651e198cf0d5a27d28a05</a:t>
+            </a:r>
+          </a:p>
+          <a:p>
+            <a:endParaRPr lang="it-IT" altLang="ja-JP" sz="2400" dirty="0">
+              <a:solidFill>
+                <a:schemeClr val="tx1">
+                  <a:lumMod val="75000"/>
+                  <a:lumOff val="25000"/>
+                </a:schemeClr>
+              </a:solidFill>
+            </a:endParaRPr>
+          </a:p>
+          <a:p>
+            <a:r>
+              <a:rPr lang="ja-JP" altLang="en-US" sz="2400" b="1" dirty="0">
+                <a:solidFill>
+                  <a:schemeClr val="tx1">
+                    <a:lumMod val="75000"/>
+                    <a:lumOff val="25000"/>
+                  </a:schemeClr>
+                </a:solidFill>
+              </a:rPr>
+              <a:t>「</a:t>
+            </a:r>
+            <a:r>
+              <a:rPr lang="en-US" altLang="ja-JP" sz="2400" b="1" dirty="0" err="1">
+                <a:solidFill>
+                  <a:schemeClr val="tx1">
+                    <a:lumMod val="75000"/>
+                    <a:lumOff val="25000"/>
+                  </a:schemeClr>
+                </a:solidFill>
+              </a:rPr>
+              <a:t>oauth_token_secret</a:t>
+            </a:r>
+            <a:r>
+              <a:rPr lang="ja-JP" altLang="en-US" sz="2400" b="1" dirty="0" smtClean="0">
+                <a:solidFill>
+                  <a:schemeClr val="tx1">
+                    <a:lumMod val="75000"/>
+                    <a:lumOff val="25000"/>
+                  </a:schemeClr>
+                </a:solidFill>
+              </a:rPr>
+              <a:t>」は存在しない</a:t>
+            </a:r>
+            <a:r>
+              <a:rPr lang="ja-JP" altLang="en-US" sz="2400" dirty="0" smtClean="0">
+                <a:solidFill>
+                  <a:schemeClr val="tx1">
+                    <a:lumMod val="75000"/>
+                    <a:lumOff val="25000"/>
+                  </a:schemeClr>
+                </a:solidFill>
+              </a:rPr>
+              <a:t>ので空の文字列として扱い</a:t>
+            </a:r>
+            <a:r>
+              <a:rPr lang="en-US" altLang="ja-JP" sz="2400" dirty="0">
+                <a:solidFill>
+                  <a:schemeClr val="tx1">
+                    <a:lumMod val="75000"/>
+                    <a:lumOff val="25000"/>
+                  </a:schemeClr>
+                </a:solidFill>
+              </a:rPr>
+              <a:t>&amp;</a:t>
+            </a:r>
+            <a:r>
+              <a:rPr lang="ja-JP" altLang="en-US" sz="2400" dirty="0" smtClean="0">
+                <a:solidFill>
+                  <a:schemeClr val="tx1">
+                    <a:lumMod val="75000"/>
+                    <a:lumOff val="25000"/>
+                  </a:schemeClr>
+                </a:solidFill>
+              </a:rPr>
+              <a:t>で繋げる</a:t>
+            </a:r>
+            <a:endParaRPr lang="en-US" altLang="ja-JP" sz="2400" dirty="0" smtClean="0">
+              <a:solidFill>
+                <a:schemeClr val="tx1">
+                  <a:lumMod val="75000"/>
+                  <a:lumOff val="25000"/>
+                </a:schemeClr>
+              </a:solidFill>
+            </a:endParaRPr>
+          </a:p>
+          <a:p>
+            <a:r>
+              <a:rPr lang="ja-JP" altLang="en-US" sz="2400" dirty="0" smtClean="0">
+                <a:solidFill>
+                  <a:schemeClr val="tx1">
+                    <a:lumMod val="75000"/>
+                    <a:lumOff val="25000"/>
+                  </a:schemeClr>
+                </a:solidFill>
+              </a:rPr>
+              <a:t>作成された「キー」</a:t>
+            </a:r>
+            <a:r>
+              <a:rPr lang="en-US" altLang="ja-JP" sz="2400" dirty="0">
+                <a:solidFill>
+                  <a:schemeClr val="tx1">
+                    <a:lumMod val="75000"/>
+                    <a:lumOff val="25000"/>
+                  </a:schemeClr>
+                </a:solidFill>
+              </a:rPr>
+              <a:t/>
+            </a:r>
+            <a:br>
+              <a:rPr lang="en-US" altLang="ja-JP" sz="2400" dirty="0">
+                <a:solidFill>
+                  <a:schemeClr val="tx1">
+                    <a:lumMod val="75000"/>
+                    <a:lumOff val="25000"/>
+                  </a:schemeClr>
+                </a:solidFill>
+              </a:rPr>
+            </a:br>
+            <a:r>
+              <a:rPr lang="ja-JP" altLang="en-US" sz="2400" dirty="0" smtClean="0">
+                <a:solidFill>
+                  <a:schemeClr val="tx1">
+                    <a:lumMod val="75000"/>
+                    <a:lumOff val="25000"/>
+                  </a:schemeClr>
+                </a:solidFill>
+              </a:rPr>
+              <a:t>　</a:t>
+            </a:r>
+            <a:r>
+              <a:rPr lang="en-US" altLang="ja-JP" sz="2400" dirty="0">
+                <a:solidFill>
+                  <a:schemeClr val="tx1">
+                    <a:lumMod val="75000"/>
+                    <a:lumOff val="25000"/>
+                  </a:schemeClr>
+                </a:solidFill>
+              </a:rPr>
+              <a:t/>
+            </a:r>
+            <a:br>
+              <a:rPr lang="en-US" altLang="ja-JP" sz="2400" dirty="0">
+                <a:solidFill>
+                  <a:schemeClr val="tx1">
+                    <a:lumMod val="75000"/>
+                    <a:lumOff val="25000"/>
+                  </a:schemeClr>
+                </a:solidFill>
+              </a:rPr>
+            </a:br>
+            <a:r>
+              <a:rPr lang="en-US" altLang="ja-JP" sz="2400" dirty="0" smtClean="0">
+                <a:solidFill>
+                  <a:schemeClr val="tx1">
+                    <a:lumMod val="75000"/>
+                    <a:lumOff val="25000"/>
+                  </a:schemeClr>
+                </a:solidFill>
+              </a:rPr>
+              <a:t/>
+            </a:r>
+            <a:br>
+              <a:rPr lang="en-US" altLang="ja-JP" sz="2400" dirty="0" smtClean="0">
+                <a:solidFill>
+                  <a:schemeClr val="tx1">
+                    <a:lumMod val="75000"/>
+                    <a:lumOff val="25000"/>
+                  </a:schemeClr>
+                </a:solidFill>
+              </a:rPr>
+            </a:br>
+            <a:r>
+              <a:rPr lang="is-IS" altLang="ja-JP" sz="2400" dirty="0"/>
+              <a:t> </a:t>
+            </a:r>
+            <a:r>
+              <a:rPr lang="is-IS" altLang="ja-JP" sz="2400" b="1" dirty="0" smtClean="0"/>
+              <a:t>23667a83701651e198cf0d5a27d28a05&amp;</a:t>
+            </a:r>
+            <a:endParaRPr lang="is-IS" altLang="ja-JP" sz="2400" b="1" dirty="0"/>
+          </a:p>
+          <a:p>
+            <a:endParaRPr lang="it-IT" altLang="ja-JP" sz="2400" b="1" dirty="0">
+              <a:solidFill>
+                <a:schemeClr val="tx1">
+                  <a:lumMod val="75000"/>
+                  <a:lumOff val="25000"/>
+                </a:schemeClr>
+              </a:solidFill>
+            </a:endParaRPr>
+          </a:p>
+          <a:p>
+            <a:endParaRPr lang="en-US" altLang="ja-JP" dirty="0"/>
+          </a:p>
+        </p:txBody>
+      </p:sp>
+      <p:sp>
+        <p:nvSpPr>
+          <p:cNvPr id="4" name="スライド番号プレースホルダー 3"/>
+          <p:cNvSpPr>
+            <a:spLocks noGrp="1"/>
+          </p:cNvSpPr>
+          <p:nvPr>
+            <p:ph type="sldNum" sz="quarter" idx="12"/>
+          </p:nvPr>
+        </p:nvSpPr>
+        <p:spPr/>
+        <p:txBody>
+          <a:bodyPr/>
+          <a:lstStyle/>
+          <a:p>
+            <a:pPr algn="ctr"/>
+            <a:fld id="{CA23F248-F353-4F36-A746-B1953A38AE2D}" type="slidenum">
+              <a:rPr lang="ja-JP" altLang="en-US" smtClean="0"/>
+              <a:pPr algn="ctr"/>
+              <a:t>15</a:t>
+            </a:fld>
+            <a:endParaRPr lang="ja-JP" altLang="en-US" dirty="0"/>
+          </a:p>
+        </p:txBody>
+      </p:sp>
+      <p:sp>
+        <p:nvSpPr>
+          <p:cNvPr id="6" name="下矢印 5"/>
+          <p:cNvSpPr/>
+          <p:nvPr/>
+        </p:nvSpPr>
+        <p:spPr>
+          <a:xfrm>
+            <a:off x="2411760" y="2060848"/>
+            <a:ext cx="288032" cy="648072"/>
+          </a:xfrm>
+          <a:prstGeom prst="downArrow">
+            <a:avLst/>
+          </a:prstGeom>
+          <a:solidFill>
+            <a:schemeClr val="tx1"/>
+          </a:solidFill>
+          <a:ln>
+            <a:solidFill>
+              <a:schemeClr val="tx1"/>
+            </a:solidFill>
+          </a:ln>
+        </p:spPr>
+        <p:style>
+          <a:lnRef idx="2">
+            <a:schemeClr val="accent1">
+              <a:shade val="50000"/>
+            </a:schemeClr>
+          </a:lnRef>
+          <a:fillRef idx="1">
+            <a:schemeClr val="accent1"/>
+          </a:fillRef>
+          <a:effectRef idx="0">
+            <a:schemeClr val="accent1"/>
+          </a:effectRef>
+          <a:fontRef idx="minor">
+            <a:schemeClr val="lt1"/>
+          </a:fontRef>
+        </p:style>
+        <p:txBody>
+          <a:bodyPr rtlCol="0" anchor="ctr"/>
+          <a:lstStyle/>
+          <a:p>
+            <a:pPr algn="ctr"/>
+            <a:endParaRPr kumimoji="1" lang="ja-JP" altLang="en-US"/>
+          </a:p>
+        </p:txBody>
+      </p:sp>
+      <p:sp>
+        <p:nvSpPr>
+          <p:cNvPr id="7" name="下矢印 6"/>
+          <p:cNvSpPr/>
+          <p:nvPr/>
+        </p:nvSpPr>
+        <p:spPr>
+          <a:xfrm>
+            <a:off x="2411760" y="4869160"/>
+            <a:ext cx="288032" cy="648072"/>
+          </a:xfrm>
+          <a:prstGeom prst="downArrow">
+            <a:avLst/>
+          </a:prstGeom>
+          <a:solidFill>
+            <a:schemeClr val="tx1"/>
+          </a:solidFill>
+          <a:ln>
+            <a:solidFill>
+              <a:schemeClr val="tx1"/>
+            </a:solidFill>
+          </a:ln>
+        </p:spPr>
+        <p:style>
+          <a:lnRef idx="2">
+            <a:schemeClr val="accent1">
+              <a:shade val="50000"/>
+            </a:schemeClr>
+          </a:lnRef>
+          <a:fillRef idx="1">
+            <a:schemeClr val="accent1"/>
+          </a:fillRef>
+          <a:effectRef idx="0">
+            <a:schemeClr val="accent1"/>
+          </a:effectRef>
+          <a:fontRef idx="minor">
+            <a:schemeClr val="lt1"/>
+          </a:fontRef>
+        </p:style>
+        <p:txBody>
+          <a:bodyPr rtlCol="0" anchor="ctr"/>
+          <a:lstStyle/>
+          <a:p>
+            <a:pPr algn="ctr"/>
+            <a:endParaRPr kumimoji="1" lang="ja-JP" altLang="en-US"/>
+          </a:p>
+        </p:txBody>
+      </p:sp>
+    </p:spTree>
+    <p:extLst>
+      <p:ext uri="{BB962C8B-B14F-4D97-AF65-F5344CB8AC3E}">
+        <p14:creationId xmlns:p14="http://schemas.microsoft.com/office/powerpoint/2010/main" val="165591105"/>
+      </p:ext>
+    </p:extLst>
+  </p:cSld>
+  <p:clrMapOvr>
+    <a:masterClrMapping/>
+  </p:clrMapOvr>
+  <p:timing>
+    <p:tnLst>
+      <p:par>
+        <p:cTn id="1" dur="indefinite" restart="never" nodeType="tmRoot"/>
+      </p:par>
+    </p:tnLst>
+  </p:timing>
+</p:sld>
+</file>
+
+<file path=ppt/slides/slide16.xml><?xml version="1.0" encoding="utf-8"?>
+<p:sld xmlns:a="http://schemas.openxmlformats.org/drawingml/2006/main" xmlns:r="http://schemas.openxmlformats.org/officeDocument/2006/relationships" xmlns:p="http://schemas.openxmlformats.org/presentationml/2006/main">
+  <p:cSld>
+    <p:spTree>
+      <p:nvGrpSpPr>
+        <p:cNvPr id="1" name=""/>
+        <p:cNvGrpSpPr/>
+        <p:nvPr/>
+      </p:nvGrpSpPr>
+      <p:grpSpPr>
+        <a:xfrm>
+          <a:off x="0" y="0"/>
+          <a:ext cx="0" cy="0"/>
+          <a:chOff x="0" y="0"/>
+          <a:chExt cx="0" cy="0"/>
+        </a:xfrm>
+      </p:grpSpPr>
+      <p:sp>
+        <p:nvSpPr>
+          <p:cNvPr id="2" name="タイトル 1"/>
+          <p:cNvSpPr>
+            <a:spLocks noGrp="1"/>
+          </p:cNvSpPr>
+          <p:nvPr>
+            <p:ph type="title"/>
+          </p:nvPr>
+        </p:nvSpPr>
+        <p:spPr/>
+        <p:txBody>
+          <a:bodyPr/>
+          <a:lstStyle/>
+          <a:p>
+            <a:r>
+              <a:rPr kumimoji="1" lang="ja-JP" altLang="en-US" dirty="0" smtClean="0">
+                <a:solidFill>
+                  <a:schemeClr val="tx1">
+                    <a:lumMod val="75000"/>
+                    <a:lumOff val="25000"/>
+                  </a:schemeClr>
+                </a:solidFill>
+              </a:rPr>
+              <a:t>データの作成</a:t>
+            </a:r>
+            <a:endParaRPr kumimoji="1" lang="ja-JP" altLang="en-US" dirty="0">
+              <a:solidFill>
+                <a:schemeClr val="tx1">
+                  <a:lumMod val="75000"/>
+                  <a:lumOff val="25000"/>
+                </a:schemeClr>
+              </a:solidFill>
+            </a:endParaRPr>
+          </a:p>
+        </p:txBody>
+      </p:sp>
+      <p:sp>
+        <p:nvSpPr>
+          <p:cNvPr id="3" name="コンテンツ プレースホルダー 2"/>
+          <p:cNvSpPr>
+            <a:spLocks noGrp="1"/>
+          </p:cNvSpPr>
+          <p:nvPr>
+            <p:ph idx="1"/>
+          </p:nvPr>
+        </p:nvSpPr>
+        <p:spPr/>
+        <p:txBody>
+          <a:bodyPr>
+            <a:normAutofit/>
+          </a:bodyPr>
+          <a:lstStyle/>
+          <a:p>
+            <a:pPr marL="514350" indent="-514350">
+              <a:buFont typeface="+mj-lt"/>
+              <a:buAutoNum type="arabicPeriod"/>
+            </a:pPr>
+            <a:r>
+              <a:rPr kumimoji="1" lang="ja-JP" altLang="en-US" sz="2400" dirty="0" smtClean="0">
+                <a:solidFill>
+                  <a:schemeClr val="tx1">
+                    <a:lumMod val="65000"/>
+                    <a:lumOff val="35000"/>
+                  </a:schemeClr>
+                </a:solidFill>
+              </a:rPr>
+              <a:t>パラメータをアルファベット順に「キー＝値</a:t>
+            </a:r>
+            <a:r>
+              <a:rPr lang="en-US" altLang="ja-JP" sz="2400" dirty="0">
+                <a:solidFill>
+                  <a:schemeClr val="tx1">
+                    <a:lumMod val="65000"/>
+                    <a:lumOff val="35000"/>
+                  </a:schemeClr>
+                </a:solidFill>
+              </a:rPr>
+              <a:t>&amp;</a:t>
+            </a:r>
+            <a:r>
+              <a:rPr kumimoji="1" lang="ja-JP" altLang="en-US" sz="2400" dirty="0" smtClean="0">
+                <a:solidFill>
+                  <a:schemeClr val="tx1">
+                    <a:lumMod val="65000"/>
+                    <a:lumOff val="35000"/>
+                  </a:schemeClr>
+                </a:solidFill>
+              </a:rPr>
+              <a:t>キー＝値</a:t>
+            </a:r>
+            <a:r>
+              <a:rPr lang="en-US" altLang="ja-JP" sz="2400" dirty="0">
+                <a:solidFill>
+                  <a:schemeClr val="tx1">
+                    <a:lumMod val="65000"/>
+                    <a:lumOff val="35000"/>
+                  </a:schemeClr>
+                </a:solidFill>
+              </a:rPr>
+              <a:t>&amp;</a:t>
+            </a:r>
+            <a:r>
+              <a:rPr kumimoji="1" lang="en-US" altLang="ja-JP" sz="2400" dirty="0" smtClean="0">
+                <a:solidFill>
+                  <a:schemeClr val="tx1">
+                    <a:lumMod val="65000"/>
+                    <a:lumOff val="35000"/>
+                  </a:schemeClr>
+                </a:solidFill>
+              </a:rPr>
+              <a:t>...</a:t>
+            </a:r>
+            <a:r>
+              <a:rPr lang="ja-JP" altLang="en-US" sz="2400" dirty="0" smtClean="0">
+                <a:solidFill>
+                  <a:schemeClr val="tx1">
+                    <a:lumMod val="65000"/>
+                    <a:lumOff val="35000"/>
+                  </a:schemeClr>
+                </a:solidFill>
+              </a:rPr>
+              <a:t>」と繋ぐ</a:t>
+            </a:r>
+            <a:endParaRPr lang="en-US" altLang="ja-JP" sz="2400" dirty="0" smtClean="0">
+              <a:solidFill>
+                <a:schemeClr val="tx1">
+                  <a:lumMod val="65000"/>
+                  <a:lumOff val="35000"/>
+                </a:schemeClr>
+              </a:solidFill>
+            </a:endParaRPr>
+          </a:p>
+          <a:p>
+            <a:pPr marL="514350" indent="-514350">
+              <a:buFont typeface="+mj-lt"/>
+              <a:buAutoNum type="arabicPeriod"/>
+            </a:pPr>
+            <a:r>
+              <a:rPr kumimoji="1" lang="ja-JP" altLang="en-US" sz="2400" dirty="0" smtClean="0">
+                <a:solidFill>
+                  <a:schemeClr val="tx1">
+                    <a:lumMod val="75000"/>
+                    <a:lumOff val="25000"/>
+                  </a:schemeClr>
+                </a:solidFill>
+              </a:rPr>
+              <a:t>組み立てたパラメータを</a:t>
+            </a:r>
+            <a:r>
+              <a:rPr kumimoji="1" lang="en-US" altLang="ja-JP" sz="2400" dirty="0" smtClean="0">
+                <a:solidFill>
+                  <a:schemeClr val="tx1">
+                    <a:lumMod val="75000"/>
+                    <a:lumOff val="25000"/>
+                  </a:schemeClr>
+                </a:solidFill>
+              </a:rPr>
+              <a:t>URL</a:t>
+            </a:r>
+            <a:r>
+              <a:rPr kumimoji="1" lang="ja-JP" altLang="en-US" sz="2400" dirty="0" smtClean="0">
+                <a:solidFill>
+                  <a:schemeClr val="tx1">
+                    <a:lumMod val="75000"/>
+                    <a:lumOff val="25000"/>
+                  </a:schemeClr>
+                </a:solidFill>
+              </a:rPr>
+              <a:t>エンコード・・・①</a:t>
+            </a:r>
+            <a:endParaRPr kumimoji="1" lang="en-US" altLang="ja-JP" sz="2400" dirty="0" smtClean="0">
+              <a:solidFill>
+                <a:schemeClr val="tx1">
+                  <a:lumMod val="75000"/>
+                  <a:lumOff val="25000"/>
+                </a:schemeClr>
+              </a:solidFill>
+            </a:endParaRPr>
+          </a:p>
+          <a:p>
+            <a:pPr marL="514350" indent="-514350">
+              <a:buFont typeface="+mj-lt"/>
+              <a:buAutoNum type="arabicPeriod"/>
+            </a:pPr>
+            <a:r>
+              <a:rPr lang="ja-JP" altLang="en-US" sz="2400" dirty="0" smtClean="0">
+                <a:solidFill>
+                  <a:schemeClr val="tx1">
+                    <a:lumMod val="75000"/>
+                    <a:lumOff val="25000"/>
+                  </a:schemeClr>
+                </a:solidFill>
+              </a:rPr>
+              <a:t>リクエストメソッドを</a:t>
+            </a:r>
+            <a:r>
+              <a:rPr lang="en-US" altLang="ja-JP" sz="2400" dirty="0" smtClean="0">
+                <a:solidFill>
+                  <a:schemeClr val="tx1">
+                    <a:lumMod val="75000"/>
+                    <a:lumOff val="25000"/>
+                  </a:schemeClr>
+                </a:solidFill>
+              </a:rPr>
+              <a:t>URL</a:t>
+            </a:r>
+            <a:r>
+              <a:rPr lang="ja-JP" altLang="en-US" sz="2400" dirty="0" smtClean="0">
+                <a:solidFill>
+                  <a:schemeClr val="tx1">
+                    <a:lumMod val="75000"/>
+                    <a:lumOff val="25000"/>
+                  </a:schemeClr>
+                </a:solidFill>
+              </a:rPr>
+              <a:t>エンコード・・・②</a:t>
+            </a:r>
+            <a:endParaRPr lang="en-US" altLang="ja-JP" sz="2400" dirty="0" smtClean="0">
+              <a:solidFill>
+                <a:schemeClr val="tx1">
+                  <a:lumMod val="75000"/>
+                  <a:lumOff val="25000"/>
+                </a:schemeClr>
+              </a:solidFill>
+            </a:endParaRPr>
+          </a:p>
+          <a:p>
+            <a:pPr marL="514350" indent="-514350">
+              <a:buFont typeface="+mj-lt"/>
+              <a:buAutoNum type="arabicPeriod"/>
+            </a:pPr>
+            <a:r>
+              <a:rPr kumimoji="1" lang="ja-JP" altLang="en-US" sz="2400" dirty="0" smtClean="0">
+                <a:solidFill>
+                  <a:schemeClr val="tx1">
+                    <a:lumMod val="75000"/>
+                    <a:lumOff val="25000"/>
+                  </a:schemeClr>
+                </a:solidFill>
+              </a:rPr>
+              <a:t>リクエスト</a:t>
+            </a:r>
+            <a:r>
+              <a:rPr kumimoji="1" lang="en-US" altLang="ja-JP" sz="2400" dirty="0" smtClean="0">
+                <a:solidFill>
+                  <a:schemeClr val="tx1">
+                    <a:lumMod val="75000"/>
+                    <a:lumOff val="25000"/>
+                  </a:schemeClr>
+                </a:solidFill>
+              </a:rPr>
+              <a:t>URL</a:t>
+            </a:r>
+            <a:r>
+              <a:rPr kumimoji="1" lang="ja-JP" altLang="en-US" sz="2400" dirty="0" smtClean="0">
+                <a:solidFill>
+                  <a:schemeClr val="tx1">
+                    <a:lumMod val="75000"/>
+                    <a:lumOff val="25000"/>
+                  </a:schemeClr>
+                </a:solidFill>
+              </a:rPr>
+              <a:t>を</a:t>
+            </a:r>
+            <a:r>
+              <a:rPr kumimoji="1" lang="en-US" altLang="ja-JP" sz="2400" dirty="0" smtClean="0">
+                <a:solidFill>
+                  <a:schemeClr val="tx1">
+                    <a:lumMod val="75000"/>
+                    <a:lumOff val="25000"/>
+                  </a:schemeClr>
+                </a:solidFill>
+              </a:rPr>
+              <a:t>URL</a:t>
+            </a:r>
+            <a:r>
+              <a:rPr kumimoji="1" lang="ja-JP" altLang="en-US" sz="2400" dirty="0" smtClean="0">
+                <a:solidFill>
+                  <a:schemeClr val="tx1">
+                    <a:lumMod val="75000"/>
+                    <a:lumOff val="25000"/>
+                  </a:schemeClr>
+                </a:solidFill>
+              </a:rPr>
+              <a:t>エンコード・・・③</a:t>
+            </a:r>
+            <a:endParaRPr kumimoji="1" lang="en-US" altLang="ja-JP" sz="2400" dirty="0" smtClean="0">
+              <a:solidFill>
+                <a:schemeClr val="tx1">
+                  <a:lumMod val="75000"/>
+                  <a:lumOff val="25000"/>
+                </a:schemeClr>
+              </a:solidFill>
+            </a:endParaRPr>
+          </a:p>
+          <a:p>
+            <a:pPr marL="514350" indent="-514350">
+              <a:buFont typeface="+mj-lt"/>
+              <a:buAutoNum type="arabicPeriod"/>
+            </a:pPr>
+            <a:r>
+              <a:rPr lang="ja-JP" altLang="en-US" sz="2400" dirty="0" smtClean="0">
+                <a:solidFill>
+                  <a:schemeClr val="tx1">
+                    <a:lumMod val="75000"/>
+                    <a:lumOff val="25000"/>
+                  </a:schemeClr>
+                </a:solidFill>
+              </a:rPr>
+              <a:t>②、③、①の順番に</a:t>
+            </a:r>
+            <a:r>
+              <a:rPr lang="en-US" altLang="ja-JP" sz="2400" dirty="0">
+                <a:solidFill>
+                  <a:schemeClr val="tx1">
+                    <a:lumMod val="75000"/>
+                    <a:lumOff val="25000"/>
+                  </a:schemeClr>
+                </a:solidFill>
+              </a:rPr>
+              <a:t>&amp;</a:t>
+            </a:r>
+            <a:r>
+              <a:rPr lang="ja-JP" altLang="en-US" sz="2400" dirty="0" smtClean="0">
+                <a:solidFill>
+                  <a:schemeClr val="tx1">
+                    <a:lumMod val="75000"/>
+                    <a:lumOff val="25000"/>
+                  </a:schemeClr>
+                </a:solidFill>
+              </a:rPr>
+              <a:t>で繋ぐ</a:t>
+            </a:r>
+            <a:endParaRPr kumimoji="1" lang="en-US" altLang="ja-JP" sz="2400" dirty="0" smtClean="0">
+              <a:solidFill>
+                <a:schemeClr val="tx1">
+                  <a:lumMod val="75000"/>
+                  <a:lumOff val="25000"/>
+                </a:schemeClr>
+              </a:solidFill>
+            </a:endParaRPr>
+          </a:p>
+        </p:txBody>
+      </p:sp>
+      <p:sp>
+        <p:nvSpPr>
+          <p:cNvPr id="4" name="スライド番号プレースホルダー 3"/>
+          <p:cNvSpPr>
+            <a:spLocks noGrp="1"/>
+          </p:cNvSpPr>
+          <p:nvPr>
+            <p:ph type="sldNum" sz="quarter" idx="12"/>
+          </p:nvPr>
+        </p:nvSpPr>
+        <p:spPr/>
+        <p:txBody>
+          <a:bodyPr/>
+          <a:lstStyle/>
+          <a:p>
+            <a:pPr algn="ctr"/>
+            <a:fld id="{CA23F248-F353-4F36-A746-B1953A38AE2D}" type="slidenum">
+              <a:rPr lang="ja-JP" altLang="en-US" smtClean="0"/>
+              <a:pPr algn="ctr"/>
+              <a:t>16</a:t>
+            </a:fld>
+            <a:endParaRPr lang="ja-JP" altLang="en-US" dirty="0"/>
+          </a:p>
+        </p:txBody>
+      </p:sp>
+    </p:spTree>
+    <p:extLst>
+      <p:ext uri="{BB962C8B-B14F-4D97-AF65-F5344CB8AC3E}">
+        <p14:creationId xmlns:p14="http://schemas.microsoft.com/office/powerpoint/2010/main" val="1768621708"/>
+      </p:ext>
+    </p:extLst>
+  </p:cSld>
+  <p:clrMapOvr>
+    <a:masterClrMapping/>
+  </p:clrMapOvr>
+  <p:timing>
+    <p:tnLst>
+      <p:par>
+        <p:cTn id="1" dur="indefinite" restart="never" nodeType="tmRoot"/>
+      </p:par>
+    </p:tnLst>
+  </p:timing>
+</p:sld>
+</file>
+
+<file path=ppt/slides/slide17.xml><?xml version="1.0" encoding="utf-8"?>
+<p:sld xmlns:a="http://schemas.openxmlformats.org/drawingml/2006/main" xmlns:r="http://schemas.openxmlformats.org/officeDocument/2006/relationships" xmlns:p="http://schemas.openxmlformats.org/presentationml/2006/main">
+  <p:cSld>
+    <p:spTree>
+      <p:nvGrpSpPr>
+        <p:cNvPr id="1" name=""/>
+        <p:cNvGrpSpPr/>
+        <p:nvPr/>
+      </p:nvGrpSpPr>
+      <p:grpSpPr>
+        <a:xfrm>
+          <a:off x="0" y="0"/>
+          <a:ext cx="0" cy="0"/>
+          <a:chOff x="0" y="0"/>
+          <a:chExt cx="0" cy="0"/>
+        </a:xfrm>
+      </p:grpSpPr>
+      <p:sp>
+        <p:nvSpPr>
+          <p:cNvPr id="2" name="タイトル 1"/>
+          <p:cNvSpPr>
+            <a:spLocks noGrp="1"/>
+          </p:cNvSpPr>
+          <p:nvPr>
+            <p:ph type="title"/>
+          </p:nvPr>
+        </p:nvSpPr>
+        <p:spPr/>
+        <p:txBody>
+          <a:bodyPr/>
+          <a:lstStyle/>
+          <a:p>
+            <a:r>
+              <a:rPr lang="ja-JP" altLang="en-US" dirty="0" smtClean="0">
+                <a:solidFill>
+                  <a:schemeClr val="tx1">
+                    <a:lumMod val="75000"/>
+                    <a:lumOff val="25000"/>
+                  </a:schemeClr>
+                </a:solidFill>
+              </a:rPr>
+              <a:t>パラメータ</a:t>
+            </a:r>
+            <a:endParaRPr kumimoji="1" lang="ja-JP" altLang="en-US" dirty="0">
+              <a:solidFill>
+                <a:schemeClr val="tx1">
+                  <a:lumMod val="75000"/>
+                  <a:lumOff val="25000"/>
+                </a:schemeClr>
+              </a:solidFill>
+            </a:endParaRPr>
+          </a:p>
+        </p:txBody>
+      </p:sp>
+      <p:pic>
+        <p:nvPicPr>
+          <p:cNvPr id="5" name="コンテンツ プレースホルダー 4"/>
+          <p:cNvPicPr>
+            <a:picLocks noGrp="1" noChangeAspect="1"/>
+          </p:cNvPicPr>
+          <p:nvPr>
+            <p:ph idx="1"/>
+          </p:nvPr>
+        </p:nvPicPr>
+        <p:blipFill>
+          <a:blip r:embed="rId2">
+            <a:extLst>
+              <a:ext uri="{28A0092B-C50C-407E-A947-70E740481C1C}">
+                <a14:useLocalDpi xmlns:a14="http://schemas.microsoft.com/office/drawing/2010/main" val="0"/>
+              </a:ext>
+            </a:extLst>
+          </a:blip>
+          <a:stretch>
+            <a:fillRect/>
+          </a:stretch>
+        </p:blipFill>
+        <p:spPr>
+          <a:xfrm>
+            <a:off x="1547664" y="1589733"/>
+            <a:ext cx="6264696" cy="4359548"/>
+          </a:xfrm>
+        </p:spPr>
+      </p:pic>
+      <p:sp>
+        <p:nvSpPr>
+          <p:cNvPr id="4" name="スライド番号プレースホルダー 3"/>
+          <p:cNvSpPr>
+            <a:spLocks noGrp="1"/>
+          </p:cNvSpPr>
+          <p:nvPr>
+            <p:ph type="sldNum" sz="quarter" idx="12"/>
+          </p:nvPr>
+        </p:nvSpPr>
+        <p:spPr/>
+        <p:txBody>
+          <a:bodyPr/>
+          <a:lstStyle/>
+          <a:p>
+            <a:pPr algn="ctr"/>
+            <a:fld id="{CA23F248-F353-4F36-A746-B1953A38AE2D}" type="slidenum">
+              <a:rPr lang="ja-JP" altLang="en-US" smtClean="0"/>
+              <a:pPr algn="ctr"/>
+              <a:t>17</a:t>
+            </a:fld>
+            <a:endParaRPr lang="ja-JP" altLang="en-US" dirty="0"/>
+          </a:p>
+        </p:txBody>
+      </p:sp>
+      <p:sp>
+        <p:nvSpPr>
+          <p:cNvPr id="6" name="テキスト ボックス 5"/>
+          <p:cNvSpPr txBox="1"/>
+          <p:nvPr/>
+        </p:nvSpPr>
+        <p:spPr>
+          <a:xfrm>
+            <a:off x="2771800" y="6093296"/>
+            <a:ext cx="3600400" cy="369332"/>
+          </a:xfrm>
+          <a:prstGeom prst="rect">
+            <a:avLst/>
+          </a:prstGeom>
+          <a:noFill/>
+        </p:spPr>
+        <p:txBody>
+          <a:bodyPr wrap="square" rtlCol="0">
+            <a:spAutoFit/>
+          </a:bodyPr>
+          <a:lstStyle/>
+          <a:p>
+            <a:r>
+              <a:rPr kumimoji="1" lang="ja-JP" altLang="en-US" dirty="0" smtClean="0"/>
+              <a:t>図２　送られて</a:t>
+            </a:r>
+            <a:r>
+              <a:rPr lang="ja-JP" altLang="en-US" dirty="0" smtClean="0"/>
+              <a:t>きたパラメータ</a:t>
+            </a:r>
+            <a:endParaRPr kumimoji="1" lang="ja-JP" altLang="en-US" dirty="0"/>
+          </a:p>
+        </p:txBody>
+      </p:sp>
+      <p:sp>
+        <p:nvSpPr>
+          <p:cNvPr id="12" name="テキスト ボックス 11"/>
+          <p:cNvSpPr txBox="1"/>
+          <p:nvPr/>
+        </p:nvSpPr>
+        <p:spPr>
+          <a:xfrm>
+            <a:off x="9095874" y="3737811"/>
+            <a:ext cx="72000" cy="369332"/>
+          </a:xfrm>
+          <a:prstGeom prst="rect">
+            <a:avLst/>
+          </a:prstGeom>
+          <a:noFill/>
+        </p:spPr>
+        <p:txBody>
+          <a:bodyPr wrap="none" rtlCol="0">
+            <a:spAutoFit/>
+          </a:bodyPr>
+          <a:lstStyle/>
+          <a:p>
+            <a:endParaRPr kumimoji="1" lang="ja-JP" altLang="en-US" dirty="0"/>
+          </a:p>
+        </p:txBody>
+      </p:sp>
+      <p:sp>
+        <p:nvSpPr>
+          <p:cNvPr id="22" name="右矢印 21"/>
+          <p:cNvSpPr/>
+          <p:nvPr/>
+        </p:nvSpPr>
+        <p:spPr>
+          <a:xfrm>
+            <a:off x="1763688" y="4293096"/>
+            <a:ext cx="2016224" cy="576064"/>
+          </a:xfrm>
+          <a:prstGeom prst="rightArrow">
+            <a:avLst/>
+          </a:prstGeom>
+        </p:spPr>
+        <p:style>
+          <a:lnRef idx="2">
+            <a:schemeClr val="accent1">
+              <a:shade val="50000"/>
+            </a:schemeClr>
+          </a:lnRef>
+          <a:fillRef idx="1">
+            <a:schemeClr val="accent1"/>
+          </a:fillRef>
+          <a:effectRef idx="0">
+            <a:schemeClr val="accent1"/>
+          </a:effectRef>
+          <a:fontRef idx="minor">
+            <a:schemeClr val="lt1"/>
+          </a:fontRef>
+        </p:style>
+        <p:txBody>
+          <a:bodyPr rtlCol="0" anchor="ctr"/>
+          <a:lstStyle/>
+          <a:p>
+            <a:pPr algn="ctr"/>
+            <a:endParaRPr kumimoji="1" lang="ja-JP" altLang="en-US"/>
+          </a:p>
+        </p:txBody>
+      </p:sp>
+    </p:spTree>
+    <p:extLst>
+      <p:ext uri="{BB962C8B-B14F-4D97-AF65-F5344CB8AC3E}">
+        <p14:creationId xmlns:p14="http://schemas.microsoft.com/office/powerpoint/2010/main" val="1992693686"/>
+      </p:ext>
+    </p:extLst>
+  </p:cSld>
+  <p:clrMapOvr>
+    <a:masterClrMapping/>
+  </p:clrMapOvr>
+  <p:timing>
+    <p:tnLst>
+      <p:par>
+        <p:cTn id="1" dur="indefinite" restart="never" nodeType="tmRoot"/>
+      </p:par>
+    </p:tnLst>
+  </p:timing>
+</p:sld>
+</file>
+
+<file path=ppt/slides/slide18.xml><?xml version="1.0" encoding="utf-8"?>
+<p:sld xmlns:a="http://schemas.openxmlformats.org/drawingml/2006/main" xmlns:r="http://schemas.openxmlformats.org/officeDocument/2006/relationships" xmlns:p="http://schemas.openxmlformats.org/presentationml/2006/main">
+  <p:cSld>
+    <p:spTree>
+      <p:nvGrpSpPr>
+        <p:cNvPr id="1" name=""/>
+        <p:cNvGrpSpPr/>
+        <p:nvPr/>
+      </p:nvGrpSpPr>
+      <p:grpSpPr>
+        <a:xfrm>
+          <a:off x="0" y="0"/>
+          <a:ext cx="0" cy="0"/>
+          <a:chOff x="0" y="0"/>
+          <a:chExt cx="0" cy="0"/>
+        </a:xfrm>
+      </p:grpSpPr>
+      <p:sp>
+        <p:nvSpPr>
+          <p:cNvPr id="2" name="タイトル 1"/>
+          <p:cNvSpPr>
+            <a:spLocks noGrp="1"/>
+          </p:cNvSpPr>
+          <p:nvPr>
+            <p:ph type="title"/>
+          </p:nvPr>
+        </p:nvSpPr>
+        <p:spPr/>
+        <p:txBody>
+          <a:bodyPr/>
+          <a:lstStyle/>
+          <a:p>
+            <a:r>
+              <a:rPr kumimoji="1" lang="ja-JP" altLang="en-US" dirty="0" smtClean="0">
+                <a:solidFill>
+                  <a:schemeClr val="tx1">
+                    <a:lumMod val="75000"/>
+                    <a:lumOff val="25000"/>
+                  </a:schemeClr>
+                </a:solidFill>
+              </a:rPr>
+              <a:t>データの作成　その１、２</a:t>
+            </a:r>
+            <a:endParaRPr kumimoji="1" lang="ja-JP" altLang="en-US" dirty="0">
+              <a:solidFill>
+                <a:schemeClr val="tx1">
+                  <a:lumMod val="75000"/>
+                  <a:lumOff val="25000"/>
+                </a:schemeClr>
+              </a:solidFill>
+            </a:endParaRPr>
+          </a:p>
+        </p:txBody>
+      </p:sp>
+      <p:sp>
+        <p:nvSpPr>
+          <p:cNvPr id="3" name="コンテンツ プレースホルダー 2"/>
+          <p:cNvSpPr>
+            <a:spLocks noGrp="1"/>
+          </p:cNvSpPr>
+          <p:nvPr>
+            <p:ph idx="1"/>
+          </p:nvPr>
+        </p:nvSpPr>
+        <p:spPr/>
+        <p:txBody>
+          <a:bodyPr/>
+          <a:lstStyle/>
+          <a:p>
+            <a:r>
+              <a:rPr lang="ja-JP" altLang="en-US" b="1" dirty="0" smtClean="0">
+                <a:solidFill>
+                  <a:schemeClr val="tx1">
+                    <a:lumMod val="75000"/>
+                    <a:lumOff val="25000"/>
+                  </a:schemeClr>
+                </a:solidFill>
+              </a:rPr>
+              <a:t>パラメータの組み立て</a:t>
+            </a:r>
+            <a:r>
+              <a:rPr lang="en-US" altLang="ja-JP" dirty="0">
+                <a:solidFill>
+                  <a:schemeClr val="tx1">
+                    <a:lumMod val="75000"/>
+                    <a:lumOff val="25000"/>
+                  </a:schemeClr>
+                </a:solidFill>
+              </a:rPr>
+              <a:t/>
+            </a:r>
+            <a:br>
+              <a:rPr lang="en-US" altLang="ja-JP" dirty="0">
+                <a:solidFill>
+                  <a:schemeClr val="tx1">
+                    <a:lumMod val="75000"/>
+                    <a:lumOff val="25000"/>
+                  </a:schemeClr>
+                </a:solidFill>
+              </a:rPr>
+            </a:br>
+            <a:r>
+              <a:rPr lang="ja-JP" altLang="en-US" dirty="0" smtClean="0">
+                <a:solidFill>
+                  <a:schemeClr val="tx1">
+                    <a:lumMod val="75000"/>
+                    <a:lumOff val="25000"/>
+                  </a:schemeClr>
+                </a:solidFill>
+              </a:rPr>
+              <a:t>図２で送られてきたパラメータをアルファベット順へ</a:t>
+            </a:r>
+            <a:endParaRPr lang="en-US" altLang="ja-JP" dirty="0" smtClean="0">
+              <a:solidFill>
+                <a:schemeClr val="tx1">
+                  <a:lumMod val="75000"/>
+                  <a:lumOff val="25000"/>
+                </a:schemeClr>
+              </a:solidFill>
+            </a:endParaRPr>
+          </a:p>
+          <a:p>
+            <a:endParaRPr lang="en-US" altLang="ja-JP" dirty="0" smtClean="0">
+              <a:solidFill>
+                <a:schemeClr val="tx1">
+                  <a:lumMod val="75000"/>
+                  <a:lumOff val="25000"/>
+                </a:schemeClr>
+              </a:solidFill>
+            </a:endParaRPr>
+          </a:p>
+          <a:p>
+            <a:r>
+              <a:rPr lang="ja-JP" altLang="en-US" b="1" dirty="0" smtClean="0">
+                <a:solidFill>
+                  <a:schemeClr val="tx1">
+                    <a:lumMod val="75000"/>
+                    <a:lumOff val="25000"/>
+                  </a:schemeClr>
+                </a:solidFill>
+              </a:rPr>
+              <a:t>並び替えたパラメータをエンコード</a:t>
+            </a:r>
+            <a:r>
+              <a:rPr lang="en-US" altLang="ja-JP" b="1" dirty="0" smtClean="0">
+                <a:solidFill>
+                  <a:schemeClr val="tx1">
+                    <a:lumMod val="75000"/>
+                    <a:lumOff val="25000"/>
+                  </a:schemeClr>
+                </a:solidFill>
+              </a:rPr>
+              <a:t/>
+            </a:r>
+            <a:br>
+              <a:rPr lang="en-US" altLang="ja-JP" b="1" dirty="0" smtClean="0">
+                <a:solidFill>
+                  <a:schemeClr val="tx1">
+                    <a:lumMod val="75000"/>
+                    <a:lumOff val="25000"/>
+                  </a:schemeClr>
+                </a:solidFill>
+              </a:rPr>
+            </a:br>
+            <a:r>
+              <a:rPr lang="ja-JP" altLang="en-US" dirty="0" smtClean="0">
+                <a:solidFill>
+                  <a:schemeClr val="tx1">
+                    <a:lumMod val="75000"/>
+                    <a:lumOff val="25000"/>
+                  </a:schemeClr>
+                </a:solidFill>
+              </a:rPr>
+              <a:t>できたものを①</a:t>
+            </a:r>
+            <a:endParaRPr lang="en-US" altLang="ja-JP" b="1" dirty="0" smtClean="0">
+              <a:solidFill>
+                <a:schemeClr val="tx1">
+                  <a:lumMod val="75000"/>
+                  <a:lumOff val="25000"/>
+                </a:schemeClr>
+              </a:solidFill>
+            </a:endParaRPr>
+          </a:p>
+        </p:txBody>
+      </p:sp>
+      <p:sp>
+        <p:nvSpPr>
+          <p:cNvPr id="4" name="スライド番号プレースホルダー 3"/>
+          <p:cNvSpPr>
+            <a:spLocks noGrp="1"/>
+          </p:cNvSpPr>
+          <p:nvPr>
+            <p:ph type="sldNum" sz="quarter" idx="12"/>
+          </p:nvPr>
+        </p:nvSpPr>
+        <p:spPr/>
+        <p:txBody>
+          <a:bodyPr/>
+          <a:lstStyle/>
+          <a:p>
+            <a:pPr algn="ctr"/>
+            <a:fld id="{CA23F248-F353-4F36-A746-B1953A38AE2D}" type="slidenum">
+              <a:rPr lang="ja-JP" altLang="en-US" smtClean="0"/>
+              <a:pPr algn="ctr"/>
+              <a:t>18</a:t>
+            </a:fld>
+            <a:endParaRPr lang="ja-JP" altLang="en-US" dirty="0"/>
+          </a:p>
+        </p:txBody>
+      </p:sp>
+    </p:spTree>
+    <p:extLst>
+      <p:ext uri="{BB962C8B-B14F-4D97-AF65-F5344CB8AC3E}">
+        <p14:creationId xmlns:p14="http://schemas.microsoft.com/office/powerpoint/2010/main" val="1234458785"/>
+      </p:ext>
+    </p:extLst>
+  </p:cSld>
+  <p:clrMapOvr>
+    <a:masterClrMapping/>
+  </p:clrMapOvr>
+  <p:timing>
+    <p:tnLst>
+      <p:par>
+        <p:cTn id="1" dur="indefinite" restart="never" nodeType="tmRoot"/>
+      </p:par>
+    </p:tnLst>
+  </p:timing>
+</p:sld>
+</file>
+
+<file path=ppt/slides/slide19.xml><?xml version="1.0" encoding="utf-8"?>
+<p:sld xmlns:a="http://schemas.openxmlformats.org/drawingml/2006/main" xmlns:r="http://schemas.openxmlformats.org/officeDocument/2006/relationships" xmlns:p="http://schemas.openxmlformats.org/presentationml/2006/main">
+  <p:cSld>
+    <p:spTree>
+      <p:nvGrpSpPr>
+        <p:cNvPr id="1" name=""/>
+        <p:cNvGrpSpPr/>
+        <p:nvPr/>
+      </p:nvGrpSpPr>
+      <p:grpSpPr>
+        <a:xfrm>
+          <a:off x="0" y="0"/>
+          <a:ext cx="0" cy="0"/>
+          <a:chOff x="0" y="0"/>
+          <a:chExt cx="0" cy="0"/>
+        </a:xfrm>
+      </p:grpSpPr>
+      <p:sp>
+        <p:nvSpPr>
+          <p:cNvPr id="2" name="タイトル 1"/>
+          <p:cNvSpPr>
+            <a:spLocks noGrp="1"/>
+          </p:cNvSpPr>
+          <p:nvPr>
+            <p:ph type="title"/>
+          </p:nvPr>
+        </p:nvSpPr>
+        <p:spPr/>
+        <p:txBody>
+          <a:bodyPr/>
+          <a:lstStyle/>
+          <a:p>
+            <a:r>
+              <a:rPr kumimoji="1" lang="ja-JP" altLang="en-US" dirty="0" smtClean="0"/>
+              <a:t>手順１で完成したもの</a:t>
+            </a:r>
+            <a:endParaRPr kumimoji="1" lang="ja-JP" altLang="en-US" dirty="0"/>
+          </a:p>
+        </p:txBody>
+      </p:sp>
+      <p:sp>
+        <p:nvSpPr>
+          <p:cNvPr id="4" name="スライド番号プレースホルダー 3"/>
+          <p:cNvSpPr>
+            <a:spLocks noGrp="1"/>
+          </p:cNvSpPr>
+          <p:nvPr>
+            <p:ph type="sldNum" sz="quarter" idx="12"/>
+          </p:nvPr>
+        </p:nvSpPr>
+        <p:spPr/>
+        <p:txBody>
+          <a:bodyPr/>
+          <a:lstStyle/>
+          <a:p>
+            <a:pPr algn="ctr"/>
+            <a:fld id="{CA23F248-F353-4F36-A746-B1953A38AE2D}" type="slidenum">
+              <a:rPr lang="ja-JP" altLang="en-US" smtClean="0"/>
+              <a:pPr algn="ctr"/>
+              <a:t>19</a:t>
+            </a:fld>
+            <a:endParaRPr lang="ja-JP" altLang="en-US" dirty="0"/>
+          </a:p>
+        </p:txBody>
+      </p:sp>
+      <p:sp>
+        <p:nvSpPr>
+          <p:cNvPr id="9" name="コンテンツ プレースホルダー 8"/>
+          <p:cNvSpPr>
+            <a:spLocks noGrp="1"/>
+          </p:cNvSpPr>
+          <p:nvPr>
+            <p:ph idx="1"/>
+          </p:nvPr>
+        </p:nvSpPr>
+        <p:spPr>
+          <a:xfrm>
+            <a:off x="457200" y="1600200"/>
+            <a:ext cx="8229600" cy="4756150"/>
+          </a:xfrm>
+        </p:spPr>
+        <p:txBody>
+          <a:bodyPr>
+            <a:noAutofit/>
+          </a:bodyPr>
+          <a:lstStyle/>
+          <a:p>
+            <a:pPr marL="0" indent="0">
+              <a:buNone/>
+            </a:pPr>
+            <a:r>
+              <a:rPr lang="en-US" altLang="ja-JP" sz="2000" dirty="0" err="1" smtClean="0"/>
+              <a:t>context_id</a:t>
+            </a:r>
+            <a:r>
+              <a:rPr lang="en-US" altLang="ja-JP" sz="2000" dirty="0" smtClean="0"/>
+              <a:t>=475f296c3f</a:t>
+            </a:r>
+            <a:r>
+              <a:rPr lang="mr-IN" altLang="ja-JP" sz="2000" dirty="0" smtClean="0"/>
+              <a:t>%26</a:t>
+            </a:r>
+            <a:r>
+              <a:rPr lang="en-US" altLang="ja-JP" sz="2000" dirty="0" err="1" smtClean="0"/>
+              <a:t>context_title</a:t>
+            </a:r>
+            <a:r>
+              <a:rPr lang="en-US" altLang="ja-JP" sz="2000" dirty="0" smtClean="0"/>
+              <a:t>=Hippo</a:t>
+            </a:r>
+            <a:r>
+              <a:rPr lang="mr-IN" altLang="ja-JP" sz="2000" dirty="0" smtClean="0"/>
+              <a:t>%25</a:t>
+            </a:r>
+            <a:r>
+              <a:rPr lang="en-US" altLang="ja-JP" sz="2000" dirty="0" smtClean="0"/>
+              <a:t>20200</a:t>
+            </a:r>
+            <a:r>
+              <a:rPr lang="mr-IN" altLang="ja-JP" sz="2000" dirty="0" smtClean="0"/>
+              <a:t>%26</a:t>
+            </a:r>
+            <a:r>
+              <a:rPr lang="en-US" altLang="ja-JP" sz="2000" dirty="0" err="1" smtClean="0"/>
+              <a:t>launch_presentation_return_url</a:t>
+            </a:r>
+            <a:r>
+              <a:rPr lang="en-US" altLang="ja-JP" sz="2000" dirty="0" smtClean="0"/>
+              <a:t>=https</a:t>
+            </a:r>
+            <a:r>
+              <a:rPr lang="mr-IN" altLang="ja-JP" sz="2000" dirty="0" smtClean="0"/>
+              <a:t>%25</a:t>
+            </a:r>
+            <a:r>
+              <a:rPr lang="en-US" altLang="ja-JP" sz="2000" dirty="0" smtClean="0"/>
+              <a:t>3A</a:t>
+            </a:r>
+            <a:r>
+              <a:rPr lang="mr-IN" altLang="ja-JP" sz="2000" dirty="0" smtClean="0"/>
+              <a:t>%25</a:t>
+            </a:r>
+            <a:r>
+              <a:rPr lang="en-US" altLang="ja-JP" sz="2000" dirty="0" smtClean="0"/>
+              <a:t>2F</a:t>
+            </a:r>
+            <a:r>
+              <a:rPr lang="mr-IN" altLang="ja-JP" sz="2000" dirty="0" smtClean="0"/>
+              <a:t>%25</a:t>
+            </a:r>
+            <a:r>
+              <a:rPr lang="en-US" altLang="ja-JP" sz="2000" dirty="0" smtClean="0"/>
+              <a:t>2Flearn-lti.herokuapp.com</a:t>
+            </a:r>
+            <a:r>
+              <a:rPr lang="mr-IN" altLang="ja-JP" sz="2000" dirty="0" smtClean="0"/>
+              <a:t>%25</a:t>
+            </a:r>
+            <a:r>
+              <a:rPr lang="en-US" altLang="ja-JP" sz="2000" dirty="0" smtClean="0"/>
+              <a:t>2Ftool_return</a:t>
+            </a:r>
+            <a:r>
+              <a:rPr lang="mr-IN" altLang="ja-JP" sz="2000" dirty="0" smtClean="0"/>
+              <a:t>%25</a:t>
+            </a:r>
+            <a:r>
+              <a:rPr lang="en-US" altLang="ja-JP" sz="2000" dirty="0" smtClean="0"/>
+              <a:t>2Fsignature_check</a:t>
+            </a:r>
+            <a:r>
+              <a:rPr lang="mr-IN" altLang="ja-JP" sz="2000" dirty="0" smtClean="0"/>
+              <a:t>%25</a:t>
+            </a:r>
+            <a:r>
+              <a:rPr lang="en-US" altLang="ja-JP" sz="2000" dirty="0" smtClean="0"/>
+              <a:t>2F0</a:t>
+            </a:r>
+            <a:r>
+              <a:rPr lang="mr-IN" altLang="ja-JP" sz="2000" dirty="0" smtClean="0"/>
+              <a:t>%25</a:t>
+            </a:r>
+            <a:r>
+              <a:rPr lang="en-US" altLang="ja-JP" sz="2000" dirty="0" smtClean="0"/>
+              <a:t>2F3189</a:t>
+            </a:r>
+            <a:r>
+              <a:rPr lang="mr-IN" altLang="ja-JP" sz="2000" dirty="0" smtClean="0"/>
+              <a:t>%26</a:t>
+            </a:r>
+            <a:r>
+              <a:rPr lang="en-US" altLang="ja-JP" sz="2000" dirty="0" err="1" smtClean="0"/>
+              <a:t>lis_person_name_full</a:t>
+            </a:r>
+            <a:r>
+              <a:rPr lang="en-US" altLang="ja-JP" sz="2000" dirty="0" smtClean="0"/>
+              <a:t>=Sahar</a:t>
+            </a:r>
+            <a:r>
+              <a:rPr lang="mr-IN" altLang="ja-JP" sz="2000" dirty="0" smtClean="0"/>
+              <a:t>%25</a:t>
+            </a:r>
+            <a:r>
+              <a:rPr lang="en-US" altLang="ja-JP" sz="2000" dirty="0" smtClean="0"/>
+              <a:t>20Johnson</a:t>
+            </a:r>
+            <a:r>
+              <a:rPr lang="mr-IN" altLang="ja-JP" sz="2000" dirty="0" smtClean="0"/>
+              <a:t>%26</a:t>
+            </a:r>
+            <a:r>
+              <a:rPr lang="en-US" altLang="ja-JP" sz="2000" dirty="0" err="1" smtClean="0"/>
+              <a:t>lti_message_type</a:t>
+            </a:r>
+            <a:r>
+              <a:rPr lang="en-US" altLang="ja-JP" sz="2000" dirty="0" smtClean="0"/>
+              <a:t>=basic-</a:t>
+            </a:r>
+            <a:r>
+              <a:rPr lang="en-US" altLang="ja-JP" sz="2000" dirty="0" err="1" smtClean="0"/>
+              <a:t>lti</a:t>
+            </a:r>
+            <a:r>
+              <a:rPr lang="en-US" altLang="ja-JP" sz="2000" dirty="0" smtClean="0"/>
+              <a:t>-launch-request</a:t>
+            </a:r>
+            <a:r>
+              <a:rPr lang="mr-IN" altLang="ja-JP" sz="2000" dirty="0" smtClean="0"/>
+              <a:t>%26</a:t>
+            </a:r>
+            <a:r>
+              <a:rPr lang="en-US" altLang="ja-JP" sz="2000" dirty="0" err="1" smtClean="0"/>
+              <a:t>lti_version</a:t>
+            </a:r>
+            <a:r>
+              <a:rPr lang="en-US" altLang="ja-JP" sz="2000" dirty="0" smtClean="0"/>
+              <a:t>=LTI-1p0</a:t>
+            </a:r>
+            <a:r>
+              <a:rPr lang="mr-IN" altLang="ja-JP" sz="2000" dirty="0" smtClean="0"/>
+              <a:t>%26</a:t>
+            </a:r>
+            <a:r>
+              <a:rPr lang="en-US" altLang="ja-JP" sz="2000" dirty="0" err="1" smtClean="0"/>
+              <a:t>oauth_consumer_key</a:t>
+            </a:r>
+            <a:r>
+              <a:rPr lang="en-US" altLang="ja-JP" sz="2000" dirty="0" smtClean="0"/>
+              <a:t>=e539129bbcb1e301e1c3da971506b30c</a:t>
+            </a:r>
+            <a:r>
+              <a:rPr lang="mr-IN" altLang="ja-JP" sz="2000" dirty="0" smtClean="0"/>
+              <a:t>%26</a:t>
+            </a:r>
+            <a:r>
+              <a:rPr lang="en-US" altLang="ja-JP" sz="2000" dirty="0" err="1" smtClean="0"/>
+              <a:t>oauth_nonce</a:t>
+            </a:r>
+            <a:r>
+              <a:rPr lang="en-US" altLang="ja-JP" sz="2000" dirty="0" smtClean="0"/>
+              <a:t>=gCJCZfpeXVaMFTokhX8PA5AQN0zqvdJT1MgtRw8E5LM</a:t>
+            </a:r>
+            <a:r>
+              <a:rPr lang="mr-IN" altLang="ja-JP" sz="2000" dirty="0" smtClean="0"/>
+              <a:t>%26</a:t>
+            </a:r>
+            <a:r>
+              <a:rPr lang="en-US" altLang="ja-JP" sz="2000" dirty="0" err="1" smtClean="0"/>
+              <a:t>oauth_signature_method</a:t>
+            </a:r>
+            <a:r>
+              <a:rPr lang="en-US" altLang="ja-JP" sz="2000" dirty="0" smtClean="0"/>
+              <a:t>=HMAC-SHA1</a:t>
+            </a:r>
+            <a:r>
+              <a:rPr lang="mr-IN" altLang="ja-JP" sz="2000" dirty="0" smtClean="0"/>
+              <a:t>%26</a:t>
+            </a:r>
+            <a:r>
+              <a:rPr lang="en-US" altLang="ja-JP" sz="2000" dirty="0" err="1" smtClean="0"/>
+              <a:t>oauth_timestamp</a:t>
+            </a:r>
+            <a:r>
+              <a:rPr lang="en-US" altLang="ja-JP" sz="2000" dirty="0" smtClean="0"/>
+              <a:t>=1538633590</a:t>
+            </a:r>
+            <a:r>
+              <a:rPr lang="mr-IN" altLang="ja-JP" sz="2000" dirty="0" smtClean="0"/>
+              <a:t>%26</a:t>
+            </a:r>
+            <a:r>
+              <a:rPr lang="en-US" altLang="ja-JP" sz="2000" dirty="0" err="1" smtClean="0"/>
+              <a:t>oauth_version</a:t>
+            </a:r>
+            <a:r>
+              <a:rPr lang="en-US" altLang="ja-JP" sz="2000" dirty="0" smtClean="0"/>
+              <a:t>=1.0</a:t>
+            </a:r>
+            <a:r>
+              <a:rPr lang="mr-IN" altLang="ja-JP" sz="2000" dirty="0" smtClean="0"/>
+              <a:t>%26</a:t>
+            </a:r>
+            <a:r>
+              <a:rPr lang="en-US" altLang="ja-JP" sz="2000" dirty="0" err="1" smtClean="0"/>
+              <a:t>resource_link_id</a:t>
+            </a:r>
+            <a:r>
+              <a:rPr lang="en-US" altLang="ja-JP" sz="2000" dirty="0" smtClean="0"/>
+              <a:t>=1aa0b00b62</a:t>
+            </a:r>
+            <a:r>
+              <a:rPr lang="mr-IN" altLang="ja-JP" sz="2000" dirty="0" smtClean="0"/>
+              <a:t>%26</a:t>
+            </a:r>
+            <a:r>
+              <a:rPr lang="en-US" altLang="ja-JP" sz="2000" dirty="0" smtClean="0"/>
+              <a:t>roles=urn</a:t>
+            </a:r>
+            <a:r>
+              <a:rPr lang="mr-IN" altLang="ja-JP" sz="2000" dirty="0" smtClean="0"/>
+              <a:t>%25</a:t>
+            </a:r>
+            <a:r>
+              <a:rPr lang="en-US" altLang="ja-JP" sz="2000" dirty="0" smtClean="0"/>
+              <a:t>3Alti</a:t>
+            </a:r>
+            <a:r>
+              <a:rPr lang="mr-IN" altLang="ja-JP" sz="2000" dirty="0" smtClean="0"/>
+              <a:t>%25</a:t>
+            </a:r>
+            <a:r>
+              <a:rPr lang="en-US" altLang="ja-JP" sz="2000" dirty="0" smtClean="0"/>
+              <a:t>3Ainstrole</a:t>
+            </a:r>
+            <a:r>
+              <a:rPr lang="mr-IN" altLang="ja-JP" sz="2000" dirty="0" smtClean="0"/>
+              <a:t>%25</a:t>
+            </a:r>
+            <a:r>
+              <a:rPr lang="en-US" altLang="ja-JP" sz="2000" dirty="0" smtClean="0"/>
+              <a:t>3Aims</a:t>
+            </a:r>
+            <a:r>
+              <a:rPr lang="mr-IN" altLang="ja-JP" sz="2000" dirty="0" smtClean="0"/>
+              <a:t>%25</a:t>
+            </a:r>
+            <a:r>
+              <a:rPr lang="en-US" altLang="ja-JP" sz="2000" dirty="0" smtClean="0"/>
+              <a:t>2Flis</a:t>
+            </a:r>
+            <a:r>
+              <a:rPr lang="mr-IN" altLang="ja-JP" sz="2000" dirty="0" smtClean="0"/>
+              <a:t>%25</a:t>
+            </a:r>
+            <a:r>
+              <a:rPr lang="en-US" altLang="ja-JP" sz="2000" dirty="0" smtClean="0"/>
+              <a:t>2Fobserver</a:t>
+            </a:r>
+            <a:r>
+              <a:rPr lang="mr-IN" altLang="ja-JP" sz="2000" dirty="0" smtClean="0"/>
+              <a:t>%26</a:t>
+            </a:r>
+            <a:r>
+              <a:rPr lang="en-US" altLang="ja-JP" sz="2000" dirty="0" err="1" smtClean="0"/>
+              <a:t>tool_consumer_instance_name</a:t>
+            </a:r>
+            <a:r>
+              <a:rPr lang="en-US" altLang="ja-JP" sz="2000" dirty="0" smtClean="0"/>
+              <a:t>=Hippo</a:t>
+            </a:r>
+            <a:r>
+              <a:rPr lang="mr-IN" altLang="ja-JP" sz="2000" dirty="0" smtClean="0"/>
+              <a:t>%25</a:t>
+            </a:r>
+            <a:r>
+              <a:rPr lang="en-US" altLang="ja-JP" sz="2000" dirty="0" smtClean="0"/>
+              <a:t>20212</a:t>
+            </a:r>
+            <a:r>
+              <a:rPr lang="mr-IN" altLang="ja-JP" sz="2000" dirty="0" smtClean="0"/>
+              <a:t>%26</a:t>
+            </a:r>
+            <a:r>
+              <a:rPr lang="en-US" altLang="ja-JP" sz="2000" dirty="0" err="1" smtClean="0"/>
+              <a:t>user_id</a:t>
+            </a:r>
+            <a:r>
+              <a:rPr lang="en-US" altLang="ja-JP" sz="2000" dirty="0" smtClean="0"/>
+              <a:t>=f83712a18e</a:t>
+            </a:r>
+            <a:endParaRPr kumimoji="1" lang="ja-JP" altLang="en-US" sz="2000" dirty="0"/>
+          </a:p>
+        </p:txBody>
+      </p:sp>
+    </p:spTree>
+    <p:extLst>
+      <p:ext uri="{BB962C8B-B14F-4D97-AF65-F5344CB8AC3E}">
+        <p14:creationId xmlns:p14="http://schemas.microsoft.com/office/powerpoint/2010/main" val="1646314626"/>
+      </p:ext>
+    </p:extLst>
+  </p:cSld>
+  <p:clrMapOvr>
+    <a:masterClrMapping/>
+  </p:clrMapOvr>
+  <p:timing>
+    <p:tnLst>
+      <p:par>
+        <p:cTn id="1" dur="indefinite" restart="never" nodeType="tmRoot"/>
+      </p:par>
+    </p:tnLst>
+  </p:timing>
 </p:sld>
 </file>
 
@@ -4725,7 +7455,7 @@
           <p:cNvPr id="2" name="タイトル 1">
             <a:extLst>
               <a:ext uri="{FF2B5EF4-FFF2-40B4-BE49-F238E27FC236}">
-                <a16:creationId xmlns:a16="http://schemas.microsoft.com/office/drawing/2014/main" id="{94677CCF-8595-364F-9FF5-E15210A40D25}"/>
+                <a16:creationId xmlns:a16="http://schemas.microsoft.com/office/drawing/2014/main" xmlns="" id="{94677CCF-8595-364F-9FF5-E15210A40D25}"/>
               </a:ext>
             </a:extLst>
           </p:cNvPr>
@@ -4753,7 +7483,7 @@
           <p:cNvPr id="3" name="コンテンツ プレースホルダー 2">
             <a:extLst>
               <a:ext uri="{FF2B5EF4-FFF2-40B4-BE49-F238E27FC236}">
-                <a16:creationId xmlns:a16="http://schemas.microsoft.com/office/drawing/2014/main" id="{9EACF3DD-5B1F-9946-8C6F-71198FB63AA4}"/>
+                <a16:creationId xmlns:a16="http://schemas.microsoft.com/office/drawing/2014/main" xmlns="" id="{9EACF3DD-5B1F-9946-8C6F-71198FB63AA4}"/>
               </a:ext>
             </a:extLst>
           </p:cNvPr>
@@ -4777,7 +7507,7 @@
               <a:t>1. Ruby on Rails</a:t>
             </a:r>
             <a:r>
-              <a:rPr kumimoji="1" lang="ja-JP" altLang="en-US"/>
+              <a:rPr kumimoji="1" lang="ja-JP" altLang="en-US" dirty="0"/>
               <a:t>のプラグインについて</a:t>
             </a:r>
             <a:endParaRPr kumimoji="1" lang="en-US" altLang="ja-JP" dirty="0"/>
@@ -4797,16 +7527,14 @@
               <a:t>2. </a:t>
             </a:r>
             <a:r>
-              <a:rPr kumimoji="1" lang="ja-JP" altLang="en-US"/>
-              <a:t>シミュレータの進捗</a:t>
+              <a:rPr kumimoji="1" lang="ja-JP" altLang="en-US" dirty="0"/>
+              <a:t>シミュレータの</a:t>
+            </a:r>
+            <a:r>
+              <a:rPr kumimoji="1" lang="ja-JP" altLang="en-US" dirty="0" smtClean="0"/>
+              <a:t>進捗</a:t>
             </a:r>
             <a:endParaRPr kumimoji="1" lang="en-US" altLang="ja-JP" dirty="0"/>
-          </a:p>
-          <a:p>
-            <a:pPr marL="514350" indent="-514350">
-              <a:buAutoNum type="arabicPeriod"/>
-            </a:pPr>
-            <a:endParaRPr lang="en-US" altLang="ja-JP" dirty="0"/>
           </a:p>
           <a:p>
             <a:pPr marL="0" indent="0">
@@ -4823,7 +7551,7 @@
               <a:t>3. </a:t>
             </a:r>
             <a:r>
-              <a:rPr lang="ja-JP" altLang="en-US"/>
+              <a:rPr lang="ja-JP" altLang="en-US" dirty="0" smtClean="0"/>
               <a:t>課題</a:t>
             </a:r>
             <a:endParaRPr lang="en-US" altLang="ja-JP" dirty="0"/>
@@ -4835,7 +7563,7 @@
           <p:cNvPr id="4" name="スライド番号プレースホルダー 3">
             <a:extLst>
               <a:ext uri="{FF2B5EF4-FFF2-40B4-BE49-F238E27FC236}">
-                <a16:creationId xmlns:a16="http://schemas.microsoft.com/office/drawing/2014/main" id="{17B46BE4-1AA0-3548-853E-2C80289F18DE}"/>
+                <a16:creationId xmlns:a16="http://schemas.microsoft.com/office/drawing/2014/main" xmlns="" id="{17B46BE4-1AA0-3548-853E-2C80289F18DE}"/>
               </a:ext>
             </a:extLst>
           </p:cNvPr>
@@ -4871,6 +7599,2596 @@
   <p:clrMapOvr>
     <a:masterClrMapping/>
   </p:clrMapOvr>
+  <p:timing>
+    <p:tnLst>
+      <p:par>
+        <p:cTn id="1" dur="indefinite" restart="never" nodeType="tmRoot"/>
+      </p:par>
+    </p:tnLst>
+  </p:timing>
+</p:sld>
+</file>
+
+<file path=ppt/slides/slide20.xml><?xml version="1.0" encoding="utf-8"?>
+<p:sld xmlns:a="http://schemas.openxmlformats.org/drawingml/2006/main" xmlns:r="http://schemas.openxmlformats.org/officeDocument/2006/relationships" xmlns:p="http://schemas.openxmlformats.org/presentationml/2006/main">
+  <p:cSld>
+    <p:spTree>
+      <p:nvGrpSpPr>
+        <p:cNvPr id="1" name=""/>
+        <p:cNvGrpSpPr/>
+        <p:nvPr/>
+      </p:nvGrpSpPr>
+      <p:grpSpPr>
+        <a:xfrm>
+          <a:off x="0" y="0"/>
+          <a:ext cx="0" cy="0"/>
+          <a:chOff x="0" y="0"/>
+          <a:chExt cx="0" cy="0"/>
+        </a:xfrm>
+      </p:grpSpPr>
+      <p:sp>
+        <p:nvSpPr>
+          <p:cNvPr id="2" name="タイトル 1"/>
+          <p:cNvSpPr>
+            <a:spLocks noGrp="1"/>
+          </p:cNvSpPr>
+          <p:nvPr>
+            <p:ph type="title"/>
+          </p:nvPr>
+        </p:nvSpPr>
+        <p:spPr/>
+        <p:txBody>
+          <a:bodyPr/>
+          <a:lstStyle/>
+          <a:p>
+            <a:r>
+              <a:rPr kumimoji="1" lang="ja-JP" altLang="en-US" dirty="0" smtClean="0">
+                <a:solidFill>
+                  <a:schemeClr val="tx1">
+                    <a:lumMod val="75000"/>
+                    <a:lumOff val="25000"/>
+                  </a:schemeClr>
+                </a:solidFill>
+              </a:rPr>
+              <a:t>データ作成　その３</a:t>
+            </a:r>
+            <a:endParaRPr kumimoji="1" lang="ja-JP" altLang="en-US" dirty="0">
+              <a:solidFill>
+                <a:schemeClr val="tx1">
+                  <a:lumMod val="75000"/>
+                  <a:lumOff val="25000"/>
+                </a:schemeClr>
+              </a:solidFill>
+            </a:endParaRPr>
+          </a:p>
+        </p:txBody>
+      </p:sp>
+      <p:sp>
+        <p:nvSpPr>
+          <p:cNvPr id="3" name="コンテンツ プレースホルダー 2"/>
+          <p:cNvSpPr>
+            <a:spLocks noGrp="1"/>
+          </p:cNvSpPr>
+          <p:nvPr>
+            <p:ph idx="1"/>
+          </p:nvPr>
+        </p:nvSpPr>
+        <p:spPr/>
+        <p:txBody>
+          <a:bodyPr/>
+          <a:lstStyle/>
+          <a:p>
+            <a:r>
+              <a:rPr kumimoji="1" lang="ja-JP" altLang="en-US" b="1" dirty="0" smtClean="0">
+                <a:solidFill>
+                  <a:schemeClr val="tx1">
+                    <a:lumMod val="75000"/>
+                    <a:lumOff val="25000"/>
+                  </a:schemeClr>
+                </a:solidFill>
+              </a:rPr>
+              <a:t>リクエストメソッドを</a:t>
+            </a:r>
+            <a:r>
+              <a:rPr kumimoji="1" lang="en-US" altLang="ja-JP" b="1" dirty="0" smtClean="0">
+                <a:solidFill>
+                  <a:schemeClr val="tx1">
+                    <a:lumMod val="75000"/>
+                    <a:lumOff val="25000"/>
+                  </a:schemeClr>
+                </a:solidFill>
+              </a:rPr>
+              <a:t>URL</a:t>
+            </a:r>
+            <a:r>
+              <a:rPr kumimoji="1" lang="ja-JP" altLang="en-US" b="1" dirty="0" smtClean="0">
+                <a:solidFill>
+                  <a:schemeClr val="tx1">
+                    <a:lumMod val="75000"/>
+                    <a:lumOff val="25000"/>
+                  </a:schemeClr>
+                </a:solidFill>
+              </a:rPr>
+              <a:t>エンコード</a:t>
+            </a:r>
+            <a:r>
+              <a:rPr kumimoji="1" lang="en-US" altLang="ja-JP" b="1" dirty="0" smtClean="0">
+                <a:solidFill>
+                  <a:schemeClr val="tx1">
+                    <a:lumMod val="75000"/>
+                    <a:lumOff val="25000"/>
+                  </a:schemeClr>
+                </a:solidFill>
+              </a:rPr>
+              <a:t/>
+            </a:r>
+            <a:br>
+              <a:rPr kumimoji="1" lang="en-US" altLang="ja-JP" b="1" dirty="0" smtClean="0">
+                <a:solidFill>
+                  <a:schemeClr val="tx1">
+                    <a:lumMod val="75000"/>
+                    <a:lumOff val="25000"/>
+                  </a:schemeClr>
+                </a:solidFill>
+              </a:rPr>
+            </a:br>
+            <a:r>
+              <a:rPr kumimoji="1" lang="ja-JP" altLang="en-US" dirty="0" smtClean="0">
+                <a:solidFill>
+                  <a:schemeClr val="tx1">
+                    <a:lumMod val="75000"/>
+                    <a:lumOff val="25000"/>
+                  </a:schemeClr>
+                </a:solidFill>
+              </a:rPr>
+              <a:t>今回は</a:t>
+            </a:r>
+            <a:r>
+              <a:rPr kumimoji="1" lang="en-US" altLang="ja-JP" dirty="0" smtClean="0">
+                <a:solidFill>
+                  <a:schemeClr val="tx1">
+                    <a:lumMod val="75000"/>
+                    <a:lumOff val="25000"/>
+                  </a:schemeClr>
+                </a:solidFill>
+              </a:rPr>
+              <a:t>POST</a:t>
+            </a:r>
+            <a:r>
+              <a:rPr kumimoji="1" lang="ja-JP" altLang="en-US" dirty="0" smtClean="0">
+                <a:solidFill>
+                  <a:schemeClr val="tx1">
+                    <a:lumMod val="75000"/>
+                    <a:lumOff val="25000"/>
+                  </a:schemeClr>
+                </a:solidFill>
+              </a:rPr>
+              <a:t>なので「</a:t>
+            </a:r>
+            <a:r>
+              <a:rPr kumimoji="1" lang="en-US" altLang="ja-JP" dirty="0" smtClean="0">
+                <a:solidFill>
+                  <a:schemeClr val="tx1">
+                    <a:lumMod val="75000"/>
+                    <a:lumOff val="25000"/>
+                  </a:schemeClr>
+                </a:solidFill>
+              </a:rPr>
+              <a:t>POST</a:t>
+            </a:r>
+            <a:r>
+              <a:rPr kumimoji="1" lang="ja-JP" altLang="en-US" dirty="0" smtClean="0">
+                <a:solidFill>
+                  <a:schemeClr val="tx1">
+                    <a:lumMod val="75000"/>
+                    <a:lumOff val="25000"/>
+                  </a:schemeClr>
+                </a:solidFill>
+              </a:rPr>
+              <a:t>」を</a:t>
+            </a:r>
+            <a:r>
+              <a:rPr kumimoji="1" lang="en-US" altLang="ja-JP" dirty="0" smtClean="0">
+                <a:solidFill>
+                  <a:schemeClr val="tx1">
+                    <a:lumMod val="75000"/>
+                    <a:lumOff val="25000"/>
+                  </a:schemeClr>
+                </a:solidFill>
+              </a:rPr>
+              <a:t>URL</a:t>
+            </a:r>
+            <a:r>
+              <a:rPr kumimoji="1" lang="ja-JP" altLang="en-US" dirty="0" smtClean="0">
+                <a:solidFill>
+                  <a:schemeClr val="tx1">
+                    <a:lumMod val="75000"/>
+                    <a:lumOff val="25000"/>
+                  </a:schemeClr>
+                </a:solidFill>
+              </a:rPr>
+              <a:t>エンコードします。</a:t>
+            </a:r>
+            <a:r>
+              <a:rPr lang="en-US" altLang="ja-JP" b="1" dirty="0" smtClean="0">
+                <a:solidFill>
+                  <a:schemeClr val="tx1">
+                    <a:lumMod val="75000"/>
+                    <a:lumOff val="25000"/>
+                  </a:schemeClr>
+                </a:solidFill>
+              </a:rPr>
+              <a:t/>
+            </a:r>
+            <a:br>
+              <a:rPr lang="en-US" altLang="ja-JP" b="1" dirty="0" smtClean="0">
+                <a:solidFill>
+                  <a:schemeClr val="tx1">
+                    <a:lumMod val="75000"/>
+                    <a:lumOff val="25000"/>
+                  </a:schemeClr>
+                </a:solidFill>
+              </a:rPr>
+            </a:br>
+            <a:endParaRPr lang="en-US" altLang="ja-JP" b="1" dirty="0" smtClean="0">
+              <a:solidFill>
+                <a:schemeClr val="tx1">
+                  <a:lumMod val="75000"/>
+                  <a:lumOff val="25000"/>
+                </a:schemeClr>
+              </a:solidFill>
+            </a:endParaRPr>
+          </a:p>
+          <a:p>
+            <a:r>
+              <a:rPr lang="ja-JP" altLang="en-US" dirty="0" smtClean="0">
+                <a:solidFill>
+                  <a:schemeClr val="tx1">
+                    <a:lumMod val="75000"/>
+                    <a:lumOff val="25000"/>
+                  </a:schemeClr>
+                </a:solidFill>
+              </a:rPr>
+              <a:t>「</a:t>
+            </a:r>
+            <a:r>
+              <a:rPr lang="en-US" altLang="ja-JP" dirty="0" smtClean="0">
+                <a:solidFill>
+                  <a:schemeClr val="tx1">
+                    <a:lumMod val="75000"/>
+                    <a:lumOff val="25000"/>
+                  </a:schemeClr>
+                </a:solidFill>
+              </a:rPr>
+              <a:t>POST</a:t>
+            </a:r>
+            <a:r>
+              <a:rPr lang="ja-JP" altLang="en-US" dirty="0" smtClean="0">
+                <a:solidFill>
+                  <a:schemeClr val="tx1">
+                    <a:lumMod val="75000"/>
+                    <a:lumOff val="25000"/>
+                  </a:schemeClr>
+                </a:solidFill>
+              </a:rPr>
+              <a:t>」をエンコード</a:t>
+            </a:r>
+            <a:r>
+              <a:rPr lang="en-US" altLang="ja-JP" dirty="0" smtClean="0">
+                <a:solidFill>
+                  <a:schemeClr val="tx1">
+                    <a:lumMod val="75000"/>
+                    <a:lumOff val="25000"/>
+                  </a:schemeClr>
+                </a:solidFill>
+              </a:rPr>
+              <a:t/>
+            </a:r>
+            <a:br>
+              <a:rPr lang="en-US" altLang="ja-JP" dirty="0" smtClean="0">
+                <a:solidFill>
+                  <a:schemeClr val="tx1">
+                    <a:lumMod val="75000"/>
+                    <a:lumOff val="25000"/>
+                  </a:schemeClr>
+                </a:solidFill>
+              </a:rPr>
+            </a:br>
+            <a:r>
+              <a:rPr lang="en-US" altLang="ja-JP" dirty="0">
+                <a:solidFill>
+                  <a:schemeClr val="tx1">
+                    <a:lumMod val="75000"/>
+                    <a:lumOff val="25000"/>
+                  </a:schemeClr>
+                </a:solidFill>
+              </a:rPr>
+              <a:t/>
+            </a:r>
+            <a:br>
+              <a:rPr lang="en-US" altLang="ja-JP" dirty="0">
+                <a:solidFill>
+                  <a:schemeClr val="tx1">
+                    <a:lumMod val="75000"/>
+                    <a:lumOff val="25000"/>
+                  </a:schemeClr>
+                </a:solidFill>
+              </a:rPr>
+            </a:br>
+            <a:r>
+              <a:rPr lang="ja-JP" altLang="en-US" dirty="0" smtClean="0">
+                <a:solidFill>
+                  <a:schemeClr val="tx1">
+                    <a:lumMod val="75000"/>
+                    <a:lumOff val="25000"/>
+                  </a:schemeClr>
+                </a:solidFill>
+              </a:rPr>
+              <a:t>した結果　「</a:t>
+            </a:r>
+            <a:r>
+              <a:rPr lang="en-US" altLang="ja-JP" b="1" dirty="0" smtClean="0">
+                <a:solidFill>
+                  <a:schemeClr val="tx1">
+                    <a:lumMod val="75000"/>
+                    <a:lumOff val="25000"/>
+                  </a:schemeClr>
+                </a:solidFill>
+              </a:rPr>
+              <a:t>POST</a:t>
+            </a:r>
+            <a:r>
+              <a:rPr lang="ja-JP" altLang="en-US" dirty="0" smtClean="0">
+                <a:solidFill>
+                  <a:schemeClr val="tx1">
+                    <a:lumMod val="75000"/>
+                    <a:lumOff val="25000"/>
+                  </a:schemeClr>
+                </a:solidFill>
+              </a:rPr>
+              <a:t>」ができる②</a:t>
+            </a:r>
+            <a:endParaRPr lang="en-US" altLang="ja-JP" dirty="0">
+              <a:solidFill>
+                <a:schemeClr val="tx1">
+                  <a:lumMod val="75000"/>
+                  <a:lumOff val="25000"/>
+                </a:schemeClr>
+              </a:solidFill>
+            </a:endParaRPr>
+          </a:p>
+        </p:txBody>
+      </p:sp>
+      <p:sp>
+        <p:nvSpPr>
+          <p:cNvPr id="4" name="スライド番号プレースホルダー 3"/>
+          <p:cNvSpPr>
+            <a:spLocks noGrp="1"/>
+          </p:cNvSpPr>
+          <p:nvPr>
+            <p:ph type="sldNum" sz="quarter" idx="12"/>
+          </p:nvPr>
+        </p:nvSpPr>
+        <p:spPr/>
+        <p:txBody>
+          <a:bodyPr/>
+          <a:lstStyle/>
+          <a:p>
+            <a:pPr algn="ctr"/>
+            <a:fld id="{CA23F248-F353-4F36-A746-B1953A38AE2D}" type="slidenum">
+              <a:rPr lang="ja-JP" altLang="en-US" smtClean="0"/>
+              <a:pPr algn="ctr"/>
+              <a:t>20</a:t>
+            </a:fld>
+            <a:endParaRPr lang="ja-JP" altLang="en-US" dirty="0"/>
+          </a:p>
+        </p:txBody>
+      </p:sp>
+    </p:spTree>
+    <p:extLst>
+      <p:ext uri="{BB962C8B-B14F-4D97-AF65-F5344CB8AC3E}">
+        <p14:creationId xmlns:p14="http://schemas.microsoft.com/office/powerpoint/2010/main" val="171209024"/>
+      </p:ext>
+    </p:extLst>
+  </p:cSld>
+  <p:clrMapOvr>
+    <a:masterClrMapping/>
+  </p:clrMapOvr>
+  <p:timing>
+    <p:tnLst>
+      <p:par>
+        <p:cTn id="1" dur="indefinite" restart="never" nodeType="tmRoot"/>
+      </p:par>
+    </p:tnLst>
+  </p:timing>
+</p:sld>
+</file>
+
+<file path=ppt/slides/slide21.xml><?xml version="1.0" encoding="utf-8"?>
+<p:sld xmlns:a="http://schemas.openxmlformats.org/drawingml/2006/main" xmlns:r="http://schemas.openxmlformats.org/officeDocument/2006/relationships" xmlns:p="http://schemas.openxmlformats.org/presentationml/2006/main">
+  <p:cSld>
+    <p:spTree>
+      <p:nvGrpSpPr>
+        <p:cNvPr id="1" name=""/>
+        <p:cNvGrpSpPr/>
+        <p:nvPr/>
+      </p:nvGrpSpPr>
+      <p:grpSpPr>
+        <a:xfrm>
+          <a:off x="0" y="0"/>
+          <a:ext cx="0" cy="0"/>
+          <a:chOff x="0" y="0"/>
+          <a:chExt cx="0" cy="0"/>
+        </a:xfrm>
+      </p:grpSpPr>
+      <p:sp>
+        <p:nvSpPr>
+          <p:cNvPr id="2" name="タイトル 1"/>
+          <p:cNvSpPr>
+            <a:spLocks noGrp="1"/>
+          </p:cNvSpPr>
+          <p:nvPr>
+            <p:ph type="title"/>
+          </p:nvPr>
+        </p:nvSpPr>
+        <p:spPr/>
+        <p:txBody>
+          <a:bodyPr/>
+          <a:lstStyle/>
+          <a:p>
+            <a:r>
+              <a:rPr lang="ja-JP" altLang="en-US" dirty="0" smtClean="0">
+                <a:solidFill>
+                  <a:schemeClr val="tx1">
+                    <a:lumMod val="75000"/>
+                    <a:lumOff val="25000"/>
+                  </a:schemeClr>
+                </a:solidFill>
+              </a:rPr>
+              <a:t>データ作成　その４</a:t>
+            </a:r>
+            <a:endParaRPr kumimoji="1" lang="ja-JP" altLang="en-US" dirty="0">
+              <a:solidFill>
+                <a:schemeClr val="tx1">
+                  <a:lumMod val="75000"/>
+                  <a:lumOff val="25000"/>
+                </a:schemeClr>
+              </a:solidFill>
+            </a:endParaRPr>
+          </a:p>
+        </p:txBody>
+      </p:sp>
+      <p:sp>
+        <p:nvSpPr>
+          <p:cNvPr id="3" name="コンテンツ プレースホルダー 2"/>
+          <p:cNvSpPr>
+            <a:spLocks noGrp="1"/>
+          </p:cNvSpPr>
+          <p:nvPr>
+            <p:ph idx="1"/>
+          </p:nvPr>
+        </p:nvSpPr>
+        <p:spPr/>
+        <p:txBody>
+          <a:bodyPr/>
+          <a:lstStyle/>
+          <a:p>
+            <a:r>
+              <a:rPr kumimoji="1" lang="ja-JP" altLang="en-US" dirty="0" smtClean="0">
+                <a:solidFill>
+                  <a:schemeClr val="tx1">
+                    <a:lumMod val="75000"/>
+                    <a:lumOff val="25000"/>
+                  </a:schemeClr>
+                </a:solidFill>
+              </a:rPr>
+              <a:t>リクエスト</a:t>
+            </a:r>
+            <a:r>
+              <a:rPr kumimoji="1" lang="en-US" altLang="ja-JP" dirty="0" smtClean="0">
+                <a:solidFill>
+                  <a:schemeClr val="tx1">
+                    <a:lumMod val="75000"/>
+                    <a:lumOff val="25000"/>
+                  </a:schemeClr>
+                </a:solidFill>
+              </a:rPr>
+              <a:t>URL</a:t>
+            </a:r>
+            <a:r>
+              <a:rPr kumimoji="1" lang="ja-JP" altLang="en-US" dirty="0" smtClean="0">
+                <a:solidFill>
+                  <a:schemeClr val="tx1">
+                    <a:lumMod val="75000"/>
+                    <a:lumOff val="25000"/>
+                  </a:schemeClr>
+                </a:solidFill>
+              </a:rPr>
+              <a:t>を</a:t>
+            </a:r>
+            <a:r>
+              <a:rPr kumimoji="1" lang="en-US" altLang="ja-JP" dirty="0" smtClean="0">
+                <a:solidFill>
+                  <a:schemeClr val="tx1">
+                    <a:lumMod val="75000"/>
+                    <a:lumOff val="25000"/>
+                  </a:schemeClr>
+                </a:solidFill>
+              </a:rPr>
+              <a:t>URL</a:t>
+            </a:r>
+            <a:r>
+              <a:rPr kumimoji="1" lang="ja-JP" altLang="en-US" dirty="0" smtClean="0">
+                <a:solidFill>
+                  <a:schemeClr val="tx1">
+                    <a:lumMod val="75000"/>
+                    <a:lumOff val="25000"/>
+                  </a:schemeClr>
+                </a:solidFill>
+              </a:rPr>
+              <a:t>エンコード</a:t>
+            </a:r>
+            <a:r>
+              <a:rPr kumimoji="1" lang="en-US" altLang="ja-JP" dirty="0" smtClean="0">
+                <a:solidFill>
+                  <a:schemeClr val="tx1">
+                    <a:lumMod val="75000"/>
+                    <a:lumOff val="25000"/>
+                  </a:schemeClr>
+                </a:solidFill>
+              </a:rPr>
+              <a:t/>
+            </a:r>
+            <a:br>
+              <a:rPr kumimoji="1" lang="en-US" altLang="ja-JP" dirty="0" smtClean="0">
+                <a:solidFill>
+                  <a:schemeClr val="tx1">
+                    <a:lumMod val="75000"/>
+                    <a:lumOff val="25000"/>
+                  </a:schemeClr>
+                </a:solidFill>
+              </a:rPr>
+            </a:br>
+            <a:r>
+              <a:rPr kumimoji="1" lang="ja-JP" altLang="en-US" dirty="0" smtClean="0">
+                <a:solidFill>
+                  <a:schemeClr val="tx1">
+                    <a:lumMod val="75000"/>
+                    <a:lumOff val="25000"/>
+                  </a:schemeClr>
+                </a:solidFill>
+              </a:rPr>
+              <a:t>今回は</a:t>
+            </a:r>
+            <a:r>
+              <a:rPr kumimoji="1" lang="ja-JP" altLang="en-US" sz="2800" dirty="0" smtClean="0">
+                <a:solidFill>
+                  <a:schemeClr val="tx1">
+                    <a:lumMod val="75000"/>
+                    <a:lumOff val="25000"/>
+                  </a:schemeClr>
+                </a:solidFill>
+              </a:rPr>
+              <a:t>「</a:t>
+            </a:r>
+            <a:r>
+              <a:rPr lang="en-US" altLang="ja-JP" sz="2800" dirty="0">
+                <a:solidFill>
+                  <a:schemeClr val="tx1">
+                    <a:lumMod val="75000"/>
+                    <a:lumOff val="25000"/>
+                  </a:schemeClr>
+                </a:solidFill>
+              </a:rPr>
+              <a:t> </a:t>
+            </a:r>
+            <a:r>
+              <a:rPr lang="en-US" altLang="ja-JP" sz="2800" dirty="0">
+                <a:solidFill>
+                  <a:schemeClr val="tx1">
+                    <a:lumMod val="75000"/>
+                    <a:lumOff val="25000"/>
+                  </a:schemeClr>
+                </a:solidFill>
+                <a:hlinkClick r:id="rId2"/>
+              </a:rPr>
+              <a:t>http://</a:t>
+            </a:r>
+            <a:r>
+              <a:rPr lang="en-US" altLang="ja-JP" sz="2800" dirty="0" smtClean="0">
+                <a:solidFill>
+                  <a:schemeClr val="tx1">
+                    <a:lumMod val="75000"/>
+                    <a:lumOff val="25000"/>
+                  </a:schemeClr>
+                </a:solidFill>
+                <a:hlinkClick r:id="rId2"/>
+              </a:rPr>
+              <a:t>localhost:3000/home/create</a:t>
+            </a:r>
+            <a:r>
+              <a:rPr lang="ja-JP" altLang="en-US" sz="2800" dirty="0" smtClean="0">
+                <a:solidFill>
+                  <a:schemeClr val="tx1">
+                    <a:lumMod val="75000"/>
+                    <a:lumOff val="25000"/>
+                  </a:schemeClr>
+                </a:solidFill>
+              </a:rPr>
+              <a:t>」</a:t>
+            </a:r>
+            <a:r>
+              <a:rPr lang="en-US" altLang="ja-JP" sz="2800" dirty="0" smtClean="0">
+                <a:solidFill>
+                  <a:schemeClr val="tx1">
+                    <a:lumMod val="75000"/>
+                    <a:lumOff val="25000"/>
+                  </a:schemeClr>
+                </a:solidFill>
+              </a:rPr>
+              <a:t/>
+            </a:r>
+            <a:br>
+              <a:rPr lang="en-US" altLang="ja-JP" sz="2800" dirty="0" smtClean="0">
+                <a:solidFill>
+                  <a:schemeClr val="tx1">
+                    <a:lumMod val="75000"/>
+                    <a:lumOff val="25000"/>
+                  </a:schemeClr>
+                </a:solidFill>
+              </a:rPr>
+            </a:br>
+            <a:r>
+              <a:rPr lang="en-US" altLang="ja-JP" sz="2800" dirty="0" smtClean="0">
+                <a:solidFill>
+                  <a:schemeClr val="tx1">
+                    <a:lumMod val="75000"/>
+                    <a:lumOff val="25000"/>
+                  </a:schemeClr>
+                </a:solidFill>
+              </a:rPr>
+              <a:t/>
+            </a:r>
+            <a:br>
+              <a:rPr lang="en-US" altLang="ja-JP" sz="2800" dirty="0" smtClean="0">
+                <a:solidFill>
+                  <a:schemeClr val="tx1">
+                    <a:lumMod val="75000"/>
+                    <a:lumOff val="25000"/>
+                  </a:schemeClr>
+                </a:solidFill>
+              </a:rPr>
+            </a:br>
+            <a:r>
+              <a:rPr lang="en-US" altLang="ja-JP" sz="2800" dirty="0" smtClean="0">
+                <a:solidFill>
+                  <a:schemeClr val="tx1">
+                    <a:lumMod val="75000"/>
+                    <a:lumOff val="25000"/>
+                  </a:schemeClr>
+                </a:solidFill>
+              </a:rPr>
+              <a:t>                          </a:t>
+            </a:r>
+            <a:r>
+              <a:rPr lang="en-US" altLang="ja-JP" sz="2800" dirty="0" smtClean="0">
+                <a:solidFill>
+                  <a:schemeClr val="tx2"/>
+                </a:solidFill>
+              </a:rPr>
+              <a:t>URL</a:t>
+            </a:r>
+            <a:r>
+              <a:rPr lang="ja-JP" altLang="en-US" sz="2800" dirty="0" smtClean="0">
+                <a:solidFill>
+                  <a:schemeClr val="tx2"/>
+                </a:solidFill>
+              </a:rPr>
+              <a:t>エンコード</a:t>
+            </a:r>
+            <a:r>
+              <a:rPr lang="en-US" altLang="ja-JP" sz="2800" dirty="0" smtClean="0">
+                <a:solidFill>
+                  <a:schemeClr val="tx1">
+                    <a:lumMod val="75000"/>
+                    <a:lumOff val="25000"/>
+                  </a:schemeClr>
+                </a:solidFill>
+              </a:rPr>
+              <a:t/>
+            </a:r>
+            <a:br>
+              <a:rPr lang="en-US" altLang="ja-JP" sz="2800" dirty="0" smtClean="0">
+                <a:solidFill>
+                  <a:schemeClr val="tx1">
+                    <a:lumMod val="75000"/>
+                    <a:lumOff val="25000"/>
+                  </a:schemeClr>
+                </a:solidFill>
+              </a:rPr>
+            </a:br>
+            <a:r>
+              <a:rPr lang="en-US" altLang="ja-JP" sz="2800" dirty="0" smtClean="0">
+                <a:solidFill>
+                  <a:schemeClr val="tx1">
+                    <a:lumMod val="75000"/>
+                    <a:lumOff val="25000"/>
+                  </a:schemeClr>
+                </a:solidFill>
+              </a:rPr>
+              <a:t/>
+            </a:r>
+            <a:br>
+              <a:rPr lang="en-US" altLang="ja-JP" sz="2800" dirty="0" smtClean="0">
+                <a:solidFill>
+                  <a:schemeClr val="tx1">
+                    <a:lumMod val="75000"/>
+                    <a:lumOff val="25000"/>
+                  </a:schemeClr>
+                </a:solidFill>
+              </a:rPr>
+            </a:br>
+            <a:r>
+              <a:rPr lang="en-US" altLang="ja-JP" sz="2800" dirty="0" smtClean="0"/>
+              <a:t> </a:t>
+            </a:r>
+            <a:r>
+              <a:rPr lang="en-US" altLang="ja-JP" sz="2800" b="1" dirty="0" smtClean="0"/>
+              <a:t>http%3A%2F%2Flocalhost%3A3000%2Fhome%2Fcreate </a:t>
+            </a:r>
+            <a:r>
+              <a:rPr lang="ja-JP" altLang="en-US" sz="2800" b="1" dirty="0" smtClean="0"/>
+              <a:t>・・・③</a:t>
+            </a:r>
+            <a:endParaRPr lang="en-US" altLang="ja-JP" sz="2800" b="1" dirty="0" smtClean="0">
+              <a:solidFill>
+                <a:schemeClr val="tx1">
+                  <a:lumMod val="75000"/>
+                  <a:lumOff val="25000"/>
+                </a:schemeClr>
+              </a:solidFill>
+            </a:endParaRPr>
+          </a:p>
+          <a:p>
+            <a:endParaRPr kumimoji="1" lang="en-US" altLang="ja-JP" dirty="0" smtClean="0">
+              <a:solidFill>
+                <a:schemeClr val="tx1">
+                  <a:lumMod val="75000"/>
+                  <a:lumOff val="25000"/>
+                </a:schemeClr>
+              </a:solidFill>
+            </a:endParaRPr>
+          </a:p>
+          <a:p>
+            <a:endParaRPr kumimoji="1" lang="ja-JP" altLang="en-US" dirty="0">
+              <a:solidFill>
+                <a:schemeClr val="tx1">
+                  <a:lumMod val="75000"/>
+                  <a:lumOff val="25000"/>
+                </a:schemeClr>
+              </a:solidFill>
+            </a:endParaRPr>
+          </a:p>
+        </p:txBody>
+      </p:sp>
+      <p:sp>
+        <p:nvSpPr>
+          <p:cNvPr id="4" name="スライド番号プレースホルダー 3"/>
+          <p:cNvSpPr>
+            <a:spLocks noGrp="1"/>
+          </p:cNvSpPr>
+          <p:nvPr>
+            <p:ph type="sldNum" sz="quarter" idx="12"/>
+          </p:nvPr>
+        </p:nvSpPr>
+        <p:spPr/>
+        <p:txBody>
+          <a:bodyPr/>
+          <a:lstStyle/>
+          <a:p>
+            <a:pPr algn="ctr"/>
+            <a:fld id="{CA23F248-F353-4F36-A746-B1953A38AE2D}" type="slidenum">
+              <a:rPr lang="ja-JP" altLang="en-US" smtClean="0"/>
+              <a:pPr algn="ctr"/>
+              <a:t>21</a:t>
+            </a:fld>
+            <a:endParaRPr lang="ja-JP" altLang="en-US" dirty="0"/>
+          </a:p>
+        </p:txBody>
+      </p:sp>
+      <p:sp>
+        <p:nvSpPr>
+          <p:cNvPr id="5" name="下矢印 4"/>
+          <p:cNvSpPr/>
+          <p:nvPr/>
+        </p:nvSpPr>
+        <p:spPr>
+          <a:xfrm>
+            <a:off x="2915816" y="3212976"/>
+            <a:ext cx="504056" cy="1440160"/>
+          </a:xfrm>
+          <a:prstGeom prst="downArrow">
+            <a:avLst/>
+          </a:prstGeom>
+        </p:spPr>
+        <p:style>
+          <a:lnRef idx="2">
+            <a:schemeClr val="accent1">
+              <a:shade val="50000"/>
+            </a:schemeClr>
+          </a:lnRef>
+          <a:fillRef idx="1">
+            <a:schemeClr val="accent1"/>
+          </a:fillRef>
+          <a:effectRef idx="0">
+            <a:schemeClr val="accent1"/>
+          </a:effectRef>
+          <a:fontRef idx="minor">
+            <a:schemeClr val="lt1"/>
+          </a:fontRef>
+        </p:style>
+        <p:txBody>
+          <a:bodyPr rtlCol="0" anchor="ctr"/>
+          <a:lstStyle/>
+          <a:p>
+            <a:pPr algn="ctr"/>
+            <a:endParaRPr kumimoji="1" lang="ja-JP" altLang="en-US"/>
+          </a:p>
+        </p:txBody>
+      </p:sp>
+    </p:spTree>
+    <p:extLst>
+      <p:ext uri="{BB962C8B-B14F-4D97-AF65-F5344CB8AC3E}">
+        <p14:creationId xmlns:p14="http://schemas.microsoft.com/office/powerpoint/2010/main" val="800382203"/>
+      </p:ext>
+    </p:extLst>
+  </p:cSld>
+  <p:clrMapOvr>
+    <a:masterClrMapping/>
+  </p:clrMapOvr>
+  <p:timing>
+    <p:tnLst>
+      <p:par>
+        <p:cTn id="1" dur="indefinite" restart="never" nodeType="tmRoot"/>
+      </p:par>
+    </p:tnLst>
+  </p:timing>
+</p:sld>
+</file>
+
+<file path=ppt/slides/slide22.xml><?xml version="1.0" encoding="utf-8"?>
+<p:sld xmlns:a="http://schemas.openxmlformats.org/drawingml/2006/main" xmlns:r="http://schemas.openxmlformats.org/officeDocument/2006/relationships" xmlns:p="http://schemas.openxmlformats.org/presentationml/2006/main">
+  <p:cSld>
+    <p:spTree>
+      <p:nvGrpSpPr>
+        <p:cNvPr id="1" name=""/>
+        <p:cNvGrpSpPr/>
+        <p:nvPr/>
+      </p:nvGrpSpPr>
+      <p:grpSpPr>
+        <a:xfrm>
+          <a:off x="0" y="0"/>
+          <a:ext cx="0" cy="0"/>
+          <a:chOff x="0" y="0"/>
+          <a:chExt cx="0" cy="0"/>
+        </a:xfrm>
+      </p:grpSpPr>
+      <p:sp>
+        <p:nvSpPr>
+          <p:cNvPr id="2" name="タイトル 1"/>
+          <p:cNvSpPr>
+            <a:spLocks noGrp="1"/>
+          </p:cNvSpPr>
+          <p:nvPr>
+            <p:ph type="title"/>
+          </p:nvPr>
+        </p:nvSpPr>
+        <p:spPr/>
+        <p:txBody>
+          <a:bodyPr/>
+          <a:lstStyle/>
+          <a:p>
+            <a:r>
+              <a:rPr kumimoji="1" lang="ja-JP" altLang="en-US" dirty="0" smtClean="0"/>
+              <a:t>データの作成　その５</a:t>
+            </a:r>
+            <a:endParaRPr kumimoji="1" lang="ja-JP" altLang="en-US" dirty="0"/>
+          </a:p>
+        </p:txBody>
+      </p:sp>
+      <p:sp>
+        <p:nvSpPr>
+          <p:cNvPr id="3" name="コンテンツ プレースホルダー 2"/>
+          <p:cNvSpPr>
+            <a:spLocks noGrp="1"/>
+          </p:cNvSpPr>
+          <p:nvPr>
+            <p:ph idx="1"/>
+          </p:nvPr>
+        </p:nvSpPr>
+        <p:spPr/>
+        <p:txBody>
+          <a:bodyPr/>
+          <a:lstStyle/>
+          <a:p>
+            <a:r>
+              <a:rPr kumimoji="1" lang="ja-JP" altLang="en-US" b="1" dirty="0" smtClean="0">
+                <a:solidFill>
+                  <a:schemeClr val="tx1">
+                    <a:lumMod val="75000"/>
+                    <a:lumOff val="25000"/>
+                  </a:schemeClr>
+                </a:solidFill>
+              </a:rPr>
+              <a:t>②、③、①の順で＆で繋ぐ</a:t>
+            </a:r>
+            <a:endParaRPr kumimoji="1" lang="ja-JP" altLang="en-US" b="1" dirty="0">
+              <a:solidFill>
+                <a:schemeClr val="tx1">
+                  <a:lumMod val="75000"/>
+                  <a:lumOff val="25000"/>
+                </a:schemeClr>
+              </a:solidFill>
+            </a:endParaRPr>
+          </a:p>
+        </p:txBody>
+      </p:sp>
+      <p:sp>
+        <p:nvSpPr>
+          <p:cNvPr id="4" name="スライド番号プレースホルダー 3"/>
+          <p:cNvSpPr>
+            <a:spLocks noGrp="1"/>
+          </p:cNvSpPr>
+          <p:nvPr>
+            <p:ph type="sldNum" sz="quarter" idx="12"/>
+          </p:nvPr>
+        </p:nvSpPr>
+        <p:spPr/>
+        <p:txBody>
+          <a:bodyPr/>
+          <a:lstStyle/>
+          <a:p>
+            <a:pPr algn="ctr"/>
+            <a:fld id="{CA23F248-F353-4F36-A746-B1953A38AE2D}" type="slidenum">
+              <a:rPr lang="ja-JP" altLang="en-US" smtClean="0"/>
+              <a:pPr algn="ctr"/>
+              <a:t>22</a:t>
+            </a:fld>
+            <a:endParaRPr lang="ja-JP" altLang="en-US" dirty="0"/>
+          </a:p>
+        </p:txBody>
+      </p:sp>
+    </p:spTree>
+    <p:extLst>
+      <p:ext uri="{BB962C8B-B14F-4D97-AF65-F5344CB8AC3E}">
+        <p14:creationId xmlns:p14="http://schemas.microsoft.com/office/powerpoint/2010/main" val="1630083136"/>
+      </p:ext>
+    </p:extLst>
+  </p:cSld>
+  <p:clrMapOvr>
+    <a:masterClrMapping/>
+  </p:clrMapOvr>
+  <p:timing>
+    <p:tnLst>
+      <p:par>
+        <p:cTn id="1" dur="indefinite" restart="never" nodeType="tmRoot"/>
+      </p:par>
+    </p:tnLst>
+  </p:timing>
+</p:sld>
+</file>
+
+<file path=ppt/slides/slide23.xml><?xml version="1.0" encoding="utf-8"?>
+<p:sld xmlns:a="http://schemas.openxmlformats.org/drawingml/2006/main" xmlns:r="http://schemas.openxmlformats.org/officeDocument/2006/relationships" xmlns:p="http://schemas.openxmlformats.org/presentationml/2006/main">
+  <p:cSld>
+    <p:spTree>
+      <p:nvGrpSpPr>
+        <p:cNvPr id="1" name=""/>
+        <p:cNvGrpSpPr/>
+        <p:nvPr/>
+      </p:nvGrpSpPr>
+      <p:grpSpPr>
+        <a:xfrm>
+          <a:off x="0" y="0"/>
+          <a:ext cx="0" cy="0"/>
+          <a:chOff x="0" y="0"/>
+          <a:chExt cx="0" cy="0"/>
+        </a:xfrm>
+      </p:grpSpPr>
+      <p:sp>
+        <p:nvSpPr>
+          <p:cNvPr id="2" name="タイトル 1"/>
+          <p:cNvSpPr>
+            <a:spLocks noGrp="1"/>
+          </p:cNvSpPr>
+          <p:nvPr>
+            <p:ph type="title"/>
+          </p:nvPr>
+        </p:nvSpPr>
+        <p:spPr/>
+        <p:txBody>
+          <a:bodyPr/>
+          <a:lstStyle/>
+          <a:p>
+            <a:r>
+              <a:rPr kumimoji="1" lang="ja-JP" altLang="en-US" dirty="0" smtClean="0">
+                <a:solidFill>
+                  <a:schemeClr val="tx1">
+                    <a:lumMod val="75000"/>
+                    <a:lumOff val="25000"/>
+                  </a:schemeClr>
+                </a:solidFill>
+              </a:rPr>
+              <a:t>その５で完成したもの</a:t>
+            </a:r>
+            <a:endParaRPr kumimoji="1" lang="ja-JP" altLang="en-US" dirty="0">
+              <a:solidFill>
+                <a:schemeClr val="tx1">
+                  <a:lumMod val="75000"/>
+                  <a:lumOff val="25000"/>
+                </a:schemeClr>
+              </a:solidFill>
+            </a:endParaRPr>
+          </a:p>
+        </p:txBody>
+      </p:sp>
+      <p:sp>
+        <p:nvSpPr>
+          <p:cNvPr id="3" name="コンテンツ プレースホルダー 2"/>
+          <p:cNvSpPr>
+            <a:spLocks noGrp="1"/>
+          </p:cNvSpPr>
+          <p:nvPr>
+            <p:ph idx="1"/>
+          </p:nvPr>
+        </p:nvSpPr>
+        <p:spPr/>
+        <p:txBody>
+          <a:bodyPr>
+            <a:normAutofit fontScale="70000" lnSpcReduction="20000"/>
+          </a:bodyPr>
+          <a:lstStyle/>
+          <a:p>
+            <a:r>
+              <a:rPr lang="en-US" altLang="ja-JP" dirty="0"/>
+              <a:t>POST&amp;http%3A%2F%2Flocalhost%3A3000%2Fhome%2Fcreate&amp;context_id%3D475f296c3f%26context_title%3DHippo%2520200%26launch_presentation_return_url%3Dhttps%253A%252F%252Flearn-lti.herokuapp.com%252Ftool_return%252Fsignature_check%252F0%252F3189%26lis_person_name_full%3DSahar%2520Johnson%26lti_message_type%3Dbasic-lti-launch-request%26lti_version%3DLTI-1p0%26oauth_consumer_key%3D10d104e8235bdce66706706f3adc3f64%26oauth_nonce%3D%26oauth_signature_method%3DHMAC-SHA1%26oauth_timestamp%3D1538673102%26oauth_version%3D1.0%26resource_link_id%3D1aa0b00b62%26roles%3Durn%253Alti%253Ainstrole%253Aims%252Flis%252Fobserver%26tool_consumer_instance_name%3DHippo%2520212%26user_id%3Df83712a18e</a:t>
+            </a:r>
+          </a:p>
+        </p:txBody>
+      </p:sp>
+      <p:sp>
+        <p:nvSpPr>
+          <p:cNvPr id="4" name="スライド番号プレースホルダー 3"/>
+          <p:cNvSpPr>
+            <a:spLocks noGrp="1"/>
+          </p:cNvSpPr>
+          <p:nvPr>
+            <p:ph type="sldNum" sz="quarter" idx="12"/>
+          </p:nvPr>
+        </p:nvSpPr>
+        <p:spPr/>
+        <p:txBody>
+          <a:bodyPr/>
+          <a:lstStyle/>
+          <a:p>
+            <a:pPr algn="ctr"/>
+            <a:fld id="{CA23F248-F353-4F36-A746-B1953A38AE2D}" type="slidenum">
+              <a:rPr lang="ja-JP" altLang="en-US" smtClean="0"/>
+              <a:pPr algn="ctr"/>
+              <a:t>23</a:t>
+            </a:fld>
+            <a:endParaRPr lang="ja-JP" altLang="en-US" dirty="0"/>
+          </a:p>
+        </p:txBody>
+      </p:sp>
+    </p:spTree>
+    <p:extLst>
+      <p:ext uri="{BB962C8B-B14F-4D97-AF65-F5344CB8AC3E}">
+        <p14:creationId xmlns:p14="http://schemas.microsoft.com/office/powerpoint/2010/main" val="699106297"/>
+      </p:ext>
+    </p:extLst>
+  </p:cSld>
+  <p:clrMapOvr>
+    <a:masterClrMapping/>
+  </p:clrMapOvr>
+  <p:timing>
+    <p:tnLst>
+      <p:par>
+        <p:cTn id="1" dur="indefinite" restart="never" nodeType="tmRoot"/>
+      </p:par>
+    </p:tnLst>
+  </p:timing>
+</p:sld>
+</file>
+
+<file path=ppt/slides/slide24.xml><?xml version="1.0" encoding="utf-8"?>
+<p:sld xmlns:a="http://schemas.openxmlformats.org/drawingml/2006/main" xmlns:r="http://schemas.openxmlformats.org/officeDocument/2006/relationships" xmlns:p="http://schemas.openxmlformats.org/presentationml/2006/main">
+  <p:cSld>
+    <p:spTree>
+      <p:nvGrpSpPr>
+        <p:cNvPr id="1" name=""/>
+        <p:cNvGrpSpPr/>
+        <p:nvPr/>
+      </p:nvGrpSpPr>
+      <p:grpSpPr>
+        <a:xfrm>
+          <a:off x="0" y="0"/>
+          <a:ext cx="0" cy="0"/>
+          <a:chOff x="0" y="0"/>
+          <a:chExt cx="0" cy="0"/>
+        </a:xfrm>
+      </p:grpSpPr>
+      <p:sp>
+        <p:nvSpPr>
+          <p:cNvPr id="2" name="タイトル 1"/>
+          <p:cNvSpPr>
+            <a:spLocks noGrp="1"/>
+          </p:cNvSpPr>
+          <p:nvPr>
+            <p:ph type="title"/>
+          </p:nvPr>
+        </p:nvSpPr>
+        <p:spPr/>
+        <p:txBody>
+          <a:bodyPr/>
+          <a:lstStyle/>
+          <a:p>
+            <a:r>
+              <a:rPr kumimoji="1" lang="ja-JP" altLang="en-US" dirty="0" smtClean="0">
+                <a:solidFill>
+                  <a:schemeClr val="tx1">
+                    <a:lumMod val="75000"/>
+                    <a:lumOff val="25000"/>
+                  </a:schemeClr>
+                </a:solidFill>
+              </a:rPr>
+              <a:t>キーとデータを署名に変換</a:t>
+            </a:r>
+            <a:endParaRPr kumimoji="1" lang="ja-JP" altLang="en-US" dirty="0">
+              <a:solidFill>
+                <a:schemeClr val="tx1">
+                  <a:lumMod val="75000"/>
+                  <a:lumOff val="25000"/>
+                </a:schemeClr>
+              </a:solidFill>
+            </a:endParaRPr>
+          </a:p>
+        </p:txBody>
+      </p:sp>
+      <p:sp>
+        <p:nvSpPr>
+          <p:cNvPr id="3" name="コンテンツ プレースホルダー 2"/>
+          <p:cNvSpPr>
+            <a:spLocks noGrp="1"/>
+          </p:cNvSpPr>
+          <p:nvPr>
+            <p:ph idx="1"/>
+          </p:nvPr>
+        </p:nvSpPr>
+        <p:spPr/>
+        <p:txBody>
+          <a:bodyPr/>
+          <a:lstStyle/>
+          <a:p>
+            <a:pPr marL="514350" indent="-514350">
+              <a:buFont typeface="+mj-lt"/>
+              <a:buAutoNum type="arabicPeriod"/>
+            </a:pPr>
+            <a:r>
+              <a:rPr kumimoji="1" lang="ja-JP" altLang="en-US" dirty="0" smtClean="0"/>
+              <a:t>「キー」と「データ」を用いて、</a:t>
+            </a:r>
+            <a:r>
+              <a:rPr kumimoji="1" lang="en-US" altLang="ja-JP" dirty="0" smtClean="0"/>
+              <a:t>HMAC</a:t>
+            </a:r>
+            <a:r>
+              <a:rPr kumimoji="1" lang="ja-JP" altLang="en-US" dirty="0" smtClean="0"/>
+              <a:t>ー</a:t>
+            </a:r>
+            <a:r>
+              <a:rPr kumimoji="1" lang="en-US" altLang="ja-JP" dirty="0" smtClean="0"/>
+              <a:t>SHA1</a:t>
+            </a:r>
+            <a:r>
+              <a:rPr kumimoji="1" lang="ja-JP" altLang="en-US" dirty="0" smtClean="0"/>
+              <a:t>方式のハッシュ値を生成。</a:t>
+            </a:r>
+            <a:r>
+              <a:rPr kumimoji="1" lang="en-US" altLang="ja-JP" dirty="0" smtClean="0"/>
+              <a:t/>
+            </a:r>
+            <a:br>
+              <a:rPr kumimoji="1" lang="en-US" altLang="ja-JP" dirty="0" smtClean="0"/>
+            </a:br>
+            <a:endParaRPr lang="en-US" altLang="ja-JP" dirty="0" smtClean="0"/>
+          </a:p>
+          <a:p>
+            <a:pPr marL="514350" indent="-514350">
+              <a:buFont typeface="+mj-lt"/>
+              <a:buAutoNum type="arabicPeriod"/>
+            </a:pPr>
+            <a:r>
+              <a:rPr kumimoji="1" lang="ja-JP" altLang="en-US" dirty="0" smtClean="0"/>
+              <a:t>ハッシュ値を</a:t>
+            </a:r>
+            <a:r>
+              <a:rPr kumimoji="1" lang="en-US" altLang="ja-JP" dirty="0" smtClean="0"/>
+              <a:t>base64</a:t>
+            </a:r>
+            <a:r>
+              <a:rPr lang="ja-JP" altLang="en-US" dirty="0" smtClean="0"/>
+              <a:t>エンコード</a:t>
+            </a:r>
+            <a:r>
+              <a:rPr lang="en-US" altLang="ja-JP" dirty="0"/>
+              <a:t/>
+            </a:r>
+            <a:br>
+              <a:rPr lang="en-US" altLang="ja-JP" dirty="0"/>
+            </a:br>
+            <a:r>
+              <a:rPr lang="en-US" altLang="ja-JP" dirty="0" smtClean="0"/>
+              <a:t/>
+            </a:r>
+            <a:br>
+              <a:rPr lang="en-US" altLang="ja-JP" dirty="0" smtClean="0"/>
+            </a:br>
+            <a:r>
+              <a:rPr lang="ja-JP" altLang="en-US" dirty="0" smtClean="0"/>
+              <a:t>今回は１と２をコマンドライン上で実行</a:t>
+            </a:r>
+            <a:endParaRPr kumimoji="1" lang="en-US" altLang="ja-JP" dirty="0" smtClean="0"/>
+          </a:p>
+        </p:txBody>
+      </p:sp>
+      <p:sp>
+        <p:nvSpPr>
+          <p:cNvPr id="4" name="スライド番号プレースホルダー 3"/>
+          <p:cNvSpPr>
+            <a:spLocks noGrp="1"/>
+          </p:cNvSpPr>
+          <p:nvPr>
+            <p:ph type="sldNum" sz="quarter" idx="12"/>
+          </p:nvPr>
+        </p:nvSpPr>
+        <p:spPr/>
+        <p:txBody>
+          <a:bodyPr/>
+          <a:lstStyle/>
+          <a:p>
+            <a:pPr algn="ctr"/>
+            <a:fld id="{CA23F248-F353-4F36-A746-B1953A38AE2D}" type="slidenum">
+              <a:rPr lang="ja-JP" altLang="en-US" smtClean="0"/>
+              <a:pPr algn="ctr"/>
+              <a:t>24</a:t>
+            </a:fld>
+            <a:endParaRPr lang="ja-JP" altLang="en-US" dirty="0"/>
+          </a:p>
+        </p:txBody>
+      </p:sp>
+    </p:spTree>
+    <p:extLst>
+      <p:ext uri="{BB962C8B-B14F-4D97-AF65-F5344CB8AC3E}">
+        <p14:creationId xmlns:p14="http://schemas.microsoft.com/office/powerpoint/2010/main" val="306241887"/>
+      </p:ext>
+    </p:extLst>
+  </p:cSld>
+  <p:clrMapOvr>
+    <a:masterClrMapping/>
+  </p:clrMapOvr>
+  <p:timing>
+    <p:tnLst>
+      <p:par>
+        <p:cTn id="1" dur="indefinite" restart="never" nodeType="tmRoot"/>
+      </p:par>
+    </p:tnLst>
+  </p:timing>
+</p:sld>
+</file>
+
+<file path=ppt/slides/slide25.xml><?xml version="1.0" encoding="utf-8"?>
+<p:sld xmlns:a="http://schemas.openxmlformats.org/drawingml/2006/main" xmlns:r="http://schemas.openxmlformats.org/officeDocument/2006/relationships" xmlns:p="http://schemas.openxmlformats.org/presentationml/2006/main">
+  <p:cSld>
+    <p:spTree>
+      <p:nvGrpSpPr>
+        <p:cNvPr id="1" name=""/>
+        <p:cNvGrpSpPr/>
+        <p:nvPr/>
+      </p:nvGrpSpPr>
+      <p:grpSpPr>
+        <a:xfrm>
+          <a:off x="0" y="0"/>
+          <a:ext cx="0" cy="0"/>
+          <a:chOff x="0" y="0"/>
+          <a:chExt cx="0" cy="0"/>
+        </a:xfrm>
+      </p:grpSpPr>
+      <p:sp>
+        <p:nvSpPr>
+          <p:cNvPr id="2" name="タイトル 1"/>
+          <p:cNvSpPr>
+            <a:spLocks noGrp="1"/>
+          </p:cNvSpPr>
+          <p:nvPr>
+            <p:ph type="title"/>
+          </p:nvPr>
+        </p:nvSpPr>
+        <p:spPr/>
+        <p:txBody>
+          <a:bodyPr>
+            <a:normAutofit/>
+          </a:bodyPr>
+          <a:lstStyle/>
+          <a:p>
+            <a:r>
+              <a:rPr lang="ja-JP" altLang="en-US" dirty="0" smtClean="0"/>
+              <a:t>コマンドライン上のプログラム</a:t>
+            </a:r>
+            <a:endParaRPr kumimoji="1" lang="ja-JP" altLang="en-US" dirty="0"/>
+          </a:p>
+        </p:txBody>
+      </p:sp>
+      <p:sp>
+        <p:nvSpPr>
+          <p:cNvPr id="3" name="コンテンツ プレースホルダー 2"/>
+          <p:cNvSpPr>
+            <a:spLocks noGrp="1"/>
+          </p:cNvSpPr>
+          <p:nvPr>
+            <p:ph idx="1"/>
+          </p:nvPr>
+        </p:nvSpPr>
+        <p:spPr>
+          <a:xfrm>
+            <a:off x="323528" y="1600200"/>
+            <a:ext cx="8363272" cy="4925144"/>
+          </a:xfrm>
+        </p:spPr>
+        <p:txBody>
+          <a:bodyPr>
+            <a:normAutofit fontScale="25000" lnSpcReduction="20000"/>
+          </a:bodyPr>
+          <a:lstStyle/>
+          <a:p>
+            <a:pPr marL="0" indent="0">
+              <a:buNone/>
+            </a:pPr>
+            <a:r>
+              <a:rPr lang="en-US" altLang="ja-JP" sz="9200" dirty="0">
+                <a:solidFill>
+                  <a:schemeClr val="tx1">
+                    <a:lumMod val="75000"/>
+                    <a:lumOff val="25000"/>
+                  </a:schemeClr>
+                </a:solidFill>
+              </a:rPr>
+              <a:t>PARAMETERS=$1</a:t>
+            </a:r>
+          </a:p>
+          <a:p>
+            <a:pPr marL="0" indent="0">
+              <a:buNone/>
+            </a:pPr>
+            <a:r>
+              <a:rPr lang="en-US" altLang="ja-JP" sz="9200" dirty="0">
+                <a:solidFill>
+                  <a:schemeClr val="tx1">
+                    <a:lumMod val="75000"/>
+                    <a:lumOff val="25000"/>
+                  </a:schemeClr>
+                </a:solidFill>
+              </a:rPr>
+              <a:t>KEY=$2</a:t>
+            </a:r>
+          </a:p>
+          <a:p>
+            <a:pPr marL="0" indent="0">
+              <a:buNone/>
+            </a:pPr>
+            <a:r>
+              <a:rPr lang="en-US" altLang="ja-JP" sz="9200" dirty="0">
+                <a:solidFill>
+                  <a:schemeClr val="tx1">
+                    <a:lumMod val="75000"/>
+                    <a:lumOff val="25000"/>
+                  </a:schemeClr>
+                </a:solidFill>
+              </a:rPr>
+              <a:t>METHOD</a:t>
+            </a:r>
+            <a:r>
+              <a:rPr lang="en-US" altLang="ja-JP" sz="9200" dirty="0" smtClean="0">
+                <a:solidFill>
+                  <a:schemeClr val="tx1">
+                    <a:lumMod val="75000"/>
+                    <a:lumOff val="25000"/>
+                  </a:schemeClr>
+                </a:solidFill>
+              </a:rPr>
+              <a:t>=“POST”</a:t>
+            </a:r>
+            <a:r>
+              <a:rPr lang="en-US" altLang="ja-JP" sz="9200" dirty="0">
+                <a:solidFill>
+                  <a:schemeClr val="tx1">
+                    <a:lumMod val="75000"/>
+                    <a:lumOff val="25000"/>
+                  </a:schemeClr>
+                </a:solidFill>
+              </a:rPr>
+              <a:t> </a:t>
+            </a:r>
+            <a:r>
+              <a:rPr lang="en-US" altLang="ja-JP" sz="9200" dirty="0" smtClean="0">
+                <a:solidFill>
+                  <a:schemeClr val="tx1">
+                    <a:lumMod val="75000"/>
+                    <a:lumOff val="25000"/>
+                  </a:schemeClr>
+                </a:solidFill>
+              </a:rPr>
+              <a:t>//</a:t>
+            </a:r>
+            <a:r>
+              <a:rPr lang="ja-JP" altLang="en-US" sz="9200" dirty="0" smtClean="0">
+                <a:solidFill>
+                  <a:schemeClr val="tx1">
+                    <a:lumMod val="75000"/>
+                    <a:lumOff val="25000"/>
+                  </a:schemeClr>
+                </a:solidFill>
+              </a:rPr>
+              <a:t>②</a:t>
+            </a:r>
+            <a:endParaRPr lang="en-US" altLang="ja-JP" sz="9200" dirty="0">
+              <a:solidFill>
+                <a:schemeClr val="tx1">
+                  <a:lumMod val="75000"/>
+                  <a:lumOff val="25000"/>
+                </a:schemeClr>
+              </a:solidFill>
+            </a:endParaRPr>
+          </a:p>
+          <a:p>
+            <a:pPr marL="0" indent="0">
+              <a:buNone/>
+            </a:pPr>
+            <a:r>
+              <a:rPr lang="en-US" altLang="ja-JP" sz="9200" dirty="0">
+                <a:solidFill>
+                  <a:schemeClr val="tx1">
+                    <a:lumMod val="75000"/>
+                    <a:lumOff val="25000"/>
+                  </a:schemeClr>
+                </a:solidFill>
+              </a:rPr>
+              <a:t>ENCURL=$(/bin/echo -n </a:t>
+            </a:r>
+            <a:r>
+              <a:rPr lang="en-US" altLang="ja-JP" sz="9200" dirty="0" smtClean="0">
+                <a:solidFill>
+                  <a:schemeClr val="tx1">
+                    <a:lumMod val="75000"/>
+                    <a:lumOff val="25000"/>
+                  </a:schemeClr>
+                </a:solidFill>
+              </a:rPr>
+              <a:t>“http</a:t>
+            </a:r>
+            <a:r>
+              <a:rPr lang="en-US" altLang="ja-JP" sz="9200" dirty="0">
+                <a:solidFill>
+                  <a:schemeClr val="tx1">
+                    <a:lumMod val="75000"/>
+                    <a:lumOff val="25000"/>
+                  </a:schemeClr>
+                </a:solidFill>
+              </a:rPr>
+              <a:t>://</a:t>
+            </a:r>
+            <a:r>
+              <a:rPr lang="en-US" altLang="ja-JP" sz="9200" dirty="0" smtClean="0">
+                <a:solidFill>
+                  <a:schemeClr val="tx1">
+                    <a:lumMod val="75000"/>
+                    <a:lumOff val="25000"/>
+                  </a:schemeClr>
+                </a:solidFill>
+              </a:rPr>
+              <a:t>localhost:3000/home/create” </a:t>
+            </a:r>
+            <a:r>
+              <a:rPr lang="en-US" altLang="ja-JP" sz="9200" dirty="0">
+                <a:solidFill>
+                  <a:schemeClr val="tx1">
+                    <a:lumMod val="75000"/>
+                    <a:lumOff val="25000"/>
+                  </a:schemeClr>
+                </a:solidFill>
+              </a:rPr>
+              <a:t>| </a:t>
+            </a:r>
+            <a:r>
+              <a:rPr lang="en-US" altLang="ja-JP" sz="9200" dirty="0" err="1">
+                <a:solidFill>
+                  <a:schemeClr val="tx1">
+                    <a:lumMod val="75000"/>
+                    <a:lumOff val="25000"/>
+                  </a:schemeClr>
+                </a:solidFill>
+              </a:rPr>
+              <a:t>nkf</a:t>
+            </a:r>
+            <a:r>
+              <a:rPr lang="en-US" altLang="ja-JP" sz="9200" dirty="0">
+                <a:solidFill>
+                  <a:schemeClr val="tx1">
+                    <a:lumMod val="75000"/>
+                    <a:lumOff val="25000"/>
+                  </a:schemeClr>
+                </a:solidFill>
+              </a:rPr>
+              <a:t> -</a:t>
+            </a:r>
+            <a:r>
+              <a:rPr lang="en-US" altLang="ja-JP" sz="9200" dirty="0" err="1">
+                <a:solidFill>
+                  <a:schemeClr val="tx1">
+                    <a:lumMod val="75000"/>
+                    <a:lumOff val="25000"/>
+                  </a:schemeClr>
+                </a:solidFill>
+              </a:rPr>
+              <a:t>WwMQ</a:t>
+            </a:r>
+            <a:r>
+              <a:rPr lang="en-US" altLang="ja-JP" sz="9200" dirty="0">
+                <a:solidFill>
+                  <a:schemeClr val="tx1">
+                    <a:lumMod val="75000"/>
+                    <a:lumOff val="25000"/>
+                  </a:schemeClr>
+                </a:solidFill>
+              </a:rPr>
+              <a:t> | </a:t>
+            </a:r>
+            <a:r>
+              <a:rPr lang="en-US" altLang="ja-JP" sz="9200" dirty="0" err="1">
+                <a:solidFill>
+                  <a:schemeClr val="tx1">
+                    <a:lumMod val="75000"/>
+                    <a:lumOff val="25000"/>
+                  </a:schemeClr>
+                </a:solidFill>
+              </a:rPr>
+              <a:t>tr</a:t>
+            </a:r>
+            <a:r>
+              <a:rPr lang="en-US" altLang="ja-JP" sz="9200" dirty="0">
+                <a:solidFill>
+                  <a:schemeClr val="tx1">
+                    <a:lumMod val="75000"/>
+                    <a:lumOff val="25000"/>
+                  </a:schemeClr>
+                </a:solidFill>
+              </a:rPr>
+              <a:t> </a:t>
+            </a:r>
+            <a:r>
+              <a:rPr lang="en-US" altLang="ja-JP" sz="9200" dirty="0" smtClean="0">
+                <a:solidFill>
+                  <a:schemeClr val="tx1">
+                    <a:lumMod val="75000"/>
+                    <a:lumOff val="25000"/>
+                  </a:schemeClr>
+                </a:solidFill>
+              </a:rPr>
+              <a:t>“=” “%”)</a:t>
+            </a:r>
+            <a:r>
+              <a:rPr lang="en-US" altLang="ja-JP" sz="9200" dirty="0">
+                <a:solidFill>
+                  <a:schemeClr val="tx1">
+                    <a:lumMod val="75000"/>
+                    <a:lumOff val="25000"/>
+                  </a:schemeClr>
+                </a:solidFill>
+              </a:rPr>
+              <a:t> </a:t>
+            </a:r>
+            <a:r>
+              <a:rPr lang="en-US" altLang="ja-JP" sz="9200" dirty="0" smtClean="0">
+                <a:solidFill>
+                  <a:schemeClr val="tx1">
+                    <a:lumMod val="75000"/>
+                    <a:lumOff val="25000"/>
+                  </a:schemeClr>
+                </a:solidFill>
+              </a:rPr>
+              <a:t>//</a:t>
+            </a:r>
+            <a:r>
+              <a:rPr lang="ja-JP" altLang="en-US" sz="9200" dirty="0" smtClean="0">
+                <a:solidFill>
+                  <a:schemeClr val="tx1">
+                    <a:lumMod val="75000"/>
+                    <a:lumOff val="25000"/>
+                  </a:schemeClr>
+                </a:solidFill>
+              </a:rPr>
+              <a:t>③</a:t>
+            </a:r>
+            <a:endParaRPr lang="en-US" altLang="ja-JP" sz="9200" dirty="0">
+              <a:solidFill>
+                <a:schemeClr val="tx1">
+                  <a:lumMod val="75000"/>
+                  <a:lumOff val="25000"/>
+                </a:schemeClr>
+              </a:solidFill>
+            </a:endParaRPr>
+          </a:p>
+          <a:p>
+            <a:pPr marL="0" indent="0">
+              <a:buNone/>
+            </a:pPr>
+            <a:r>
+              <a:rPr lang="en-US" altLang="ja-JP" sz="9200" dirty="0" smtClean="0">
+                <a:solidFill>
+                  <a:schemeClr val="tx1">
+                    <a:lumMod val="75000"/>
+                    <a:lumOff val="25000"/>
+                  </a:schemeClr>
+                </a:solidFill>
+              </a:rPr>
+              <a:t>ENCPARAM</a:t>
+            </a:r>
+            <a:r>
+              <a:rPr lang="en-US" altLang="ja-JP" sz="9200" dirty="0">
+                <a:solidFill>
+                  <a:schemeClr val="tx1">
+                    <a:lumMod val="75000"/>
+                    <a:lumOff val="25000"/>
+                  </a:schemeClr>
+                </a:solidFill>
+              </a:rPr>
+              <a:t>=$(/bin/echo -n $PARAMETERS | </a:t>
+            </a:r>
+            <a:r>
+              <a:rPr lang="en-US" altLang="ja-JP" sz="9200" dirty="0" err="1">
+                <a:solidFill>
+                  <a:schemeClr val="tx1">
+                    <a:lumMod val="75000"/>
+                    <a:lumOff val="25000"/>
+                  </a:schemeClr>
+                </a:solidFill>
+              </a:rPr>
+              <a:t>tr</a:t>
+            </a:r>
+            <a:r>
+              <a:rPr lang="en-US" altLang="ja-JP" sz="9200" dirty="0">
+                <a:solidFill>
+                  <a:schemeClr val="tx1">
+                    <a:lumMod val="75000"/>
+                    <a:lumOff val="25000"/>
+                  </a:schemeClr>
+                </a:solidFill>
+              </a:rPr>
+              <a:t> </a:t>
+            </a:r>
+            <a:r>
+              <a:rPr lang="en-US" altLang="ja-JP" sz="9200" dirty="0" smtClean="0">
+                <a:solidFill>
+                  <a:schemeClr val="tx1">
+                    <a:lumMod val="75000"/>
+                    <a:lumOff val="25000"/>
+                  </a:schemeClr>
+                </a:solidFill>
+              </a:rPr>
+              <a:t>“&amp;” “\n” </a:t>
+            </a:r>
+            <a:r>
+              <a:rPr lang="en-US" altLang="ja-JP" sz="9200" dirty="0">
+                <a:solidFill>
+                  <a:schemeClr val="tx1">
+                    <a:lumMod val="75000"/>
+                    <a:lumOff val="25000"/>
+                  </a:schemeClr>
+                </a:solidFill>
+              </a:rPr>
+              <a:t>| sort | </a:t>
+            </a:r>
+            <a:r>
+              <a:rPr lang="en-US" altLang="ja-JP" sz="9200" dirty="0" err="1">
+                <a:solidFill>
+                  <a:schemeClr val="tx1">
+                    <a:lumMod val="75000"/>
+                    <a:lumOff val="25000"/>
+                  </a:schemeClr>
+                </a:solidFill>
+              </a:rPr>
+              <a:t>tr</a:t>
+            </a:r>
+            <a:r>
+              <a:rPr lang="en-US" altLang="ja-JP" sz="9200" dirty="0">
+                <a:solidFill>
+                  <a:schemeClr val="tx1">
+                    <a:lumMod val="75000"/>
+                    <a:lumOff val="25000"/>
+                  </a:schemeClr>
+                </a:solidFill>
+              </a:rPr>
+              <a:t> </a:t>
+            </a:r>
+            <a:r>
+              <a:rPr lang="en-US" altLang="ja-JP" sz="9200" dirty="0" smtClean="0">
+                <a:solidFill>
+                  <a:schemeClr val="tx1">
+                    <a:lumMod val="75000"/>
+                    <a:lumOff val="25000"/>
+                  </a:schemeClr>
+                </a:solidFill>
+              </a:rPr>
+              <a:t>“\n” “&amp;” </a:t>
+            </a:r>
+            <a:r>
+              <a:rPr lang="en-US" altLang="ja-JP" sz="9200" dirty="0">
+                <a:solidFill>
+                  <a:schemeClr val="tx1">
+                    <a:lumMod val="75000"/>
+                    <a:lumOff val="25000"/>
+                  </a:schemeClr>
+                </a:solidFill>
+              </a:rPr>
+              <a:t>| </a:t>
+            </a:r>
+            <a:r>
+              <a:rPr lang="en-US" altLang="ja-JP" sz="9200" dirty="0" err="1">
+                <a:solidFill>
+                  <a:schemeClr val="tx1">
+                    <a:lumMod val="75000"/>
+                    <a:lumOff val="25000"/>
+                  </a:schemeClr>
+                </a:solidFill>
+              </a:rPr>
+              <a:t>sed</a:t>
+            </a:r>
+            <a:r>
+              <a:rPr lang="en-US" altLang="ja-JP" sz="9200" dirty="0">
+                <a:solidFill>
+                  <a:schemeClr val="tx1">
+                    <a:lumMod val="75000"/>
+                    <a:lumOff val="25000"/>
+                  </a:schemeClr>
+                </a:solidFill>
+              </a:rPr>
+              <a:t> </a:t>
+            </a:r>
+            <a:r>
+              <a:rPr lang="en-US" altLang="ja-JP" sz="9200" dirty="0" smtClean="0">
+                <a:solidFill>
+                  <a:schemeClr val="tx1">
+                    <a:lumMod val="75000"/>
+                    <a:lumOff val="25000"/>
+                  </a:schemeClr>
+                </a:solidFill>
+              </a:rPr>
+              <a:t>‘s</a:t>
+            </a:r>
+            <a:r>
+              <a:rPr lang="en-US" altLang="ja-JP" sz="9200" dirty="0">
+                <a:solidFill>
+                  <a:schemeClr val="tx1">
+                    <a:lumMod val="75000"/>
+                    <a:lumOff val="25000"/>
+                  </a:schemeClr>
+                </a:solidFill>
+              </a:rPr>
+              <a:t>/+/%</a:t>
+            </a:r>
+            <a:r>
+              <a:rPr lang="en-US" altLang="ja-JP" sz="9200" dirty="0" smtClean="0">
+                <a:solidFill>
+                  <a:schemeClr val="tx1">
+                    <a:lumMod val="75000"/>
+                    <a:lumOff val="25000"/>
+                  </a:schemeClr>
+                </a:solidFill>
+              </a:rPr>
+              <a:t>20/g’ </a:t>
+            </a:r>
+            <a:r>
+              <a:rPr lang="en-US" altLang="ja-JP" sz="9200" dirty="0">
+                <a:solidFill>
+                  <a:schemeClr val="tx1">
+                    <a:lumMod val="75000"/>
+                    <a:lumOff val="25000"/>
+                  </a:schemeClr>
+                </a:solidFill>
+              </a:rPr>
+              <a:t>| PHP -R </a:t>
+            </a:r>
+            <a:r>
+              <a:rPr lang="en-US" altLang="ja-JP" sz="9200" dirty="0" smtClean="0">
+                <a:solidFill>
+                  <a:schemeClr val="tx1">
+                    <a:lumMod val="75000"/>
+                    <a:lumOff val="25000"/>
+                  </a:schemeClr>
+                </a:solidFill>
+              </a:rPr>
+              <a:t>‘echo </a:t>
+            </a:r>
+            <a:r>
+              <a:rPr lang="en-US" altLang="ja-JP" sz="9200" dirty="0" err="1">
+                <a:solidFill>
+                  <a:schemeClr val="tx1">
+                    <a:lumMod val="75000"/>
+                    <a:lumOff val="25000"/>
+                  </a:schemeClr>
+                </a:solidFill>
+              </a:rPr>
+              <a:t>rawurlencode</a:t>
+            </a:r>
+            <a:r>
+              <a:rPr lang="en-US" altLang="ja-JP" sz="9200" dirty="0">
+                <a:solidFill>
+                  <a:schemeClr val="tx1">
+                    <a:lumMod val="75000"/>
+                    <a:lumOff val="25000"/>
+                  </a:schemeClr>
+                </a:solidFill>
+              </a:rPr>
+              <a:t>($</a:t>
+            </a:r>
+            <a:r>
+              <a:rPr lang="en-US" altLang="ja-JP" sz="9200" dirty="0" err="1">
+                <a:solidFill>
+                  <a:schemeClr val="tx1">
+                    <a:lumMod val="75000"/>
+                    <a:lumOff val="25000"/>
+                  </a:schemeClr>
+                </a:solidFill>
+              </a:rPr>
+              <a:t>argn</a:t>
+            </a:r>
+            <a:r>
+              <a:rPr lang="en-US" altLang="ja-JP" sz="9200" dirty="0" smtClean="0">
+                <a:solidFill>
+                  <a:schemeClr val="tx1">
+                    <a:lumMod val="75000"/>
+                    <a:lumOff val="25000"/>
+                  </a:schemeClr>
+                </a:solidFill>
+              </a:rPr>
+              <a:t>);’ </a:t>
+            </a:r>
+            <a:r>
+              <a:rPr lang="en-US" altLang="ja-JP" sz="9200" dirty="0">
+                <a:solidFill>
+                  <a:schemeClr val="tx1">
+                    <a:lumMod val="75000"/>
+                    <a:lumOff val="25000"/>
+                  </a:schemeClr>
+                </a:solidFill>
+              </a:rPr>
+              <a:t>| </a:t>
+            </a:r>
+            <a:r>
+              <a:rPr lang="en-US" altLang="ja-JP" sz="9200" dirty="0" err="1">
+                <a:solidFill>
+                  <a:schemeClr val="tx1">
+                    <a:lumMod val="75000"/>
+                    <a:lumOff val="25000"/>
+                  </a:schemeClr>
+                </a:solidFill>
+              </a:rPr>
+              <a:t>tr</a:t>
+            </a:r>
+            <a:r>
+              <a:rPr lang="en-US" altLang="ja-JP" sz="9200" dirty="0">
+                <a:solidFill>
+                  <a:schemeClr val="tx1">
+                    <a:lumMod val="75000"/>
+                    <a:lumOff val="25000"/>
+                  </a:schemeClr>
+                </a:solidFill>
+              </a:rPr>
+              <a:t> </a:t>
+            </a:r>
+            <a:r>
+              <a:rPr lang="en-US" altLang="ja-JP" sz="9200" dirty="0" smtClean="0">
+                <a:solidFill>
+                  <a:schemeClr val="tx1">
+                    <a:lumMod val="75000"/>
+                    <a:lumOff val="25000"/>
+                  </a:schemeClr>
+                </a:solidFill>
+              </a:rPr>
+              <a:t>“\n” “&amp;” )</a:t>
+            </a:r>
+            <a:r>
+              <a:rPr lang="en-US" altLang="ja-JP" sz="9200" dirty="0">
+                <a:solidFill>
+                  <a:schemeClr val="tx1">
+                    <a:lumMod val="75000"/>
+                    <a:lumOff val="25000"/>
+                  </a:schemeClr>
+                </a:solidFill>
+              </a:rPr>
+              <a:t> </a:t>
+            </a:r>
+            <a:r>
+              <a:rPr lang="en-US" altLang="ja-JP" sz="9200" dirty="0" smtClean="0">
+                <a:solidFill>
+                  <a:schemeClr val="tx1">
+                    <a:lumMod val="75000"/>
+                    <a:lumOff val="25000"/>
+                  </a:schemeClr>
+                </a:solidFill>
+              </a:rPr>
+              <a:t>//</a:t>
+            </a:r>
+            <a:r>
+              <a:rPr lang="ja-JP" altLang="en-US" sz="9200" dirty="0" smtClean="0">
+                <a:solidFill>
+                  <a:schemeClr val="tx1">
+                    <a:lumMod val="75000"/>
+                    <a:lumOff val="25000"/>
+                  </a:schemeClr>
+                </a:solidFill>
+              </a:rPr>
+              <a:t>①</a:t>
+            </a:r>
+            <a:endParaRPr lang="en-US" altLang="ja-JP" sz="9200" dirty="0">
+              <a:solidFill>
+                <a:schemeClr val="tx1">
+                  <a:lumMod val="75000"/>
+                  <a:lumOff val="25000"/>
+                </a:schemeClr>
+              </a:solidFill>
+            </a:endParaRPr>
+          </a:p>
+          <a:p>
+            <a:pPr marL="0" indent="0">
+              <a:buNone/>
+            </a:pPr>
+            <a:r>
+              <a:rPr lang="en-US" altLang="ja-JP" sz="9200" dirty="0" smtClean="0">
+                <a:solidFill>
+                  <a:schemeClr val="tx1">
+                    <a:lumMod val="75000"/>
+                    <a:lumOff val="25000"/>
+                  </a:schemeClr>
+                </a:solidFill>
+              </a:rPr>
+              <a:t>CONCATSTR</a:t>
+            </a:r>
+            <a:r>
+              <a:rPr lang="en-US" altLang="ja-JP" sz="9200" dirty="0">
+                <a:solidFill>
+                  <a:schemeClr val="tx1">
+                    <a:lumMod val="75000"/>
+                    <a:lumOff val="25000"/>
+                  </a:schemeClr>
+                </a:solidFill>
+              </a:rPr>
+              <a:t>=$METHOD"&amp;"$ENCURL"&amp;"$ENCPARAM</a:t>
+            </a:r>
+          </a:p>
+          <a:p>
+            <a:pPr marL="0" indent="0">
+              <a:buNone/>
+            </a:pPr>
+            <a:r>
+              <a:rPr lang="en-US" altLang="ja-JP" sz="9200" dirty="0">
+                <a:solidFill>
+                  <a:schemeClr val="tx1">
+                    <a:lumMod val="75000"/>
+                    <a:lumOff val="25000"/>
+                  </a:schemeClr>
+                </a:solidFill>
+              </a:rPr>
+              <a:t>INPUTSTR=${CONCATSTR%\%26</a:t>
+            </a:r>
+            <a:r>
+              <a:rPr lang="en-US" altLang="ja-JP" sz="9200" dirty="0" smtClean="0">
+                <a:solidFill>
+                  <a:schemeClr val="tx1">
+                    <a:lumMod val="75000"/>
+                    <a:lumOff val="25000"/>
+                  </a:schemeClr>
+                </a:solidFill>
+              </a:rPr>
+              <a:t>} //</a:t>
+            </a:r>
+            <a:r>
+              <a:rPr lang="ja-JP" altLang="en-US" sz="9200" dirty="0" smtClean="0">
+                <a:solidFill>
+                  <a:schemeClr val="tx1">
+                    <a:lumMod val="75000"/>
+                    <a:lumOff val="25000"/>
+                  </a:schemeClr>
+                </a:solidFill>
+              </a:rPr>
+              <a:t>①、②、③を繋げた部分</a:t>
+            </a:r>
+            <a:endParaRPr lang="en-US" altLang="ja-JP" sz="9200" dirty="0">
+              <a:solidFill>
+                <a:schemeClr val="tx1">
+                  <a:lumMod val="75000"/>
+                  <a:lumOff val="25000"/>
+                </a:schemeClr>
+              </a:solidFill>
+            </a:endParaRPr>
+          </a:p>
+          <a:p>
+            <a:pPr marL="0" indent="0">
+              <a:buNone/>
+            </a:pPr>
+            <a:r>
+              <a:rPr lang="en-US" altLang="ja-JP" sz="9200" dirty="0" smtClean="0">
+                <a:solidFill>
+                  <a:schemeClr val="tx1">
+                    <a:lumMod val="75000"/>
+                    <a:lumOff val="25000"/>
+                  </a:schemeClr>
+                </a:solidFill>
+              </a:rPr>
+              <a:t>/</a:t>
+            </a:r>
+            <a:r>
+              <a:rPr lang="en-US" altLang="ja-JP" sz="9200" dirty="0">
+                <a:solidFill>
+                  <a:schemeClr val="tx1">
+                    <a:lumMod val="75000"/>
+                    <a:lumOff val="25000"/>
+                  </a:schemeClr>
+                </a:solidFill>
+              </a:rPr>
+              <a:t>bin/echo -n $INPUTSTR | </a:t>
+            </a:r>
+            <a:r>
+              <a:rPr lang="en-US" altLang="ja-JP" sz="9200" dirty="0" err="1">
+                <a:solidFill>
+                  <a:schemeClr val="tx1">
+                    <a:lumMod val="75000"/>
+                    <a:lumOff val="25000"/>
+                  </a:schemeClr>
+                </a:solidFill>
+              </a:rPr>
+              <a:t>openssl</a:t>
+            </a:r>
+            <a:r>
+              <a:rPr lang="en-US" altLang="ja-JP" sz="9200" dirty="0">
+                <a:solidFill>
+                  <a:schemeClr val="tx1">
+                    <a:lumMod val="75000"/>
+                    <a:lumOff val="25000"/>
+                  </a:schemeClr>
+                </a:solidFill>
+              </a:rPr>
+              <a:t> </a:t>
+            </a:r>
+            <a:r>
+              <a:rPr lang="en-US" altLang="ja-JP" sz="9200" dirty="0" err="1">
+                <a:solidFill>
+                  <a:schemeClr val="tx1">
+                    <a:lumMod val="75000"/>
+                    <a:lumOff val="25000"/>
+                  </a:schemeClr>
+                </a:solidFill>
+              </a:rPr>
+              <a:t>dgst</a:t>
+            </a:r>
+            <a:r>
+              <a:rPr lang="en-US" altLang="ja-JP" sz="9200" dirty="0">
+                <a:solidFill>
+                  <a:schemeClr val="tx1">
+                    <a:lumMod val="75000"/>
+                    <a:lumOff val="25000"/>
+                  </a:schemeClr>
+                </a:solidFill>
+              </a:rPr>
+              <a:t> -binary -sha1 -</a:t>
+            </a:r>
+            <a:r>
+              <a:rPr lang="en-US" altLang="ja-JP" sz="9200" dirty="0" err="1">
+                <a:solidFill>
+                  <a:schemeClr val="tx1">
+                    <a:lumMod val="75000"/>
+                    <a:lumOff val="25000"/>
+                  </a:schemeClr>
+                </a:solidFill>
+              </a:rPr>
+              <a:t>hmac</a:t>
+            </a:r>
+            <a:r>
+              <a:rPr lang="en-US" altLang="ja-JP" sz="9200" dirty="0">
+                <a:solidFill>
+                  <a:schemeClr val="tx1">
+                    <a:lumMod val="75000"/>
+                    <a:lumOff val="25000"/>
+                  </a:schemeClr>
+                </a:solidFill>
+              </a:rPr>
+              <a:t> $KEY | </a:t>
+            </a:r>
+            <a:r>
+              <a:rPr lang="en-US" altLang="ja-JP" sz="9200" dirty="0" smtClean="0">
+                <a:solidFill>
+                  <a:schemeClr val="tx1">
+                    <a:lumMod val="75000"/>
+                    <a:lumOff val="25000"/>
+                  </a:schemeClr>
+                </a:solidFill>
+              </a:rPr>
+              <a:t>base64 </a:t>
+            </a:r>
+          </a:p>
+          <a:p>
+            <a:pPr marL="0" indent="0">
+              <a:buNone/>
+            </a:pPr>
+            <a:r>
+              <a:rPr lang="en-US" altLang="ja-JP" sz="9200" dirty="0" smtClean="0">
+                <a:solidFill>
+                  <a:schemeClr val="tx1">
+                    <a:lumMod val="75000"/>
+                    <a:lumOff val="25000"/>
+                  </a:schemeClr>
+                </a:solidFill>
+              </a:rPr>
+              <a:t>//HMAC-SHA1</a:t>
+            </a:r>
+            <a:r>
+              <a:rPr lang="ja-JP" altLang="en-US" sz="9200" dirty="0" smtClean="0">
+                <a:solidFill>
+                  <a:schemeClr val="tx1">
+                    <a:lumMod val="75000"/>
+                    <a:lumOff val="25000"/>
+                  </a:schemeClr>
+                </a:solidFill>
+              </a:rPr>
+              <a:t>にし、</a:t>
+            </a:r>
+            <a:r>
+              <a:rPr lang="en-US" altLang="ja-JP" sz="9200" dirty="0" smtClean="0">
+                <a:solidFill>
+                  <a:schemeClr val="tx1">
+                    <a:lumMod val="75000"/>
+                    <a:lumOff val="25000"/>
+                  </a:schemeClr>
+                </a:solidFill>
+              </a:rPr>
+              <a:t>base64</a:t>
+            </a:r>
+            <a:r>
+              <a:rPr lang="ja-JP" altLang="en-US" sz="9200" dirty="0" smtClean="0">
+                <a:solidFill>
+                  <a:schemeClr val="tx1">
+                    <a:lumMod val="75000"/>
+                    <a:lumOff val="25000"/>
+                  </a:schemeClr>
+                </a:solidFill>
+              </a:rPr>
+              <a:t>でエンコード</a:t>
+            </a:r>
+            <a:endParaRPr lang="en-US" altLang="ja-JP" sz="9200" dirty="0">
+              <a:solidFill>
+                <a:schemeClr val="tx1">
+                  <a:lumMod val="75000"/>
+                  <a:lumOff val="25000"/>
+                </a:schemeClr>
+              </a:solidFill>
+            </a:endParaRPr>
+          </a:p>
+          <a:p>
+            <a:endParaRPr kumimoji="1" lang="ja-JP" altLang="en-US" dirty="0"/>
+          </a:p>
+        </p:txBody>
+      </p:sp>
+      <p:sp>
+        <p:nvSpPr>
+          <p:cNvPr id="4" name="スライド番号プレースホルダー 3"/>
+          <p:cNvSpPr>
+            <a:spLocks noGrp="1"/>
+          </p:cNvSpPr>
+          <p:nvPr>
+            <p:ph type="sldNum" sz="quarter" idx="12"/>
+          </p:nvPr>
+        </p:nvSpPr>
+        <p:spPr/>
+        <p:txBody>
+          <a:bodyPr/>
+          <a:lstStyle/>
+          <a:p>
+            <a:pPr algn="ctr"/>
+            <a:fld id="{CA23F248-F353-4F36-A746-B1953A38AE2D}" type="slidenum">
+              <a:rPr lang="ja-JP" altLang="en-US" smtClean="0"/>
+              <a:pPr algn="ctr"/>
+              <a:t>25</a:t>
+            </a:fld>
+            <a:endParaRPr lang="ja-JP" altLang="en-US" dirty="0"/>
+          </a:p>
+        </p:txBody>
+      </p:sp>
+    </p:spTree>
+    <p:extLst>
+      <p:ext uri="{BB962C8B-B14F-4D97-AF65-F5344CB8AC3E}">
+        <p14:creationId xmlns:p14="http://schemas.microsoft.com/office/powerpoint/2010/main" val="687767696"/>
+      </p:ext>
+    </p:extLst>
+  </p:cSld>
+  <p:clrMapOvr>
+    <a:masterClrMapping/>
+  </p:clrMapOvr>
+  <p:timing>
+    <p:tnLst>
+      <p:par>
+        <p:cTn id="1" dur="indefinite" restart="never" nodeType="tmRoot"/>
+      </p:par>
+    </p:tnLst>
+  </p:timing>
+</p:sld>
+</file>
+
+<file path=ppt/slides/slide26.xml><?xml version="1.0" encoding="utf-8"?>
+<p:sld xmlns:a="http://schemas.openxmlformats.org/drawingml/2006/main" xmlns:r="http://schemas.openxmlformats.org/officeDocument/2006/relationships" xmlns:p="http://schemas.openxmlformats.org/presentationml/2006/main">
+  <p:cSld>
+    <p:spTree>
+      <p:nvGrpSpPr>
+        <p:cNvPr id="1" name=""/>
+        <p:cNvGrpSpPr/>
+        <p:nvPr/>
+      </p:nvGrpSpPr>
+      <p:grpSpPr>
+        <a:xfrm>
+          <a:off x="0" y="0"/>
+          <a:ext cx="0" cy="0"/>
+          <a:chOff x="0" y="0"/>
+          <a:chExt cx="0" cy="0"/>
+        </a:xfrm>
+      </p:grpSpPr>
+      <p:sp>
+        <p:nvSpPr>
+          <p:cNvPr id="2" name="タイトル 1"/>
+          <p:cNvSpPr>
+            <a:spLocks noGrp="1"/>
+          </p:cNvSpPr>
+          <p:nvPr>
+            <p:ph type="title"/>
+          </p:nvPr>
+        </p:nvSpPr>
+        <p:spPr/>
+        <p:txBody>
+          <a:bodyPr/>
+          <a:lstStyle/>
+          <a:p>
+            <a:r>
+              <a:rPr lang="ja-JP" altLang="en-US" dirty="0" smtClean="0"/>
+              <a:t>実行結果</a:t>
+            </a:r>
+            <a:endParaRPr kumimoji="1" lang="ja-JP" altLang="en-US" dirty="0"/>
+          </a:p>
+        </p:txBody>
+      </p:sp>
+      <p:sp>
+        <p:nvSpPr>
+          <p:cNvPr id="4" name="スライド番号プレースホルダー 3"/>
+          <p:cNvSpPr>
+            <a:spLocks noGrp="1"/>
+          </p:cNvSpPr>
+          <p:nvPr>
+            <p:ph type="sldNum" sz="quarter" idx="12"/>
+          </p:nvPr>
+        </p:nvSpPr>
+        <p:spPr/>
+        <p:txBody>
+          <a:bodyPr/>
+          <a:lstStyle/>
+          <a:p>
+            <a:pPr algn="ctr"/>
+            <a:fld id="{CA23F248-F353-4F36-A746-B1953A38AE2D}" type="slidenum">
+              <a:rPr lang="ja-JP" altLang="en-US" smtClean="0"/>
+              <a:pPr algn="ctr"/>
+              <a:t>26</a:t>
+            </a:fld>
+            <a:endParaRPr lang="ja-JP" altLang="en-US" dirty="0"/>
+          </a:p>
+        </p:txBody>
+      </p:sp>
+      <p:pic>
+        <p:nvPicPr>
+          <p:cNvPr id="7" name="コンテンツ プレースホルダー 6"/>
+          <p:cNvPicPr>
+            <a:picLocks noGrp="1" noChangeAspect="1"/>
+          </p:cNvPicPr>
+          <p:nvPr>
+            <p:ph idx="1"/>
+          </p:nvPr>
+        </p:nvPicPr>
+        <p:blipFill>
+          <a:blip r:embed="rId2">
+            <a:extLst>
+              <a:ext uri="{28A0092B-C50C-407E-A947-70E740481C1C}">
+                <a14:useLocalDpi xmlns:a14="http://schemas.microsoft.com/office/drawing/2010/main" val="0"/>
+              </a:ext>
+            </a:extLst>
+          </a:blip>
+          <a:stretch>
+            <a:fillRect/>
+          </a:stretch>
+        </p:blipFill>
+        <p:spPr>
+          <a:xfrm>
+            <a:off x="561633" y="1421467"/>
+            <a:ext cx="8125167" cy="2776253"/>
+          </a:xfrm>
+        </p:spPr>
+      </p:pic>
+      <p:sp>
+        <p:nvSpPr>
+          <p:cNvPr id="8" name="テキスト ボックス 7"/>
+          <p:cNvSpPr txBox="1"/>
+          <p:nvPr/>
+        </p:nvSpPr>
+        <p:spPr>
+          <a:xfrm>
+            <a:off x="3433011" y="5085347"/>
+            <a:ext cx="1800493" cy="369332"/>
+          </a:xfrm>
+          <a:prstGeom prst="rect">
+            <a:avLst/>
+          </a:prstGeom>
+          <a:noFill/>
+        </p:spPr>
+        <p:txBody>
+          <a:bodyPr wrap="none" rtlCol="0">
+            <a:spAutoFit/>
+          </a:bodyPr>
+          <a:lstStyle/>
+          <a:p>
+            <a:r>
+              <a:rPr kumimoji="1" lang="ja-JP" altLang="en-US" dirty="0" smtClean="0"/>
+              <a:t>図３　実行結果</a:t>
+            </a:r>
+            <a:endParaRPr kumimoji="1" lang="ja-JP" altLang="en-US" dirty="0"/>
+          </a:p>
+        </p:txBody>
+      </p:sp>
+      <p:cxnSp>
+        <p:nvCxnSpPr>
+          <p:cNvPr id="10" name="直線コネクタ 9"/>
+          <p:cNvCxnSpPr/>
+          <p:nvPr/>
+        </p:nvCxnSpPr>
+        <p:spPr>
+          <a:xfrm>
+            <a:off x="1259632" y="3861048"/>
+            <a:ext cx="3744416" cy="0"/>
+          </a:xfrm>
+          <a:prstGeom prst="line">
+            <a:avLst/>
+          </a:prstGeom>
+        </p:spPr>
+        <p:style>
+          <a:lnRef idx="1">
+            <a:schemeClr val="accent2"/>
+          </a:lnRef>
+          <a:fillRef idx="0">
+            <a:schemeClr val="accent2"/>
+          </a:fillRef>
+          <a:effectRef idx="0">
+            <a:schemeClr val="accent2"/>
+          </a:effectRef>
+          <a:fontRef idx="minor">
+            <a:schemeClr val="tx1"/>
+          </a:fontRef>
+        </p:style>
+      </p:cxnSp>
+      <p:cxnSp>
+        <p:nvCxnSpPr>
+          <p:cNvPr id="13" name="直線コネクタ 12"/>
+          <p:cNvCxnSpPr/>
+          <p:nvPr/>
+        </p:nvCxnSpPr>
+        <p:spPr>
+          <a:xfrm>
+            <a:off x="561633" y="4077072"/>
+            <a:ext cx="3290287" cy="0"/>
+          </a:xfrm>
+          <a:prstGeom prst="line">
+            <a:avLst/>
+          </a:prstGeom>
+        </p:spPr>
+        <p:style>
+          <a:lnRef idx="2">
+            <a:schemeClr val="accent1"/>
+          </a:lnRef>
+          <a:fillRef idx="0">
+            <a:schemeClr val="accent1"/>
+          </a:fillRef>
+          <a:effectRef idx="1">
+            <a:schemeClr val="accent1"/>
+          </a:effectRef>
+          <a:fontRef idx="minor">
+            <a:schemeClr val="tx1"/>
+          </a:fontRef>
+        </p:style>
+      </p:cxnSp>
+    </p:spTree>
+    <p:extLst>
+      <p:ext uri="{BB962C8B-B14F-4D97-AF65-F5344CB8AC3E}">
+        <p14:creationId xmlns:p14="http://schemas.microsoft.com/office/powerpoint/2010/main" val="1819674482"/>
+      </p:ext>
+    </p:extLst>
+  </p:cSld>
+  <p:clrMapOvr>
+    <a:masterClrMapping/>
+  </p:clrMapOvr>
+  <p:timing>
+    <p:tnLst>
+      <p:par>
+        <p:cTn id="1" dur="indefinite" restart="never" nodeType="tmRoot"/>
+      </p:par>
+    </p:tnLst>
+  </p:timing>
+</p:sld>
+</file>
+
+<file path=ppt/slides/slide27.xml><?xml version="1.0" encoding="utf-8"?>
+<p:sld xmlns:a="http://schemas.openxmlformats.org/drawingml/2006/main" xmlns:r="http://schemas.openxmlformats.org/officeDocument/2006/relationships" xmlns:p="http://schemas.openxmlformats.org/presentationml/2006/main">
+  <p:cSld>
+    <p:spTree>
+      <p:nvGrpSpPr>
+        <p:cNvPr id="1" name=""/>
+        <p:cNvGrpSpPr/>
+        <p:nvPr/>
+      </p:nvGrpSpPr>
+      <p:grpSpPr>
+        <a:xfrm>
+          <a:off x="0" y="0"/>
+          <a:ext cx="0" cy="0"/>
+          <a:chOff x="0" y="0"/>
+          <a:chExt cx="0" cy="0"/>
+        </a:xfrm>
+      </p:grpSpPr>
+      <p:sp>
+        <p:nvSpPr>
+          <p:cNvPr id="2" name="タイトル 1">
+            <a:extLst>
+              <a:ext uri="{FF2B5EF4-FFF2-40B4-BE49-F238E27FC236}">
+                <a16:creationId xmlns:a16="http://schemas.microsoft.com/office/drawing/2014/main" xmlns="" id="{B3FE859B-9E96-FF48-B6D0-9882C0799FE0}"/>
+              </a:ext>
+            </a:extLst>
+          </p:cNvPr>
+          <p:cNvSpPr>
+            <a:spLocks noGrp="1"/>
+          </p:cNvSpPr>
+          <p:nvPr>
+            <p:ph type="title"/>
+          </p:nvPr>
+        </p:nvSpPr>
+        <p:spPr/>
+        <p:txBody>
+          <a:bodyPr/>
+          <a:lstStyle/>
+          <a:p>
+            <a:r>
+              <a:rPr kumimoji="1" lang="ja-JP" altLang="en-US"/>
+              <a:t>課題</a:t>
+            </a:r>
+          </a:p>
+        </p:txBody>
+      </p:sp>
+      <p:sp>
+        <p:nvSpPr>
+          <p:cNvPr id="3" name="コンテンツ プレースホルダー 2">
+            <a:extLst>
+              <a:ext uri="{FF2B5EF4-FFF2-40B4-BE49-F238E27FC236}">
+                <a16:creationId xmlns:a16="http://schemas.microsoft.com/office/drawing/2014/main" xmlns="" id="{C9426B92-B841-EC41-AE66-266865D101CA}"/>
+              </a:ext>
+            </a:extLst>
+          </p:cNvPr>
+          <p:cNvSpPr>
+            <a:spLocks noGrp="1"/>
+          </p:cNvSpPr>
+          <p:nvPr>
+            <p:ph idx="1"/>
+          </p:nvPr>
+        </p:nvSpPr>
+        <p:spPr/>
+        <p:txBody>
+          <a:bodyPr/>
+          <a:lstStyle/>
+          <a:p>
+            <a:r>
+              <a:rPr kumimoji="1" lang="ja-JP" altLang="en-US" dirty="0"/>
+              <a:t>シミュレータの中身を実装</a:t>
+            </a:r>
+            <a:endParaRPr kumimoji="1" lang="en-US" altLang="ja-JP" dirty="0"/>
+          </a:p>
+          <a:p>
+            <a:r>
+              <a:rPr lang="en-US" altLang="ja-JP" dirty="0" err="1"/>
+              <a:t>netJson</a:t>
+            </a:r>
+            <a:r>
+              <a:rPr lang="ja-JP" altLang="en-US" dirty="0"/>
+              <a:t>を</a:t>
+            </a:r>
+            <a:r>
+              <a:rPr lang="ja-JP" altLang="en-US" dirty="0" smtClean="0"/>
+              <a:t>実装</a:t>
+            </a:r>
+            <a:endParaRPr lang="en-US" altLang="ja-JP" dirty="0" smtClean="0"/>
+          </a:p>
+          <a:p>
+            <a:r>
+              <a:rPr lang="ja-JP" altLang="en-US" dirty="0" smtClean="0"/>
+              <a:t>署名プログラムを</a:t>
+            </a:r>
+            <a:r>
+              <a:rPr lang="en-US" altLang="ja-JP" dirty="0" smtClean="0"/>
+              <a:t>Ruby</a:t>
+            </a:r>
+            <a:r>
+              <a:rPr lang="ja-JP" altLang="en-US" smtClean="0"/>
+              <a:t>で書く</a:t>
+            </a:r>
+            <a:endParaRPr kumimoji="1" lang="ja-JP" altLang="en-US" dirty="0"/>
+          </a:p>
+        </p:txBody>
+      </p:sp>
+      <p:sp>
+        <p:nvSpPr>
+          <p:cNvPr id="4" name="スライド番号プレースホルダー 3">
+            <a:extLst>
+              <a:ext uri="{FF2B5EF4-FFF2-40B4-BE49-F238E27FC236}">
+                <a16:creationId xmlns:a16="http://schemas.microsoft.com/office/drawing/2014/main" xmlns="" id="{DDC9D877-92B1-0E45-A7B3-DB4A59418945}"/>
+              </a:ext>
+            </a:extLst>
+          </p:cNvPr>
+          <p:cNvSpPr>
+            <a:spLocks noGrp="1"/>
+          </p:cNvSpPr>
+          <p:nvPr>
+            <p:ph type="sldNum" sz="quarter" idx="12"/>
+          </p:nvPr>
+        </p:nvSpPr>
+        <p:spPr/>
+        <p:txBody>
+          <a:bodyPr/>
+          <a:lstStyle/>
+          <a:p>
+            <a:pPr algn="ctr"/>
+            <a:fld id="{CA23F248-F353-4F36-A746-B1953A38AE2D}" type="slidenum">
+              <a:rPr lang="ja-JP" altLang="en-US" smtClean="0"/>
+              <a:pPr algn="ctr"/>
+              <a:t>27</a:t>
+            </a:fld>
+            <a:endParaRPr lang="ja-JP" altLang="en-US" dirty="0"/>
+          </a:p>
+        </p:txBody>
+      </p:sp>
+    </p:spTree>
+    <p:extLst>
+      <p:ext uri="{BB962C8B-B14F-4D97-AF65-F5344CB8AC3E}">
+        <p14:creationId xmlns:p14="http://schemas.microsoft.com/office/powerpoint/2010/main" val="1226044011"/>
+      </p:ext>
+    </p:extLst>
+  </p:cSld>
+  <p:clrMapOvr>
+    <a:masterClrMapping/>
+  </p:clrMapOvr>
+  <p:timing>
+    <p:tnLst>
+      <p:par>
+        <p:cTn id="1" dur="indefinite" restart="never" nodeType="tmRoot"/>
+      </p:par>
+    </p:tnLst>
+  </p:timing>
 </p:sld>
 </file>
 
@@ -4896,7 +10214,7 @@
           <p:cNvPr id="2" name="タイトル 1">
             <a:extLst>
               <a:ext uri="{FF2B5EF4-FFF2-40B4-BE49-F238E27FC236}">
-                <a16:creationId xmlns:a16="http://schemas.microsoft.com/office/drawing/2014/main" id="{63F6A28C-FA55-774A-9470-7D9F40E9C8BD}"/>
+                <a16:creationId xmlns:a16="http://schemas.microsoft.com/office/drawing/2014/main" xmlns="" id="{63F6A28C-FA55-774A-9470-7D9F40E9C8BD}"/>
               </a:ext>
             </a:extLst>
           </p:cNvPr>
@@ -4924,7 +10242,7 @@
           <p:cNvPr id="3" name="コンテンツ プレースホルダー 2">
             <a:extLst>
               <a:ext uri="{FF2B5EF4-FFF2-40B4-BE49-F238E27FC236}">
-                <a16:creationId xmlns:a16="http://schemas.microsoft.com/office/drawing/2014/main" id="{AD7B3838-E620-2D4B-ABB5-D9E1D19E924F}"/>
+                <a16:creationId xmlns:a16="http://schemas.microsoft.com/office/drawing/2014/main" xmlns="" id="{AD7B3838-E620-2D4B-ABB5-D9E1D19E924F}"/>
               </a:ext>
             </a:extLst>
           </p:cNvPr>
@@ -4948,7 +10266,7 @@
               <a:t>Gem</a:t>
             </a:r>
             <a:r>
-              <a:rPr kumimoji="1" lang="ja-JP" altLang="en-US"/>
+              <a:rPr kumimoji="1" lang="ja-JP" altLang="en-US" dirty="0"/>
               <a:t>を用いての導入</a:t>
             </a:r>
             <a:endParaRPr kumimoji="1" lang="en-US" altLang="ja-JP" dirty="0"/>
@@ -4961,7 +10279,7 @@
           </a:p>
           <a:p>
             <a:r>
-              <a:rPr kumimoji="1" lang="ja-JP" altLang="en-US"/>
+              <a:rPr kumimoji="1" lang="ja-JP" altLang="en-US" dirty="0"/>
               <a:t>マニフェストを用いての導入</a:t>
             </a:r>
           </a:p>
@@ -4972,7 +10290,7 @@
           <p:cNvPr id="4" name="スライド番号プレースホルダー 3">
             <a:extLst>
               <a:ext uri="{FF2B5EF4-FFF2-40B4-BE49-F238E27FC236}">
-                <a16:creationId xmlns:a16="http://schemas.microsoft.com/office/drawing/2014/main" id="{9DB22194-DC14-344B-AE03-8C8D14659554}"/>
+                <a16:creationId xmlns:a16="http://schemas.microsoft.com/office/drawing/2014/main" xmlns="" id="{9DB22194-DC14-344B-AE03-8C8D14659554}"/>
               </a:ext>
             </a:extLst>
           </p:cNvPr>
@@ -5008,6 +10326,13 @@
   <p:clrMapOvr>
     <a:masterClrMapping/>
   </p:clrMapOvr>
+  <p:timing>
+    <p:tnLst>
+      <p:par>
+        <p:cTn id="1" dur="indefinite" restart="never" nodeType="tmRoot"/>
+      </p:par>
+    </p:tnLst>
+  </p:timing>
 </p:sld>
 </file>
 
@@ -5033,7 +10358,7 @@
           <p:cNvPr id="2" name="タイトル 1">
             <a:extLst>
               <a:ext uri="{FF2B5EF4-FFF2-40B4-BE49-F238E27FC236}">
-                <a16:creationId xmlns:a16="http://schemas.microsoft.com/office/drawing/2014/main" id="{977C6D6D-4E6F-954B-BA93-991259A8192F}"/>
+                <a16:creationId xmlns:a16="http://schemas.microsoft.com/office/drawing/2014/main" xmlns="" id="{977C6D6D-4E6F-954B-BA93-991259A8192F}"/>
               </a:ext>
             </a:extLst>
           </p:cNvPr>
@@ -5065,7 +10390,7 @@
           <p:cNvPr id="3" name="コンテンツ プレースホルダー 2">
             <a:extLst>
               <a:ext uri="{FF2B5EF4-FFF2-40B4-BE49-F238E27FC236}">
-                <a16:creationId xmlns:a16="http://schemas.microsoft.com/office/drawing/2014/main" id="{D99A729D-BE13-9949-A35C-1B6FBCDBFF5D}"/>
+                <a16:creationId xmlns:a16="http://schemas.microsoft.com/office/drawing/2014/main" xmlns="" id="{D99A729D-BE13-9949-A35C-1B6FBCDBFF5D}"/>
               </a:ext>
             </a:extLst>
           </p:cNvPr>
@@ -5135,7 +10460,7 @@
           <p:cNvPr id="4" name="スライド番号プレースホルダー 3">
             <a:extLst>
               <a:ext uri="{FF2B5EF4-FFF2-40B4-BE49-F238E27FC236}">
-                <a16:creationId xmlns:a16="http://schemas.microsoft.com/office/drawing/2014/main" id="{3DB6481F-9C4E-E940-9E71-B1551FC9E3BB}"/>
+                <a16:creationId xmlns:a16="http://schemas.microsoft.com/office/drawing/2014/main" xmlns="" id="{3DB6481F-9C4E-E940-9E71-B1551FC9E3BB}"/>
               </a:ext>
             </a:extLst>
           </p:cNvPr>
@@ -5171,6 +10496,13 @@
   <p:clrMapOvr>
     <a:masterClrMapping/>
   </p:clrMapOvr>
+  <p:timing>
+    <p:tnLst>
+      <p:par>
+        <p:cTn id="1" dur="indefinite" restart="never" nodeType="tmRoot"/>
+      </p:par>
+    </p:tnLst>
+  </p:timing>
 </p:sld>
 </file>
 
@@ -5196,7 +10528,7 @@
           <p:cNvPr id="2" name="タイトル 1">
             <a:extLst>
               <a:ext uri="{FF2B5EF4-FFF2-40B4-BE49-F238E27FC236}">
-                <a16:creationId xmlns:a16="http://schemas.microsoft.com/office/drawing/2014/main" id="{B68E727D-968A-6E48-A56A-9E0942D9230A}"/>
+                <a16:creationId xmlns:a16="http://schemas.microsoft.com/office/drawing/2014/main" xmlns="" id="{B68E727D-968A-6E48-A56A-9E0942D9230A}"/>
               </a:ext>
             </a:extLst>
           </p:cNvPr>
@@ -5224,7 +10556,7 @@
           <p:cNvPr id="4" name="スライド番号プレースホルダー 3">
             <a:extLst>
               <a:ext uri="{FF2B5EF4-FFF2-40B4-BE49-F238E27FC236}">
-                <a16:creationId xmlns:a16="http://schemas.microsoft.com/office/drawing/2014/main" id="{73D7005A-24B4-214C-BF60-7EF9F69FC2F4}"/>
+                <a16:creationId xmlns:a16="http://schemas.microsoft.com/office/drawing/2014/main" xmlns="" id="{73D7005A-24B4-214C-BF60-7EF9F69FC2F4}"/>
               </a:ext>
             </a:extLst>
           </p:cNvPr>
@@ -5260,7 +10592,7 @@
           <p:cNvPr id="5" name="コンテンツ プレースホルダー 3">
             <a:extLst>
               <a:ext uri="{FF2B5EF4-FFF2-40B4-BE49-F238E27FC236}">
-                <a16:creationId xmlns:a16="http://schemas.microsoft.com/office/drawing/2014/main" id="{78DD0AE1-E8E1-AA43-8F96-2298D01B80B7}"/>
+                <a16:creationId xmlns:a16="http://schemas.microsoft.com/office/drawing/2014/main" xmlns="" id="{78DD0AE1-E8E1-AA43-8F96-2298D01B80B7}"/>
               </a:ext>
             </a:extLst>
           </p:cNvPr>
@@ -5297,6 +10629,13 @@
   <p:clrMapOvr>
     <a:masterClrMapping/>
   </p:clrMapOvr>
+  <p:timing>
+    <p:tnLst>
+      <p:par>
+        <p:cTn id="1" dur="indefinite" restart="never" nodeType="tmRoot"/>
+      </p:par>
+    </p:tnLst>
+  </p:timing>
 </p:sld>
 </file>
 
@@ -5322,7 +10661,7 @@
           <p:cNvPr id="2" name="タイトル 1">
             <a:extLst>
               <a:ext uri="{FF2B5EF4-FFF2-40B4-BE49-F238E27FC236}">
-                <a16:creationId xmlns:a16="http://schemas.microsoft.com/office/drawing/2014/main" id="{B68E727D-968A-6E48-A56A-9E0942D9230A}"/>
+                <a16:creationId xmlns:a16="http://schemas.microsoft.com/office/drawing/2014/main" xmlns="" id="{B68E727D-968A-6E48-A56A-9E0942D9230A}"/>
               </a:ext>
             </a:extLst>
           </p:cNvPr>
@@ -5350,7 +10689,7 @@
           <p:cNvPr id="4" name="スライド番号プレースホルダー 3">
             <a:extLst>
               <a:ext uri="{FF2B5EF4-FFF2-40B4-BE49-F238E27FC236}">
-                <a16:creationId xmlns:a16="http://schemas.microsoft.com/office/drawing/2014/main" id="{73D7005A-24B4-214C-BF60-7EF9F69FC2F4}"/>
+                <a16:creationId xmlns:a16="http://schemas.microsoft.com/office/drawing/2014/main" xmlns="" id="{73D7005A-24B4-214C-BF60-7EF9F69FC2F4}"/>
               </a:ext>
             </a:extLst>
           </p:cNvPr>
@@ -5386,7 +10725,7 @@
           <p:cNvPr id="5" name="コンテンツ プレースホルダー 3">
             <a:extLst>
               <a:ext uri="{FF2B5EF4-FFF2-40B4-BE49-F238E27FC236}">
-                <a16:creationId xmlns:a16="http://schemas.microsoft.com/office/drawing/2014/main" id="{78DD0AE1-E8E1-AA43-8F96-2298D01B80B7}"/>
+                <a16:creationId xmlns:a16="http://schemas.microsoft.com/office/drawing/2014/main" xmlns="" id="{78DD0AE1-E8E1-AA43-8F96-2298D01B80B7}"/>
               </a:ext>
             </a:extLst>
           </p:cNvPr>
@@ -5418,7 +10757,7 @@
           <p:cNvPr id="6" name="ドーナツ 5">
             <a:extLst>
               <a:ext uri="{FF2B5EF4-FFF2-40B4-BE49-F238E27FC236}">
-                <a16:creationId xmlns:a16="http://schemas.microsoft.com/office/drawing/2014/main" id="{C20A56B9-1DA9-774D-8F5D-6CBE81BE1FD1}"/>
+                <a16:creationId xmlns:a16="http://schemas.microsoft.com/office/drawing/2014/main" xmlns="" id="{C20A56B9-1DA9-774D-8F5D-6CBE81BE1FD1}"/>
               </a:ext>
             </a:extLst>
           </p:cNvPr>
@@ -5478,7 +10817,7 @@
           <p:cNvPr id="7" name="ドーナツ 6">
             <a:extLst>
               <a:ext uri="{FF2B5EF4-FFF2-40B4-BE49-F238E27FC236}">
-                <a16:creationId xmlns:a16="http://schemas.microsoft.com/office/drawing/2014/main" id="{D6976C1D-CC14-0A41-BADE-A9492D2C8040}"/>
+                <a16:creationId xmlns:a16="http://schemas.microsoft.com/office/drawing/2014/main" xmlns="" id="{D6976C1D-CC14-0A41-BADE-A9492D2C8040}"/>
               </a:ext>
             </a:extLst>
           </p:cNvPr>
@@ -5538,7 +10877,7 @@
           <p:cNvPr id="3" name="右矢印 2">
             <a:extLst>
               <a:ext uri="{FF2B5EF4-FFF2-40B4-BE49-F238E27FC236}">
-                <a16:creationId xmlns:a16="http://schemas.microsoft.com/office/drawing/2014/main" id="{E7C54621-DAE7-B04B-9534-99F5636B0C55}"/>
+                <a16:creationId xmlns:a16="http://schemas.microsoft.com/office/drawing/2014/main" xmlns="" id="{E7C54621-DAE7-B04B-9534-99F5636B0C55}"/>
               </a:ext>
             </a:extLst>
           </p:cNvPr>
@@ -5592,7 +10931,7 @@
           <p:cNvPr id="8" name="テキスト ボックス 7">
             <a:extLst>
               <a:ext uri="{FF2B5EF4-FFF2-40B4-BE49-F238E27FC236}">
-                <a16:creationId xmlns:a16="http://schemas.microsoft.com/office/drawing/2014/main" id="{563A59D8-5216-144F-887B-9DA9EAFAA6F4}"/>
+                <a16:creationId xmlns:a16="http://schemas.microsoft.com/office/drawing/2014/main" xmlns="" id="{563A59D8-5216-144F-887B-9DA9EAFAA6F4}"/>
               </a:ext>
             </a:extLst>
           </p:cNvPr>
@@ -5644,6 +10983,13 @@
   <p:clrMapOvr>
     <a:masterClrMapping/>
   </p:clrMapOvr>
+  <p:timing>
+    <p:tnLst>
+      <p:par>
+        <p:cTn id="1" dur="indefinite" restart="never" nodeType="tmRoot"/>
+      </p:par>
+    </p:tnLst>
+  </p:timing>
 </p:sld>
 </file>
 
@@ -5669,7 +11015,7 @@
           <p:cNvPr id="2" name="タイトル 1">
             <a:extLst>
               <a:ext uri="{FF2B5EF4-FFF2-40B4-BE49-F238E27FC236}">
-                <a16:creationId xmlns:a16="http://schemas.microsoft.com/office/drawing/2014/main" id="{B68E727D-968A-6E48-A56A-9E0942D9230A}"/>
+                <a16:creationId xmlns:a16="http://schemas.microsoft.com/office/drawing/2014/main" xmlns="" id="{B68E727D-968A-6E48-A56A-9E0942D9230A}"/>
               </a:ext>
             </a:extLst>
           </p:cNvPr>
@@ -5697,7 +11043,7 @@
           <p:cNvPr id="4" name="スライド番号プレースホルダー 3">
             <a:extLst>
               <a:ext uri="{FF2B5EF4-FFF2-40B4-BE49-F238E27FC236}">
-                <a16:creationId xmlns:a16="http://schemas.microsoft.com/office/drawing/2014/main" id="{73D7005A-24B4-214C-BF60-7EF9F69FC2F4}"/>
+                <a16:creationId xmlns:a16="http://schemas.microsoft.com/office/drawing/2014/main" xmlns="" id="{73D7005A-24B4-214C-BF60-7EF9F69FC2F4}"/>
               </a:ext>
             </a:extLst>
           </p:cNvPr>
@@ -5733,7 +11079,7 @@
           <p:cNvPr id="5" name="コンテンツ プレースホルダー 3">
             <a:extLst>
               <a:ext uri="{FF2B5EF4-FFF2-40B4-BE49-F238E27FC236}">
-                <a16:creationId xmlns:a16="http://schemas.microsoft.com/office/drawing/2014/main" id="{78DD0AE1-E8E1-AA43-8F96-2298D01B80B7}"/>
+                <a16:creationId xmlns:a16="http://schemas.microsoft.com/office/drawing/2014/main" xmlns="" id="{78DD0AE1-E8E1-AA43-8F96-2298D01B80B7}"/>
               </a:ext>
             </a:extLst>
           </p:cNvPr>
@@ -5765,7 +11111,7 @@
           <p:cNvPr id="6" name="ドーナツ 5">
             <a:extLst>
               <a:ext uri="{FF2B5EF4-FFF2-40B4-BE49-F238E27FC236}">
-                <a16:creationId xmlns:a16="http://schemas.microsoft.com/office/drawing/2014/main" id="{0D905F45-77B1-7C49-AD52-A24F665458AA}"/>
+                <a16:creationId xmlns:a16="http://schemas.microsoft.com/office/drawing/2014/main" xmlns="" id="{0D905F45-77B1-7C49-AD52-A24F665458AA}"/>
               </a:ext>
             </a:extLst>
           </p:cNvPr>
@@ -5825,7 +11171,7 @@
           <p:cNvPr id="7" name="ドーナツ 6">
             <a:extLst>
               <a:ext uri="{FF2B5EF4-FFF2-40B4-BE49-F238E27FC236}">
-                <a16:creationId xmlns:a16="http://schemas.microsoft.com/office/drawing/2014/main" id="{A8AE5DFC-CA78-0C45-BA5D-FEAC81071A87}"/>
+                <a16:creationId xmlns:a16="http://schemas.microsoft.com/office/drawing/2014/main" xmlns="" id="{A8AE5DFC-CA78-0C45-BA5D-FEAC81071A87}"/>
               </a:ext>
             </a:extLst>
           </p:cNvPr>
@@ -5885,7 +11231,7 @@
           <p:cNvPr id="9" name="ドーナツ 8">
             <a:extLst>
               <a:ext uri="{FF2B5EF4-FFF2-40B4-BE49-F238E27FC236}">
-                <a16:creationId xmlns:a16="http://schemas.microsoft.com/office/drawing/2014/main" id="{77C8BFD5-D173-BB4C-9D7B-C8141F0C4131}"/>
+                <a16:creationId xmlns:a16="http://schemas.microsoft.com/office/drawing/2014/main" xmlns="" id="{77C8BFD5-D173-BB4C-9D7B-C8141F0C4131}"/>
               </a:ext>
             </a:extLst>
           </p:cNvPr>
@@ -5950,6 +11296,13 @@
   <p:clrMapOvr>
     <a:masterClrMapping/>
   </p:clrMapOvr>
+  <p:timing>
+    <p:tnLst>
+      <p:par>
+        <p:cTn id="1" dur="indefinite" restart="never" nodeType="tmRoot"/>
+      </p:par>
+    </p:tnLst>
+  </p:timing>
 </p:sld>
 </file>
 
@@ -5975,7 +11328,7 @@
           <p:cNvPr id="2" name="タイトル 1">
             <a:extLst>
               <a:ext uri="{FF2B5EF4-FFF2-40B4-BE49-F238E27FC236}">
-                <a16:creationId xmlns:a16="http://schemas.microsoft.com/office/drawing/2014/main" id="{95BDE7BF-3EB5-CF44-93A0-6CE85CB505E3}"/>
+                <a16:creationId xmlns:a16="http://schemas.microsoft.com/office/drawing/2014/main" xmlns="" id="{95BDE7BF-3EB5-CF44-93A0-6CE85CB505E3}"/>
               </a:ext>
             </a:extLst>
           </p:cNvPr>
@@ -6003,7 +11356,7 @@
           <p:cNvPr id="3" name="コンテンツ プレースホルダー 2">
             <a:extLst>
               <a:ext uri="{FF2B5EF4-FFF2-40B4-BE49-F238E27FC236}">
-                <a16:creationId xmlns:a16="http://schemas.microsoft.com/office/drawing/2014/main" id="{C933D26E-6FA2-EF4C-B95B-2893E9ABA497}"/>
+                <a16:creationId xmlns:a16="http://schemas.microsoft.com/office/drawing/2014/main" xmlns="" id="{C933D26E-6FA2-EF4C-B95B-2893E9ABA497}"/>
               </a:ext>
             </a:extLst>
           </p:cNvPr>
@@ -6044,7 +11397,7 @@
           <p:cNvPr id="4" name="スライド番号プレースホルダー 3">
             <a:extLst>
               <a:ext uri="{FF2B5EF4-FFF2-40B4-BE49-F238E27FC236}">
-                <a16:creationId xmlns:a16="http://schemas.microsoft.com/office/drawing/2014/main" id="{5690E311-AD55-C347-85E5-CBA3D8026668}"/>
+                <a16:creationId xmlns:a16="http://schemas.microsoft.com/office/drawing/2014/main" xmlns="" id="{5690E311-AD55-C347-85E5-CBA3D8026668}"/>
               </a:ext>
             </a:extLst>
           </p:cNvPr>
@@ -6080,6 +11433,13 @@
   <p:clrMapOvr>
     <a:masterClrMapping/>
   </p:clrMapOvr>
+  <p:timing>
+    <p:tnLst>
+      <p:par>
+        <p:cTn id="1" dur="indefinite" restart="never" nodeType="tmRoot"/>
+      </p:par>
+    </p:tnLst>
+  </p:timing>
 </p:sld>
 </file>
 
@@ -6105,7 +11465,7 @@
           <p:cNvPr id="2" name="タイトル 1">
             <a:extLst>
               <a:ext uri="{FF2B5EF4-FFF2-40B4-BE49-F238E27FC236}">
-                <a16:creationId xmlns:a16="http://schemas.microsoft.com/office/drawing/2014/main" id="{1A04E5EE-1FD1-5D4B-9694-3F28446FC325}"/>
+                <a16:creationId xmlns:a16="http://schemas.microsoft.com/office/drawing/2014/main" xmlns="" id="{1A04E5EE-1FD1-5D4B-9694-3F28446FC325}"/>
               </a:ext>
             </a:extLst>
           </p:cNvPr>
@@ -6133,7 +11493,7 @@
           <p:cNvPr id="3" name="コンテンツ プレースホルダー 2">
             <a:extLst>
               <a:ext uri="{FF2B5EF4-FFF2-40B4-BE49-F238E27FC236}">
-                <a16:creationId xmlns:a16="http://schemas.microsoft.com/office/drawing/2014/main" id="{EA0DF991-2031-4040-BEE0-3536F0024678}"/>
+                <a16:creationId xmlns:a16="http://schemas.microsoft.com/office/drawing/2014/main" xmlns="" id="{EA0DF991-2031-4040-BEE0-3536F0024678}"/>
               </a:ext>
             </a:extLst>
           </p:cNvPr>
@@ -6157,7 +11517,7 @@
           </a:p>
           <a:p>
             <a:r>
-              <a:rPr lang="ja-JP" altLang="en-US"/>
+              <a:rPr lang="ja-JP" altLang="en-US" dirty="0"/>
               <a:t>魚本、大須賀、中村</a:t>
             </a:r>
             <a:r>
@@ -6165,7 +11525,7 @@
               <a:t>(2018)</a:t>
             </a:r>
             <a:r>
-              <a:rPr lang="ja-JP" altLang="en-US"/>
+              <a:rPr lang="ja-JP" altLang="en-US" dirty="0"/>
               <a:t>らと同じ環境を再現</a:t>
             </a:r>
             <a:endParaRPr lang="en-US" altLang="ja-JP" dirty="0"/>
@@ -6193,7 +11553,7 @@
               <a:t>	</a:t>
             </a:r>
             <a:r>
-              <a:rPr kumimoji="1" lang="ja-JP" altLang="en-US"/>
+              <a:rPr kumimoji="1" lang="ja-JP" altLang="en-US" dirty="0"/>
               <a:t>使用できないプラグインが多数存在</a:t>
             </a:r>
           </a:p>
@@ -6204,7 +11564,7 @@
           <p:cNvPr id="4" name="スライド番号プレースホルダー 3">
             <a:extLst>
               <a:ext uri="{FF2B5EF4-FFF2-40B4-BE49-F238E27FC236}">
-                <a16:creationId xmlns:a16="http://schemas.microsoft.com/office/drawing/2014/main" id="{CAC64973-2262-C94A-AB0E-F1EC3D548D08}"/>
+                <a16:creationId xmlns:a16="http://schemas.microsoft.com/office/drawing/2014/main" xmlns="" id="{CAC64973-2262-C94A-AB0E-F1EC3D548D08}"/>
               </a:ext>
             </a:extLst>
           </p:cNvPr>
@@ -6235,7 +11595,7 @@
           <p:cNvPr id="5" name="下矢印 4">
             <a:extLst>
               <a:ext uri="{FF2B5EF4-FFF2-40B4-BE49-F238E27FC236}">
-                <a16:creationId xmlns:a16="http://schemas.microsoft.com/office/drawing/2014/main" id="{53A1B1BA-4D4E-684F-A351-ED8C1472F298}"/>
+                <a16:creationId xmlns:a16="http://schemas.microsoft.com/office/drawing/2014/main" xmlns="" id="{53A1B1BA-4D4E-684F-A351-ED8C1472F298}"/>
               </a:ext>
             </a:extLst>
           </p:cNvPr>
@@ -6303,6 +11663,13 @@
   <p:clrMapOvr>
     <a:masterClrMapping/>
   </p:clrMapOvr>
+  <p:timing>
+    <p:tnLst>
+      <p:par>
+        <p:cTn id="1" dur="indefinite" restart="never" nodeType="tmRoot"/>
+      </p:par>
+    </p:tnLst>
+  </p:timing>
 </p:sld>
 </file>
 
@@ -6347,12 +11714,12 @@
         <a:srgbClr val="800080"/>
       </a:folHlink>
     </a:clrScheme>
-    <a:fontScheme name="Office">
+    <a:fontScheme name="Century Gothic">
       <a:majorFont>
-        <a:latin typeface="Calibri"/>
+        <a:latin typeface="Century Gothic" panose="020F0302020204030204"/>
         <a:ea typeface=""/>
         <a:cs typeface=""/>
-        <a:font script="Jpan" typeface="ＭＳ Ｐゴシック"/>
+        <a:font script="Jpan" typeface="メイリオ"/>
         <a:font script="Hang" typeface="맑은 고딕"/>
         <a:font script="Hans" typeface="宋体"/>
         <a:font script="Hant" typeface="新細明體"/>
@@ -6384,10 +11751,10 @@
         <a:font script="Geor" typeface="Sylfaen"/>
       </a:majorFont>
       <a:minorFont>
-        <a:latin typeface="Calibri"/>
+        <a:latin typeface="Century Gothic" panose="020F0302020204030204"/>
         <a:ea typeface=""/>
         <a:cs typeface=""/>
-        <a:font script="Jpan" typeface="ＭＳ Ｐゴシック"/>
+        <a:font script="Jpan" typeface="メイリオ"/>
         <a:font script="Hang" typeface="맑은 고딕"/>
         <a:font script="Hans" typeface="宋体"/>
         <a:font script="Hant" typeface="新細明體"/>

--- a/1005進捗.pptx
+++ b/1005進捗.pptx
@@ -190,32 +190,16 @@
 <file path=ppt/commentAuthors.xml><?xml version="1.0" encoding="utf-8"?>
 <p:cmAuthorLst xmlns:a="http://schemas.openxmlformats.org/drawingml/2006/main" xmlns:r="http://schemas.openxmlformats.org/officeDocument/2006/relationships" xmlns:p="http://schemas.openxmlformats.org/presentationml/2006/main">
   <p:cmAuthor id="1" name="菅原良太" initials="菅原良太" lastIdx="1" clrIdx="0">
-    <p:extLst>
-      <p:ext uri="{19B8F6BF-5375-455C-9EA6-DF929625EA0E}">
-        <p15:presenceInfo xmlns:p15="http://schemas.microsoft.com/office/powerpoint/2012/main" userId="" providerId=""/>
-      </p:ext>
-    </p:extLst>
+    <p:extLst/>
   </p:cmAuthor>
   <p:cmAuthor id="2" name="菅原良太" initials="菅原良太 [2]" lastIdx="1" clrIdx="1">
-    <p:extLst>
-      <p:ext uri="{19B8F6BF-5375-455C-9EA6-DF929625EA0E}">
-        <p15:presenceInfo xmlns:p15="http://schemas.microsoft.com/office/powerpoint/2012/main" userId="" providerId=""/>
-      </p:ext>
-    </p:extLst>
+    <p:extLst/>
   </p:cmAuthor>
   <p:cmAuthor id="3" name="菅原良太" initials="菅原良太 [3]" lastIdx="1" clrIdx="2">
-    <p:extLst>
-      <p:ext uri="{19B8F6BF-5375-455C-9EA6-DF929625EA0E}">
-        <p15:presenceInfo xmlns:p15="http://schemas.microsoft.com/office/powerpoint/2012/main" userId="" providerId=""/>
-      </p:ext>
-    </p:extLst>
+    <p:extLst/>
   </p:cmAuthor>
   <p:cmAuthor id="4" name="菅原良太" initials="菅原良太 [4]" lastIdx="1" clrIdx="3">
-    <p:extLst>
-      <p:ext uri="{19B8F6BF-5375-455C-9EA6-DF929625EA0E}">
-        <p15:presenceInfo xmlns:p15="http://schemas.microsoft.com/office/powerpoint/2012/main" userId="" providerId=""/>
-      </p:ext>
-    </p:extLst>
+    <p:extLst/>
   </p:cmAuthor>
 </p:cmAuthorLst>
 </file>
@@ -1346,13 +1330,6 @@
   <p:clrMapOvr>
     <a:masterClrMapping/>
   </p:clrMapOvr>
-  <p:timing>
-    <p:tnLst>
-      <p:par>
-        <p:cTn id="1" dur="indefinite" restart="never" nodeType="tmRoot"/>
-      </p:par>
-    </p:tnLst>
-  </p:timing>
 </p:sldLayout>
 </file>
 
@@ -1553,13 +1530,6 @@
   <p:clrMapOvr>
     <a:masterClrMapping/>
   </p:clrMapOvr>
-  <p:timing>
-    <p:tnLst>
-      <p:par>
-        <p:cTn id="1" dur="indefinite" restart="never" nodeType="tmRoot"/>
-      </p:par>
-    </p:tnLst>
-  </p:timing>
 </p:sldLayout>
 </file>
 
@@ -1770,13 +1740,6 @@
   <p:clrMapOvr>
     <a:masterClrMapping/>
   </p:clrMapOvr>
-  <p:timing>
-    <p:tnLst>
-      <p:par>
-        <p:cTn id="1" dur="indefinite" restart="never" nodeType="tmRoot"/>
-      </p:par>
-    </p:tnLst>
-  </p:timing>
 </p:sldLayout>
 </file>
 
@@ -2054,13 +2017,6 @@
   <p:clrMapOvr>
     <a:masterClrMapping/>
   </p:clrMapOvr>
-  <p:timing>
-    <p:tnLst>
-      <p:par>
-        <p:cTn id="1" dur="indefinite" restart="never" nodeType="tmRoot"/>
-      </p:par>
-    </p:tnLst>
-  </p:timing>
 </p:sldLayout>
 </file>
 
@@ -2306,13 +2262,6 @@
   <p:clrMapOvr>
     <a:masterClrMapping/>
   </p:clrMapOvr>
-  <p:timing>
-    <p:tnLst>
-      <p:par>
-        <p:cTn id="1" dur="indefinite" restart="never" nodeType="tmRoot"/>
-      </p:par>
-    </p:tnLst>
-  </p:timing>
 </p:sldLayout>
 </file>
 
@@ -3919,13 +3868,6 @@
   <p:clrMapOvr>
     <a:masterClrMapping/>
   </p:clrMapOvr>
-  <p:timing>
-    <p:tnLst>
-      <p:par>
-        <p:cTn id="1" dur="indefinite" restart="never" nodeType="tmRoot"/>
-      </p:par>
-    </p:tnLst>
-  </p:timing>
 </p:sldLayout>
 </file>
 
@@ -4216,13 +4158,6 @@
     <p:sldLayoutId id="2147483658" r:id="rId10"/>
     <p:sldLayoutId id="2147483659" r:id="rId11"/>
   </p:sldLayoutIdLst>
-  <p:timing>
-    <p:tnLst>
-      <p:par>
-        <p:cTn id="1" dur="indefinite" restart="never" nodeType="tmRoot"/>
-      </p:par>
-    </p:tnLst>
-  </p:timing>
   <p:hf hdr="0" ftr="0" dt="0"/>
   <p:txStyles>
     <p:titleStyle>
@@ -4561,13 +4496,6 @@
   <p:clrMapOvr>
     <a:masterClrMapping/>
   </p:clrMapOvr>
-  <p:timing>
-    <p:tnLst>
-      <p:par>
-        <p:cTn id="1" dur="indefinite" restart="never" nodeType="tmRoot"/>
-      </p:par>
-    </p:tnLst>
-  </p:timing>
 </p:sld>
 </file>
 
@@ -4593,7 +4521,7 @@
           <p:cNvPr id="2" name="タイトル 1">
             <a:extLst>
               <a:ext uri="{FF2B5EF4-FFF2-40B4-BE49-F238E27FC236}">
-                <a16:creationId xmlns:a16="http://schemas.microsoft.com/office/drawing/2014/main" xmlns="" id="{921422F4-0A7B-744C-9584-7B9A45839829}"/>
+                <a16:creationId xmlns:a16="http://schemas.microsoft.com/office/drawing/2014/main" id="{921422F4-0A7B-744C-9584-7B9A45839829}"/>
               </a:ext>
             </a:extLst>
           </p:cNvPr>
@@ -4621,7 +4549,7 @@
           <p:cNvPr id="6" name="コンテンツ プレースホルダー 5">
             <a:extLst>
               <a:ext uri="{FF2B5EF4-FFF2-40B4-BE49-F238E27FC236}">
-                <a16:creationId xmlns:a16="http://schemas.microsoft.com/office/drawing/2014/main" xmlns="" id="{7C331143-22B9-0447-8DEF-BDE09A602B8E}"/>
+                <a16:creationId xmlns:a16="http://schemas.microsoft.com/office/drawing/2014/main" id="{7C331143-22B9-0447-8DEF-BDE09A602B8E}"/>
               </a:ext>
             </a:extLst>
           </p:cNvPr>
@@ -4656,7 +4584,7 @@
           <p:cNvPr id="4" name="スライド番号プレースホルダー 3">
             <a:extLst>
               <a:ext uri="{FF2B5EF4-FFF2-40B4-BE49-F238E27FC236}">
-                <a16:creationId xmlns:a16="http://schemas.microsoft.com/office/drawing/2014/main" xmlns="" id="{907EB63C-716A-2E4D-B6DD-7B81C8994CD5}"/>
+                <a16:creationId xmlns:a16="http://schemas.microsoft.com/office/drawing/2014/main" id="{907EB63C-716A-2E4D-B6DD-7B81C8994CD5}"/>
               </a:ext>
             </a:extLst>
           </p:cNvPr>
@@ -4728,7 +4656,7 @@
           <a:lstStyle/>
           <a:p>
             <a:r>
-              <a:rPr kumimoji="1" lang="en-US" altLang="ja-JP" dirty="0" smtClean="0">
+              <a:rPr kumimoji="1" lang="en-US" altLang="ja-JP" dirty="0">
                 <a:solidFill>
                   <a:schemeClr val="tx1">
                     <a:lumMod val="75000"/>
@@ -4739,7 +4667,7 @@
               <a:t>LTI</a:t>
             </a:r>
             <a:r>
-              <a:rPr kumimoji="1" lang="ja-JP" altLang="en-US" dirty="0" smtClean="0">
+              <a:rPr kumimoji="1" lang="ja-JP" altLang="en-US" dirty="0">
                 <a:solidFill>
                   <a:schemeClr val="tx1">
                     <a:lumMod val="75000"/>
@@ -4749,14 +4677,6 @@
               </a:rPr>
               <a:t>準拠させる</a:t>
             </a:r>
-            <a:endParaRPr kumimoji="1" lang="ja-JP" altLang="en-US" dirty="0">
-              <a:solidFill>
-                <a:schemeClr val="tx1">
-                  <a:lumMod val="75000"/>
-                  <a:lumOff val="25000"/>
-                </a:schemeClr>
-              </a:solidFill>
-            </a:endParaRPr>
           </a:p>
         </p:txBody>
       </p:sp>
@@ -4776,7 +4696,7 @@
           <a:lstStyle/>
           <a:p>
             <a:r>
-              <a:rPr lang="en-US" altLang="ja-JP" dirty="0" smtClean="0">
+              <a:rPr lang="en-US" altLang="ja-JP" dirty="0">
                 <a:solidFill>
                   <a:schemeClr val="tx1">
                     <a:lumMod val="75000"/>
@@ -4787,7 +4707,7 @@
               <a:t>OA</a:t>
             </a:r>
             <a:r>
-              <a:rPr kumimoji="1" lang="en-US" altLang="ja-JP" dirty="0" smtClean="0">
+              <a:rPr kumimoji="1" lang="en-US" altLang="ja-JP" dirty="0">
                 <a:solidFill>
                   <a:schemeClr val="tx1">
                     <a:lumMod val="75000"/>
@@ -4798,7 +4718,7 @@
               <a:t>uth</a:t>
             </a:r>
             <a:r>
-              <a:rPr lang="en-US" altLang="ja-JP" dirty="0" smtClean="0">
+              <a:rPr lang="en-US" altLang="ja-JP" dirty="0">
                 <a:solidFill>
                   <a:schemeClr val="tx1">
                     <a:lumMod val="75000"/>
@@ -4809,7 +4729,7 @@
               <a:t>1.0</a:t>
             </a:r>
             <a:r>
-              <a:rPr kumimoji="1" lang="ja-JP" altLang="en-US" dirty="0" smtClean="0">
+              <a:rPr kumimoji="1" lang="ja-JP" altLang="en-US" dirty="0">
                 <a:solidFill>
                   <a:schemeClr val="tx1">
                     <a:lumMod val="75000"/>
@@ -4818,17 +4738,6 @@
                 </a:solidFill>
               </a:rPr>
               <a:t>の実装</a:t>
-            </a:r>
-            <a:r>
-              <a:rPr lang="en-US" altLang="ja-JP" dirty="0">
-                <a:solidFill>
-                  <a:schemeClr val="tx1">
-                    <a:lumMod val="75000"/>
-                    <a:lumOff val="25000"/>
-                  </a:schemeClr>
-                </a:solidFill>
-              </a:rPr>
-              <a:t/>
             </a:r>
             <a:br>
               <a:rPr lang="en-US" altLang="ja-JP" dirty="0">
@@ -4841,7 +4750,7 @@
               </a:rPr>
             </a:br>
             <a:r>
-              <a:rPr lang="ja-JP" altLang="en-US" dirty="0" smtClean="0">
+              <a:rPr lang="ja-JP" altLang="en-US" dirty="0">
                 <a:solidFill>
                   <a:schemeClr val="tx1">
                     <a:lumMod val="75000"/>
@@ -4873,7 +4782,7 @@
               </a:rPr>
               <a:t>認証における署名を作成</a:t>
             </a:r>
-            <a:endParaRPr lang="en-US" altLang="ja-JP" dirty="0" smtClean="0">
+            <a:endParaRPr lang="en-US" altLang="ja-JP" dirty="0">
               <a:solidFill>
                 <a:schemeClr val="tx1">
                   <a:lumMod val="75000"/>
@@ -4919,13 +4828,6 @@
   <p:clrMapOvr>
     <a:masterClrMapping/>
   </p:clrMapOvr>
-  <p:timing>
-    <p:tnLst>
-      <p:par>
-        <p:cTn id="1" dur="indefinite" restart="never" nodeType="tmRoot"/>
-      </p:par>
-    </p:tnLst>
-  </p:timing>
 </p:sld>
 </file>
 
@@ -4962,7 +4864,7 @@
           <a:lstStyle/>
           <a:p>
             <a:r>
-              <a:rPr kumimoji="1" lang="ja-JP" altLang="en-US" dirty="0" smtClean="0">
+              <a:rPr kumimoji="1" lang="ja-JP" altLang="en-US" dirty="0">
                 <a:solidFill>
                   <a:schemeClr val="tx1">
                     <a:lumMod val="75000"/>
@@ -4972,7 +4874,40 @@
               </a:rPr>
               <a:t>署名の作成手順</a:t>
             </a:r>
-            <a:endParaRPr kumimoji="1" lang="ja-JP" altLang="en-US" dirty="0">
+          </a:p>
+        </p:txBody>
+      </p:sp>
+      <p:sp>
+        <p:nvSpPr>
+          <p:cNvPr id="3" name="コンテンツ プレースホルダー 2"/>
+          <p:cNvSpPr>
+            <a:spLocks noGrp="1"/>
+          </p:cNvSpPr>
+          <p:nvPr>
+            <p:ph idx="1"/>
+          </p:nvPr>
+        </p:nvSpPr>
+        <p:spPr/>
+        <p:txBody>
+          <a:bodyPr/>
+          <a:lstStyle/>
+          <a:p>
+            <a:pPr marL="514350" indent="-514350">
+              <a:buFont typeface="+mj-lt"/>
+              <a:buAutoNum type="arabicPeriod"/>
+            </a:pPr>
+            <a:r>
+              <a:rPr kumimoji="1" lang="ja-JP" altLang="en-US" dirty="0">
+                <a:solidFill>
+                  <a:schemeClr val="tx1">
+                    <a:lumMod val="75000"/>
+                    <a:lumOff val="25000"/>
+                  </a:schemeClr>
+                </a:solidFill>
+              </a:rPr>
+              <a:t>キーの作成</a:t>
+            </a:r>
+            <a:endParaRPr kumimoji="1" lang="en-US" altLang="ja-JP" dirty="0">
               <a:solidFill>
                 <a:schemeClr val="tx1">
                   <a:lumMod val="75000"/>
@@ -4981,39 +4916,23 @@
               </a:solidFill>
             </a:endParaRPr>
           </a:p>
-        </p:txBody>
-      </p:sp>
-      <p:sp>
-        <p:nvSpPr>
-          <p:cNvPr id="3" name="コンテンツ プレースホルダー 2"/>
-          <p:cNvSpPr>
-            <a:spLocks noGrp="1"/>
-          </p:cNvSpPr>
-          <p:nvPr>
-            <p:ph idx="1"/>
-          </p:nvPr>
-        </p:nvSpPr>
-        <p:spPr/>
-        <p:txBody>
-          <a:bodyPr/>
-          <a:lstStyle/>
           <a:p>
             <a:pPr marL="514350" indent="-514350">
               <a:buFont typeface="+mj-lt"/>
               <a:buAutoNum type="arabicPeriod"/>
             </a:pPr>
             <a:r>
-              <a:rPr kumimoji="1" lang="ja-JP" altLang="en-US" dirty="0" smtClean="0">
-                <a:solidFill>
-                  <a:schemeClr val="tx1">
-                    <a:lumMod val="75000"/>
-                    <a:lumOff val="25000"/>
-                  </a:schemeClr>
-                </a:solidFill>
-              </a:rPr>
-              <a:t>キーの作成</a:t>
-            </a:r>
-            <a:endParaRPr kumimoji="1" lang="en-US" altLang="ja-JP" dirty="0" smtClean="0">
+              <a:rPr lang="ja-JP" altLang="en-US" dirty="0">
+                <a:solidFill>
+                  <a:schemeClr val="tx1">
+                    <a:lumMod val="75000"/>
+                    <a:lumOff val="25000"/>
+                  </a:schemeClr>
+                </a:solidFill>
+              </a:rPr>
+              <a:t>データの作成</a:t>
+            </a:r>
+            <a:endParaRPr lang="en-US" altLang="ja-JP" dirty="0">
               <a:solidFill>
                 <a:schemeClr val="tx1">
                   <a:lumMod val="75000"/>
@@ -5028,32 +4947,7 @@
               <a:buAutoNum type="arabicPeriod"/>
             </a:pPr>
             <a:r>
-              <a:rPr lang="ja-JP" altLang="en-US" dirty="0" smtClean="0">
-                <a:solidFill>
-                  <a:schemeClr val="tx1">
-                    <a:lumMod val="75000"/>
-                    <a:lumOff val="25000"/>
-                  </a:schemeClr>
-                </a:solidFill>
-              </a:rPr>
-              <a:t>データの作成</a:t>
-            </a:r>
-            <a:endParaRPr lang="en-US" altLang="ja-JP" dirty="0" smtClean="0">
-              <a:solidFill>
-                <a:schemeClr val="tx1">
-                  <a:lumMod val="75000"/>
-                  <a:lumOff val="25000"/>
-                </a:schemeClr>
-              </a:solidFill>
-            </a:endParaRPr>
-          </a:p>
-          <a:p>
-            <a:pPr marL="514350" indent="-514350">
-              <a:buFont typeface="+mj-lt"/>
-              <a:buAutoNum type="arabicPeriod"/>
-            </a:pPr>
-            <a:r>
-              <a:rPr kumimoji="1" lang="ja-JP" altLang="en-US" dirty="0" smtClean="0">
+              <a:rPr kumimoji="1" lang="ja-JP" altLang="en-US" dirty="0">
                 <a:solidFill>
                   <a:schemeClr val="tx1">
                     <a:lumMod val="75000"/>
@@ -5063,14 +4957,6 @@
               </a:rPr>
               <a:t>キーとデータを署名に変換</a:t>
             </a:r>
-            <a:endParaRPr kumimoji="1" lang="ja-JP" altLang="en-US" dirty="0">
-              <a:solidFill>
-                <a:schemeClr val="tx1">
-                  <a:lumMod val="75000"/>
-                  <a:lumOff val="25000"/>
-                </a:schemeClr>
-              </a:solidFill>
-            </a:endParaRPr>
           </a:p>
         </p:txBody>
       </p:sp>
@@ -5109,13 +4995,6 @@
   <p:clrMapOvr>
     <a:masterClrMapping/>
   </p:clrMapOvr>
-  <p:timing>
-    <p:tnLst>
-      <p:par>
-        <p:cTn id="1" dur="indefinite" restart="never" nodeType="tmRoot"/>
-      </p:par>
-    </p:tnLst>
-  </p:timing>
 </p:sld>
 </file>
 
@@ -5152,7 +5031,7 @@
           <a:lstStyle/>
           <a:p>
             <a:r>
-              <a:rPr kumimoji="1" lang="ja-JP" altLang="en-US" dirty="0" smtClean="0">
+              <a:rPr kumimoji="1" lang="ja-JP" altLang="en-US" dirty="0">
                 <a:solidFill>
                   <a:schemeClr val="tx1">
                     <a:lumMod val="75000"/>
@@ -5162,7 +5041,129 @@
               </a:rPr>
               <a:t>キーの作成</a:t>
             </a:r>
-            <a:endParaRPr kumimoji="1" lang="ja-JP" altLang="en-US" dirty="0">
+          </a:p>
+        </p:txBody>
+      </p:sp>
+      <p:sp>
+        <p:nvSpPr>
+          <p:cNvPr id="3" name="コンテンツ プレースホルダー 2"/>
+          <p:cNvSpPr>
+            <a:spLocks noGrp="1"/>
+          </p:cNvSpPr>
+          <p:nvPr>
+            <p:ph idx="1"/>
+          </p:nvPr>
+        </p:nvSpPr>
+        <p:spPr/>
+        <p:txBody>
+          <a:bodyPr/>
+          <a:lstStyle/>
+          <a:p>
+            <a:pPr>
+              <a:spcBef>
+                <a:spcPts val="0"/>
+              </a:spcBef>
+            </a:pPr>
+            <a:r>
+              <a:rPr lang="ja-JP" altLang="en-US" dirty="0">
+                <a:solidFill>
+                  <a:schemeClr val="tx1">
+                    <a:lumMod val="75000"/>
+                    <a:lumOff val="25000"/>
+                  </a:schemeClr>
+                </a:solidFill>
+              </a:rPr>
+              <a:t>「</a:t>
+            </a:r>
+            <a:r>
+              <a:rPr lang="en-US" altLang="ja-JP" dirty="0" err="1">
+                <a:solidFill>
+                  <a:schemeClr val="tx1">
+                    <a:lumMod val="75000"/>
+                    <a:lumOff val="25000"/>
+                  </a:schemeClr>
+                </a:solidFill>
+              </a:rPr>
+              <a:t>oauth_consumer_secret</a:t>
+            </a:r>
+            <a:r>
+              <a:rPr lang="ja-JP" altLang="en-US" dirty="0">
+                <a:solidFill>
+                  <a:schemeClr val="tx1">
+                    <a:lumMod val="75000"/>
+                    <a:lumOff val="25000"/>
+                  </a:schemeClr>
+                </a:solidFill>
+              </a:rPr>
+              <a:t>」、「</a:t>
+            </a:r>
+            <a:r>
+              <a:rPr lang="en-US" altLang="ja-JP" dirty="0" err="1">
+                <a:solidFill>
+                  <a:schemeClr val="tx1">
+                    <a:lumMod val="75000"/>
+                    <a:lumOff val="25000"/>
+                  </a:schemeClr>
+                </a:solidFill>
+              </a:rPr>
+              <a:t>oauth_token_secret</a:t>
+            </a:r>
+            <a:r>
+              <a:rPr lang="ja-JP" altLang="en-US" dirty="0">
+                <a:solidFill>
+                  <a:schemeClr val="tx1">
+                    <a:lumMod val="75000"/>
+                    <a:lumOff val="25000"/>
+                  </a:schemeClr>
+                </a:solidFill>
+              </a:rPr>
+              <a:t>」を</a:t>
+            </a:r>
+            <a:r>
+              <a:rPr lang="en-US" altLang="ja-JP" dirty="0">
+                <a:solidFill>
+                  <a:schemeClr val="tx1">
+                    <a:lumMod val="75000"/>
+                    <a:lumOff val="25000"/>
+                  </a:schemeClr>
+                </a:solidFill>
+              </a:rPr>
+              <a:t>URL</a:t>
+            </a:r>
+            <a:r>
+              <a:rPr lang="ja-JP" altLang="en-US" dirty="0">
+                <a:solidFill>
+                  <a:schemeClr val="tx1">
+                    <a:lumMod val="75000"/>
+                    <a:lumOff val="25000"/>
+                  </a:schemeClr>
+                </a:solidFill>
+              </a:rPr>
+              <a:t>エンコードし、</a:t>
+            </a:r>
+            <a:r>
+              <a:rPr lang="en-US" altLang="ja-JP" dirty="0">
+                <a:solidFill>
+                  <a:schemeClr val="tx1">
+                    <a:lumMod val="75000"/>
+                    <a:lumOff val="25000"/>
+                  </a:schemeClr>
+                </a:solidFill>
+              </a:rPr>
+              <a:t>&amp;</a:t>
+            </a:r>
+            <a:r>
+              <a:rPr lang="ja-JP" altLang="en-US" dirty="0">
+                <a:solidFill>
+                  <a:schemeClr val="tx1">
+                    <a:lumMod val="75000"/>
+                    <a:lumOff val="25000"/>
+                  </a:schemeClr>
+                </a:solidFill>
+              </a:rPr>
+              <a:t>で繋げれば完成。</a:t>
+            </a:r>
+            <a:endParaRPr lang="en-US" altLang="ja-JP" dirty="0">
               <a:solidFill>
                 <a:schemeClr val="tx1">
                   <a:lumMod val="75000"/>
@@ -5171,128 +5172,13 @@
               </a:solidFill>
             </a:endParaRPr>
           </a:p>
-        </p:txBody>
-      </p:sp>
-      <p:sp>
-        <p:nvSpPr>
-          <p:cNvPr id="3" name="コンテンツ プレースホルダー 2"/>
-          <p:cNvSpPr>
-            <a:spLocks noGrp="1"/>
-          </p:cNvSpPr>
-          <p:nvPr>
-            <p:ph idx="1"/>
-          </p:nvPr>
-        </p:nvSpPr>
-        <p:spPr/>
-        <p:txBody>
-          <a:bodyPr/>
-          <a:lstStyle/>
           <a:p>
             <a:pPr>
               <a:spcBef>
                 <a:spcPts val="0"/>
               </a:spcBef>
             </a:pPr>
-            <a:r>
-              <a:rPr lang="ja-JP" altLang="en-US" dirty="0" smtClean="0">
-                <a:solidFill>
-                  <a:schemeClr val="tx1">
-                    <a:lumMod val="75000"/>
-                    <a:lumOff val="25000"/>
-                  </a:schemeClr>
-                </a:solidFill>
-              </a:rPr>
-              <a:t>「</a:t>
-            </a:r>
-            <a:r>
-              <a:rPr lang="en-US" altLang="ja-JP" dirty="0" err="1" smtClean="0">
-                <a:solidFill>
-                  <a:schemeClr val="tx1">
-                    <a:lumMod val="75000"/>
-                    <a:lumOff val="25000"/>
-                  </a:schemeClr>
-                </a:solidFill>
-              </a:rPr>
-              <a:t>oauth_consumer_secret</a:t>
-            </a:r>
-            <a:r>
-              <a:rPr lang="ja-JP" altLang="en-US" dirty="0" smtClean="0">
-                <a:solidFill>
-                  <a:schemeClr val="tx1">
-                    <a:lumMod val="75000"/>
-                    <a:lumOff val="25000"/>
-                  </a:schemeClr>
-                </a:solidFill>
-              </a:rPr>
-              <a:t>」、「</a:t>
-            </a:r>
-            <a:r>
-              <a:rPr lang="en-US" altLang="ja-JP" dirty="0" err="1" smtClean="0">
-                <a:solidFill>
-                  <a:schemeClr val="tx1">
-                    <a:lumMod val="75000"/>
-                    <a:lumOff val="25000"/>
-                  </a:schemeClr>
-                </a:solidFill>
-              </a:rPr>
-              <a:t>oauth_token_secret</a:t>
-            </a:r>
-            <a:r>
-              <a:rPr lang="ja-JP" altLang="en-US" dirty="0" smtClean="0">
-                <a:solidFill>
-                  <a:schemeClr val="tx1">
-                    <a:lumMod val="75000"/>
-                    <a:lumOff val="25000"/>
-                  </a:schemeClr>
-                </a:solidFill>
-              </a:rPr>
-              <a:t>」を</a:t>
-            </a:r>
-            <a:r>
-              <a:rPr lang="en-US" altLang="ja-JP" dirty="0">
-                <a:solidFill>
-                  <a:schemeClr val="tx1">
-                    <a:lumMod val="75000"/>
-                    <a:lumOff val="25000"/>
-                  </a:schemeClr>
-                </a:solidFill>
-              </a:rPr>
-              <a:t>URL</a:t>
-            </a:r>
-            <a:r>
-              <a:rPr lang="ja-JP" altLang="en-US" dirty="0" smtClean="0">
-                <a:solidFill>
-                  <a:schemeClr val="tx1">
-                    <a:lumMod val="75000"/>
-                    <a:lumOff val="25000"/>
-                  </a:schemeClr>
-                </a:solidFill>
-              </a:rPr>
-              <a:t>エンコードし、</a:t>
-            </a:r>
-            <a:r>
-              <a:rPr lang="en-US" altLang="ja-JP" dirty="0">
-                <a:solidFill>
-                  <a:schemeClr val="tx1">
-                    <a:lumMod val="75000"/>
-                    <a:lumOff val="25000"/>
-                  </a:schemeClr>
-                </a:solidFill>
-              </a:rPr>
-              <a:t>&amp;</a:t>
-            </a:r>
-            <a:r>
-              <a:rPr lang="ja-JP" altLang="en-US" dirty="0" smtClean="0">
-                <a:solidFill>
-                  <a:schemeClr val="tx1">
-                    <a:lumMod val="75000"/>
-                    <a:lumOff val="25000"/>
-                  </a:schemeClr>
-                </a:solidFill>
-              </a:rPr>
-              <a:t>で繋げれば完成。</a:t>
-            </a:r>
-            <a:endParaRPr lang="en-US" altLang="ja-JP" dirty="0" smtClean="0">
+            <a:endParaRPr lang="en-US" altLang="ja-JP" dirty="0">
               <a:solidFill>
                 <a:schemeClr val="tx1">
                   <a:lumMod val="75000"/>
@@ -5307,21 +5193,6 @@
                 <a:spcPts val="0"/>
               </a:spcBef>
             </a:pPr>
-            <a:endParaRPr lang="en-US" altLang="ja-JP" dirty="0" smtClean="0">
-              <a:solidFill>
-                <a:schemeClr val="tx1">
-                  <a:lumMod val="75000"/>
-                  <a:lumOff val="25000"/>
-                </a:schemeClr>
-              </a:solidFill>
-            </a:endParaRPr>
-          </a:p>
-          <a:p>
-            <a:pPr>
-              <a:spcBef>
-                <a:spcPts val="0"/>
-              </a:spcBef>
-            </a:pPr>
             <a:r>
               <a:rPr lang="ja-JP" altLang="en-US" dirty="0">
                 <a:solidFill>
@@ -5345,7 +5216,7 @@
               <a:t>oauth_token_secret</a:t>
             </a:r>
             <a:r>
-              <a:rPr lang="ja-JP" altLang="en-US" dirty="0" smtClean="0">
+              <a:rPr lang="ja-JP" altLang="en-US" dirty="0">
                 <a:solidFill>
                   <a:schemeClr val="tx1">
                     <a:lumMod val="75000"/>
@@ -5401,13 +5272,6 @@
   <p:clrMapOvr>
     <a:masterClrMapping/>
   </p:clrMapOvr>
-  <p:timing>
-    <p:tnLst>
-      <p:par>
-        <p:cTn id="1" dur="indefinite" restart="never" nodeType="tmRoot"/>
-      </p:par>
-    </p:tnLst>
-  </p:timing>
 </p:sld>
 </file>
 
@@ -5607,7 +5471,7 @@
           <a:lstStyle/>
           <a:p>
             <a:r>
-              <a:rPr lang="ja-JP" altLang="en-US" smtClean="0"/>
+              <a:rPr lang="ja-JP" altLang="en-US"/>
               <a:t>図１</a:t>
             </a:r>
             <a:endParaRPr kumimoji="1" lang="ja-JP" altLang="en-US"/>
@@ -5624,13 +5488,6 @@
   <p:clrMapOvr>
     <a:masterClrMapping/>
   </p:clrMapOvr>
-  <p:timing>
-    <p:tnLst>
-      <p:par>
-        <p:cTn id="1" dur="indefinite" restart="never" nodeType="tmRoot"/>
-      </p:par>
-    </p:tnLst>
-  </p:timing>
 </p:sld>
 </file>
 
@@ -5667,7 +5524,7 @@
           <a:lstStyle/>
           <a:p>
             <a:r>
-              <a:rPr kumimoji="1" lang="ja-JP" altLang="en-US" dirty="0" smtClean="0">
+              <a:rPr kumimoji="1" lang="ja-JP" altLang="en-US" dirty="0">
                 <a:solidFill>
                   <a:schemeClr val="tx1">
                     <a:lumMod val="75000"/>
@@ -5677,14 +5534,6 @@
               </a:rPr>
               <a:t>キーの作成</a:t>
             </a:r>
-            <a:endParaRPr kumimoji="1" lang="ja-JP" altLang="en-US" dirty="0">
-              <a:solidFill>
-                <a:schemeClr val="tx1">
-                  <a:lumMod val="75000"/>
-                  <a:lumOff val="25000"/>
-                </a:schemeClr>
-              </a:solidFill>
-            </a:endParaRPr>
           </a:p>
         </p:txBody>
       </p:sp>
@@ -5726,7 +5575,7 @@
               <a:t>oauth_consumer_secret</a:t>
             </a:r>
             <a:r>
-              <a:rPr lang="ja-JP" altLang="en-US" sz="2400" dirty="0" smtClean="0">
+              <a:rPr lang="ja-JP" altLang="en-US" sz="2400" dirty="0">
                 <a:solidFill>
                   <a:schemeClr val="tx1">
                     <a:lumMod val="75000"/>
@@ -5736,19 +5585,8 @@
               </a:rPr>
               <a:t>」</a:t>
             </a:r>
-            <a:r>
-              <a:rPr lang="en-US" altLang="ja-JP" sz="2400" dirty="0" smtClean="0">
-                <a:solidFill>
-                  <a:schemeClr val="tx1">
-                    <a:lumMod val="75000"/>
-                    <a:lumOff val="25000"/>
-                  </a:schemeClr>
-                </a:solidFill>
-              </a:rPr>
-              <a:t/>
-            </a:r>
             <a:br>
-              <a:rPr lang="en-US" altLang="ja-JP" sz="2400" dirty="0" smtClean="0">
+              <a:rPr lang="en-US" altLang="ja-JP" sz="2400" dirty="0">
                 <a:solidFill>
                   <a:schemeClr val="tx1">
                     <a:lumMod val="75000"/>
@@ -5757,19 +5595,8 @@
                 </a:solidFill>
               </a:rPr>
             </a:br>
-            <a:r>
-              <a:rPr lang="en-US" altLang="ja-JP" sz="2400" dirty="0" smtClean="0">
-                <a:solidFill>
-                  <a:schemeClr val="tx1">
-                    <a:lumMod val="75000"/>
-                    <a:lumOff val="25000"/>
-                  </a:schemeClr>
-                </a:solidFill>
-              </a:rPr>
-              <a:t/>
-            </a:r>
             <a:br>
-              <a:rPr lang="en-US" altLang="ja-JP" sz="2400" dirty="0" smtClean="0">
+              <a:rPr lang="en-US" altLang="ja-JP" sz="2400" dirty="0">
                 <a:solidFill>
                   <a:schemeClr val="tx1">
                     <a:lumMod val="75000"/>
@@ -5778,19 +5605,8 @@
                 </a:solidFill>
               </a:rPr>
             </a:br>
-            <a:r>
-              <a:rPr lang="en-US" altLang="ja-JP" sz="2400" dirty="0" smtClean="0">
-                <a:solidFill>
-                  <a:schemeClr val="tx1">
-                    <a:lumMod val="75000"/>
-                    <a:lumOff val="25000"/>
-                  </a:schemeClr>
-                </a:solidFill>
-              </a:rPr>
-              <a:t/>
-            </a:r>
             <a:br>
-              <a:rPr lang="en-US" altLang="ja-JP" sz="2400" dirty="0" smtClean="0">
+              <a:rPr lang="en-US" altLang="ja-JP" sz="2400" dirty="0">
                 <a:solidFill>
                   <a:schemeClr val="tx1">
                     <a:lumMod val="75000"/>
@@ -5800,7 +5616,7 @@
               </a:rPr>
             </a:br>
             <a:r>
-              <a:rPr lang="it-IT" altLang="ja-JP" sz="2400" dirty="0" smtClean="0">
+              <a:rPr lang="it-IT" altLang="ja-JP" sz="2400" dirty="0">
                 <a:solidFill>
                   <a:schemeClr val="tx1">
                     <a:lumMod val="75000"/>
@@ -5849,7 +5665,7 @@
               <a:t>oauth_token_secret</a:t>
             </a:r>
             <a:r>
-              <a:rPr lang="ja-JP" altLang="en-US" sz="2400" b="1" dirty="0" smtClean="0">
+              <a:rPr lang="ja-JP" altLang="en-US" sz="2400" b="1" dirty="0">
                 <a:solidFill>
                   <a:schemeClr val="tx1">
                     <a:lumMod val="75000"/>
@@ -5860,7 +5676,7 @@
               <a:t>」は存在しない</a:t>
             </a:r>
             <a:r>
-              <a:rPr lang="ja-JP" altLang="en-US" sz="2400" dirty="0" smtClean="0">
+              <a:rPr lang="ja-JP" altLang="en-US" sz="2400" dirty="0">
                 <a:solidFill>
                   <a:schemeClr val="tx1">
                     <a:lumMod val="75000"/>
@@ -5882,7 +5698,7 @@
               <a:t>&amp;</a:t>
             </a:r>
             <a:r>
-              <a:rPr lang="ja-JP" altLang="en-US" sz="2400" dirty="0" smtClean="0">
+              <a:rPr lang="ja-JP" altLang="en-US" sz="2400" dirty="0">
                 <a:solidFill>
                   <a:schemeClr val="tx1">
                     <a:lumMod val="75000"/>
@@ -5892,7 +5708,7 @@
               </a:rPr>
               <a:t>で繋げる</a:t>
             </a:r>
-            <a:endParaRPr lang="en-US" altLang="ja-JP" sz="2400" dirty="0" smtClean="0">
+            <a:endParaRPr lang="en-US" altLang="ja-JP" sz="2400" dirty="0">
               <a:solidFill>
                 <a:schemeClr val="tx1">
                   <a:lumMod val="75000"/>
@@ -5903,7 +5719,7 @@
           </a:p>
           <a:p>
             <a:r>
-              <a:rPr lang="ja-JP" altLang="en-US" sz="2400" dirty="0" smtClean="0">
+              <a:rPr lang="ja-JP" altLang="en-US" sz="2400" dirty="0">
                 <a:solidFill>
                   <a:schemeClr val="tx1">
                     <a:lumMod val="75000"/>
@@ -5912,17 +5728,6 @@
                 </a:solidFill>
               </a:rPr>
               <a:t>作成された「キー」</a:t>
-            </a:r>
-            <a:r>
-              <a:rPr lang="en-US" altLang="ja-JP" sz="2400" dirty="0">
-                <a:solidFill>
-                  <a:schemeClr val="tx1">
-                    <a:lumMod val="75000"/>
-                    <a:lumOff val="25000"/>
-                  </a:schemeClr>
-                </a:solidFill>
-              </a:rPr>
-              <a:t/>
             </a:r>
             <a:br>
               <a:rPr lang="en-US" altLang="ja-JP" sz="2400" dirty="0">
@@ -5935,7 +5740,7 @@
               </a:rPr>
             </a:br>
             <a:r>
-              <a:rPr lang="ja-JP" altLang="en-US" sz="2400" dirty="0" smtClean="0">
+              <a:rPr lang="ja-JP" altLang="en-US" sz="2400" dirty="0">
                 <a:solidFill>
                   <a:schemeClr val="tx1">
                     <a:lumMod val="75000"/>
@@ -5944,17 +5749,6 @@
                 </a:solidFill>
               </a:rPr>
               <a:t>　</a:t>
-            </a:r>
-            <a:r>
-              <a:rPr lang="en-US" altLang="ja-JP" sz="2400" dirty="0">
-                <a:solidFill>
-                  <a:schemeClr val="tx1">
-                    <a:lumMod val="75000"/>
-                    <a:lumOff val="25000"/>
-                  </a:schemeClr>
-                </a:solidFill>
-              </a:rPr>
-              <a:t/>
             </a:r>
             <a:br>
               <a:rPr lang="en-US" altLang="ja-JP" sz="2400" dirty="0">
@@ -5966,19 +5760,8 @@
                 </a:solidFill>
               </a:rPr>
             </a:br>
-            <a:r>
-              <a:rPr lang="en-US" altLang="ja-JP" sz="2400" dirty="0" smtClean="0">
-                <a:solidFill>
-                  <a:schemeClr val="tx1">
-                    <a:lumMod val="75000"/>
-                    <a:lumOff val="25000"/>
-                  </a:schemeClr>
-                </a:solidFill>
-              </a:rPr>
-              <a:t/>
-            </a:r>
             <a:br>
-              <a:rPr lang="en-US" altLang="ja-JP" sz="2400" dirty="0" smtClean="0">
+              <a:rPr lang="en-US" altLang="ja-JP" sz="2400" dirty="0">
                 <a:solidFill>
                   <a:schemeClr val="tx1">
                     <a:lumMod val="75000"/>
@@ -5992,10 +5775,9 @@
               <a:t> </a:t>
             </a:r>
             <a:r>
-              <a:rPr lang="is-IS" altLang="ja-JP" sz="2400" b="1" dirty="0" smtClean="0"/>
+              <a:rPr lang="is-IS" altLang="ja-JP" sz="2400" b="1" dirty="0"/>
               <a:t>23667a83701651e198cf0d5a27d28a05&amp;</a:t>
             </a:r>
-            <a:endParaRPr lang="is-IS" altLang="ja-JP" sz="2400" b="1" dirty="0"/>
           </a:p>
           <a:p>
             <a:endParaRPr lang="it-IT" altLang="ja-JP" sz="2400" b="1" dirty="0">
@@ -6143,13 +5925,6 @@
   <p:clrMapOvr>
     <a:masterClrMapping/>
   </p:clrMapOvr>
-  <p:timing>
-    <p:tnLst>
-      <p:par>
-        <p:cTn id="1" dur="indefinite" restart="never" nodeType="tmRoot"/>
-      </p:par>
-    </p:tnLst>
-  </p:timing>
 </p:sld>
 </file>
 
@@ -6186,7 +5961,7 @@
           <a:lstStyle/>
           <a:p>
             <a:r>
-              <a:rPr kumimoji="1" lang="ja-JP" altLang="en-US" dirty="0" smtClean="0">
+              <a:rPr kumimoji="1" lang="ja-JP" altLang="en-US" dirty="0">
                 <a:solidFill>
                   <a:schemeClr val="tx1">
                     <a:lumMod val="75000"/>
@@ -6196,7 +5971,144 @@
               </a:rPr>
               <a:t>データの作成</a:t>
             </a:r>
-            <a:endParaRPr kumimoji="1" lang="ja-JP" altLang="en-US" dirty="0">
+          </a:p>
+        </p:txBody>
+      </p:sp>
+      <p:sp>
+        <p:nvSpPr>
+          <p:cNvPr id="3" name="コンテンツ プレースホルダー 2"/>
+          <p:cNvSpPr>
+            <a:spLocks noGrp="1"/>
+          </p:cNvSpPr>
+          <p:nvPr>
+            <p:ph idx="1"/>
+          </p:nvPr>
+        </p:nvSpPr>
+        <p:spPr/>
+        <p:txBody>
+          <a:bodyPr>
+            <a:normAutofit/>
+          </a:bodyPr>
+          <a:lstStyle/>
+          <a:p>
+            <a:pPr marL="514350" indent="-514350">
+              <a:buFont typeface="+mj-lt"/>
+              <a:buAutoNum type="arabicPeriod"/>
+            </a:pPr>
+            <a:r>
+              <a:rPr kumimoji="1" lang="ja-JP" altLang="en-US" sz="2400" dirty="0">
+                <a:solidFill>
+                  <a:schemeClr val="tx1">
+                    <a:lumMod val="65000"/>
+                    <a:lumOff val="35000"/>
+                  </a:schemeClr>
+                </a:solidFill>
+              </a:rPr>
+              <a:t>パラメータをアルファベット順に「キー＝値</a:t>
+            </a:r>
+            <a:r>
+              <a:rPr lang="en-US" altLang="ja-JP" sz="2400" dirty="0">
+                <a:solidFill>
+                  <a:schemeClr val="tx1">
+                    <a:lumMod val="65000"/>
+                    <a:lumOff val="35000"/>
+                  </a:schemeClr>
+                </a:solidFill>
+              </a:rPr>
+              <a:t>&amp;</a:t>
+            </a:r>
+            <a:r>
+              <a:rPr kumimoji="1" lang="ja-JP" altLang="en-US" sz="2400" dirty="0">
+                <a:solidFill>
+                  <a:schemeClr val="tx1">
+                    <a:lumMod val="65000"/>
+                    <a:lumOff val="35000"/>
+                  </a:schemeClr>
+                </a:solidFill>
+              </a:rPr>
+              <a:t>キー＝値</a:t>
+            </a:r>
+            <a:r>
+              <a:rPr lang="en-US" altLang="ja-JP" sz="2400" dirty="0">
+                <a:solidFill>
+                  <a:schemeClr val="tx1">
+                    <a:lumMod val="65000"/>
+                    <a:lumOff val="35000"/>
+                  </a:schemeClr>
+                </a:solidFill>
+              </a:rPr>
+              <a:t>&amp;</a:t>
+            </a:r>
+            <a:r>
+              <a:rPr kumimoji="1" lang="en-US" altLang="ja-JP" sz="2400" dirty="0">
+                <a:solidFill>
+                  <a:schemeClr val="tx1">
+                    <a:lumMod val="65000"/>
+                    <a:lumOff val="35000"/>
+                  </a:schemeClr>
+                </a:solidFill>
+              </a:rPr>
+              <a:t>...</a:t>
+            </a:r>
+            <a:r>
+              <a:rPr lang="ja-JP" altLang="en-US" sz="2400" dirty="0">
+                <a:solidFill>
+                  <a:schemeClr val="tx1">
+                    <a:lumMod val="65000"/>
+                    <a:lumOff val="35000"/>
+                  </a:schemeClr>
+                </a:solidFill>
+              </a:rPr>
+              <a:t>」と繋ぐ</a:t>
+            </a:r>
+            <a:endParaRPr lang="en-US" altLang="ja-JP" sz="2400" dirty="0">
+              <a:solidFill>
+                <a:schemeClr val="tx1">
+                  <a:lumMod val="65000"/>
+                  <a:lumOff val="35000"/>
+                </a:schemeClr>
+              </a:solidFill>
+            </a:endParaRPr>
+          </a:p>
+          <a:p>
+            <a:pPr marL="514350" indent="-514350">
+              <a:buFont typeface="+mj-lt"/>
+              <a:buAutoNum type="arabicPeriod"/>
+            </a:pPr>
+            <a:r>
+              <a:rPr kumimoji="1" lang="ja-JP" altLang="en-US" sz="2400" dirty="0">
+                <a:solidFill>
+                  <a:schemeClr val="tx1">
+                    <a:lumMod val="75000"/>
+                    <a:lumOff val="25000"/>
+                  </a:schemeClr>
+                </a:solidFill>
+              </a:rPr>
+              <a:t>組み立てたパラメータを</a:t>
+            </a:r>
+            <a:r>
+              <a:rPr kumimoji="1" lang="en-US" altLang="ja-JP" sz="2400" dirty="0">
+                <a:solidFill>
+                  <a:schemeClr val="tx1">
+                    <a:lumMod val="75000"/>
+                    <a:lumOff val="25000"/>
+                  </a:schemeClr>
+                </a:solidFill>
+              </a:rPr>
+              <a:t>URL</a:t>
+            </a:r>
+            <a:r>
+              <a:rPr kumimoji="1" lang="ja-JP" altLang="en-US" sz="2400" dirty="0">
+                <a:solidFill>
+                  <a:schemeClr val="tx1">
+                    <a:lumMod val="75000"/>
+                    <a:lumOff val="25000"/>
+                  </a:schemeClr>
+                </a:solidFill>
+              </a:rPr>
+              <a:t>エンコード・・・①</a:t>
+            </a:r>
+            <a:endParaRPr kumimoji="1" lang="en-US" altLang="ja-JP" sz="2400" dirty="0">
               <a:solidFill>
                 <a:schemeClr val="tx1">
                   <a:lumMod val="75000"/>
@@ -6205,124 +6117,26 @@
               </a:solidFill>
             </a:endParaRPr>
           </a:p>
-        </p:txBody>
-      </p:sp>
-      <p:sp>
-        <p:nvSpPr>
-          <p:cNvPr id="3" name="コンテンツ プレースホルダー 2"/>
-          <p:cNvSpPr>
-            <a:spLocks noGrp="1"/>
-          </p:cNvSpPr>
-          <p:nvPr>
-            <p:ph idx="1"/>
-          </p:nvPr>
-        </p:nvSpPr>
-        <p:spPr/>
-        <p:txBody>
-          <a:bodyPr>
-            <a:normAutofit/>
-          </a:bodyPr>
-          <a:lstStyle/>
           <a:p>
             <a:pPr marL="514350" indent="-514350">
               <a:buFont typeface="+mj-lt"/>
               <a:buAutoNum type="arabicPeriod"/>
             </a:pPr>
             <a:r>
-              <a:rPr kumimoji="1" lang="ja-JP" altLang="en-US" sz="2400" dirty="0" smtClean="0">
-                <a:solidFill>
-                  <a:schemeClr val="tx1">
-                    <a:lumMod val="65000"/>
-                    <a:lumOff val="35000"/>
-                  </a:schemeClr>
-                </a:solidFill>
-              </a:rPr>
-              <a:t>パラメータをアルファベット順に「キー＝値</a:t>
+              <a:rPr lang="ja-JP" altLang="en-US" sz="2400" dirty="0">
+                <a:solidFill>
+                  <a:schemeClr val="tx1">
+                    <a:lumMod val="75000"/>
+                    <a:lumOff val="25000"/>
+                  </a:schemeClr>
+                </a:solidFill>
+              </a:rPr>
+              <a:t>リクエストメソッドを</a:t>
             </a:r>
             <a:r>
               <a:rPr lang="en-US" altLang="ja-JP" sz="2400" dirty="0">
                 <a:solidFill>
                   <a:schemeClr val="tx1">
-                    <a:lumMod val="65000"/>
-                    <a:lumOff val="35000"/>
-                  </a:schemeClr>
-                </a:solidFill>
-              </a:rPr>
-              <a:t>&amp;</a:t>
-            </a:r>
-            <a:r>
-              <a:rPr kumimoji="1" lang="ja-JP" altLang="en-US" sz="2400" dirty="0" smtClean="0">
-                <a:solidFill>
-                  <a:schemeClr val="tx1">
-                    <a:lumMod val="65000"/>
-                    <a:lumOff val="35000"/>
-                  </a:schemeClr>
-                </a:solidFill>
-              </a:rPr>
-              <a:t>キー＝値</a:t>
-            </a:r>
-            <a:r>
-              <a:rPr lang="en-US" altLang="ja-JP" sz="2400" dirty="0">
-                <a:solidFill>
-                  <a:schemeClr val="tx1">
-                    <a:lumMod val="65000"/>
-                    <a:lumOff val="35000"/>
-                  </a:schemeClr>
-                </a:solidFill>
-              </a:rPr>
-              <a:t>&amp;</a:t>
-            </a:r>
-            <a:r>
-              <a:rPr kumimoji="1" lang="en-US" altLang="ja-JP" sz="2400" dirty="0" smtClean="0">
-                <a:solidFill>
-                  <a:schemeClr val="tx1">
-                    <a:lumMod val="65000"/>
-                    <a:lumOff val="35000"/>
-                  </a:schemeClr>
-                </a:solidFill>
-              </a:rPr>
-              <a:t>...</a:t>
-            </a:r>
-            <a:r>
-              <a:rPr lang="ja-JP" altLang="en-US" sz="2400" dirty="0" smtClean="0">
-                <a:solidFill>
-                  <a:schemeClr val="tx1">
-                    <a:lumMod val="65000"/>
-                    <a:lumOff val="35000"/>
-                  </a:schemeClr>
-                </a:solidFill>
-              </a:rPr>
-              <a:t>」と繋ぐ</a:t>
-            </a:r>
-            <a:endParaRPr lang="en-US" altLang="ja-JP" sz="2400" dirty="0" smtClean="0">
-              <a:solidFill>
-                <a:schemeClr val="tx1">
-                  <a:lumMod val="65000"/>
-                  <a:lumOff val="35000"/>
-                </a:schemeClr>
-              </a:solidFill>
-            </a:endParaRPr>
-          </a:p>
-          <a:p>
-            <a:pPr marL="514350" indent="-514350">
-              <a:buFont typeface="+mj-lt"/>
-              <a:buAutoNum type="arabicPeriod"/>
-            </a:pPr>
-            <a:r>
-              <a:rPr kumimoji="1" lang="ja-JP" altLang="en-US" sz="2400" dirty="0" smtClean="0">
-                <a:solidFill>
-                  <a:schemeClr val="tx1">
-                    <a:lumMod val="75000"/>
-                    <a:lumOff val="25000"/>
-                  </a:schemeClr>
-                </a:solidFill>
-              </a:rPr>
-              <a:t>組み立てたパラメータを</a:t>
-            </a:r>
-            <a:r>
-              <a:rPr kumimoji="1" lang="en-US" altLang="ja-JP" sz="2400" dirty="0" smtClean="0">
-                <a:solidFill>
-                  <a:schemeClr val="tx1">
                     <a:lumMod val="75000"/>
                     <a:lumOff val="25000"/>
                   </a:schemeClr>
@@ -6331,17 +6145,17 @@
               <a:t>URL</a:t>
             </a:r>
             <a:r>
-              <a:rPr kumimoji="1" lang="ja-JP" altLang="en-US" sz="2400" dirty="0" smtClean="0">
-                <a:solidFill>
-                  <a:schemeClr val="tx1">
-                    <a:lumMod val="75000"/>
-                    <a:lumOff val="25000"/>
-                  </a:schemeClr>
-                </a:solidFill>
-              </a:rPr>
-              <a:t>エンコード・・・①</a:t>
-            </a:r>
-            <a:endParaRPr kumimoji="1" lang="en-US" altLang="ja-JP" sz="2400" dirty="0" smtClean="0">
+              <a:rPr lang="ja-JP" altLang="en-US" sz="2400" dirty="0">
+                <a:solidFill>
+                  <a:schemeClr val="tx1">
+                    <a:lumMod val="75000"/>
+                    <a:lumOff val="25000"/>
+                  </a:schemeClr>
+                </a:solidFill>
+              </a:rPr>
+              <a:t>エンコード・・・②</a:t>
+            </a:r>
+            <a:endParaRPr lang="en-US" altLang="ja-JP" sz="2400" dirty="0">
               <a:solidFill>
                 <a:schemeClr val="tx1">
                   <a:lumMod val="75000"/>
@@ -6356,18 +6170,18 @@
               <a:buAutoNum type="arabicPeriod"/>
             </a:pPr>
             <a:r>
-              <a:rPr lang="ja-JP" altLang="en-US" sz="2400" dirty="0" smtClean="0">
-                <a:solidFill>
-                  <a:schemeClr val="tx1">
-                    <a:lumMod val="75000"/>
-                    <a:lumOff val="25000"/>
-                  </a:schemeClr>
-                </a:solidFill>
-              </a:rPr>
-              <a:t>リクエストメソッドを</a:t>
-            </a:r>
-            <a:r>
-              <a:rPr lang="en-US" altLang="ja-JP" sz="2400" dirty="0" smtClean="0">
+              <a:rPr kumimoji="1" lang="ja-JP" altLang="en-US" sz="2400" dirty="0">
+                <a:solidFill>
+                  <a:schemeClr val="tx1">
+                    <a:lumMod val="75000"/>
+                    <a:lumOff val="25000"/>
+                  </a:schemeClr>
+                </a:solidFill>
+              </a:rPr>
+              <a:t>リクエスト</a:t>
+            </a:r>
+            <a:r>
+              <a:rPr kumimoji="1" lang="en-US" altLang="ja-JP" sz="2400" dirty="0">
                 <a:solidFill>
                   <a:schemeClr val="tx1">
                     <a:lumMod val="75000"/>
@@ -6378,17 +6192,39 @@
               <a:t>URL</a:t>
             </a:r>
             <a:r>
-              <a:rPr lang="ja-JP" altLang="en-US" sz="2400" dirty="0" smtClean="0">
-                <a:solidFill>
-                  <a:schemeClr val="tx1">
-                    <a:lumMod val="75000"/>
-                    <a:lumOff val="25000"/>
-                  </a:schemeClr>
-                </a:solidFill>
-              </a:rPr>
-              <a:t>エンコード・・・②</a:t>
-            </a:r>
-            <a:endParaRPr lang="en-US" altLang="ja-JP" sz="2400" dirty="0" smtClean="0">
+              <a:rPr kumimoji="1" lang="ja-JP" altLang="en-US" sz="2400" dirty="0">
+                <a:solidFill>
+                  <a:schemeClr val="tx1">
+                    <a:lumMod val="75000"/>
+                    <a:lumOff val="25000"/>
+                  </a:schemeClr>
+                </a:solidFill>
+              </a:rPr>
+              <a:t>を</a:t>
+            </a:r>
+            <a:r>
+              <a:rPr kumimoji="1" lang="en-US" altLang="ja-JP" sz="2400" dirty="0">
+                <a:solidFill>
+                  <a:schemeClr val="tx1">
+                    <a:lumMod val="75000"/>
+                    <a:lumOff val="25000"/>
+                  </a:schemeClr>
+                </a:solidFill>
+              </a:rPr>
+              <a:t>URL</a:t>
+            </a:r>
+            <a:r>
+              <a:rPr kumimoji="1" lang="ja-JP" altLang="en-US" sz="2400" dirty="0">
+                <a:solidFill>
+                  <a:schemeClr val="tx1">
+                    <a:lumMod val="75000"/>
+                    <a:lumOff val="25000"/>
+                  </a:schemeClr>
+                </a:solidFill>
+              </a:rPr>
+              <a:t>エンコード・・・③</a:t>
+            </a:r>
+            <a:endParaRPr kumimoji="1" lang="en-US" altLang="ja-JP" sz="2400" dirty="0">
               <a:solidFill>
                 <a:schemeClr val="tx1">
                   <a:lumMod val="75000"/>
@@ -6403,76 +6239,7 @@
               <a:buAutoNum type="arabicPeriod"/>
             </a:pPr>
             <a:r>
-              <a:rPr kumimoji="1" lang="ja-JP" altLang="en-US" sz="2400" dirty="0" smtClean="0">
-                <a:solidFill>
-                  <a:schemeClr val="tx1">
-                    <a:lumMod val="75000"/>
-                    <a:lumOff val="25000"/>
-                  </a:schemeClr>
-                </a:solidFill>
-              </a:rPr>
-              <a:t>リクエスト</a:t>
-            </a:r>
-            <a:r>
-              <a:rPr kumimoji="1" lang="en-US" altLang="ja-JP" sz="2400" dirty="0" smtClean="0">
-                <a:solidFill>
-                  <a:schemeClr val="tx1">
-                    <a:lumMod val="75000"/>
-                    <a:lumOff val="25000"/>
-                  </a:schemeClr>
-                </a:solidFill>
-              </a:rPr>
-              <a:t>URL</a:t>
-            </a:r>
-            <a:r>
-              <a:rPr kumimoji="1" lang="ja-JP" altLang="en-US" sz="2400" dirty="0" smtClean="0">
-                <a:solidFill>
-                  <a:schemeClr val="tx1">
-                    <a:lumMod val="75000"/>
-                    <a:lumOff val="25000"/>
-                  </a:schemeClr>
-                </a:solidFill>
-              </a:rPr>
-              <a:t>を</a:t>
-            </a:r>
-            <a:r>
-              <a:rPr kumimoji="1" lang="en-US" altLang="ja-JP" sz="2400" dirty="0" smtClean="0">
-                <a:solidFill>
-                  <a:schemeClr val="tx1">
-                    <a:lumMod val="75000"/>
-                    <a:lumOff val="25000"/>
-                  </a:schemeClr>
-                </a:solidFill>
-              </a:rPr>
-              <a:t>URL</a:t>
-            </a:r>
-            <a:r>
-              <a:rPr kumimoji="1" lang="ja-JP" altLang="en-US" sz="2400" dirty="0" smtClean="0">
-                <a:solidFill>
-                  <a:schemeClr val="tx1">
-                    <a:lumMod val="75000"/>
-                    <a:lumOff val="25000"/>
-                  </a:schemeClr>
-                </a:solidFill>
-              </a:rPr>
-              <a:t>エンコード・・・③</a:t>
-            </a:r>
-            <a:endParaRPr kumimoji="1" lang="en-US" altLang="ja-JP" sz="2400" dirty="0" smtClean="0">
-              <a:solidFill>
-                <a:schemeClr val="tx1">
-                  <a:lumMod val="75000"/>
-                  <a:lumOff val="25000"/>
-                </a:schemeClr>
-              </a:solidFill>
-            </a:endParaRPr>
-          </a:p>
-          <a:p>
-            <a:pPr marL="514350" indent="-514350">
-              <a:buFont typeface="+mj-lt"/>
-              <a:buAutoNum type="arabicPeriod"/>
-            </a:pPr>
-            <a:r>
-              <a:rPr lang="ja-JP" altLang="en-US" sz="2400" dirty="0" smtClean="0">
+              <a:rPr lang="ja-JP" altLang="en-US" sz="2400" dirty="0">
                 <a:solidFill>
                   <a:schemeClr val="tx1">
                     <a:lumMod val="75000"/>
@@ -6494,7 +6261,7 @@
               <a:t>&amp;</a:t>
             </a:r>
             <a:r>
-              <a:rPr lang="ja-JP" altLang="en-US" sz="2400" dirty="0" smtClean="0">
+              <a:rPr lang="ja-JP" altLang="en-US" sz="2400" dirty="0">
                 <a:solidFill>
                   <a:schemeClr val="tx1">
                     <a:lumMod val="75000"/>
@@ -6504,7 +6271,7 @@
               </a:rPr>
               <a:t>で繋ぐ</a:t>
             </a:r>
-            <a:endParaRPr kumimoji="1" lang="en-US" altLang="ja-JP" sz="2400" dirty="0" smtClean="0">
+            <a:endParaRPr kumimoji="1" lang="en-US" altLang="ja-JP" sz="2400" dirty="0">
               <a:solidFill>
                 <a:schemeClr val="tx1">
                   <a:lumMod val="75000"/>
@@ -6550,13 +6317,6 @@
   <p:clrMapOvr>
     <a:masterClrMapping/>
   </p:clrMapOvr>
-  <p:timing>
-    <p:tnLst>
-      <p:par>
-        <p:cTn id="1" dur="indefinite" restart="never" nodeType="tmRoot"/>
-      </p:par>
-    </p:tnLst>
-  </p:timing>
 </p:sld>
 </file>
 
@@ -6593,7 +6353,7 @@
           <a:lstStyle/>
           <a:p>
             <a:r>
-              <a:rPr lang="ja-JP" altLang="en-US" dirty="0" smtClean="0">
+              <a:rPr lang="ja-JP" altLang="en-US" dirty="0">
                 <a:solidFill>
                   <a:schemeClr val="tx1">
                     <a:lumMod val="75000"/>
@@ -6691,11 +6451,11 @@
           <a:lstStyle/>
           <a:p>
             <a:r>
-              <a:rPr kumimoji="1" lang="ja-JP" altLang="en-US" dirty="0" smtClean="0"/>
+              <a:rPr kumimoji="1" lang="ja-JP" altLang="en-US" dirty="0"/>
               <a:t>図２　送られて</a:t>
             </a:r>
             <a:r>
-              <a:rPr lang="ja-JP" altLang="en-US" dirty="0" smtClean="0"/>
+              <a:rPr lang="ja-JP" altLang="en-US" dirty="0"/>
               <a:t>きたパラメータ</a:t>
             </a:r>
             <a:endParaRPr kumimoji="1" lang="ja-JP" altLang="en-US" dirty="0"/>
@@ -6778,13 +6538,6 @@
   <p:clrMapOvr>
     <a:masterClrMapping/>
   </p:clrMapOvr>
-  <p:timing>
-    <p:tnLst>
-      <p:par>
-        <p:cTn id="1" dur="indefinite" restart="never" nodeType="tmRoot"/>
-      </p:par>
-    </p:tnLst>
-  </p:timing>
 </p:sld>
 </file>
 
@@ -6821,7 +6574,7 @@
           <a:lstStyle/>
           <a:p>
             <a:r>
-              <a:rPr kumimoji="1" lang="ja-JP" altLang="en-US" dirty="0" smtClean="0">
+              <a:rPr kumimoji="1" lang="ja-JP" altLang="en-US" dirty="0">
                 <a:solidFill>
                   <a:schemeClr val="tx1">
                     <a:lumMod val="75000"/>
@@ -6831,7 +6584,57 @@
               </a:rPr>
               <a:t>データの作成　その１、２</a:t>
             </a:r>
-            <a:endParaRPr kumimoji="1" lang="ja-JP" altLang="en-US" dirty="0">
+          </a:p>
+        </p:txBody>
+      </p:sp>
+      <p:sp>
+        <p:nvSpPr>
+          <p:cNvPr id="3" name="コンテンツ プレースホルダー 2"/>
+          <p:cNvSpPr>
+            <a:spLocks noGrp="1"/>
+          </p:cNvSpPr>
+          <p:nvPr>
+            <p:ph idx="1"/>
+          </p:nvPr>
+        </p:nvSpPr>
+        <p:spPr/>
+        <p:txBody>
+          <a:bodyPr/>
+          <a:lstStyle/>
+          <a:p>
+            <a:r>
+              <a:rPr lang="ja-JP" altLang="en-US" b="1" dirty="0">
+                <a:solidFill>
+                  <a:schemeClr val="tx1">
+                    <a:lumMod val="75000"/>
+                    <a:lumOff val="25000"/>
+                  </a:schemeClr>
+                </a:solidFill>
+              </a:rPr>
+              <a:t>パラメータの組み立て</a:t>
+            </a:r>
+            <a:br>
+              <a:rPr lang="en-US" altLang="ja-JP" dirty="0">
+                <a:solidFill>
+                  <a:schemeClr val="tx1">
+                    <a:lumMod val="75000"/>
+                    <a:lumOff val="25000"/>
+                  </a:schemeClr>
+                </a:solidFill>
+              </a:rPr>
+            </a:br>
+            <a:r>
+              <a:rPr lang="ja-JP" altLang="en-US" dirty="0">
+                <a:solidFill>
+                  <a:schemeClr val="tx1">
+                    <a:lumMod val="75000"/>
+                    <a:lumOff val="25000"/>
+                  </a:schemeClr>
+                </a:solidFill>
+              </a:rPr>
+              <a:t>図２で送られてきたパラメータをアルファベット順へ</a:t>
+            </a:r>
+            <a:endParaRPr lang="en-US" altLang="ja-JP" dirty="0">
               <a:solidFill>
                 <a:schemeClr val="tx1">
                   <a:lumMod val="75000"/>
@@ -6840,67 +6643,8 @@
               </a:solidFill>
             </a:endParaRPr>
           </a:p>
-        </p:txBody>
-      </p:sp>
-      <p:sp>
-        <p:nvSpPr>
-          <p:cNvPr id="3" name="コンテンツ プレースホルダー 2"/>
-          <p:cNvSpPr>
-            <a:spLocks noGrp="1"/>
-          </p:cNvSpPr>
-          <p:nvPr>
-            <p:ph idx="1"/>
-          </p:nvPr>
-        </p:nvSpPr>
-        <p:spPr/>
-        <p:txBody>
-          <a:bodyPr/>
-          <a:lstStyle/>
-          <a:p>
-            <a:r>
-              <a:rPr lang="ja-JP" altLang="en-US" b="1" dirty="0" smtClean="0">
-                <a:solidFill>
-                  <a:schemeClr val="tx1">
-                    <a:lumMod val="75000"/>
-                    <a:lumOff val="25000"/>
-                  </a:schemeClr>
-                </a:solidFill>
-              </a:rPr>
-              <a:t>パラメータの組み立て</a:t>
-            </a:r>
-            <a:r>
-              <a:rPr lang="en-US" altLang="ja-JP" dirty="0">
-                <a:solidFill>
-                  <a:schemeClr val="tx1">
-                    <a:lumMod val="75000"/>
-                    <a:lumOff val="25000"/>
-                  </a:schemeClr>
-                </a:solidFill>
-              </a:rPr>
-              <a:t/>
-            </a:r>
-            <a:br>
-              <a:rPr lang="en-US" altLang="ja-JP" dirty="0">
-                <a:solidFill>
-                  <a:schemeClr val="tx1">
-                    <a:lumMod val="75000"/>
-                    <a:lumOff val="25000"/>
-                  </a:schemeClr>
-                </a:solidFill>
-              </a:rPr>
-            </a:br>
-            <a:r>
-              <a:rPr lang="ja-JP" altLang="en-US" dirty="0" smtClean="0">
-                <a:solidFill>
-                  <a:schemeClr val="tx1">
-                    <a:lumMod val="75000"/>
-                    <a:lumOff val="25000"/>
-                  </a:schemeClr>
-                </a:solidFill>
-              </a:rPr>
-              <a:t>図２で送られてきたパラメータをアルファベット順へ</a:t>
-            </a:r>
-            <a:endParaRPr lang="en-US" altLang="ja-JP" dirty="0" smtClean="0">
+          <a:p>
+            <a:endParaRPr lang="en-US" altLang="ja-JP" dirty="0">
               <a:solidFill>
                 <a:schemeClr val="tx1">
                   <a:lumMod val="75000"/>
@@ -6910,18 +6654,8 @@
             </a:endParaRPr>
           </a:p>
           <a:p>
-            <a:endParaRPr lang="en-US" altLang="ja-JP" dirty="0" smtClean="0">
-              <a:solidFill>
-                <a:schemeClr val="tx1">
-                  <a:lumMod val="75000"/>
-                  <a:lumOff val="25000"/>
-                </a:schemeClr>
-              </a:solidFill>
-            </a:endParaRPr>
-          </a:p>
-          <a:p>
-            <a:r>
-              <a:rPr lang="ja-JP" altLang="en-US" b="1" dirty="0" smtClean="0">
+            <a:r>
+              <a:rPr lang="ja-JP" altLang="en-US" b="1" dirty="0">
                 <a:solidFill>
                   <a:schemeClr val="tx1">
                     <a:lumMod val="75000"/>
@@ -6931,19 +6665,8 @@
               </a:rPr>
               <a:t>並び替えたパラメータをエンコード</a:t>
             </a:r>
-            <a:r>
-              <a:rPr lang="en-US" altLang="ja-JP" b="1" dirty="0" smtClean="0">
-                <a:solidFill>
-                  <a:schemeClr val="tx1">
-                    <a:lumMod val="75000"/>
-                    <a:lumOff val="25000"/>
-                  </a:schemeClr>
-                </a:solidFill>
-              </a:rPr>
-              <a:t/>
-            </a:r>
             <a:br>
-              <a:rPr lang="en-US" altLang="ja-JP" b="1" dirty="0" smtClean="0">
+              <a:rPr lang="en-US" altLang="ja-JP" b="1" dirty="0">
                 <a:solidFill>
                   <a:schemeClr val="tx1">
                     <a:lumMod val="75000"/>
@@ -6953,7 +6676,7 @@
               </a:rPr>
             </a:br>
             <a:r>
-              <a:rPr lang="ja-JP" altLang="en-US" dirty="0" smtClean="0">
+              <a:rPr lang="ja-JP" altLang="en-US" dirty="0">
                 <a:solidFill>
                   <a:schemeClr val="tx1">
                     <a:lumMod val="75000"/>
@@ -6963,7 +6686,7 @@
               </a:rPr>
               <a:t>できたものを①</a:t>
             </a:r>
-            <a:endParaRPr lang="en-US" altLang="ja-JP" b="1" dirty="0" smtClean="0">
+            <a:endParaRPr lang="en-US" altLang="ja-JP" b="1" dirty="0">
               <a:solidFill>
                 <a:schemeClr val="tx1">
                   <a:lumMod val="75000"/>
@@ -7009,13 +6732,6 @@
   <p:clrMapOvr>
     <a:masterClrMapping/>
   </p:clrMapOvr>
-  <p:timing>
-    <p:tnLst>
-      <p:par>
-        <p:cTn id="1" dur="indefinite" restart="never" nodeType="tmRoot"/>
-      </p:par>
-    </p:tnLst>
-  </p:timing>
 </p:sld>
 </file>
 
@@ -7052,10 +6768,9 @@
           <a:lstStyle/>
           <a:p>
             <a:r>
-              <a:rPr kumimoji="1" lang="ja-JP" altLang="en-US" dirty="0" smtClean="0"/>
+              <a:rPr kumimoji="1" lang="ja-JP" altLang="en-US" dirty="0"/>
               <a:t>手順１で完成したもの</a:t>
             </a:r>
-            <a:endParaRPr kumimoji="1" lang="ja-JP" altLang="en-US" dirty="0"/>
           </a:p>
         </p:txBody>
       </p:sp>
@@ -7110,303 +6825,303 @@
               <a:buNone/>
             </a:pPr>
             <a:r>
-              <a:rPr lang="en-US" altLang="ja-JP" sz="2000" dirty="0" err="1" smtClean="0"/>
+              <a:rPr lang="en-US" altLang="ja-JP" sz="2000" dirty="0" err="1"/>
               <a:t>context_id</a:t>
             </a:r>
             <a:r>
-              <a:rPr lang="en-US" altLang="ja-JP" sz="2000" dirty="0" smtClean="0"/>
+              <a:rPr lang="en-US" altLang="ja-JP" sz="2000" dirty="0"/>
               <a:t>=475f296c3f</a:t>
             </a:r>
             <a:r>
-              <a:rPr lang="mr-IN" altLang="ja-JP" sz="2000" dirty="0" smtClean="0"/>
+              <a:rPr lang="mr-IN" altLang="ja-JP" sz="2000" dirty="0"/>
               <a:t>%26</a:t>
             </a:r>
             <a:r>
-              <a:rPr lang="en-US" altLang="ja-JP" sz="2000" dirty="0" err="1" smtClean="0"/>
+              <a:rPr lang="en-US" altLang="ja-JP" sz="2000" dirty="0" err="1"/>
               <a:t>context_title</a:t>
             </a:r>
             <a:r>
-              <a:rPr lang="en-US" altLang="ja-JP" sz="2000" dirty="0" smtClean="0"/>
+              <a:rPr lang="en-US" altLang="ja-JP" sz="2000" dirty="0"/>
               <a:t>=Hippo</a:t>
             </a:r>
             <a:r>
-              <a:rPr lang="mr-IN" altLang="ja-JP" sz="2000" dirty="0" smtClean="0"/>
+              <a:rPr lang="mr-IN" altLang="ja-JP" sz="2000" dirty="0"/>
               <a:t>%25</a:t>
             </a:r>
             <a:r>
-              <a:rPr lang="en-US" altLang="ja-JP" sz="2000" dirty="0" smtClean="0"/>
+              <a:rPr lang="en-US" altLang="ja-JP" sz="2000" dirty="0"/>
               <a:t>20200</a:t>
             </a:r>
             <a:r>
-              <a:rPr lang="mr-IN" altLang="ja-JP" sz="2000" dirty="0" smtClean="0"/>
+              <a:rPr lang="mr-IN" altLang="ja-JP" sz="2000" dirty="0"/>
               <a:t>%26</a:t>
             </a:r>
             <a:r>
-              <a:rPr lang="en-US" altLang="ja-JP" sz="2000" dirty="0" err="1" smtClean="0"/>
+              <a:rPr lang="en-US" altLang="ja-JP" sz="2000" dirty="0" err="1"/>
               <a:t>launch_presentation_return_url</a:t>
             </a:r>
             <a:r>
-              <a:rPr lang="en-US" altLang="ja-JP" sz="2000" dirty="0" smtClean="0"/>
+              <a:rPr lang="en-US" altLang="ja-JP" sz="2000" dirty="0"/>
               <a:t>=https</a:t>
             </a:r>
             <a:r>
-              <a:rPr lang="mr-IN" altLang="ja-JP" sz="2000" dirty="0" smtClean="0"/>
+              <a:rPr lang="mr-IN" altLang="ja-JP" sz="2000" dirty="0"/>
               <a:t>%25</a:t>
             </a:r>
             <a:r>
-              <a:rPr lang="en-US" altLang="ja-JP" sz="2000" dirty="0" smtClean="0"/>
+              <a:rPr lang="en-US" altLang="ja-JP" sz="2000" dirty="0"/>
               <a:t>3A</a:t>
             </a:r>
             <a:r>
-              <a:rPr lang="mr-IN" altLang="ja-JP" sz="2000" dirty="0" smtClean="0"/>
+              <a:rPr lang="mr-IN" altLang="ja-JP" sz="2000" dirty="0"/>
               <a:t>%25</a:t>
             </a:r>
             <a:r>
-              <a:rPr lang="en-US" altLang="ja-JP" sz="2000" dirty="0" smtClean="0"/>
+              <a:rPr lang="en-US" altLang="ja-JP" sz="2000" dirty="0"/>
               <a:t>2F</a:t>
             </a:r>
             <a:r>
-              <a:rPr lang="mr-IN" altLang="ja-JP" sz="2000" dirty="0" smtClean="0"/>
+              <a:rPr lang="mr-IN" altLang="ja-JP" sz="2000" dirty="0"/>
               <a:t>%25</a:t>
             </a:r>
             <a:r>
-              <a:rPr lang="en-US" altLang="ja-JP" sz="2000" dirty="0" smtClean="0"/>
+              <a:rPr lang="en-US" altLang="ja-JP" sz="2000" dirty="0"/>
               <a:t>2Flearn-lti.herokuapp.com</a:t>
             </a:r>
             <a:r>
-              <a:rPr lang="mr-IN" altLang="ja-JP" sz="2000" dirty="0" smtClean="0"/>
+              <a:rPr lang="mr-IN" altLang="ja-JP" sz="2000" dirty="0"/>
               <a:t>%25</a:t>
             </a:r>
             <a:r>
-              <a:rPr lang="en-US" altLang="ja-JP" sz="2000" dirty="0" smtClean="0"/>
+              <a:rPr lang="en-US" altLang="ja-JP" sz="2000" dirty="0"/>
               <a:t>2Ftool_return</a:t>
             </a:r>
             <a:r>
-              <a:rPr lang="mr-IN" altLang="ja-JP" sz="2000" dirty="0" smtClean="0"/>
+              <a:rPr lang="mr-IN" altLang="ja-JP" sz="2000" dirty="0"/>
               <a:t>%25</a:t>
             </a:r>
             <a:r>
-              <a:rPr lang="en-US" altLang="ja-JP" sz="2000" dirty="0" smtClean="0"/>
+              <a:rPr lang="en-US" altLang="ja-JP" sz="2000" dirty="0"/>
               <a:t>2Fsignature_check</a:t>
             </a:r>
             <a:r>
-              <a:rPr lang="mr-IN" altLang="ja-JP" sz="2000" dirty="0" smtClean="0"/>
+              <a:rPr lang="mr-IN" altLang="ja-JP" sz="2000" dirty="0"/>
               <a:t>%25</a:t>
             </a:r>
             <a:r>
-              <a:rPr lang="en-US" altLang="ja-JP" sz="2000" dirty="0" smtClean="0"/>
+              <a:rPr lang="en-US" altLang="ja-JP" sz="2000" dirty="0"/>
               <a:t>2F0</a:t>
             </a:r>
             <a:r>
-              <a:rPr lang="mr-IN" altLang="ja-JP" sz="2000" dirty="0" smtClean="0"/>
+              <a:rPr lang="mr-IN" altLang="ja-JP" sz="2000" dirty="0"/>
               <a:t>%25</a:t>
             </a:r>
             <a:r>
-              <a:rPr lang="en-US" altLang="ja-JP" sz="2000" dirty="0" smtClean="0"/>
+              <a:rPr lang="en-US" altLang="ja-JP" sz="2000" dirty="0"/>
               <a:t>2F3189</a:t>
             </a:r>
             <a:r>
-              <a:rPr lang="mr-IN" altLang="ja-JP" sz="2000" dirty="0" smtClean="0"/>
+              <a:rPr lang="mr-IN" altLang="ja-JP" sz="2000" dirty="0"/>
               <a:t>%26</a:t>
             </a:r>
             <a:r>
-              <a:rPr lang="en-US" altLang="ja-JP" sz="2000" dirty="0" err="1" smtClean="0"/>
+              <a:rPr lang="en-US" altLang="ja-JP" sz="2000" dirty="0" err="1"/>
               <a:t>lis_person_name_full</a:t>
             </a:r>
             <a:r>
-              <a:rPr lang="en-US" altLang="ja-JP" sz="2000" dirty="0" smtClean="0"/>
+              <a:rPr lang="en-US" altLang="ja-JP" sz="2000" dirty="0"/>
               <a:t>=Sahar</a:t>
             </a:r>
             <a:r>
-              <a:rPr lang="mr-IN" altLang="ja-JP" sz="2000" dirty="0" smtClean="0"/>
+              <a:rPr lang="mr-IN" altLang="ja-JP" sz="2000" dirty="0"/>
               <a:t>%25</a:t>
             </a:r>
             <a:r>
-              <a:rPr lang="en-US" altLang="ja-JP" sz="2000" dirty="0" smtClean="0"/>
+              <a:rPr lang="en-US" altLang="ja-JP" sz="2000" dirty="0"/>
               <a:t>20Johnson</a:t>
             </a:r>
             <a:r>
-              <a:rPr lang="mr-IN" altLang="ja-JP" sz="2000" dirty="0" smtClean="0"/>
+              <a:rPr lang="mr-IN" altLang="ja-JP" sz="2000" dirty="0"/>
               <a:t>%26</a:t>
             </a:r>
             <a:r>
-              <a:rPr lang="en-US" altLang="ja-JP" sz="2000" dirty="0" err="1" smtClean="0"/>
+              <a:rPr lang="en-US" altLang="ja-JP" sz="2000" dirty="0" err="1"/>
               <a:t>lti_message_type</a:t>
             </a:r>
             <a:r>
-              <a:rPr lang="en-US" altLang="ja-JP" sz="2000" dirty="0" smtClean="0"/>
+              <a:rPr lang="en-US" altLang="ja-JP" sz="2000" dirty="0"/>
               <a:t>=basic-</a:t>
             </a:r>
             <a:r>
-              <a:rPr lang="en-US" altLang="ja-JP" sz="2000" dirty="0" err="1" smtClean="0"/>
+              <a:rPr lang="en-US" altLang="ja-JP" sz="2000" dirty="0" err="1"/>
               <a:t>lti</a:t>
             </a:r>
             <a:r>
-              <a:rPr lang="en-US" altLang="ja-JP" sz="2000" dirty="0" smtClean="0"/>
+              <a:rPr lang="en-US" altLang="ja-JP" sz="2000" dirty="0"/>
               <a:t>-launch-request</a:t>
             </a:r>
             <a:r>
-              <a:rPr lang="mr-IN" altLang="ja-JP" sz="2000" dirty="0" smtClean="0"/>
+              <a:rPr lang="mr-IN" altLang="ja-JP" sz="2000" dirty="0"/>
               <a:t>%26</a:t>
             </a:r>
             <a:r>
-              <a:rPr lang="en-US" altLang="ja-JP" sz="2000" dirty="0" err="1" smtClean="0"/>
+              <a:rPr lang="en-US" altLang="ja-JP" sz="2000" dirty="0" err="1"/>
               <a:t>lti_version</a:t>
             </a:r>
             <a:r>
-              <a:rPr lang="en-US" altLang="ja-JP" sz="2000" dirty="0" smtClean="0"/>
+              <a:rPr lang="en-US" altLang="ja-JP" sz="2000" dirty="0"/>
               <a:t>=LTI-1p0</a:t>
             </a:r>
             <a:r>
-              <a:rPr lang="mr-IN" altLang="ja-JP" sz="2000" dirty="0" smtClean="0"/>
+              <a:rPr lang="mr-IN" altLang="ja-JP" sz="2000" dirty="0"/>
               <a:t>%26</a:t>
             </a:r>
             <a:r>
-              <a:rPr lang="en-US" altLang="ja-JP" sz="2000" dirty="0" err="1" smtClean="0"/>
+              <a:rPr lang="en-US" altLang="ja-JP" sz="2000" dirty="0" err="1"/>
               <a:t>oauth_consumer_key</a:t>
             </a:r>
             <a:r>
-              <a:rPr lang="en-US" altLang="ja-JP" sz="2000" dirty="0" smtClean="0"/>
+              <a:rPr lang="en-US" altLang="ja-JP" sz="2000" dirty="0"/>
               <a:t>=e539129bbcb1e301e1c3da971506b30c</a:t>
             </a:r>
             <a:r>
-              <a:rPr lang="mr-IN" altLang="ja-JP" sz="2000" dirty="0" smtClean="0"/>
+              <a:rPr lang="mr-IN" altLang="ja-JP" sz="2000" dirty="0"/>
               <a:t>%26</a:t>
             </a:r>
             <a:r>
-              <a:rPr lang="en-US" altLang="ja-JP" sz="2000" dirty="0" err="1" smtClean="0"/>
+              <a:rPr lang="en-US" altLang="ja-JP" sz="2000" dirty="0" err="1"/>
               <a:t>oauth_nonce</a:t>
             </a:r>
             <a:r>
-              <a:rPr lang="en-US" altLang="ja-JP" sz="2000" dirty="0" smtClean="0"/>
+              <a:rPr lang="en-US" altLang="ja-JP" sz="2000" dirty="0"/>
               <a:t>=gCJCZfpeXVaMFTokhX8PA5AQN0zqvdJT1MgtRw8E5LM</a:t>
             </a:r>
             <a:r>
-              <a:rPr lang="mr-IN" altLang="ja-JP" sz="2000" dirty="0" smtClean="0"/>
+              <a:rPr lang="mr-IN" altLang="ja-JP" sz="2000" dirty="0"/>
               <a:t>%26</a:t>
             </a:r>
             <a:r>
-              <a:rPr lang="en-US" altLang="ja-JP" sz="2000" dirty="0" err="1" smtClean="0"/>
+              <a:rPr lang="en-US" altLang="ja-JP" sz="2000" dirty="0" err="1"/>
               <a:t>oauth_signature_method</a:t>
             </a:r>
             <a:r>
-              <a:rPr lang="en-US" altLang="ja-JP" sz="2000" dirty="0" smtClean="0"/>
+              <a:rPr lang="en-US" altLang="ja-JP" sz="2000" dirty="0"/>
               <a:t>=HMAC-SHA1</a:t>
             </a:r>
             <a:r>
-              <a:rPr lang="mr-IN" altLang="ja-JP" sz="2000" dirty="0" smtClean="0"/>
+              <a:rPr lang="mr-IN" altLang="ja-JP" sz="2000" dirty="0"/>
               <a:t>%26</a:t>
             </a:r>
             <a:r>
-              <a:rPr lang="en-US" altLang="ja-JP" sz="2000" dirty="0" err="1" smtClean="0"/>
+              <a:rPr lang="en-US" altLang="ja-JP" sz="2000" dirty="0" err="1"/>
               <a:t>oauth_timestamp</a:t>
             </a:r>
             <a:r>
-              <a:rPr lang="en-US" altLang="ja-JP" sz="2000" dirty="0" smtClean="0"/>
+              <a:rPr lang="en-US" altLang="ja-JP" sz="2000" dirty="0"/>
               <a:t>=1538633590</a:t>
             </a:r>
             <a:r>
-              <a:rPr lang="mr-IN" altLang="ja-JP" sz="2000" dirty="0" smtClean="0"/>
+              <a:rPr lang="mr-IN" altLang="ja-JP" sz="2000" dirty="0"/>
               <a:t>%26</a:t>
             </a:r>
             <a:r>
-              <a:rPr lang="en-US" altLang="ja-JP" sz="2000" dirty="0" err="1" smtClean="0"/>
+              <a:rPr lang="en-US" altLang="ja-JP" sz="2000" dirty="0" err="1"/>
               <a:t>oauth_version</a:t>
             </a:r>
             <a:r>
-              <a:rPr lang="en-US" altLang="ja-JP" sz="2000" dirty="0" smtClean="0"/>
+              <a:rPr lang="en-US" altLang="ja-JP" sz="2000" dirty="0"/>
               <a:t>=1.0</a:t>
             </a:r>
             <a:r>
-              <a:rPr lang="mr-IN" altLang="ja-JP" sz="2000" dirty="0" smtClean="0"/>
+              <a:rPr lang="mr-IN" altLang="ja-JP" sz="2000" dirty="0"/>
               <a:t>%26</a:t>
             </a:r>
             <a:r>
-              <a:rPr lang="en-US" altLang="ja-JP" sz="2000" dirty="0" err="1" smtClean="0"/>
+              <a:rPr lang="en-US" altLang="ja-JP" sz="2000" dirty="0" err="1"/>
               <a:t>resource_link_id</a:t>
             </a:r>
             <a:r>
-              <a:rPr lang="en-US" altLang="ja-JP" sz="2000" dirty="0" smtClean="0"/>
+              <a:rPr lang="en-US" altLang="ja-JP" sz="2000" dirty="0"/>
               <a:t>=1aa0b00b62</a:t>
             </a:r>
             <a:r>
-              <a:rPr lang="mr-IN" altLang="ja-JP" sz="2000" dirty="0" smtClean="0"/>
+              <a:rPr lang="mr-IN" altLang="ja-JP" sz="2000" dirty="0"/>
               <a:t>%26</a:t>
             </a:r>
             <a:r>
-              <a:rPr lang="en-US" altLang="ja-JP" sz="2000" dirty="0" smtClean="0"/>
+              <a:rPr lang="en-US" altLang="ja-JP" sz="2000" dirty="0"/>
               <a:t>roles=urn</a:t>
             </a:r>
             <a:r>
-              <a:rPr lang="mr-IN" altLang="ja-JP" sz="2000" dirty="0" smtClean="0"/>
+              <a:rPr lang="mr-IN" altLang="ja-JP" sz="2000" dirty="0"/>
               <a:t>%25</a:t>
             </a:r>
             <a:r>
-              <a:rPr lang="en-US" altLang="ja-JP" sz="2000" dirty="0" smtClean="0"/>
+              <a:rPr lang="en-US" altLang="ja-JP" sz="2000" dirty="0"/>
               <a:t>3Alti</a:t>
             </a:r>
             <a:r>
-              <a:rPr lang="mr-IN" altLang="ja-JP" sz="2000" dirty="0" smtClean="0"/>
+              <a:rPr lang="mr-IN" altLang="ja-JP" sz="2000" dirty="0"/>
               <a:t>%25</a:t>
             </a:r>
             <a:r>
-              <a:rPr lang="en-US" altLang="ja-JP" sz="2000" dirty="0" smtClean="0"/>
+              <a:rPr lang="en-US" altLang="ja-JP" sz="2000" dirty="0"/>
               <a:t>3Ainstrole</a:t>
             </a:r>
             <a:r>
-              <a:rPr lang="mr-IN" altLang="ja-JP" sz="2000" dirty="0" smtClean="0"/>
+              <a:rPr lang="mr-IN" altLang="ja-JP" sz="2000" dirty="0"/>
               <a:t>%25</a:t>
             </a:r>
             <a:r>
-              <a:rPr lang="en-US" altLang="ja-JP" sz="2000" dirty="0" smtClean="0"/>
+              <a:rPr lang="en-US" altLang="ja-JP" sz="2000" dirty="0"/>
               <a:t>3Aims</a:t>
             </a:r>
             <a:r>
-              <a:rPr lang="mr-IN" altLang="ja-JP" sz="2000" dirty="0" smtClean="0"/>
+              <a:rPr lang="mr-IN" altLang="ja-JP" sz="2000" dirty="0"/>
               <a:t>%25</a:t>
             </a:r>
             <a:r>
-              <a:rPr lang="en-US" altLang="ja-JP" sz="2000" dirty="0" smtClean="0"/>
+              <a:rPr lang="en-US" altLang="ja-JP" sz="2000" dirty="0"/>
               <a:t>2Flis</a:t>
             </a:r>
             <a:r>
-              <a:rPr lang="mr-IN" altLang="ja-JP" sz="2000" dirty="0" smtClean="0"/>
+              <a:rPr lang="mr-IN" altLang="ja-JP" sz="2000" dirty="0"/>
               <a:t>%25</a:t>
             </a:r>
             <a:r>
-              <a:rPr lang="en-US" altLang="ja-JP" sz="2000" dirty="0" smtClean="0"/>
+              <a:rPr lang="en-US" altLang="ja-JP" sz="2000" dirty="0"/>
               <a:t>2Fobserver</a:t>
             </a:r>
             <a:r>
-              <a:rPr lang="mr-IN" altLang="ja-JP" sz="2000" dirty="0" smtClean="0"/>
+              <a:rPr lang="mr-IN" altLang="ja-JP" sz="2000" dirty="0"/>
               <a:t>%26</a:t>
             </a:r>
             <a:r>
-              <a:rPr lang="en-US" altLang="ja-JP" sz="2000" dirty="0" err="1" smtClean="0"/>
+              <a:rPr lang="en-US" altLang="ja-JP" sz="2000" dirty="0" err="1"/>
               <a:t>tool_consumer_instance_name</a:t>
             </a:r>
             <a:r>
-              <a:rPr lang="en-US" altLang="ja-JP" sz="2000" dirty="0" smtClean="0"/>
+              <a:rPr lang="en-US" altLang="ja-JP" sz="2000" dirty="0"/>
               <a:t>=Hippo</a:t>
             </a:r>
             <a:r>
-              <a:rPr lang="mr-IN" altLang="ja-JP" sz="2000" dirty="0" smtClean="0"/>
+              <a:rPr lang="mr-IN" altLang="ja-JP" sz="2000" dirty="0"/>
               <a:t>%25</a:t>
             </a:r>
             <a:r>
-              <a:rPr lang="en-US" altLang="ja-JP" sz="2000" dirty="0" smtClean="0"/>
+              <a:rPr lang="en-US" altLang="ja-JP" sz="2000" dirty="0"/>
               <a:t>20212</a:t>
             </a:r>
             <a:r>
-              <a:rPr lang="mr-IN" altLang="ja-JP" sz="2000" dirty="0" smtClean="0"/>
+              <a:rPr lang="mr-IN" altLang="ja-JP" sz="2000" dirty="0"/>
               <a:t>%26</a:t>
             </a:r>
             <a:r>
-              <a:rPr lang="en-US" altLang="ja-JP" sz="2000" dirty="0" err="1" smtClean="0"/>
+              <a:rPr lang="en-US" altLang="ja-JP" sz="2000" dirty="0" err="1"/>
               <a:t>user_id</a:t>
             </a:r>
             <a:r>
-              <a:rPr lang="en-US" altLang="ja-JP" sz="2000" dirty="0" smtClean="0"/>
+              <a:rPr lang="en-US" altLang="ja-JP" sz="2000" dirty="0"/>
               <a:t>=f83712a18e</a:t>
             </a:r>
             <a:endParaRPr kumimoji="1" lang="ja-JP" altLang="en-US" sz="2000" dirty="0"/>
@@ -7423,13 +7138,6 @@
   <p:clrMapOvr>
     <a:masterClrMapping/>
   </p:clrMapOvr>
-  <p:timing>
-    <p:tnLst>
-      <p:par>
-        <p:cTn id="1" dur="indefinite" restart="never" nodeType="tmRoot"/>
-      </p:par>
-    </p:tnLst>
-  </p:timing>
 </p:sld>
 </file>
 
@@ -7455,7 +7163,7 @@
           <p:cNvPr id="2" name="タイトル 1">
             <a:extLst>
               <a:ext uri="{FF2B5EF4-FFF2-40B4-BE49-F238E27FC236}">
-                <a16:creationId xmlns:a16="http://schemas.microsoft.com/office/drawing/2014/main" xmlns="" id="{94677CCF-8595-364F-9FF5-E15210A40D25}"/>
+                <a16:creationId xmlns:a16="http://schemas.microsoft.com/office/drawing/2014/main" id="{94677CCF-8595-364F-9FF5-E15210A40D25}"/>
               </a:ext>
             </a:extLst>
           </p:cNvPr>
@@ -7483,7 +7191,7 @@
           <p:cNvPr id="3" name="コンテンツ プレースホルダー 2">
             <a:extLst>
               <a:ext uri="{FF2B5EF4-FFF2-40B4-BE49-F238E27FC236}">
-                <a16:creationId xmlns:a16="http://schemas.microsoft.com/office/drawing/2014/main" xmlns="" id="{9EACF3DD-5B1F-9946-8C6F-71198FB63AA4}"/>
+                <a16:creationId xmlns:a16="http://schemas.microsoft.com/office/drawing/2014/main" id="{9EACF3DD-5B1F-9946-8C6F-71198FB63AA4}"/>
               </a:ext>
             </a:extLst>
           </p:cNvPr>
@@ -7528,11 +7236,11 @@
             </a:r>
             <a:r>
               <a:rPr kumimoji="1" lang="ja-JP" altLang="en-US" dirty="0"/>
-              <a:t>シミュレータの</a:t>
-            </a:r>
-            <a:r>
-              <a:rPr kumimoji="1" lang="ja-JP" altLang="en-US" dirty="0" smtClean="0"/>
-              <a:t>進捗</a:t>
+              <a:t>シミュレータ</a:t>
+            </a:r>
+            <a:r>
+              <a:rPr kumimoji="1" lang="ja-JP" altLang="en-US"/>
+              <a:t>の進捗</a:t>
             </a:r>
             <a:endParaRPr kumimoji="1" lang="en-US" altLang="ja-JP" dirty="0"/>
           </a:p>
@@ -7547,11 +7255,30 @@
               <a:buNone/>
             </a:pPr>
             <a:r>
+              <a:rPr kumimoji="1" lang="en-US" altLang="ja-JP" dirty="0"/>
+              <a:t>3. LTI</a:t>
+            </a:r>
+          </a:p>
+          <a:p>
+            <a:pPr marL="0" indent="0">
+              <a:buNone/>
+            </a:pPr>
+            <a:endParaRPr lang="en-US" altLang="ja-JP" dirty="0"/>
+          </a:p>
+          <a:p>
+            <a:pPr marL="0" indent="0">
+              <a:buNone/>
+            </a:pPr>
+            <a:r>
               <a:rPr lang="en-US" altLang="ja-JP" dirty="0"/>
-              <a:t>3. </a:t>
-            </a:r>
-            <a:r>
-              <a:rPr lang="ja-JP" altLang="en-US" dirty="0" smtClean="0"/>
+              <a:t>4</a:t>
+            </a:r>
+            <a:r>
+              <a:rPr lang="en-US" altLang="ja-JP"/>
+              <a:t>. </a:t>
+            </a:r>
+            <a:r>
+              <a:rPr lang="ja-JP" altLang="en-US" dirty="0"/>
               <a:t>課題</a:t>
             </a:r>
             <a:endParaRPr lang="en-US" altLang="ja-JP" dirty="0"/>
@@ -7563,7 +7290,7 @@
           <p:cNvPr id="4" name="スライド番号プレースホルダー 3">
             <a:extLst>
               <a:ext uri="{FF2B5EF4-FFF2-40B4-BE49-F238E27FC236}">
-                <a16:creationId xmlns:a16="http://schemas.microsoft.com/office/drawing/2014/main" xmlns="" id="{17B46BE4-1AA0-3548-853E-2C80289F18DE}"/>
+                <a16:creationId xmlns:a16="http://schemas.microsoft.com/office/drawing/2014/main" id="{17B46BE4-1AA0-3548-853E-2C80289F18DE}"/>
               </a:ext>
             </a:extLst>
           </p:cNvPr>
@@ -7599,13 +7326,6 @@
   <p:clrMapOvr>
     <a:masterClrMapping/>
   </p:clrMapOvr>
-  <p:timing>
-    <p:tnLst>
-      <p:par>
-        <p:cTn id="1" dur="indefinite" restart="never" nodeType="tmRoot"/>
-      </p:par>
-    </p:tnLst>
-  </p:timing>
 </p:sld>
 </file>
 
@@ -7642,7 +7362,7 @@
           <a:lstStyle/>
           <a:p>
             <a:r>
-              <a:rPr kumimoji="1" lang="ja-JP" altLang="en-US" dirty="0" smtClean="0">
+              <a:rPr kumimoji="1" lang="ja-JP" altLang="en-US" dirty="0">
                 <a:solidFill>
                   <a:schemeClr val="tx1">
                     <a:lumMod val="75000"/>
@@ -7652,7 +7372,155 @@
               </a:rPr>
               <a:t>データ作成　その３</a:t>
             </a:r>
-            <a:endParaRPr kumimoji="1" lang="ja-JP" altLang="en-US" dirty="0">
+          </a:p>
+        </p:txBody>
+      </p:sp>
+      <p:sp>
+        <p:nvSpPr>
+          <p:cNvPr id="3" name="コンテンツ プレースホルダー 2"/>
+          <p:cNvSpPr>
+            <a:spLocks noGrp="1"/>
+          </p:cNvSpPr>
+          <p:nvPr>
+            <p:ph idx="1"/>
+          </p:nvPr>
+        </p:nvSpPr>
+        <p:spPr/>
+        <p:txBody>
+          <a:bodyPr/>
+          <a:lstStyle/>
+          <a:p>
+            <a:r>
+              <a:rPr kumimoji="1" lang="ja-JP" altLang="en-US" b="1" dirty="0">
+                <a:solidFill>
+                  <a:schemeClr val="tx1">
+                    <a:lumMod val="75000"/>
+                    <a:lumOff val="25000"/>
+                  </a:schemeClr>
+                </a:solidFill>
+              </a:rPr>
+              <a:t>リクエストメソッドを</a:t>
+            </a:r>
+            <a:r>
+              <a:rPr kumimoji="1" lang="en-US" altLang="ja-JP" b="1" dirty="0">
+                <a:solidFill>
+                  <a:schemeClr val="tx1">
+                    <a:lumMod val="75000"/>
+                    <a:lumOff val="25000"/>
+                  </a:schemeClr>
+                </a:solidFill>
+              </a:rPr>
+              <a:t>URL</a:t>
+            </a:r>
+            <a:r>
+              <a:rPr kumimoji="1" lang="ja-JP" altLang="en-US" b="1" dirty="0">
+                <a:solidFill>
+                  <a:schemeClr val="tx1">
+                    <a:lumMod val="75000"/>
+                    <a:lumOff val="25000"/>
+                  </a:schemeClr>
+                </a:solidFill>
+              </a:rPr>
+              <a:t>エンコード</a:t>
+            </a:r>
+            <a:br>
+              <a:rPr kumimoji="1" lang="en-US" altLang="ja-JP" b="1" dirty="0">
+                <a:solidFill>
+                  <a:schemeClr val="tx1">
+                    <a:lumMod val="75000"/>
+                    <a:lumOff val="25000"/>
+                  </a:schemeClr>
+                </a:solidFill>
+              </a:rPr>
+            </a:br>
+            <a:r>
+              <a:rPr kumimoji="1" lang="ja-JP" altLang="en-US" dirty="0">
+                <a:solidFill>
+                  <a:schemeClr val="tx1">
+                    <a:lumMod val="75000"/>
+                    <a:lumOff val="25000"/>
+                  </a:schemeClr>
+                </a:solidFill>
+              </a:rPr>
+              <a:t>今回は</a:t>
+            </a:r>
+            <a:r>
+              <a:rPr kumimoji="1" lang="en-US" altLang="ja-JP" dirty="0">
+                <a:solidFill>
+                  <a:schemeClr val="tx1">
+                    <a:lumMod val="75000"/>
+                    <a:lumOff val="25000"/>
+                  </a:schemeClr>
+                </a:solidFill>
+              </a:rPr>
+              <a:t>POST</a:t>
+            </a:r>
+            <a:r>
+              <a:rPr kumimoji="1" lang="ja-JP" altLang="en-US" dirty="0">
+                <a:solidFill>
+                  <a:schemeClr val="tx1">
+                    <a:lumMod val="75000"/>
+                    <a:lumOff val="25000"/>
+                  </a:schemeClr>
+                </a:solidFill>
+              </a:rPr>
+              <a:t>なので「</a:t>
+            </a:r>
+            <a:r>
+              <a:rPr kumimoji="1" lang="en-US" altLang="ja-JP" dirty="0">
+                <a:solidFill>
+                  <a:schemeClr val="tx1">
+                    <a:lumMod val="75000"/>
+                    <a:lumOff val="25000"/>
+                  </a:schemeClr>
+                </a:solidFill>
+              </a:rPr>
+              <a:t>POST</a:t>
+            </a:r>
+            <a:r>
+              <a:rPr kumimoji="1" lang="ja-JP" altLang="en-US" dirty="0">
+                <a:solidFill>
+                  <a:schemeClr val="tx1">
+                    <a:lumMod val="75000"/>
+                    <a:lumOff val="25000"/>
+                  </a:schemeClr>
+                </a:solidFill>
+              </a:rPr>
+              <a:t>」を</a:t>
+            </a:r>
+            <a:r>
+              <a:rPr kumimoji="1" lang="en-US" altLang="ja-JP" dirty="0">
+                <a:solidFill>
+                  <a:schemeClr val="tx1">
+                    <a:lumMod val="75000"/>
+                    <a:lumOff val="25000"/>
+                  </a:schemeClr>
+                </a:solidFill>
+              </a:rPr>
+              <a:t>URL</a:t>
+            </a:r>
+            <a:r>
+              <a:rPr kumimoji="1" lang="ja-JP" altLang="en-US" dirty="0">
+                <a:solidFill>
+                  <a:schemeClr val="tx1">
+                    <a:lumMod val="75000"/>
+                    <a:lumOff val="25000"/>
+                  </a:schemeClr>
+                </a:solidFill>
+              </a:rPr>
+              <a:t>エンコードします。</a:t>
+            </a:r>
+            <a:br>
+              <a:rPr lang="en-US" altLang="ja-JP" b="1" dirty="0">
+                <a:solidFill>
+                  <a:schemeClr val="tx1">
+                    <a:lumMod val="75000"/>
+                    <a:lumOff val="25000"/>
+                  </a:schemeClr>
+                </a:solidFill>
+              </a:rPr>
+            </a:br>
+            <a:endParaRPr lang="en-US" altLang="ja-JP" b="1" dirty="0">
               <a:solidFill>
                 <a:schemeClr val="tx1">
                   <a:lumMod val="75000"/>
@@ -7661,90 +7529,20 @@
               </a:solidFill>
             </a:endParaRPr>
           </a:p>
-        </p:txBody>
-      </p:sp>
-      <p:sp>
-        <p:nvSpPr>
-          <p:cNvPr id="3" name="コンテンツ プレースホルダー 2"/>
-          <p:cNvSpPr>
-            <a:spLocks noGrp="1"/>
-          </p:cNvSpPr>
-          <p:nvPr>
-            <p:ph idx="1"/>
-          </p:nvPr>
-        </p:nvSpPr>
-        <p:spPr/>
-        <p:txBody>
-          <a:bodyPr/>
-          <a:lstStyle/>
-          <a:p>
-            <a:r>
-              <a:rPr kumimoji="1" lang="ja-JP" altLang="en-US" b="1" dirty="0" smtClean="0">
-                <a:solidFill>
-                  <a:schemeClr val="tx1">
-                    <a:lumMod val="75000"/>
-                    <a:lumOff val="25000"/>
-                  </a:schemeClr>
-                </a:solidFill>
-              </a:rPr>
-              <a:t>リクエストメソッドを</a:t>
-            </a:r>
-            <a:r>
-              <a:rPr kumimoji="1" lang="en-US" altLang="ja-JP" b="1" dirty="0" smtClean="0">
-                <a:solidFill>
-                  <a:schemeClr val="tx1">
-                    <a:lumMod val="75000"/>
-                    <a:lumOff val="25000"/>
-                  </a:schemeClr>
-                </a:solidFill>
-              </a:rPr>
-              <a:t>URL</a:t>
-            </a:r>
-            <a:r>
-              <a:rPr kumimoji="1" lang="ja-JP" altLang="en-US" b="1" dirty="0" smtClean="0">
-                <a:solidFill>
-                  <a:schemeClr val="tx1">
-                    <a:lumMod val="75000"/>
-                    <a:lumOff val="25000"/>
-                  </a:schemeClr>
-                </a:solidFill>
-              </a:rPr>
-              <a:t>エンコード</a:t>
-            </a:r>
-            <a:r>
-              <a:rPr kumimoji="1" lang="en-US" altLang="ja-JP" b="1" dirty="0" smtClean="0">
-                <a:solidFill>
-                  <a:schemeClr val="tx1">
-                    <a:lumMod val="75000"/>
-                    <a:lumOff val="25000"/>
-                  </a:schemeClr>
-                </a:solidFill>
-              </a:rPr>
-              <a:t/>
-            </a:r>
-            <a:br>
-              <a:rPr kumimoji="1" lang="en-US" altLang="ja-JP" b="1" dirty="0" smtClean="0">
-                <a:solidFill>
-                  <a:schemeClr val="tx1">
-                    <a:lumMod val="75000"/>
-                    <a:lumOff val="25000"/>
-                  </a:schemeClr>
-                </a:solidFill>
-              </a:rPr>
-            </a:br>
-            <a:r>
-              <a:rPr kumimoji="1" lang="ja-JP" altLang="en-US" dirty="0" smtClean="0">
-                <a:solidFill>
-                  <a:schemeClr val="tx1">
-                    <a:lumMod val="75000"/>
-                    <a:lumOff val="25000"/>
-                  </a:schemeClr>
-                </a:solidFill>
-              </a:rPr>
-              <a:t>今回は</a:t>
-            </a:r>
-            <a:r>
-              <a:rPr kumimoji="1" lang="en-US" altLang="ja-JP" dirty="0" smtClean="0">
+          <a:p>
+            <a:r>
+              <a:rPr lang="ja-JP" altLang="en-US" dirty="0">
+                <a:solidFill>
+                  <a:schemeClr val="tx1">
+                    <a:lumMod val="75000"/>
+                    <a:lumOff val="25000"/>
+                  </a:schemeClr>
+                </a:solidFill>
+              </a:rPr>
+              <a:t>「</a:t>
+            </a:r>
+            <a:r>
+              <a:rPr lang="en-US" altLang="ja-JP" dirty="0">
                 <a:solidFill>
                   <a:schemeClr val="tx1">
                     <a:lumMod val="75000"/>
@@ -7755,115 +7553,7 @@
               <a:t>POST</a:t>
             </a:r>
             <a:r>
-              <a:rPr kumimoji="1" lang="ja-JP" altLang="en-US" dirty="0" smtClean="0">
-                <a:solidFill>
-                  <a:schemeClr val="tx1">
-                    <a:lumMod val="75000"/>
-                    <a:lumOff val="25000"/>
-                  </a:schemeClr>
-                </a:solidFill>
-              </a:rPr>
-              <a:t>なので「</a:t>
-            </a:r>
-            <a:r>
-              <a:rPr kumimoji="1" lang="en-US" altLang="ja-JP" dirty="0" smtClean="0">
-                <a:solidFill>
-                  <a:schemeClr val="tx1">
-                    <a:lumMod val="75000"/>
-                    <a:lumOff val="25000"/>
-                  </a:schemeClr>
-                </a:solidFill>
-              </a:rPr>
-              <a:t>POST</a:t>
-            </a:r>
-            <a:r>
-              <a:rPr kumimoji="1" lang="ja-JP" altLang="en-US" dirty="0" smtClean="0">
-                <a:solidFill>
-                  <a:schemeClr val="tx1">
-                    <a:lumMod val="75000"/>
-                    <a:lumOff val="25000"/>
-                  </a:schemeClr>
-                </a:solidFill>
-              </a:rPr>
-              <a:t>」を</a:t>
-            </a:r>
-            <a:r>
-              <a:rPr kumimoji="1" lang="en-US" altLang="ja-JP" dirty="0" smtClean="0">
-                <a:solidFill>
-                  <a:schemeClr val="tx1">
-                    <a:lumMod val="75000"/>
-                    <a:lumOff val="25000"/>
-                  </a:schemeClr>
-                </a:solidFill>
-              </a:rPr>
-              <a:t>URL</a:t>
-            </a:r>
-            <a:r>
-              <a:rPr kumimoji="1" lang="ja-JP" altLang="en-US" dirty="0" smtClean="0">
-                <a:solidFill>
-                  <a:schemeClr val="tx1">
-                    <a:lumMod val="75000"/>
-                    <a:lumOff val="25000"/>
-                  </a:schemeClr>
-                </a:solidFill>
-              </a:rPr>
-              <a:t>エンコードします。</a:t>
-            </a:r>
-            <a:r>
-              <a:rPr lang="en-US" altLang="ja-JP" b="1" dirty="0" smtClean="0">
-                <a:solidFill>
-                  <a:schemeClr val="tx1">
-                    <a:lumMod val="75000"/>
-                    <a:lumOff val="25000"/>
-                  </a:schemeClr>
-                </a:solidFill>
-              </a:rPr>
-              <a:t/>
-            </a:r>
-            <a:br>
-              <a:rPr lang="en-US" altLang="ja-JP" b="1" dirty="0" smtClean="0">
-                <a:solidFill>
-                  <a:schemeClr val="tx1">
-                    <a:lumMod val="75000"/>
-                    <a:lumOff val="25000"/>
-                  </a:schemeClr>
-                </a:solidFill>
-              </a:rPr>
-            </a:br>
-            <a:endParaRPr lang="en-US" altLang="ja-JP" b="1" dirty="0" smtClean="0">
-              <a:solidFill>
-                <a:schemeClr val="tx1">
-                  <a:lumMod val="75000"/>
-                  <a:lumOff val="25000"/>
-                </a:schemeClr>
-              </a:solidFill>
-            </a:endParaRPr>
-          </a:p>
-          <a:p>
-            <a:r>
-              <a:rPr lang="ja-JP" altLang="en-US" dirty="0" smtClean="0">
-                <a:solidFill>
-                  <a:schemeClr val="tx1">
-                    <a:lumMod val="75000"/>
-                    <a:lumOff val="25000"/>
-                  </a:schemeClr>
-                </a:solidFill>
-              </a:rPr>
-              <a:t>「</a:t>
-            </a:r>
-            <a:r>
-              <a:rPr lang="en-US" altLang="ja-JP" dirty="0" smtClean="0">
-                <a:solidFill>
-                  <a:schemeClr val="tx1">
-                    <a:lumMod val="75000"/>
-                    <a:lumOff val="25000"/>
-                  </a:schemeClr>
-                </a:solidFill>
-              </a:rPr>
-              <a:t>POST</a:t>
-            </a:r>
-            <a:r>
-              <a:rPr lang="ja-JP" altLang="en-US" dirty="0" smtClean="0">
+              <a:rPr lang="ja-JP" altLang="en-US" dirty="0">
                 <a:solidFill>
                   <a:schemeClr val="tx1">
                     <a:lumMod val="75000"/>
@@ -7872,38 +7562,6 @@
                 </a:solidFill>
               </a:rPr>
               <a:t>」をエンコード</a:t>
-            </a:r>
-            <a:r>
-              <a:rPr lang="en-US" altLang="ja-JP" dirty="0" smtClean="0">
-                <a:solidFill>
-                  <a:schemeClr val="tx1">
-                    <a:lumMod val="75000"/>
-                    <a:lumOff val="25000"/>
-                  </a:schemeClr>
-                </a:solidFill>
-              </a:rPr>
-              <a:t/>
-            </a:r>
-            <a:br>
-              <a:rPr lang="en-US" altLang="ja-JP" dirty="0" smtClean="0">
-                <a:solidFill>
-                  <a:schemeClr val="tx1">
-                    <a:lumMod val="75000"/>
-                    <a:lumOff val="25000"/>
-                  </a:schemeClr>
-                </a:solidFill>
-              </a:rPr>
-            </a:br>
-            <a:r>
-              <a:rPr lang="en-US" altLang="ja-JP" dirty="0">
-                <a:solidFill>
-                  <a:schemeClr val="tx1">
-                    <a:lumMod val="75000"/>
-                    <a:lumOff val="25000"/>
-                  </a:schemeClr>
-                </a:solidFill>
-              </a:rPr>
-              <a:t/>
             </a:r>
             <a:br>
               <a:rPr lang="en-US" altLang="ja-JP" dirty="0">
@@ -7915,8 +7573,18 @@
                 </a:solidFill>
               </a:rPr>
             </a:br>
-            <a:r>
-              <a:rPr lang="ja-JP" altLang="en-US" dirty="0" smtClean="0">
+            <a:br>
+              <a:rPr lang="en-US" altLang="ja-JP" dirty="0">
+                <a:solidFill>
+                  <a:schemeClr val="tx1">
+                    <a:lumMod val="75000"/>
+                    <a:lumOff val="25000"/>
+                  </a:schemeClr>
+                </a:solidFill>
+              </a:rPr>
+            </a:br>
+            <a:r>
+              <a:rPr lang="ja-JP" altLang="en-US" dirty="0">
                 <a:solidFill>
                   <a:schemeClr val="tx1">
                     <a:lumMod val="75000"/>
@@ -7927,7 +7595,7 @@
               <a:t>した結果　「</a:t>
             </a:r>
             <a:r>
-              <a:rPr lang="en-US" altLang="ja-JP" b="1" dirty="0" smtClean="0">
+              <a:rPr lang="en-US" altLang="ja-JP" b="1" dirty="0">
                 <a:solidFill>
                   <a:schemeClr val="tx1">
                     <a:lumMod val="75000"/>
@@ -7938,7 +7606,7 @@
               <a:t>POST</a:t>
             </a:r>
             <a:r>
-              <a:rPr lang="ja-JP" altLang="en-US" dirty="0" smtClean="0">
+              <a:rPr lang="ja-JP" altLang="en-US" dirty="0">
                 <a:solidFill>
                   <a:schemeClr val="tx1">
                     <a:lumMod val="75000"/>
@@ -7994,13 +7662,6 @@
   <p:clrMapOvr>
     <a:masterClrMapping/>
   </p:clrMapOvr>
-  <p:timing>
-    <p:tnLst>
-      <p:par>
-        <p:cTn id="1" dur="indefinite" restart="never" nodeType="tmRoot"/>
-      </p:par>
-    </p:tnLst>
-  </p:timing>
 </p:sld>
 </file>
 
@@ -8037,7 +7698,7 @@
           <a:lstStyle/>
           <a:p>
             <a:r>
-              <a:rPr lang="ja-JP" altLang="en-US" dirty="0" smtClean="0">
+              <a:rPr lang="ja-JP" altLang="en-US" dirty="0">
                 <a:solidFill>
                   <a:schemeClr val="tx1">
                     <a:lumMod val="75000"/>
@@ -8074,7 +7735,7 @@
           <a:lstStyle/>
           <a:p>
             <a:r>
-              <a:rPr kumimoji="1" lang="ja-JP" altLang="en-US" dirty="0" smtClean="0">
+              <a:rPr kumimoji="1" lang="ja-JP" altLang="en-US" dirty="0">
                 <a:solidFill>
                   <a:schemeClr val="tx1">
                     <a:lumMod val="75000"/>
@@ -8085,7 +7746,7 @@
               <a:t>リクエスト</a:t>
             </a:r>
             <a:r>
-              <a:rPr kumimoji="1" lang="en-US" altLang="ja-JP" dirty="0" smtClean="0">
+              <a:rPr kumimoji="1" lang="en-US" altLang="ja-JP" dirty="0">
                 <a:solidFill>
                   <a:schemeClr val="tx1">
                     <a:lumMod val="75000"/>
@@ -8096,7 +7757,7 @@
               <a:t>URL</a:t>
             </a:r>
             <a:r>
-              <a:rPr kumimoji="1" lang="ja-JP" altLang="en-US" dirty="0" smtClean="0">
+              <a:rPr kumimoji="1" lang="ja-JP" altLang="en-US" dirty="0">
                 <a:solidFill>
                   <a:schemeClr val="tx1">
                     <a:lumMod val="75000"/>
@@ -8107,7 +7768,7 @@
               <a:t>を</a:t>
             </a:r>
             <a:r>
-              <a:rPr kumimoji="1" lang="en-US" altLang="ja-JP" dirty="0" smtClean="0">
+              <a:rPr kumimoji="1" lang="en-US" altLang="ja-JP" dirty="0">
                 <a:solidFill>
                   <a:schemeClr val="tx1">
                     <a:lumMod val="75000"/>
@@ -8118,7 +7779,7 @@
               <a:t>URL</a:t>
             </a:r>
             <a:r>
-              <a:rPr kumimoji="1" lang="ja-JP" altLang="en-US" dirty="0" smtClean="0">
+              <a:rPr kumimoji="1" lang="ja-JP" altLang="en-US" dirty="0">
                 <a:solidFill>
                   <a:schemeClr val="tx1">
                     <a:lumMod val="75000"/>
@@ -8128,19 +7789,8 @@
               </a:rPr>
               <a:t>エンコード</a:t>
             </a:r>
-            <a:r>
-              <a:rPr kumimoji="1" lang="en-US" altLang="ja-JP" dirty="0" smtClean="0">
-                <a:solidFill>
-                  <a:schemeClr val="tx1">
-                    <a:lumMod val="75000"/>
-                    <a:lumOff val="25000"/>
-                  </a:schemeClr>
-                </a:solidFill>
-              </a:rPr>
-              <a:t/>
-            </a:r>
             <a:br>
-              <a:rPr kumimoji="1" lang="en-US" altLang="ja-JP" dirty="0" smtClean="0">
+              <a:rPr kumimoji="1" lang="en-US" altLang="ja-JP" dirty="0">
                 <a:solidFill>
                   <a:schemeClr val="tx1">
                     <a:lumMod val="75000"/>
@@ -8150,7 +7800,7 @@
               </a:rPr>
             </a:br>
             <a:r>
-              <a:rPr kumimoji="1" lang="ja-JP" altLang="en-US" dirty="0" smtClean="0">
+              <a:rPr kumimoji="1" lang="ja-JP" altLang="en-US" dirty="0">
                 <a:solidFill>
                   <a:schemeClr val="tx1">
                     <a:lumMod val="75000"/>
@@ -8161,7 +7811,7 @@
               <a:t>今回は</a:t>
             </a:r>
             <a:r>
-              <a:rPr kumimoji="1" lang="ja-JP" altLang="en-US" sz="2800" dirty="0" smtClean="0">
+              <a:rPr kumimoji="1" lang="ja-JP" altLang="en-US" sz="2800" dirty="0">
                 <a:solidFill>
                   <a:schemeClr val="tx1">
                     <a:lumMod val="75000"/>
@@ -8192,22 +7842,10 @@
                 </a:solidFill>
                 <a:hlinkClick r:id="rId2"/>
               </a:rPr>
-              <a:t>http://</a:t>
-            </a:r>
-            <a:r>
-              <a:rPr lang="en-US" altLang="ja-JP" sz="2800" dirty="0" smtClean="0">
-                <a:solidFill>
-                  <a:schemeClr val="tx1">
-                    <a:lumMod val="75000"/>
-                    <a:lumOff val="25000"/>
-                  </a:schemeClr>
-                </a:solidFill>
-                <a:hlinkClick r:id="rId2"/>
-              </a:rPr>
-              <a:t>localhost:3000/home/create</a:t>
-            </a:r>
-            <a:r>
-              <a:rPr lang="ja-JP" altLang="en-US" sz="2800" dirty="0" smtClean="0">
+              <a:t>http://localhost:3000/home/create</a:t>
+            </a:r>
+            <a:r>
+              <a:rPr lang="ja-JP" altLang="en-US" sz="2800" dirty="0">
                 <a:solidFill>
                   <a:schemeClr val="tx1">
                     <a:lumMod val="75000"/>
@@ -8217,19 +7855,8 @@
               </a:rPr>
               <a:t>」</a:t>
             </a:r>
-            <a:r>
-              <a:rPr lang="en-US" altLang="ja-JP" sz="2800" dirty="0" smtClean="0">
-                <a:solidFill>
-                  <a:schemeClr val="tx1">
-                    <a:lumMod val="75000"/>
-                    <a:lumOff val="25000"/>
-                  </a:schemeClr>
-                </a:solidFill>
-              </a:rPr>
-              <a:t/>
-            </a:r>
             <a:br>
-              <a:rPr lang="en-US" altLang="ja-JP" sz="2800" dirty="0" smtClean="0">
+              <a:rPr lang="en-US" altLang="ja-JP" sz="2800" dirty="0">
                 <a:solidFill>
                   <a:schemeClr val="tx1">
                     <a:lumMod val="75000"/>
@@ -8238,19 +7865,8 @@
                 </a:solidFill>
               </a:rPr>
             </a:br>
-            <a:r>
-              <a:rPr lang="en-US" altLang="ja-JP" sz="2800" dirty="0" smtClean="0">
-                <a:solidFill>
-                  <a:schemeClr val="tx1">
-                    <a:lumMod val="75000"/>
-                    <a:lumOff val="25000"/>
-                  </a:schemeClr>
-                </a:solidFill>
-              </a:rPr>
-              <a:t/>
-            </a:r>
             <a:br>
-              <a:rPr lang="en-US" altLang="ja-JP" sz="2800" dirty="0" smtClean="0">
+              <a:rPr lang="en-US" altLang="ja-JP" sz="2800" dirty="0">
                 <a:solidFill>
                   <a:schemeClr val="tx1">
                     <a:lumMod val="75000"/>
@@ -8260,7 +7876,7 @@
               </a:rPr>
             </a:br>
             <a:r>
-              <a:rPr lang="en-US" altLang="ja-JP" sz="2800" dirty="0" smtClean="0">
+              <a:rPr lang="en-US" altLang="ja-JP" sz="2800" dirty="0">
                 <a:solidFill>
                   <a:schemeClr val="tx1">
                     <a:lumMod val="75000"/>
@@ -8271,7 +7887,7 @@
               <a:t>                          </a:t>
             </a:r>
             <a:r>
-              <a:rPr lang="en-US" altLang="ja-JP" sz="2800" dirty="0" smtClean="0">
+              <a:rPr lang="en-US" altLang="ja-JP" sz="2800" dirty="0">
                 <a:solidFill>
                   <a:schemeClr val="tx2"/>
                 </a:solidFill>
@@ -8279,26 +7895,15 @@
               <a:t>URL</a:t>
             </a:r>
             <a:r>
-              <a:rPr lang="ja-JP" altLang="en-US" sz="2800" dirty="0" smtClean="0">
+              <a:rPr lang="ja-JP" altLang="en-US" sz="2800" dirty="0">
                 <a:solidFill>
                   <a:schemeClr val="tx2"/>
                 </a:solidFill>
               </a:rPr>
               <a:t>エンコード</a:t>
             </a:r>
-            <a:r>
-              <a:rPr lang="en-US" altLang="ja-JP" sz="2800" dirty="0" smtClean="0">
-                <a:solidFill>
-                  <a:schemeClr val="tx1">
-                    <a:lumMod val="75000"/>
-                    <a:lumOff val="25000"/>
-                  </a:schemeClr>
-                </a:solidFill>
-              </a:rPr>
-              <a:t/>
-            </a:r>
             <a:br>
-              <a:rPr lang="en-US" altLang="ja-JP" sz="2800" dirty="0" smtClean="0">
+              <a:rPr lang="en-US" altLang="ja-JP" sz="2800" dirty="0">
                 <a:solidFill>
                   <a:schemeClr val="tx1">
                     <a:lumMod val="75000"/>
@@ -8307,19 +7912,8 @@
                 </a:solidFill>
               </a:rPr>
             </a:br>
-            <a:r>
-              <a:rPr lang="en-US" altLang="ja-JP" sz="2800" dirty="0" smtClean="0">
-                <a:solidFill>
-                  <a:schemeClr val="tx1">
-                    <a:lumMod val="75000"/>
-                    <a:lumOff val="25000"/>
-                  </a:schemeClr>
-                </a:solidFill>
-              </a:rPr>
-              <a:t/>
-            </a:r>
             <a:br>
-              <a:rPr lang="en-US" altLang="ja-JP" sz="2800" dirty="0" smtClean="0">
+              <a:rPr lang="en-US" altLang="ja-JP" sz="2800" dirty="0">
                 <a:solidFill>
                   <a:schemeClr val="tx1">
                     <a:lumMod val="75000"/>
@@ -8329,18 +7923,18 @@
               </a:rPr>
             </a:br>
             <a:r>
-              <a:rPr lang="en-US" altLang="ja-JP" sz="2800" dirty="0" smtClean="0"/>
+              <a:rPr lang="en-US" altLang="ja-JP" sz="2800" dirty="0"/>
               <a:t> </a:t>
             </a:r>
             <a:r>
-              <a:rPr lang="en-US" altLang="ja-JP" sz="2800" b="1" dirty="0" smtClean="0"/>
+              <a:rPr lang="en-US" altLang="ja-JP" sz="2800" b="1" dirty="0"/>
               <a:t>http%3A%2F%2Flocalhost%3A3000%2Fhome%2Fcreate </a:t>
             </a:r>
             <a:r>
-              <a:rPr lang="ja-JP" altLang="en-US" sz="2800" b="1" dirty="0" smtClean="0"/>
+              <a:rPr lang="ja-JP" altLang="en-US" sz="2800" b="1" dirty="0"/>
               <a:t>・・・③</a:t>
             </a:r>
-            <a:endParaRPr lang="en-US" altLang="ja-JP" sz="2800" b="1" dirty="0" smtClean="0">
+            <a:endParaRPr lang="en-US" altLang="ja-JP" sz="2800" b="1" dirty="0">
               <a:solidFill>
                 <a:schemeClr val="tx1">
                   <a:lumMod val="75000"/>
@@ -8350,7 +7944,7 @@
             </a:endParaRPr>
           </a:p>
           <a:p>
-            <a:endParaRPr kumimoji="1" lang="en-US" altLang="ja-JP" dirty="0" smtClean="0">
+            <a:endParaRPr kumimoji="1" lang="en-US" altLang="ja-JP" dirty="0">
               <a:solidFill>
                 <a:schemeClr val="tx1">
                   <a:lumMod val="75000"/>
@@ -8446,13 +8040,6 @@
   <p:clrMapOvr>
     <a:masterClrMapping/>
   </p:clrMapOvr>
-  <p:timing>
-    <p:tnLst>
-      <p:par>
-        <p:cTn id="1" dur="indefinite" restart="never" nodeType="tmRoot"/>
-      </p:par>
-    </p:tnLst>
-  </p:timing>
 </p:sld>
 </file>
 
@@ -8489,10 +8076,9 @@
           <a:lstStyle/>
           <a:p>
             <a:r>
-              <a:rPr kumimoji="1" lang="ja-JP" altLang="en-US" dirty="0" smtClean="0"/>
+              <a:rPr kumimoji="1" lang="ja-JP" altLang="en-US" dirty="0"/>
               <a:t>データの作成　その５</a:t>
             </a:r>
-            <a:endParaRPr kumimoji="1" lang="ja-JP" altLang="en-US" dirty="0"/>
           </a:p>
         </p:txBody>
       </p:sp>
@@ -8512,7 +8098,7 @@
           <a:lstStyle/>
           <a:p>
             <a:r>
-              <a:rPr kumimoji="1" lang="ja-JP" altLang="en-US" b="1" dirty="0" smtClean="0">
+              <a:rPr kumimoji="1" lang="ja-JP" altLang="en-US" b="1" dirty="0">
                 <a:solidFill>
                   <a:schemeClr val="tx1">
                     <a:lumMod val="75000"/>
@@ -8522,14 +8108,6 @@
               </a:rPr>
               <a:t>②、③、①の順で＆で繋ぐ</a:t>
             </a:r>
-            <a:endParaRPr kumimoji="1" lang="ja-JP" altLang="en-US" b="1" dirty="0">
-              <a:solidFill>
-                <a:schemeClr val="tx1">
-                  <a:lumMod val="75000"/>
-                  <a:lumOff val="25000"/>
-                </a:schemeClr>
-              </a:solidFill>
-            </a:endParaRPr>
           </a:p>
         </p:txBody>
       </p:sp>
@@ -8568,13 +8146,6 @@
   <p:clrMapOvr>
     <a:masterClrMapping/>
   </p:clrMapOvr>
-  <p:timing>
-    <p:tnLst>
-      <p:par>
-        <p:cTn id="1" dur="indefinite" restart="never" nodeType="tmRoot"/>
-      </p:par>
-    </p:tnLst>
-  </p:timing>
 </p:sld>
 </file>
 
@@ -8611,7 +8182,7 @@
           <a:lstStyle/>
           <a:p>
             <a:r>
-              <a:rPr kumimoji="1" lang="ja-JP" altLang="en-US" dirty="0" smtClean="0">
+              <a:rPr kumimoji="1" lang="ja-JP" altLang="en-US" dirty="0">
                 <a:solidFill>
                   <a:schemeClr val="tx1">
                     <a:lumMod val="75000"/>
@@ -8621,14 +8192,6 @@
               </a:rPr>
               <a:t>その５で完成したもの</a:t>
             </a:r>
-            <a:endParaRPr kumimoji="1" lang="ja-JP" altLang="en-US" dirty="0">
-              <a:solidFill>
-                <a:schemeClr val="tx1">
-                  <a:lumMod val="75000"/>
-                  <a:lumOff val="25000"/>
-                </a:schemeClr>
-              </a:solidFill>
-            </a:endParaRPr>
           </a:p>
         </p:txBody>
       </p:sp>
@@ -8691,13 +8254,6 @@
   <p:clrMapOvr>
     <a:masterClrMapping/>
   </p:clrMapOvr>
-  <p:timing>
-    <p:tnLst>
-      <p:par>
-        <p:cTn id="1" dur="indefinite" restart="never" nodeType="tmRoot"/>
-      </p:par>
-    </p:tnLst>
-  </p:timing>
 </p:sld>
 </file>
 
@@ -8734,7 +8290,7 @@
           <a:lstStyle/>
           <a:p>
             <a:r>
-              <a:rPr kumimoji="1" lang="ja-JP" altLang="en-US" dirty="0" smtClean="0">
+              <a:rPr kumimoji="1" lang="ja-JP" altLang="en-US" dirty="0">
                 <a:solidFill>
                   <a:schemeClr val="tx1">
                     <a:lumMod val="75000"/>
@@ -8744,14 +8300,6 @@
               </a:rPr>
               <a:t>キーとデータを署名に変換</a:t>
             </a:r>
-            <a:endParaRPr kumimoji="1" lang="ja-JP" altLang="en-US" dirty="0">
-              <a:solidFill>
-                <a:schemeClr val="tx1">
-                  <a:lumMod val="75000"/>
-                  <a:lumOff val="25000"/>
-                </a:schemeClr>
-              </a:solidFill>
-            </a:endParaRPr>
           </a:p>
         </p:txBody>
       </p:sp>
@@ -8775,33 +8323,29 @@
               <a:buAutoNum type="arabicPeriod"/>
             </a:pPr>
             <a:r>
-              <a:rPr kumimoji="1" lang="ja-JP" altLang="en-US" dirty="0" smtClean="0"/>
+              <a:rPr kumimoji="1" lang="ja-JP" altLang="en-US" dirty="0"/>
               <a:t>「キー」と「データ」を用いて、</a:t>
             </a:r>
             <a:r>
-              <a:rPr kumimoji="1" lang="en-US" altLang="ja-JP" dirty="0" smtClean="0"/>
+              <a:rPr kumimoji="1" lang="en-US" altLang="ja-JP" dirty="0"/>
               <a:t>HMAC</a:t>
             </a:r>
             <a:r>
-              <a:rPr kumimoji="1" lang="ja-JP" altLang="en-US" dirty="0" smtClean="0"/>
+              <a:rPr kumimoji="1" lang="ja-JP" altLang="en-US" dirty="0"/>
               <a:t>ー</a:t>
             </a:r>
             <a:r>
-              <a:rPr kumimoji="1" lang="en-US" altLang="ja-JP" dirty="0" smtClean="0"/>
+              <a:rPr kumimoji="1" lang="en-US" altLang="ja-JP" dirty="0"/>
               <a:t>SHA1</a:t>
             </a:r>
             <a:r>
-              <a:rPr kumimoji="1" lang="ja-JP" altLang="en-US" dirty="0" smtClean="0"/>
+              <a:rPr kumimoji="1" lang="ja-JP" altLang="en-US" dirty="0"/>
               <a:t>方式のハッシュ値を生成。</a:t>
             </a:r>
-            <a:r>
-              <a:rPr kumimoji="1" lang="en-US" altLang="ja-JP" dirty="0" smtClean="0"/>
-              <a:t/>
-            </a:r>
             <a:br>
-              <a:rPr kumimoji="1" lang="en-US" altLang="ja-JP" dirty="0" smtClean="0"/>
+              <a:rPr kumimoji="1" lang="en-US" altLang="ja-JP" dirty="0"/>
             </a:br>
-            <a:endParaRPr lang="en-US" altLang="ja-JP" dirty="0" smtClean="0"/>
+            <a:endParaRPr lang="en-US" altLang="ja-JP" dirty="0"/>
           </a:p>
           <a:p>
             <a:pPr marL="514350" indent="-514350">
@@ -8809,36 +8353,28 @@
               <a:buAutoNum type="arabicPeriod"/>
             </a:pPr>
             <a:r>
-              <a:rPr kumimoji="1" lang="ja-JP" altLang="en-US" dirty="0" smtClean="0"/>
+              <a:rPr kumimoji="1" lang="ja-JP" altLang="en-US" dirty="0"/>
               <a:t>ハッシュ値を</a:t>
             </a:r>
             <a:r>
-              <a:rPr kumimoji="1" lang="en-US" altLang="ja-JP" dirty="0" smtClean="0"/>
+              <a:rPr kumimoji="1" lang="en-US" altLang="ja-JP" dirty="0"/>
               <a:t>base64</a:t>
             </a:r>
             <a:r>
-              <a:rPr lang="ja-JP" altLang="en-US" dirty="0" smtClean="0"/>
+              <a:rPr lang="ja-JP" altLang="en-US" dirty="0"/>
               <a:t>エンコード</a:t>
-            </a:r>
-            <a:r>
-              <a:rPr lang="en-US" altLang="ja-JP" dirty="0"/>
-              <a:t/>
             </a:r>
             <a:br>
               <a:rPr lang="en-US" altLang="ja-JP" dirty="0"/>
             </a:br>
-            <a:r>
-              <a:rPr lang="en-US" altLang="ja-JP" dirty="0" smtClean="0"/>
-              <a:t/>
-            </a:r>
             <a:br>
-              <a:rPr lang="en-US" altLang="ja-JP" dirty="0" smtClean="0"/>
+              <a:rPr lang="en-US" altLang="ja-JP" dirty="0"/>
             </a:br>
             <a:r>
-              <a:rPr lang="ja-JP" altLang="en-US" dirty="0" smtClean="0"/>
+              <a:rPr lang="ja-JP" altLang="en-US" dirty="0"/>
               <a:t>今回は１と２をコマンドライン上で実行</a:t>
             </a:r>
-            <a:endParaRPr kumimoji="1" lang="en-US" altLang="ja-JP" dirty="0" smtClean="0"/>
+            <a:endParaRPr kumimoji="1" lang="en-US" altLang="ja-JP" dirty="0"/>
           </a:p>
         </p:txBody>
       </p:sp>
@@ -8877,13 +8413,6 @@
   <p:clrMapOvr>
     <a:masterClrMapping/>
   </p:clrMapOvr>
-  <p:timing>
-    <p:tnLst>
-      <p:par>
-        <p:cTn id="1" dur="indefinite" restart="never" nodeType="tmRoot"/>
-      </p:par>
-    </p:tnLst>
-  </p:timing>
 </p:sld>
 </file>
 
@@ -8922,7 +8451,7 @@
           <a:lstStyle/>
           <a:p>
             <a:r>
-              <a:rPr lang="ja-JP" altLang="en-US" dirty="0" smtClean="0"/>
+              <a:rPr lang="ja-JP" altLang="en-US" dirty="0"/>
               <a:t>コマンドライン上のプログラム</a:t>
             </a:r>
             <a:endParaRPr kumimoji="1" lang="ja-JP" altLang="en-US" dirty="0"/>
@@ -8995,43 +8524,10 @@
                   </a:schemeClr>
                 </a:solidFill>
               </a:rPr>
-              <a:t>METHOD</a:t>
-            </a:r>
-            <a:r>
-              <a:rPr lang="en-US" altLang="ja-JP" sz="9200" dirty="0" smtClean="0">
-                <a:solidFill>
-                  <a:schemeClr val="tx1">
-                    <a:lumMod val="75000"/>
-                    <a:lumOff val="25000"/>
-                  </a:schemeClr>
-                </a:solidFill>
-              </a:rPr>
-              <a:t>=“POST”</a:t>
-            </a:r>
-            <a:r>
-              <a:rPr lang="en-US" altLang="ja-JP" sz="9200" dirty="0">
-                <a:solidFill>
-                  <a:schemeClr val="tx1">
-                    <a:lumMod val="75000"/>
-                    <a:lumOff val="25000"/>
-                  </a:schemeClr>
-                </a:solidFill>
-              </a:rPr>
-              <a:t> </a:t>
-            </a:r>
-            <a:r>
-              <a:rPr lang="en-US" altLang="ja-JP" sz="9200" dirty="0" smtClean="0">
-                <a:solidFill>
-                  <a:schemeClr val="tx1">
-                    <a:lumMod val="75000"/>
-                    <a:lumOff val="25000"/>
-                  </a:schemeClr>
-                </a:solidFill>
-              </a:rPr>
-              <a:t>//</a:t>
-            </a:r>
-            <a:r>
-              <a:rPr lang="ja-JP" altLang="en-US" sz="9200" dirty="0" smtClean="0">
+              <a:t>METHOD=“POST” //</a:t>
+            </a:r>
+            <a:r>
+              <a:rPr lang="ja-JP" altLang="en-US" sz="9200" dirty="0">
                 <a:solidFill>
                   <a:schemeClr val="tx1">
                     <a:lumMod val="75000"/>
@@ -9063,18 +8559,18 @@
                   </a:schemeClr>
                 </a:solidFill>
               </a:rPr>
-              <a:t>ENCURL=$(/bin/echo -n </a:t>
-            </a:r>
-            <a:r>
-              <a:rPr lang="en-US" altLang="ja-JP" sz="9200" dirty="0" smtClean="0">
-                <a:solidFill>
-                  <a:schemeClr val="tx1">
-                    <a:lumMod val="75000"/>
-                    <a:lumOff val="25000"/>
-                  </a:schemeClr>
-                </a:solidFill>
-              </a:rPr>
-              <a:t>“http</a:t>
+              <a:t>ENCURL=$(/bin/echo -n “http://localhost:3000/home/create” | </a:t>
+            </a:r>
+            <a:r>
+              <a:rPr lang="en-US" altLang="ja-JP" sz="9200" dirty="0" err="1">
+                <a:solidFill>
+                  <a:schemeClr val="tx1">
+                    <a:lumMod val="75000"/>
+                    <a:lumOff val="25000"/>
+                  </a:schemeClr>
+                </a:solidFill>
+              </a:rPr>
+              <a:t>nkf</a:t>
             </a:r>
             <a:r>
               <a:rPr lang="en-US" altLang="ja-JP" sz="9200" dirty="0">
@@ -9085,18 +8581,18 @@
                   </a:schemeClr>
                 </a:solidFill>
               </a:rPr>
-              <a:t>://</a:t>
-            </a:r>
-            <a:r>
-              <a:rPr lang="en-US" altLang="ja-JP" sz="9200" dirty="0" smtClean="0">
-                <a:solidFill>
-                  <a:schemeClr val="tx1">
-                    <a:lumMod val="75000"/>
-                    <a:lumOff val="25000"/>
-                  </a:schemeClr>
-                </a:solidFill>
-              </a:rPr>
-              <a:t>localhost:3000/home/create” </a:t>
+              <a:t> -</a:t>
+            </a:r>
+            <a:r>
+              <a:rPr lang="en-US" altLang="ja-JP" sz="9200" dirty="0" err="1">
+                <a:solidFill>
+                  <a:schemeClr val="tx1">
+                    <a:lumMod val="75000"/>
+                    <a:lumOff val="25000"/>
+                  </a:schemeClr>
+                </a:solidFill>
+              </a:rPr>
+              <a:t>WwMQ</a:t>
             </a:r>
             <a:r>
               <a:rPr lang="en-US" altLang="ja-JP" sz="9200" dirty="0">
@@ -9107,7 +8603,7 @@
                   </a:schemeClr>
                 </a:solidFill>
               </a:rPr>
-              <a:t>| </a:t>
+              <a:t> | </a:t>
             </a:r>
             <a:r>
               <a:rPr lang="en-US" altLang="ja-JP" sz="9200" dirty="0" err="1">
@@ -9118,7 +8614,7 @@
                   </a:schemeClr>
                 </a:solidFill>
               </a:rPr>
-              <a:t>nkf</a:t>
+              <a:t>tr</a:t>
             </a:r>
             <a:r>
               <a:rPr lang="en-US" altLang="ja-JP" sz="9200" dirty="0">
@@ -9129,87 +8625,10 @@
                   </a:schemeClr>
                 </a:solidFill>
               </a:rPr>
-              <a:t> -</a:t>
-            </a:r>
-            <a:r>
-              <a:rPr lang="en-US" altLang="ja-JP" sz="9200" dirty="0" err="1">
-                <a:solidFill>
-                  <a:schemeClr val="tx1">
-                    <a:lumMod val="75000"/>
-                    <a:lumOff val="25000"/>
-                  </a:schemeClr>
-                </a:solidFill>
-              </a:rPr>
-              <a:t>WwMQ</a:t>
-            </a:r>
-            <a:r>
-              <a:rPr lang="en-US" altLang="ja-JP" sz="9200" dirty="0">
-                <a:solidFill>
-                  <a:schemeClr val="tx1">
-                    <a:lumMod val="75000"/>
-                    <a:lumOff val="25000"/>
-                  </a:schemeClr>
-                </a:solidFill>
-              </a:rPr>
-              <a:t> | </a:t>
-            </a:r>
-            <a:r>
-              <a:rPr lang="en-US" altLang="ja-JP" sz="9200" dirty="0" err="1">
-                <a:solidFill>
-                  <a:schemeClr val="tx1">
-                    <a:lumMod val="75000"/>
-                    <a:lumOff val="25000"/>
-                  </a:schemeClr>
-                </a:solidFill>
-              </a:rPr>
-              <a:t>tr</a:t>
-            </a:r>
-            <a:r>
-              <a:rPr lang="en-US" altLang="ja-JP" sz="9200" dirty="0">
-                <a:solidFill>
-                  <a:schemeClr val="tx1">
-                    <a:lumMod val="75000"/>
-                    <a:lumOff val="25000"/>
-                  </a:schemeClr>
-                </a:solidFill>
-              </a:rPr>
-              <a:t> </a:t>
-            </a:r>
-            <a:r>
-              <a:rPr lang="en-US" altLang="ja-JP" sz="9200" dirty="0" smtClean="0">
-                <a:solidFill>
-                  <a:schemeClr val="tx1">
-                    <a:lumMod val="75000"/>
-                    <a:lumOff val="25000"/>
-                  </a:schemeClr>
-                </a:solidFill>
-              </a:rPr>
-              <a:t>“=” “%”)</a:t>
-            </a:r>
-            <a:r>
-              <a:rPr lang="en-US" altLang="ja-JP" sz="9200" dirty="0">
-                <a:solidFill>
-                  <a:schemeClr val="tx1">
-                    <a:lumMod val="75000"/>
-                    <a:lumOff val="25000"/>
-                  </a:schemeClr>
-                </a:solidFill>
-              </a:rPr>
-              <a:t> </a:t>
-            </a:r>
-            <a:r>
-              <a:rPr lang="en-US" altLang="ja-JP" sz="9200" dirty="0" smtClean="0">
-                <a:solidFill>
-                  <a:schemeClr val="tx1">
-                    <a:lumMod val="75000"/>
-                    <a:lumOff val="25000"/>
-                  </a:schemeClr>
-                </a:solidFill>
-              </a:rPr>
-              <a:t>//</a:t>
-            </a:r>
-            <a:r>
-              <a:rPr lang="ja-JP" altLang="en-US" sz="9200" dirty="0" smtClean="0">
+              <a:t> “=” “%”) //</a:t>
+            </a:r>
+            <a:r>
+              <a:rPr lang="ja-JP" altLang="en-US" sz="9200" dirty="0">
                 <a:solidFill>
                   <a:schemeClr val="tx1">
                     <a:lumMod val="75000"/>
@@ -9233,17 +8652,6 @@
               <a:buNone/>
             </a:pPr>
             <a:r>
-              <a:rPr lang="en-US" altLang="ja-JP" sz="9200" dirty="0" smtClean="0">
-                <a:solidFill>
-                  <a:schemeClr val="tx1">
-                    <a:lumMod val="75000"/>
-                    <a:lumOff val="25000"/>
-                  </a:schemeClr>
-                </a:solidFill>
-              </a:rPr>
-              <a:t>ENCPARAM</a:t>
-            </a:r>
-            <a:r>
               <a:rPr lang="en-US" altLang="ja-JP" sz="9200" dirty="0">
                 <a:solidFill>
                   <a:schemeClr val="tx1">
@@ -9252,7 +8660,7 @@
                   </a:schemeClr>
                 </a:solidFill>
               </a:rPr>
-              <a:t>=$(/bin/echo -n $PARAMETERS | </a:t>
+              <a:t>ENCPARAM=$(/bin/echo -n $PARAMETERS | </a:t>
             </a:r>
             <a:r>
               <a:rPr lang="en-US" altLang="ja-JP" sz="9200" dirty="0" err="1">
@@ -9274,18 +8682,18 @@
                   </a:schemeClr>
                 </a:solidFill>
               </a:rPr>
-              <a:t> </a:t>
-            </a:r>
-            <a:r>
-              <a:rPr lang="en-US" altLang="ja-JP" sz="9200" dirty="0" smtClean="0">
-                <a:solidFill>
-                  <a:schemeClr val="tx1">
-                    <a:lumMod val="75000"/>
-                    <a:lumOff val="25000"/>
-                  </a:schemeClr>
-                </a:solidFill>
-              </a:rPr>
-              <a:t>“&amp;” “\n” </a:t>
+              <a:t> “&amp;” “\n” | sort | </a:t>
+            </a:r>
+            <a:r>
+              <a:rPr lang="en-US" altLang="ja-JP" sz="9200" dirty="0" err="1">
+                <a:solidFill>
+                  <a:schemeClr val="tx1">
+                    <a:lumMod val="75000"/>
+                    <a:lumOff val="25000"/>
+                  </a:schemeClr>
+                </a:solidFill>
+              </a:rPr>
+              <a:t>tr</a:t>
             </a:r>
             <a:r>
               <a:rPr lang="en-US" altLang="ja-JP" sz="9200" dirty="0">
@@ -9296,7 +8704,7 @@
                   </a:schemeClr>
                 </a:solidFill>
               </a:rPr>
-              <a:t>| sort | </a:t>
+              <a:t> “\n” “&amp;” | </a:t>
             </a:r>
             <a:r>
               <a:rPr lang="en-US" altLang="ja-JP" sz="9200" dirty="0" err="1">
@@ -9307,6 +8715,72 @@
                   </a:schemeClr>
                 </a:solidFill>
               </a:rPr>
+              <a:t>sed</a:t>
+            </a:r>
+            <a:r>
+              <a:rPr lang="en-US" altLang="ja-JP" sz="9200" dirty="0">
+                <a:solidFill>
+                  <a:schemeClr val="tx1">
+                    <a:lumMod val="75000"/>
+                    <a:lumOff val="25000"/>
+                  </a:schemeClr>
+                </a:solidFill>
+              </a:rPr>
+              <a:t> ‘s/+/%20/g’ | PHP -R ‘echo </a:t>
+            </a:r>
+            <a:r>
+              <a:rPr lang="en-US" altLang="ja-JP" sz="9200" dirty="0" err="1">
+                <a:solidFill>
+                  <a:schemeClr val="tx1">
+                    <a:lumMod val="75000"/>
+                    <a:lumOff val="25000"/>
+                  </a:schemeClr>
+                </a:solidFill>
+              </a:rPr>
+              <a:t>rawurlencode</a:t>
+            </a:r>
+            <a:r>
+              <a:rPr lang="en-US" altLang="ja-JP" sz="9200" dirty="0">
+                <a:solidFill>
+                  <a:schemeClr val="tx1">
+                    <a:lumMod val="75000"/>
+                    <a:lumOff val="25000"/>
+                  </a:schemeClr>
+                </a:solidFill>
+              </a:rPr>
+              <a:t>($</a:t>
+            </a:r>
+            <a:r>
+              <a:rPr lang="en-US" altLang="ja-JP" sz="9200" dirty="0" err="1">
+                <a:solidFill>
+                  <a:schemeClr val="tx1">
+                    <a:lumMod val="75000"/>
+                    <a:lumOff val="25000"/>
+                  </a:schemeClr>
+                </a:solidFill>
+              </a:rPr>
+              <a:t>argn</a:t>
+            </a:r>
+            <a:r>
+              <a:rPr lang="en-US" altLang="ja-JP" sz="9200" dirty="0">
+                <a:solidFill>
+                  <a:schemeClr val="tx1">
+                    <a:lumMod val="75000"/>
+                    <a:lumOff val="25000"/>
+                  </a:schemeClr>
+                </a:solidFill>
+              </a:rPr>
+              <a:t>);’ | </a:t>
+            </a:r>
+            <a:r>
+              <a:rPr lang="en-US" altLang="ja-JP" sz="9200" dirty="0" err="1">
+                <a:solidFill>
+                  <a:schemeClr val="tx1">
+                    <a:lumMod val="75000"/>
+                    <a:lumOff val="25000"/>
+                  </a:schemeClr>
+                </a:solidFill>
+              </a:rPr>
               <a:t>tr</a:t>
             </a:r>
             <a:r>
@@ -9318,219 +8792,10 @@
                   </a:schemeClr>
                 </a:solidFill>
               </a:rPr>
-              <a:t> </a:t>
-            </a:r>
-            <a:r>
-              <a:rPr lang="en-US" altLang="ja-JP" sz="9200" dirty="0" smtClean="0">
-                <a:solidFill>
-                  <a:schemeClr val="tx1">
-                    <a:lumMod val="75000"/>
-                    <a:lumOff val="25000"/>
-                  </a:schemeClr>
-                </a:solidFill>
-              </a:rPr>
-              <a:t>“\n” “&amp;” </a:t>
-            </a:r>
-            <a:r>
-              <a:rPr lang="en-US" altLang="ja-JP" sz="9200" dirty="0">
-                <a:solidFill>
-                  <a:schemeClr val="tx1">
-                    <a:lumMod val="75000"/>
-                    <a:lumOff val="25000"/>
-                  </a:schemeClr>
-                </a:solidFill>
-              </a:rPr>
-              <a:t>| </a:t>
-            </a:r>
-            <a:r>
-              <a:rPr lang="en-US" altLang="ja-JP" sz="9200" dirty="0" err="1">
-                <a:solidFill>
-                  <a:schemeClr val="tx1">
-                    <a:lumMod val="75000"/>
-                    <a:lumOff val="25000"/>
-                  </a:schemeClr>
-                </a:solidFill>
-              </a:rPr>
-              <a:t>sed</a:t>
-            </a:r>
-            <a:r>
-              <a:rPr lang="en-US" altLang="ja-JP" sz="9200" dirty="0">
-                <a:solidFill>
-                  <a:schemeClr val="tx1">
-                    <a:lumMod val="75000"/>
-                    <a:lumOff val="25000"/>
-                  </a:schemeClr>
-                </a:solidFill>
-              </a:rPr>
-              <a:t> </a:t>
-            </a:r>
-            <a:r>
-              <a:rPr lang="en-US" altLang="ja-JP" sz="9200" dirty="0" smtClean="0">
-                <a:solidFill>
-                  <a:schemeClr val="tx1">
-                    <a:lumMod val="75000"/>
-                    <a:lumOff val="25000"/>
-                  </a:schemeClr>
-                </a:solidFill>
-              </a:rPr>
-              <a:t>‘s</a:t>
-            </a:r>
-            <a:r>
-              <a:rPr lang="en-US" altLang="ja-JP" sz="9200" dirty="0">
-                <a:solidFill>
-                  <a:schemeClr val="tx1">
-                    <a:lumMod val="75000"/>
-                    <a:lumOff val="25000"/>
-                  </a:schemeClr>
-                </a:solidFill>
-              </a:rPr>
-              <a:t>/+/%</a:t>
-            </a:r>
-            <a:r>
-              <a:rPr lang="en-US" altLang="ja-JP" sz="9200" dirty="0" smtClean="0">
-                <a:solidFill>
-                  <a:schemeClr val="tx1">
-                    <a:lumMod val="75000"/>
-                    <a:lumOff val="25000"/>
-                  </a:schemeClr>
-                </a:solidFill>
-              </a:rPr>
-              <a:t>20/g’ </a:t>
-            </a:r>
-            <a:r>
-              <a:rPr lang="en-US" altLang="ja-JP" sz="9200" dirty="0">
-                <a:solidFill>
-                  <a:schemeClr val="tx1">
-                    <a:lumMod val="75000"/>
-                    <a:lumOff val="25000"/>
-                  </a:schemeClr>
-                </a:solidFill>
-              </a:rPr>
-              <a:t>| PHP -R </a:t>
-            </a:r>
-            <a:r>
-              <a:rPr lang="en-US" altLang="ja-JP" sz="9200" dirty="0" smtClean="0">
-                <a:solidFill>
-                  <a:schemeClr val="tx1">
-                    <a:lumMod val="75000"/>
-                    <a:lumOff val="25000"/>
-                  </a:schemeClr>
-                </a:solidFill>
-              </a:rPr>
-              <a:t>‘echo </a:t>
-            </a:r>
-            <a:r>
-              <a:rPr lang="en-US" altLang="ja-JP" sz="9200" dirty="0" err="1">
-                <a:solidFill>
-                  <a:schemeClr val="tx1">
-                    <a:lumMod val="75000"/>
-                    <a:lumOff val="25000"/>
-                  </a:schemeClr>
-                </a:solidFill>
-              </a:rPr>
-              <a:t>rawurlencode</a:t>
-            </a:r>
-            <a:r>
-              <a:rPr lang="en-US" altLang="ja-JP" sz="9200" dirty="0">
-                <a:solidFill>
-                  <a:schemeClr val="tx1">
-                    <a:lumMod val="75000"/>
-                    <a:lumOff val="25000"/>
-                  </a:schemeClr>
-                </a:solidFill>
-              </a:rPr>
-              <a:t>($</a:t>
-            </a:r>
-            <a:r>
-              <a:rPr lang="en-US" altLang="ja-JP" sz="9200" dirty="0" err="1">
-                <a:solidFill>
-                  <a:schemeClr val="tx1">
-                    <a:lumMod val="75000"/>
-                    <a:lumOff val="25000"/>
-                  </a:schemeClr>
-                </a:solidFill>
-              </a:rPr>
-              <a:t>argn</a:t>
-            </a:r>
-            <a:r>
-              <a:rPr lang="en-US" altLang="ja-JP" sz="9200" dirty="0" smtClean="0">
-                <a:solidFill>
-                  <a:schemeClr val="tx1">
-                    <a:lumMod val="75000"/>
-                    <a:lumOff val="25000"/>
-                  </a:schemeClr>
-                </a:solidFill>
-              </a:rPr>
-              <a:t>);’ </a:t>
-            </a:r>
-            <a:r>
-              <a:rPr lang="en-US" altLang="ja-JP" sz="9200" dirty="0">
-                <a:solidFill>
-                  <a:schemeClr val="tx1">
-                    <a:lumMod val="75000"/>
-                    <a:lumOff val="25000"/>
-                  </a:schemeClr>
-                </a:solidFill>
-              </a:rPr>
-              <a:t>| </a:t>
-            </a:r>
-            <a:r>
-              <a:rPr lang="en-US" altLang="ja-JP" sz="9200" dirty="0" err="1">
-                <a:solidFill>
-                  <a:schemeClr val="tx1">
-                    <a:lumMod val="75000"/>
-                    <a:lumOff val="25000"/>
-                  </a:schemeClr>
-                </a:solidFill>
-              </a:rPr>
-              <a:t>tr</a:t>
-            </a:r>
-            <a:r>
-              <a:rPr lang="en-US" altLang="ja-JP" sz="9200" dirty="0">
-                <a:solidFill>
-                  <a:schemeClr val="tx1">
-                    <a:lumMod val="75000"/>
-                    <a:lumOff val="25000"/>
-                  </a:schemeClr>
-                </a:solidFill>
-              </a:rPr>
-              <a:t> </a:t>
-            </a:r>
-            <a:r>
-              <a:rPr lang="en-US" altLang="ja-JP" sz="9200" dirty="0" smtClean="0">
-                <a:solidFill>
-                  <a:schemeClr val="tx1">
-                    <a:lumMod val="75000"/>
-                    <a:lumOff val="25000"/>
-                  </a:schemeClr>
-                </a:solidFill>
-              </a:rPr>
-              <a:t>“\n” “&amp;” )</a:t>
-            </a:r>
-            <a:r>
-              <a:rPr lang="en-US" altLang="ja-JP" sz="9200" dirty="0">
-                <a:solidFill>
-                  <a:schemeClr val="tx1">
-                    <a:lumMod val="75000"/>
-                    <a:lumOff val="25000"/>
-                  </a:schemeClr>
-                </a:solidFill>
-              </a:rPr>
-              <a:t> </a:t>
-            </a:r>
-            <a:r>
-              <a:rPr lang="en-US" altLang="ja-JP" sz="9200" dirty="0" smtClean="0">
-                <a:solidFill>
-                  <a:schemeClr val="tx1">
-                    <a:lumMod val="75000"/>
-                    <a:lumOff val="25000"/>
-                  </a:schemeClr>
-                </a:solidFill>
-              </a:rPr>
-              <a:t>//</a:t>
-            </a:r>
-            <a:r>
-              <a:rPr lang="ja-JP" altLang="en-US" sz="9200" dirty="0" smtClean="0">
+              <a:t> “\n” “&amp;” ) //</a:t>
+            </a:r>
+            <a:r>
+              <a:rPr lang="ja-JP" altLang="en-US" sz="9200" dirty="0">
                 <a:solidFill>
                   <a:schemeClr val="tx1">
                     <a:lumMod val="75000"/>
@@ -9554,17 +8819,6 @@
               <a:buNone/>
             </a:pPr>
             <a:r>
-              <a:rPr lang="en-US" altLang="ja-JP" sz="9200" dirty="0" smtClean="0">
-                <a:solidFill>
-                  <a:schemeClr val="tx1">
-                    <a:lumMod val="75000"/>
-                    <a:lumOff val="25000"/>
-                  </a:schemeClr>
-                </a:solidFill>
-              </a:rPr>
-              <a:t>CONCATSTR</a:t>
-            </a:r>
-            <a:r>
               <a:rPr lang="en-US" altLang="ja-JP" sz="9200" dirty="0">
                 <a:solidFill>
                   <a:schemeClr val="tx1">
@@ -9573,7 +8827,7 @@
                   </a:schemeClr>
                 </a:solidFill>
               </a:rPr>
-              <a:t>=$METHOD"&amp;"$ENCURL"&amp;"$ENCPARAM</a:t>
+              <a:t>CONCATSTR=$METHOD"&amp;"$ENCURL"&amp;"$ENCPARAM</a:t>
             </a:r>
           </a:p>
           <a:p>
@@ -9589,21 +8843,10 @@
                   </a:schemeClr>
                 </a:solidFill>
               </a:rPr>
-              <a:t>INPUTSTR=${CONCATSTR%\%26</a:t>
-            </a:r>
-            <a:r>
-              <a:rPr lang="en-US" altLang="ja-JP" sz="9200" dirty="0" smtClean="0">
-                <a:solidFill>
-                  <a:schemeClr val="tx1">
-                    <a:lumMod val="75000"/>
-                    <a:lumOff val="25000"/>
-                  </a:schemeClr>
-                </a:solidFill>
-              </a:rPr>
-              <a:t>} //</a:t>
-            </a:r>
-            <a:r>
-              <a:rPr lang="ja-JP" altLang="en-US" sz="9200" dirty="0" smtClean="0">
+              <a:t>INPUTSTR=${CONCATSTR%\%26} //</a:t>
+            </a:r>
+            <a:r>
+              <a:rPr lang="ja-JP" altLang="en-US" sz="9200" dirty="0">
                 <a:solidFill>
                   <a:schemeClr val="tx1">
                     <a:lumMod val="75000"/>
@@ -9627,17 +8870,6 @@
               <a:buNone/>
             </a:pPr>
             <a:r>
-              <a:rPr lang="en-US" altLang="ja-JP" sz="9200" dirty="0" smtClean="0">
-                <a:solidFill>
-                  <a:schemeClr val="tx1">
-                    <a:lumMod val="75000"/>
-                    <a:lumOff val="25000"/>
-                  </a:schemeClr>
-                </a:solidFill>
-              </a:rPr>
-              <a:t>/</a:t>
-            </a:r>
-            <a:r>
               <a:rPr lang="en-US" altLang="ja-JP" sz="9200" dirty="0">
                 <a:solidFill>
                   <a:schemeClr val="tx1">
@@ -9646,7 +8878,7 @@
                   </a:schemeClr>
                 </a:solidFill>
               </a:rPr>
-              <a:t>bin/echo -n $INPUTSTR | </a:t>
+              <a:t>/bin/echo -n $INPUTSTR | </a:t>
             </a:r>
             <a:r>
               <a:rPr lang="en-US" altLang="ja-JP" sz="9200" dirty="0" err="1">
@@ -9712,18 +8944,7 @@
                   </a:schemeClr>
                 </a:solidFill>
               </a:rPr>
-              <a:t> $KEY | </a:t>
-            </a:r>
-            <a:r>
-              <a:rPr lang="en-US" altLang="ja-JP" sz="9200" dirty="0" smtClean="0">
-                <a:solidFill>
-                  <a:schemeClr val="tx1">
-                    <a:lumMod val="75000"/>
-                    <a:lumOff val="25000"/>
-                  </a:schemeClr>
-                </a:solidFill>
-              </a:rPr>
-              <a:t>base64 </a:t>
+              <a:t> $KEY | base64 </a:t>
             </a:r>
           </a:p>
           <a:p>
@@ -9731,7 +8952,7 @@
               <a:buNone/>
             </a:pPr>
             <a:r>
-              <a:rPr lang="en-US" altLang="ja-JP" sz="9200" dirty="0" smtClean="0">
+              <a:rPr lang="en-US" altLang="ja-JP" sz="9200" dirty="0">
                 <a:solidFill>
                   <a:schemeClr val="tx1">
                     <a:lumMod val="75000"/>
@@ -9742,7 +8963,7 @@
               <a:t>//HMAC-SHA1</a:t>
             </a:r>
             <a:r>
-              <a:rPr lang="ja-JP" altLang="en-US" sz="9200" dirty="0" smtClean="0">
+              <a:rPr lang="ja-JP" altLang="en-US" sz="9200" dirty="0">
                 <a:solidFill>
                   <a:schemeClr val="tx1">
                     <a:lumMod val="75000"/>
@@ -9753,7 +8974,7 @@
               <a:t>にし、</a:t>
             </a:r>
             <a:r>
-              <a:rPr lang="en-US" altLang="ja-JP" sz="9200" dirty="0" smtClean="0">
+              <a:rPr lang="en-US" altLang="ja-JP" sz="9200" dirty="0">
                 <a:solidFill>
                   <a:schemeClr val="tx1">
                     <a:lumMod val="75000"/>
@@ -9764,7 +8985,7 @@
               <a:t>base64</a:t>
             </a:r>
             <a:r>
-              <a:rPr lang="ja-JP" altLang="en-US" sz="9200" dirty="0" smtClean="0">
+              <a:rPr lang="ja-JP" altLang="en-US" sz="9200" dirty="0">
                 <a:solidFill>
                   <a:schemeClr val="tx1">
                     <a:lumMod val="75000"/>
@@ -9823,13 +9044,6 @@
   <p:clrMapOvr>
     <a:masterClrMapping/>
   </p:clrMapOvr>
-  <p:timing>
-    <p:tnLst>
-      <p:par>
-        <p:cTn id="1" dur="indefinite" restart="never" nodeType="tmRoot"/>
-      </p:par>
-    </p:tnLst>
-  </p:timing>
 </p:sld>
 </file>
 
@@ -9866,7 +9080,7 @@
           <a:lstStyle/>
           <a:p>
             <a:r>
-              <a:rPr lang="ja-JP" altLang="en-US" dirty="0" smtClean="0"/>
+              <a:rPr lang="ja-JP" altLang="en-US" dirty="0"/>
               <a:t>実行結果</a:t>
             </a:r>
             <a:endParaRPr kumimoji="1" lang="ja-JP" altLang="en-US" dirty="0"/>
@@ -9950,10 +9164,9 @@
           <a:lstStyle/>
           <a:p>
             <a:r>
-              <a:rPr kumimoji="1" lang="ja-JP" altLang="en-US" dirty="0" smtClean="0"/>
+              <a:rPr kumimoji="1" lang="ja-JP" altLang="en-US" dirty="0"/>
               <a:t>図３　実行結果</a:t>
             </a:r>
-            <a:endParaRPr kumimoji="1" lang="ja-JP" altLang="en-US" dirty="0"/>
           </a:p>
         </p:txBody>
       </p:sp>
@@ -10027,13 +9240,6 @@
   <p:clrMapOvr>
     <a:masterClrMapping/>
   </p:clrMapOvr>
-  <p:timing>
-    <p:tnLst>
-      <p:par>
-        <p:cTn id="1" dur="indefinite" restart="never" nodeType="tmRoot"/>
-      </p:par>
-    </p:tnLst>
-  </p:timing>
 </p:sld>
 </file>
 
@@ -10059,7 +9265,7 @@
           <p:cNvPr id="2" name="タイトル 1">
             <a:extLst>
               <a:ext uri="{FF2B5EF4-FFF2-40B4-BE49-F238E27FC236}">
-                <a16:creationId xmlns:a16="http://schemas.microsoft.com/office/drawing/2014/main" xmlns="" id="{B3FE859B-9E96-FF48-B6D0-9882C0799FE0}"/>
+                <a16:creationId xmlns:a16="http://schemas.microsoft.com/office/drawing/2014/main" id="{B3FE859B-9E96-FF48-B6D0-9882C0799FE0}"/>
               </a:ext>
             </a:extLst>
           </p:cNvPr>
@@ -10087,7 +9293,7 @@
           <p:cNvPr id="3" name="コンテンツ プレースホルダー 2">
             <a:extLst>
               <a:ext uri="{FF2B5EF4-FFF2-40B4-BE49-F238E27FC236}">
-                <a16:creationId xmlns:a16="http://schemas.microsoft.com/office/drawing/2014/main" xmlns="" id="{C9426B92-B841-EC41-AE66-266865D101CA}"/>
+                <a16:creationId xmlns:a16="http://schemas.microsoft.com/office/drawing/2014/main" id="{C9426B92-B841-EC41-AE66-266865D101CA}"/>
               </a:ext>
             </a:extLst>
           </p:cNvPr>
@@ -10116,25 +9322,21 @@
             </a:r>
             <a:r>
               <a:rPr lang="ja-JP" altLang="en-US" dirty="0"/>
-              <a:t>を</a:t>
-            </a:r>
-            <a:r>
-              <a:rPr lang="ja-JP" altLang="en-US" dirty="0" smtClean="0"/>
-              <a:t>実装</a:t>
-            </a:r>
-            <a:endParaRPr lang="en-US" altLang="ja-JP" dirty="0" smtClean="0"/>
-          </a:p>
-          <a:p>
-            <a:r>
-              <a:rPr lang="ja-JP" altLang="en-US" dirty="0" smtClean="0"/>
+              <a:t>を実装</a:t>
+            </a:r>
+            <a:endParaRPr lang="en-US" altLang="ja-JP" dirty="0"/>
+          </a:p>
+          <a:p>
+            <a:r>
+              <a:rPr lang="ja-JP" altLang="en-US" dirty="0"/>
               <a:t>署名プログラムを</a:t>
             </a:r>
             <a:r>
-              <a:rPr lang="en-US" altLang="ja-JP" dirty="0" smtClean="0"/>
+              <a:rPr lang="en-US" altLang="ja-JP" dirty="0"/>
               <a:t>Ruby</a:t>
             </a:r>
             <a:r>
-              <a:rPr lang="ja-JP" altLang="en-US" smtClean="0"/>
+              <a:rPr lang="ja-JP" altLang="en-US"/>
               <a:t>で書く</a:t>
             </a:r>
             <a:endParaRPr kumimoji="1" lang="ja-JP" altLang="en-US" dirty="0"/>
@@ -10146,7 +9348,7 @@
           <p:cNvPr id="4" name="スライド番号プレースホルダー 3">
             <a:extLst>
               <a:ext uri="{FF2B5EF4-FFF2-40B4-BE49-F238E27FC236}">
-                <a16:creationId xmlns:a16="http://schemas.microsoft.com/office/drawing/2014/main" xmlns="" id="{DDC9D877-92B1-0E45-A7B3-DB4A59418945}"/>
+                <a16:creationId xmlns:a16="http://schemas.microsoft.com/office/drawing/2014/main" id="{DDC9D877-92B1-0E45-A7B3-DB4A59418945}"/>
               </a:ext>
             </a:extLst>
           </p:cNvPr>
@@ -10182,13 +9384,6 @@
   <p:clrMapOvr>
     <a:masterClrMapping/>
   </p:clrMapOvr>
-  <p:timing>
-    <p:tnLst>
-      <p:par>
-        <p:cTn id="1" dur="indefinite" restart="never" nodeType="tmRoot"/>
-      </p:par>
-    </p:tnLst>
-  </p:timing>
 </p:sld>
 </file>
 
@@ -10214,7 +9409,7 @@
           <p:cNvPr id="2" name="タイトル 1">
             <a:extLst>
               <a:ext uri="{FF2B5EF4-FFF2-40B4-BE49-F238E27FC236}">
-                <a16:creationId xmlns:a16="http://schemas.microsoft.com/office/drawing/2014/main" xmlns="" id="{63F6A28C-FA55-774A-9470-7D9F40E9C8BD}"/>
+                <a16:creationId xmlns:a16="http://schemas.microsoft.com/office/drawing/2014/main" id="{63F6A28C-FA55-774A-9470-7D9F40E9C8BD}"/>
               </a:ext>
             </a:extLst>
           </p:cNvPr>
@@ -10242,7 +9437,7 @@
           <p:cNvPr id="3" name="コンテンツ プレースホルダー 2">
             <a:extLst>
               <a:ext uri="{FF2B5EF4-FFF2-40B4-BE49-F238E27FC236}">
-                <a16:creationId xmlns:a16="http://schemas.microsoft.com/office/drawing/2014/main" xmlns="" id="{AD7B3838-E620-2D4B-ABB5-D9E1D19E924F}"/>
+                <a16:creationId xmlns:a16="http://schemas.microsoft.com/office/drawing/2014/main" id="{AD7B3838-E620-2D4B-ABB5-D9E1D19E924F}"/>
               </a:ext>
             </a:extLst>
           </p:cNvPr>
@@ -10290,7 +9485,7 @@
           <p:cNvPr id="4" name="スライド番号プレースホルダー 3">
             <a:extLst>
               <a:ext uri="{FF2B5EF4-FFF2-40B4-BE49-F238E27FC236}">
-                <a16:creationId xmlns:a16="http://schemas.microsoft.com/office/drawing/2014/main" xmlns="" id="{9DB22194-DC14-344B-AE03-8C8D14659554}"/>
+                <a16:creationId xmlns:a16="http://schemas.microsoft.com/office/drawing/2014/main" id="{9DB22194-DC14-344B-AE03-8C8D14659554}"/>
               </a:ext>
             </a:extLst>
           </p:cNvPr>
@@ -10326,13 +9521,6 @@
   <p:clrMapOvr>
     <a:masterClrMapping/>
   </p:clrMapOvr>
-  <p:timing>
-    <p:tnLst>
-      <p:par>
-        <p:cTn id="1" dur="indefinite" restart="never" nodeType="tmRoot"/>
-      </p:par>
-    </p:tnLst>
-  </p:timing>
 </p:sld>
 </file>
 
@@ -10358,7 +9546,7 @@
           <p:cNvPr id="2" name="タイトル 1">
             <a:extLst>
               <a:ext uri="{FF2B5EF4-FFF2-40B4-BE49-F238E27FC236}">
-                <a16:creationId xmlns:a16="http://schemas.microsoft.com/office/drawing/2014/main" xmlns="" id="{977C6D6D-4E6F-954B-BA93-991259A8192F}"/>
+                <a16:creationId xmlns:a16="http://schemas.microsoft.com/office/drawing/2014/main" id="{977C6D6D-4E6F-954B-BA93-991259A8192F}"/>
               </a:ext>
             </a:extLst>
           </p:cNvPr>
@@ -10390,7 +9578,7 @@
           <p:cNvPr id="3" name="コンテンツ プレースホルダー 2">
             <a:extLst>
               <a:ext uri="{FF2B5EF4-FFF2-40B4-BE49-F238E27FC236}">
-                <a16:creationId xmlns:a16="http://schemas.microsoft.com/office/drawing/2014/main" xmlns="" id="{D99A729D-BE13-9949-A35C-1B6FBCDBFF5D}"/>
+                <a16:creationId xmlns:a16="http://schemas.microsoft.com/office/drawing/2014/main" id="{D99A729D-BE13-9949-A35C-1B6FBCDBFF5D}"/>
               </a:ext>
             </a:extLst>
           </p:cNvPr>
@@ -10460,7 +9648,7 @@
           <p:cNvPr id="4" name="スライド番号プレースホルダー 3">
             <a:extLst>
               <a:ext uri="{FF2B5EF4-FFF2-40B4-BE49-F238E27FC236}">
-                <a16:creationId xmlns:a16="http://schemas.microsoft.com/office/drawing/2014/main" xmlns="" id="{3DB6481F-9C4E-E940-9E71-B1551FC9E3BB}"/>
+                <a16:creationId xmlns:a16="http://schemas.microsoft.com/office/drawing/2014/main" id="{3DB6481F-9C4E-E940-9E71-B1551FC9E3BB}"/>
               </a:ext>
             </a:extLst>
           </p:cNvPr>
@@ -10496,13 +9684,6 @@
   <p:clrMapOvr>
     <a:masterClrMapping/>
   </p:clrMapOvr>
-  <p:timing>
-    <p:tnLst>
-      <p:par>
-        <p:cTn id="1" dur="indefinite" restart="never" nodeType="tmRoot"/>
-      </p:par>
-    </p:tnLst>
-  </p:timing>
 </p:sld>
 </file>
 
@@ -10528,7 +9709,7 @@
           <p:cNvPr id="2" name="タイトル 1">
             <a:extLst>
               <a:ext uri="{FF2B5EF4-FFF2-40B4-BE49-F238E27FC236}">
-                <a16:creationId xmlns:a16="http://schemas.microsoft.com/office/drawing/2014/main" xmlns="" id="{B68E727D-968A-6E48-A56A-9E0942D9230A}"/>
+                <a16:creationId xmlns:a16="http://schemas.microsoft.com/office/drawing/2014/main" id="{B68E727D-968A-6E48-A56A-9E0942D9230A}"/>
               </a:ext>
             </a:extLst>
           </p:cNvPr>
@@ -10556,7 +9737,7 @@
           <p:cNvPr id="4" name="スライド番号プレースホルダー 3">
             <a:extLst>
               <a:ext uri="{FF2B5EF4-FFF2-40B4-BE49-F238E27FC236}">
-                <a16:creationId xmlns:a16="http://schemas.microsoft.com/office/drawing/2014/main" xmlns="" id="{73D7005A-24B4-214C-BF60-7EF9F69FC2F4}"/>
+                <a16:creationId xmlns:a16="http://schemas.microsoft.com/office/drawing/2014/main" id="{73D7005A-24B4-214C-BF60-7EF9F69FC2F4}"/>
               </a:ext>
             </a:extLst>
           </p:cNvPr>
@@ -10592,7 +9773,7 @@
           <p:cNvPr id="5" name="コンテンツ プレースホルダー 3">
             <a:extLst>
               <a:ext uri="{FF2B5EF4-FFF2-40B4-BE49-F238E27FC236}">
-                <a16:creationId xmlns:a16="http://schemas.microsoft.com/office/drawing/2014/main" xmlns="" id="{78DD0AE1-E8E1-AA43-8F96-2298D01B80B7}"/>
+                <a16:creationId xmlns:a16="http://schemas.microsoft.com/office/drawing/2014/main" id="{78DD0AE1-E8E1-AA43-8F96-2298D01B80B7}"/>
               </a:ext>
             </a:extLst>
           </p:cNvPr>
@@ -10629,13 +9810,6 @@
   <p:clrMapOvr>
     <a:masterClrMapping/>
   </p:clrMapOvr>
-  <p:timing>
-    <p:tnLst>
-      <p:par>
-        <p:cTn id="1" dur="indefinite" restart="never" nodeType="tmRoot"/>
-      </p:par>
-    </p:tnLst>
-  </p:timing>
 </p:sld>
 </file>
 
@@ -10661,7 +9835,7 @@
           <p:cNvPr id="2" name="タイトル 1">
             <a:extLst>
               <a:ext uri="{FF2B5EF4-FFF2-40B4-BE49-F238E27FC236}">
-                <a16:creationId xmlns:a16="http://schemas.microsoft.com/office/drawing/2014/main" xmlns="" id="{B68E727D-968A-6E48-A56A-9E0942D9230A}"/>
+                <a16:creationId xmlns:a16="http://schemas.microsoft.com/office/drawing/2014/main" id="{B68E727D-968A-6E48-A56A-9E0942D9230A}"/>
               </a:ext>
             </a:extLst>
           </p:cNvPr>
@@ -10689,7 +9863,7 @@
           <p:cNvPr id="4" name="スライド番号プレースホルダー 3">
             <a:extLst>
               <a:ext uri="{FF2B5EF4-FFF2-40B4-BE49-F238E27FC236}">
-                <a16:creationId xmlns:a16="http://schemas.microsoft.com/office/drawing/2014/main" xmlns="" id="{73D7005A-24B4-214C-BF60-7EF9F69FC2F4}"/>
+                <a16:creationId xmlns:a16="http://schemas.microsoft.com/office/drawing/2014/main" id="{73D7005A-24B4-214C-BF60-7EF9F69FC2F4}"/>
               </a:ext>
             </a:extLst>
           </p:cNvPr>
@@ -10725,7 +9899,7 @@
           <p:cNvPr id="5" name="コンテンツ プレースホルダー 3">
             <a:extLst>
               <a:ext uri="{FF2B5EF4-FFF2-40B4-BE49-F238E27FC236}">
-                <a16:creationId xmlns:a16="http://schemas.microsoft.com/office/drawing/2014/main" xmlns="" id="{78DD0AE1-E8E1-AA43-8F96-2298D01B80B7}"/>
+                <a16:creationId xmlns:a16="http://schemas.microsoft.com/office/drawing/2014/main" id="{78DD0AE1-E8E1-AA43-8F96-2298D01B80B7}"/>
               </a:ext>
             </a:extLst>
           </p:cNvPr>
@@ -10757,7 +9931,7 @@
           <p:cNvPr id="6" name="ドーナツ 5">
             <a:extLst>
               <a:ext uri="{FF2B5EF4-FFF2-40B4-BE49-F238E27FC236}">
-                <a16:creationId xmlns:a16="http://schemas.microsoft.com/office/drawing/2014/main" xmlns="" id="{C20A56B9-1DA9-774D-8F5D-6CBE81BE1FD1}"/>
+                <a16:creationId xmlns:a16="http://schemas.microsoft.com/office/drawing/2014/main" id="{C20A56B9-1DA9-774D-8F5D-6CBE81BE1FD1}"/>
               </a:ext>
             </a:extLst>
           </p:cNvPr>
@@ -10817,7 +9991,7 @@
           <p:cNvPr id="7" name="ドーナツ 6">
             <a:extLst>
               <a:ext uri="{FF2B5EF4-FFF2-40B4-BE49-F238E27FC236}">
-                <a16:creationId xmlns:a16="http://schemas.microsoft.com/office/drawing/2014/main" xmlns="" id="{D6976C1D-CC14-0A41-BADE-A9492D2C8040}"/>
+                <a16:creationId xmlns:a16="http://schemas.microsoft.com/office/drawing/2014/main" id="{D6976C1D-CC14-0A41-BADE-A9492D2C8040}"/>
               </a:ext>
             </a:extLst>
           </p:cNvPr>
@@ -10877,7 +10051,7 @@
           <p:cNvPr id="3" name="右矢印 2">
             <a:extLst>
               <a:ext uri="{FF2B5EF4-FFF2-40B4-BE49-F238E27FC236}">
-                <a16:creationId xmlns:a16="http://schemas.microsoft.com/office/drawing/2014/main" xmlns="" id="{E7C54621-DAE7-B04B-9534-99F5636B0C55}"/>
+                <a16:creationId xmlns:a16="http://schemas.microsoft.com/office/drawing/2014/main" id="{E7C54621-DAE7-B04B-9534-99F5636B0C55}"/>
               </a:ext>
             </a:extLst>
           </p:cNvPr>
@@ -10931,7 +10105,7 @@
           <p:cNvPr id="8" name="テキスト ボックス 7">
             <a:extLst>
               <a:ext uri="{FF2B5EF4-FFF2-40B4-BE49-F238E27FC236}">
-                <a16:creationId xmlns:a16="http://schemas.microsoft.com/office/drawing/2014/main" xmlns="" id="{563A59D8-5216-144F-887B-9DA9EAFAA6F4}"/>
+                <a16:creationId xmlns:a16="http://schemas.microsoft.com/office/drawing/2014/main" id="{563A59D8-5216-144F-887B-9DA9EAFAA6F4}"/>
               </a:ext>
             </a:extLst>
           </p:cNvPr>
@@ -10983,13 +10157,6 @@
   <p:clrMapOvr>
     <a:masterClrMapping/>
   </p:clrMapOvr>
-  <p:timing>
-    <p:tnLst>
-      <p:par>
-        <p:cTn id="1" dur="indefinite" restart="never" nodeType="tmRoot"/>
-      </p:par>
-    </p:tnLst>
-  </p:timing>
 </p:sld>
 </file>
 
@@ -11015,7 +10182,7 @@
           <p:cNvPr id="2" name="タイトル 1">
             <a:extLst>
               <a:ext uri="{FF2B5EF4-FFF2-40B4-BE49-F238E27FC236}">
-                <a16:creationId xmlns:a16="http://schemas.microsoft.com/office/drawing/2014/main" xmlns="" id="{B68E727D-968A-6E48-A56A-9E0942D9230A}"/>
+                <a16:creationId xmlns:a16="http://schemas.microsoft.com/office/drawing/2014/main" id="{B68E727D-968A-6E48-A56A-9E0942D9230A}"/>
               </a:ext>
             </a:extLst>
           </p:cNvPr>
@@ -11043,7 +10210,7 @@
           <p:cNvPr id="4" name="スライド番号プレースホルダー 3">
             <a:extLst>
               <a:ext uri="{FF2B5EF4-FFF2-40B4-BE49-F238E27FC236}">
-                <a16:creationId xmlns:a16="http://schemas.microsoft.com/office/drawing/2014/main" xmlns="" id="{73D7005A-24B4-214C-BF60-7EF9F69FC2F4}"/>
+                <a16:creationId xmlns:a16="http://schemas.microsoft.com/office/drawing/2014/main" id="{73D7005A-24B4-214C-BF60-7EF9F69FC2F4}"/>
               </a:ext>
             </a:extLst>
           </p:cNvPr>
@@ -11079,7 +10246,7 @@
           <p:cNvPr id="5" name="コンテンツ プレースホルダー 3">
             <a:extLst>
               <a:ext uri="{FF2B5EF4-FFF2-40B4-BE49-F238E27FC236}">
-                <a16:creationId xmlns:a16="http://schemas.microsoft.com/office/drawing/2014/main" xmlns="" id="{78DD0AE1-E8E1-AA43-8F96-2298D01B80B7}"/>
+                <a16:creationId xmlns:a16="http://schemas.microsoft.com/office/drawing/2014/main" id="{78DD0AE1-E8E1-AA43-8F96-2298D01B80B7}"/>
               </a:ext>
             </a:extLst>
           </p:cNvPr>
@@ -11111,7 +10278,7 @@
           <p:cNvPr id="6" name="ドーナツ 5">
             <a:extLst>
               <a:ext uri="{FF2B5EF4-FFF2-40B4-BE49-F238E27FC236}">
-                <a16:creationId xmlns:a16="http://schemas.microsoft.com/office/drawing/2014/main" xmlns="" id="{0D905F45-77B1-7C49-AD52-A24F665458AA}"/>
+                <a16:creationId xmlns:a16="http://schemas.microsoft.com/office/drawing/2014/main" id="{0D905F45-77B1-7C49-AD52-A24F665458AA}"/>
               </a:ext>
             </a:extLst>
           </p:cNvPr>
@@ -11171,7 +10338,7 @@
           <p:cNvPr id="7" name="ドーナツ 6">
             <a:extLst>
               <a:ext uri="{FF2B5EF4-FFF2-40B4-BE49-F238E27FC236}">
-                <a16:creationId xmlns:a16="http://schemas.microsoft.com/office/drawing/2014/main" xmlns="" id="{A8AE5DFC-CA78-0C45-BA5D-FEAC81071A87}"/>
+                <a16:creationId xmlns:a16="http://schemas.microsoft.com/office/drawing/2014/main" id="{A8AE5DFC-CA78-0C45-BA5D-FEAC81071A87}"/>
               </a:ext>
             </a:extLst>
           </p:cNvPr>
@@ -11231,7 +10398,7 @@
           <p:cNvPr id="9" name="ドーナツ 8">
             <a:extLst>
               <a:ext uri="{FF2B5EF4-FFF2-40B4-BE49-F238E27FC236}">
-                <a16:creationId xmlns:a16="http://schemas.microsoft.com/office/drawing/2014/main" xmlns="" id="{77C8BFD5-D173-BB4C-9D7B-C8141F0C4131}"/>
+                <a16:creationId xmlns:a16="http://schemas.microsoft.com/office/drawing/2014/main" id="{77C8BFD5-D173-BB4C-9D7B-C8141F0C4131}"/>
               </a:ext>
             </a:extLst>
           </p:cNvPr>
@@ -11296,13 +10463,6 @@
   <p:clrMapOvr>
     <a:masterClrMapping/>
   </p:clrMapOvr>
-  <p:timing>
-    <p:tnLst>
-      <p:par>
-        <p:cTn id="1" dur="indefinite" restart="never" nodeType="tmRoot"/>
-      </p:par>
-    </p:tnLst>
-  </p:timing>
 </p:sld>
 </file>
 
@@ -11328,7 +10488,7 @@
           <p:cNvPr id="2" name="タイトル 1">
             <a:extLst>
               <a:ext uri="{FF2B5EF4-FFF2-40B4-BE49-F238E27FC236}">
-                <a16:creationId xmlns:a16="http://schemas.microsoft.com/office/drawing/2014/main" xmlns="" id="{95BDE7BF-3EB5-CF44-93A0-6CE85CB505E3}"/>
+                <a16:creationId xmlns:a16="http://schemas.microsoft.com/office/drawing/2014/main" id="{95BDE7BF-3EB5-CF44-93A0-6CE85CB505E3}"/>
               </a:ext>
             </a:extLst>
           </p:cNvPr>
@@ -11356,7 +10516,7 @@
           <p:cNvPr id="3" name="コンテンツ プレースホルダー 2">
             <a:extLst>
               <a:ext uri="{FF2B5EF4-FFF2-40B4-BE49-F238E27FC236}">
-                <a16:creationId xmlns:a16="http://schemas.microsoft.com/office/drawing/2014/main" xmlns="" id="{C933D26E-6FA2-EF4C-B95B-2893E9ABA497}"/>
+                <a16:creationId xmlns:a16="http://schemas.microsoft.com/office/drawing/2014/main" id="{C933D26E-6FA2-EF4C-B95B-2893E9ABA497}"/>
               </a:ext>
             </a:extLst>
           </p:cNvPr>
@@ -11397,7 +10557,7 @@
           <p:cNvPr id="4" name="スライド番号プレースホルダー 3">
             <a:extLst>
               <a:ext uri="{FF2B5EF4-FFF2-40B4-BE49-F238E27FC236}">
-                <a16:creationId xmlns:a16="http://schemas.microsoft.com/office/drawing/2014/main" xmlns="" id="{5690E311-AD55-C347-85E5-CBA3D8026668}"/>
+                <a16:creationId xmlns:a16="http://schemas.microsoft.com/office/drawing/2014/main" id="{5690E311-AD55-C347-85E5-CBA3D8026668}"/>
               </a:ext>
             </a:extLst>
           </p:cNvPr>
@@ -11433,13 +10593,6 @@
   <p:clrMapOvr>
     <a:masterClrMapping/>
   </p:clrMapOvr>
-  <p:timing>
-    <p:tnLst>
-      <p:par>
-        <p:cTn id="1" dur="indefinite" restart="never" nodeType="tmRoot"/>
-      </p:par>
-    </p:tnLst>
-  </p:timing>
 </p:sld>
 </file>
 
@@ -11465,7 +10618,7 @@
           <p:cNvPr id="2" name="タイトル 1">
             <a:extLst>
               <a:ext uri="{FF2B5EF4-FFF2-40B4-BE49-F238E27FC236}">
-                <a16:creationId xmlns:a16="http://schemas.microsoft.com/office/drawing/2014/main" xmlns="" id="{1A04E5EE-1FD1-5D4B-9694-3F28446FC325}"/>
+                <a16:creationId xmlns:a16="http://schemas.microsoft.com/office/drawing/2014/main" id="{1A04E5EE-1FD1-5D4B-9694-3F28446FC325}"/>
               </a:ext>
             </a:extLst>
           </p:cNvPr>
@@ -11493,7 +10646,7 @@
           <p:cNvPr id="3" name="コンテンツ プレースホルダー 2">
             <a:extLst>
               <a:ext uri="{FF2B5EF4-FFF2-40B4-BE49-F238E27FC236}">
-                <a16:creationId xmlns:a16="http://schemas.microsoft.com/office/drawing/2014/main" xmlns="" id="{EA0DF991-2031-4040-BEE0-3536F0024678}"/>
+                <a16:creationId xmlns:a16="http://schemas.microsoft.com/office/drawing/2014/main" id="{EA0DF991-2031-4040-BEE0-3536F0024678}"/>
               </a:ext>
             </a:extLst>
           </p:cNvPr>
@@ -11564,7 +10717,7 @@
           <p:cNvPr id="4" name="スライド番号プレースホルダー 3">
             <a:extLst>
               <a:ext uri="{FF2B5EF4-FFF2-40B4-BE49-F238E27FC236}">
-                <a16:creationId xmlns:a16="http://schemas.microsoft.com/office/drawing/2014/main" xmlns="" id="{CAC64973-2262-C94A-AB0E-F1EC3D548D08}"/>
+                <a16:creationId xmlns:a16="http://schemas.microsoft.com/office/drawing/2014/main" id="{CAC64973-2262-C94A-AB0E-F1EC3D548D08}"/>
               </a:ext>
             </a:extLst>
           </p:cNvPr>
@@ -11595,7 +10748,7 @@
           <p:cNvPr id="5" name="下矢印 4">
             <a:extLst>
               <a:ext uri="{FF2B5EF4-FFF2-40B4-BE49-F238E27FC236}">
-                <a16:creationId xmlns:a16="http://schemas.microsoft.com/office/drawing/2014/main" xmlns="" id="{53A1B1BA-4D4E-684F-A351-ED8C1472F298}"/>
+                <a16:creationId xmlns:a16="http://schemas.microsoft.com/office/drawing/2014/main" id="{53A1B1BA-4D4E-684F-A351-ED8C1472F298}"/>
               </a:ext>
             </a:extLst>
           </p:cNvPr>
@@ -11663,13 +10816,6 @@
   <p:clrMapOvr>
     <a:masterClrMapping/>
   </p:clrMapOvr>
-  <p:timing>
-    <p:tnLst>
-      <p:par>
-        <p:cTn id="1" dur="indefinite" restart="never" nodeType="tmRoot"/>
-      </p:par>
-    </p:tnLst>
-  </p:timing>
 </p:sld>
 </file>
 
